--- a/快排+优化.pptx
+++ b/快排+优化.pptx
@@ -5,7 +5,7 @@
     <p:sldMasterId id="2147483660" r:id="rId1"/>
   </p:sldMasterIdLst>
   <p:notesMasterIdLst>
-    <p:notesMasterId r:id="rId9"/>
+    <p:notesMasterId r:id="rId11"/>
   </p:notesMasterIdLst>
   <p:sldIdLst>
     <p:sldId id="256" r:id="rId2"/>
@@ -14,7 +14,9 @@
     <p:sldId id="259" r:id="rId5"/>
     <p:sldId id="260" r:id="rId6"/>
     <p:sldId id="262" r:id="rId7"/>
-    <p:sldId id="261" r:id="rId8"/>
+    <p:sldId id="264" r:id="rId8"/>
+    <p:sldId id="261" r:id="rId9"/>
+    <p:sldId id="265" r:id="rId10"/>
   </p:sldIdLst>
   <p:sldSz cx="9144000" cy="6858000" type="screen4x3"/>
   <p:notesSz cx="6858000" cy="9144000"/>
@@ -116,12 +118,12 @@
   <p:extLst>
     <p:ext uri="{EFAFB233-063F-42B5-8137-9DF3F51BA10A}">
       <p15:sldGuideLst xmlns:p15="http://schemas.microsoft.com/office/powerpoint/2012/main">
-        <p15:guide id="1" orient="horz" pos="2364" userDrawn="1">
+        <p15:guide id="1" orient="horz" pos="1888" userDrawn="1">
           <p15:clr>
             <a:srgbClr val="A4A3A4"/>
           </p15:clr>
         </p15:guide>
-        <p15:guide id="2" pos="2880" userDrawn="1">
+        <p15:guide id="2" pos="1224" userDrawn="1">
           <p15:clr>
             <a:srgbClr val="A4A3A4"/>
           </p15:clr>
@@ -834,6 +836,90 @@
     <p:extLst>
       <p:ext uri="{BB962C8B-B14F-4D97-AF65-F5344CB8AC3E}">
         <p14:creationId xmlns:p14="http://schemas.microsoft.com/office/powerpoint/2010/main" val="2323759291"/>
+      </p:ext>
+    </p:extLst>
+  </p:cSld>
+  <p:clrMapOvr>
+    <a:masterClrMapping/>
+  </p:clrMapOvr>
+</p:notes>
+</file>
+
+<file path=ppt/notesSlides/notesSlide4.xml><?xml version="1.0" encoding="utf-8"?>
+<p:notes xmlns:a="http://schemas.openxmlformats.org/drawingml/2006/main" xmlns:r="http://schemas.openxmlformats.org/officeDocument/2006/relationships" xmlns:p="http://schemas.openxmlformats.org/presentationml/2006/main">
+  <p:cSld>
+    <p:spTree>
+      <p:nvGrpSpPr>
+        <p:cNvPr id="1" name=""/>
+        <p:cNvGrpSpPr/>
+        <p:nvPr/>
+      </p:nvGrpSpPr>
+      <p:grpSpPr>
+        <a:xfrm>
+          <a:off x="0" y="0"/>
+          <a:ext cx="0" cy="0"/>
+          <a:chOff x="0" y="0"/>
+          <a:chExt cx="0" cy="0"/>
+        </a:xfrm>
+      </p:grpSpPr>
+      <p:sp>
+        <p:nvSpPr>
+          <p:cNvPr id="2" name="幻灯片图像占位符 1"/>
+          <p:cNvSpPr>
+            <a:spLocks noGrp="1" noRot="1" noChangeAspect="1"/>
+          </p:cNvSpPr>
+          <p:nvPr>
+            <p:ph type="sldImg"/>
+          </p:nvPr>
+        </p:nvSpPr>
+        <p:spPr/>
+      </p:sp>
+      <p:sp>
+        <p:nvSpPr>
+          <p:cNvPr id="3" name="备注占位符 2"/>
+          <p:cNvSpPr>
+            <a:spLocks noGrp="1"/>
+          </p:cNvSpPr>
+          <p:nvPr>
+            <p:ph type="body" idx="1"/>
+          </p:nvPr>
+        </p:nvSpPr>
+        <p:spPr/>
+        <p:txBody>
+          <a:bodyPr/>
+          <a:lstStyle/>
+          <a:p>
+            <a:endParaRPr lang="zh-CN" altLang="en-US" dirty="0"/>
+          </a:p>
+        </p:txBody>
+      </p:sp>
+      <p:sp>
+        <p:nvSpPr>
+          <p:cNvPr id="4" name="灯片编号占位符 3"/>
+          <p:cNvSpPr>
+            <a:spLocks noGrp="1"/>
+          </p:cNvSpPr>
+          <p:nvPr>
+            <p:ph type="sldNum" sz="quarter" idx="10"/>
+          </p:nvPr>
+        </p:nvSpPr>
+        <p:spPr/>
+        <p:txBody>
+          <a:bodyPr/>
+          <a:lstStyle/>
+          <a:p>
+            <a:fld id="{0F602B51-648F-47BC-9A3A-AF70E80790B8}" type="slidenum">
+              <a:rPr lang="zh-CN" altLang="en-US" smtClean="0"/>
+              <a:t>7</a:t>
+            </a:fld>
+            <a:endParaRPr lang="zh-CN" altLang="en-US"/>
+          </a:p>
+        </p:txBody>
+      </p:sp>
+    </p:spTree>
+    <p:extLst>
+      <p:ext uri="{BB962C8B-B14F-4D97-AF65-F5344CB8AC3E}">
+        <p14:creationId xmlns:p14="http://schemas.microsoft.com/office/powerpoint/2010/main" val="104088058"/>
       </p:ext>
     </p:extLst>
   </p:cSld>
@@ -3884,7 +3970,11 @@
           <a:p>
             <a:r>
               <a:rPr lang="zh-CN" altLang="en-US" sz="2400" dirty="0" smtClean="0"/>
-              <a:t>快速排序 </a:t>
+              <a:t>快速排</a:t>
+            </a:r>
+            <a:r>
+              <a:rPr lang="zh-CN" altLang="en-US" sz="2400" dirty="0" smtClean="0"/>
+              <a:t>序及优化 </a:t>
             </a:r>
             <a:r>
               <a:rPr lang="en-US" altLang="zh-CN" sz="2400" dirty="0" smtClean="0"/>
@@ -4937,500 +5027,6 @@
           </a:p>
         </p:txBody>
       </p:sp>
-      <p:grpSp>
-        <p:nvGrpSpPr>
-          <p:cNvPr id="52" name="组合 51"/>
-          <p:cNvGrpSpPr/>
-          <p:nvPr/>
-        </p:nvGrpSpPr>
-        <p:grpSpPr>
-          <a:xfrm>
-            <a:off x="4156380" y="3158033"/>
-            <a:ext cx="2074494" cy="488373"/>
-            <a:chOff x="4156380" y="4859883"/>
-            <a:chExt cx="2074494" cy="488373"/>
-          </a:xfrm>
-        </p:grpSpPr>
-        <p:sp>
-          <p:nvSpPr>
-            <p:cNvPr id="48" name="矩形 47"/>
-            <p:cNvSpPr/>
-            <p:nvPr/>
-          </p:nvSpPr>
-          <p:spPr>
-            <a:xfrm>
-              <a:off x="4156380" y="4859883"/>
-              <a:ext cx="519545" cy="488373"/>
-            </a:xfrm>
-            <a:prstGeom prst="rect">
-              <a:avLst/>
-            </a:prstGeom>
-            <a:noFill/>
-            <a:ln w="28575">
-              <a:solidFill>
-                <a:srgbClr val="0070C0"/>
-              </a:solidFill>
-            </a:ln>
-          </p:spPr>
-          <p:style>
-            <a:lnRef idx="2">
-              <a:schemeClr val="accent1">
-                <a:shade val="50000"/>
-              </a:schemeClr>
-            </a:lnRef>
-            <a:fillRef idx="1">
-              <a:schemeClr val="accent1"/>
-            </a:fillRef>
-            <a:effectRef idx="0">
-              <a:schemeClr val="accent1"/>
-            </a:effectRef>
-            <a:fontRef idx="minor">
-              <a:schemeClr val="lt1"/>
-            </a:fontRef>
-          </p:style>
-          <p:txBody>
-            <a:bodyPr rtlCol="0" anchor="ctr"/>
-            <a:lstStyle/>
-            <a:p>
-              <a:pPr algn="ctr"/>
-              <a:r>
-                <a:rPr lang="en-US" altLang="zh-CN" sz="2400" dirty="0" smtClean="0">
-                  <a:solidFill>
-                    <a:schemeClr val="tx1"/>
-                  </a:solidFill>
-                </a:rPr>
-                <a:t>b</a:t>
-              </a:r>
-              <a:endParaRPr lang="zh-CN" altLang="en-US" sz="2400" dirty="0">
-                <a:solidFill>
-                  <a:schemeClr val="tx1"/>
-                </a:solidFill>
-              </a:endParaRPr>
-            </a:p>
-          </p:txBody>
-        </p:sp>
-        <p:sp>
-          <p:nvSpPr>
-            <p:cNvPr id="49" name="矩形 48"/>
-            <p:cNvSpPr/>
-            <p:nvPr/>
-          </p:nvSpPr>
-          <p:spPr>
-            <a:xfrm>
-              <a:off x="4676285" y="4859883"/>
-              <a:ext cx="519545" cy="488373"/>
-            </a:xfrm>
-            <a:prstGeom prst="rect">
-              <a:avLst/>
-            </a:prstGeom>
-            <a:noFill/>
-            <a:ln w="28575">
-              <a:solidFill>
-                <a:srgbClr val="0070C0"/>
-              </a:solidFill>
-            </a:ln>
-          </p:spPr>
-          <p:style>
-            <a:lnRef idx="2">
-              <a:schemeClr val="accent1">
-                <a:shade val="50000"/>
-              </a:schemeClr>
-            </a:lnRef>
-            <a:fillRef idx="1">
-              <a:schemeClr val="accent1"/>
-            </a:fillRef>
-            <a:effectRef idx="0">
-              <a:schemeClr val="accent1"/>
-            </a:effectRef>
-            <a:fontRef idx="minor">
-              <a:schemeClr val="lt1"/>
-            </a:fontRef>
-          </p:style>
-          <p:txBody>
-            <a:bodyPr rtlCol="0" anchor="ctr"/>
-            <a:lstStyle/>
-            <a:p>
-              <a:pPr algn="ctr"/>
-              <a:r>
-                <a:rPr lang="en-US" altLang="zh-CN" sz="2400" dirty="0" smtClean="0">
-                  <a:solidFill>
-                    <a:schemeClr val="tx1"/>
-                  </a:solidFill>
-                </a:rPr>
-                <a:t>c</a:t>
-              </a:r>
-              <a:endParaRPr lang="zh-CN" altLang="en-US" sz="2400" dirty="0">
-                <a:solidFill>
-                  <a:schemeClr val="tx1"/>
-                </a:solidFill>
-              </a:endParaRPr>
-            </a:p>
-          </p:txBody>
-        </p:sp>
-        <p:sp>
-          <p:nvSpPr>
-            <p:cNvPr id="50" name="矩形 49"/>
-            <p:cNvSpPr/>
-            <p:nvPr/>
-          </p:nvSpPr>
-          <p:spPr>
-            <a:xfrm>
-              <a:off x="5193810" y="4859883"/>
-              <a:ext cx="519545" cy="488373"/>
-            </a:xfrm>
-            <a:prstGeom prst="rect">
-              <a:avLst/>
-            </a:prstGeom>
-            <a:noFill/>
-            <a:ln w="28575">
-              <a:solidFill>
-                <a:srgbClr val="0070C0"/>
-              </a:solidFill>
-            </a:ln>
-          </p:spPr>
-          <p:style>
-            <a:lnRef idx="2">
-              <a:schemeClr val="accent1">
-                <a:shade val="50000"/>
-              </a:schemeClr>
-            </a:lnRef>
-            <a:fillRef idx="1">
-              <a:schemeClr val="accent1"/>
-            </a:fillRef>
-            <a:effectRef idx="0">
-              <a:schemeClr val="accent1"/>
-            </a:effectRef>
-            <a:fontRef idx="minor">
-              <a:schemeClr val="lt1"/>
-            </a:fontRef>
-          </p:style>
-          <p:txBody>
-            <a:bodyPr rtlCol="0" anchor="ctr"/>
-            <a:lstStyle/>
-            <a:p>
-              <a:pPr algn="ctr"/>
-              <a:r>
-                <a:rPr lang="en-US" altLang="zh-CN" sz="2400" dirty="0" smtClean="0">
-                  <a:solidFill>
-                    <a:schemeClr val="tx1"/>
-                  </a:solidFill>
-                </a:rPr>
-                <a:t>d</a:t>
-              </a:r>
-              <a:endParaRPr lang="zh-CN" altLang="en-US" sz="2400" dirty="0">
-                <a:solidFill>
-                  <a:schemeClr val="tx1"/>
-                </a:solidFill>
-              </a:endParaRPr>
-            </a:p>
-          </p:txBody>
-        </p:sp>
-        <p:sp>
-          <p:nvSpPr>
-            <p:cNvPr id="51" name="矩形 50"/>
-            <p:cNvSpPr/>
-            <p:nvPr/>
-          </p:nvSpPr>
-          <p:spPr>
-            <a:xfrm>
-              <a:off x="5711329" y="4859883"/>
-              <a:ext cx="519545" cy="488373"/>
-            </a:xfrm>
-            <a:prstGeom prst="rect">
-              <a:avLst/>
-            </a:prstGeom>
-            <a:noFill/>
-            <a:ln w="28575">
-              <a:solidFill>
-                <a:srgbClr val="0070C0"/>
-              </a:solidFill>
-            </a:ln>
-          </p:spPr>
-          <p:style>
-            <a:lnRef idx="2">
-              <a:schemeClr val="accent1">
-                <a:shade val="50000"/>
-              </a:schemeClr>
-            </a:lnRef>
-            <a:fillRef idx="1">
-              <a:schemeClr val="accent1"/>
-            </a:fillRef>
-            <a:effectRef idx="0">
-              <a:schemeClr val="accent1"/>
-            </a:effectRef>
-            <a:fontRef idx="minor">
-              <a:schemeClr val="lt1"/>
-            </a:fontRef>
-          </p:style>
-          <p:txBody>
-            <a:bodyPr rtlCol="0" anchor="ctr"/>
-            <a:lstStyle/>
-            <a:p>
-              <a:pPr algn="ctr"/>
-              <a:r>
-                <a:rPr lang="en-US" altLang="zh-CN" sz="2400" dirty="0" smtClean="0">
-                  <a:solidFill>
-                    <a:schemeClr val="tx1"/>
-                  </a:solidFill>
-                </a:rPr>
-                <a:t>e</a:t>
-              </a:r>
-              <a:endParaRPr lang="zh-CN" altLang="en-US" sz="2400" dirty="0">
-                <a:solidFill>
-                  <a:schemeClr val="tx1"/>
-                </a:solidFill>
-              </a:endParaRPr>
-            </a:p>
-          </p:txBody>
-        </p:sp>
-      </p:grpSp>
-      <p:grpSp>
-        <p:nvGrpSpPr>
-          <p:cNvPr id="57" name="组合 56"/>
-          <p:cNvGrpSpPr/>
-          <p:nvPr/>
-        </p:nvGrpSpPr>
-        <p:grpSpPr>
-          <a:xfrm>
-            <a:off x="6793673" y="3158033"/>
-            <a:ext cx="2076879" cy="488373"/>
-            <a:chOff x="6980530" y="3844929"/>
-            <a:chExt cx="2076879" cy="488373"/>
-          </a:xfrm>
-        </p:grpSpPr>
-        <p:sp>
-          <p:nvSpPr>
-            <p:cNvPr id="53" name="矩形 52"/>
-            <p:cNvSpPr/>
-            <p:nvPr/>
-          </p:nvSpPr>
-          <p:spPr>
-            <a:xfrm>
-              <a:off x="8537864" y="3844929"/>
-              <a:ext cx="519545" cy="488373"/>
-            </a:xfrm>
-            <a:prstGeom prst="rect">
-              <a:avLst/>
-            </a:prstGeom>
-            <a:noFill/>
-            <a:ln w="28575">
-              <a:solidFill>
-                <a:srgbClr val="0070C0"/>
-              </a:solidFill>
-            </a:ln>
-          </p:spPr>
-          <p:style>
-            <a:lnRef idx="2">
-              <a:schemeClr val="accent1">
-                <a:shade val="50000"/>
-              </a:schemeClr>
-            </a:lnRef>
-            <a:fillRef idx="1">
-              <a:schemeClr val="accent1"/>
-            </a:fillRef>
-            <a:effectRef idx="0">
-              <a:schemeClr val="accent1"/>
-            </a:effectRef>
-            <a:fontRef idx="minor">
-              <a:schemeClr val="lt1"/>
-            </a:fontRef>
-          </p:style>
-          <p:txBody>
-            <a:bodyPr rtlCol="0" anchor="ctr"/>
-            <a:lstStyle/>
-            <a:p>
-              <a:pPr algn="ctr"/>
-              <a:r>
-                <a:rPr lang="en-US" altLang="zh-CN" sz="2400" dirty="0" smtClean="0">
-                  <a:solidFill>
-                    <a:schemeClr val="tx1"/>
-                  </a:solidFill>
-                </a:rPr>
-                <a:t>i</a:t>
-              </a:r>
-              <a:endParaRPr lang="zh-CN" altLang="en-US" sz="2400" dirty="0">
-                <a:solidFill>
-                  <a:schemeClr val="tx1"/>
-                </a:solidFill>
-              </a:endParaRPr>
-            </a:p>
-          </p:txBody>
-        </p:sp>
-        <p:sp>
-          <p:nvSpPr>
-            <p:cNvPr id="54" name="矩形 53"/>
-            <p:cNvSpPr/>
-            <p:nvPr/>
-          </p:nvSpPr>
-          <p:spPr>
-            <a:xfrm>
-              <a:off x="6980530" y="3844929"/>
-              <a:ext cx="519545" cy="488373"/>
-            </a:xfrm>
-            <a:prstGeom prst="rect">
-              <a:avLst/>
-            </a:prstGeom>
-            <a:noFill/>
-            <a:ln w="28575">
-              <a:solidFill>
-                <a:srgbClr val="0070C0"/>
-              </a:solidFill>
-            </a:ln>
-          </p:spPr>
-          <p:style>
-            <a:lnRef idx="2">
-              <a:schemeClr val="accent1">
-                <a:shade val="50000"/>
-              </a:schemeClr>
-            </a:lnRef>
-            <a:fillRef idx="1">
-              <a:schemeClr val="accent1"/>
-            </a:fillRef>
-            <a:effectRef idx="0">
-              <a:schemeClr val="accent1"/>
-            </a:effectRef>
-            <a:fontRef idx="minor">
-              <a:schemeClr val="lt1"/>
-            </a:fontRef>
-          </p:style>
-          <p:txBody>
-            <a:bodyPr rtlCol="0" anchor="ctr"/>
-            <a:lstStyle/>
-            <a:p>
-              <a:pPr algn="ctr"/>
-              <a:r>
-                <a:rPr lang="en-US" altLang="zh-CN" sz="2400" dirty="0" smtClean="0">
-                  <a:solidFill>
-                    <a:schemeClr val="tx1"/>
-                  </a:solidFill>
-                </a:rPr>
-                <a:t>f</a:t>
-              </a:r>
-              <a:endParaRPr lang="zh-CN" altLang="en-US" sz="2400" dirty="0">
-                <a:solidFill>
-                  <a:schemeClr val="tx1"/>
-                </a:solidFill>
-              </a:endParaRPr>
-            </a:p>
-          </p:txBody>
-        </p:sp>
-        <p:sp>
-          <p:nvSpPr>
-            <p:cNvPr id="55" name="矩形 54"/>
-            <p:cNvSpPr/>
-            <p:nvPr/>
-          </p:nvSpPr>
-          <p:spPr>
-            <a:xfrm>
-              <a:off x="7499641" y="3844929"/>
-              <a:ext cx="519545" cy="488373"/>
-            </a:xfrm>
-            <a:prstGeom prst="rect">
-              <a:avLst/>
-            </a:prstGeom>
-            <a:noFill/>
-            <a:ln w="28575">
-              <a:solidFill>
-                <a:srgbClr val="0070C0"/>
-              </a:solidFill>
-            </a:ln>
-          </p:spPr>
-          <p:style>
-            <a:lnRef idx="2">
-              <a:schemeClr val="accent1">
-                <a:shade val="50000"/>
-              </a:schemeClr>
-            </a:lnRef>
-            <a:fillRef idx="1">
-              <a:schemeClr val="accent1"/>
-            </a:fillRef>
-            <a:effectRef idx="0">
-              <a:schemeClr val="accent1"/>
-            </a:effectRef>
-            <a:fontRef idx="minor">
-              <a:schemeClr val="lt1"/>
-            </a:fontRef>
-          </p:style>
-          <p:txBody>
-            <a:bodyPr rtlCol="0" anchor="ctr"/>
-            <a:lstStyle/>
-            <a:p>
-              <a:pPr algn="ctr"/>
-              <a:r>
-                <a:rPr lang="en-US" altLang="zh-CN" sz="2400" dirty="0" smtClean="0">
-                  <a:solidFill>
-                    <a:schemeClr val="tx1"/>
-                  </a:solidFill>
-                </a:rPr>
-                <a:t>g</a:t>
-              </a:r>
-              <a:endParaRPr lang="zh-CN" altLang="en-US" sz="2400" dirty="0">
-                <a:solidFill>
-                  <a:schemeClr val="tx1"/>
-                </a:solidFill>
-              </a:endParaRPr>
-            </a:p>
-          </p:txBody>
-        </p:sp>
-        <p:sp>
-          <p:nvSpPr>
-            <p:cNvPr id="56" name="矩形 55"/>
-            <p:cNvSpPr/>
-            <p:nvPr/>
-          </p:nvSpPr>
-          <p:spPr>
-            <a:xfrm>
-              <a:off x="8018753" y="3844929"/>
-              <a:ext cx="519545" cy="488373"/>
-            </a:xfrm>
-            <a:prstGeom prst="rect">
-              <a:avLst/>
-            </a:prstGeom>
-            <a:noFill/>
-            <a:ln w="28575">
-              <a:solidFill>
-                <a:srgbClr val="0070C0"/>
-              </a:solidFill>
-            </a:ln>
-          </p:spPr>
-          <p:style>
-            <a:lnRef idx="2">
-              <a:schemeClr val="accent1">
-                <a:shade val="50000"/>
-              </a:schemeClr>
-            </a:lnRef>
-            <a:fillRef idx="1">
-              <a:schemeClr val="accent1"/>
-            </a:fillRef>
-            <a:effectRef idx="0">
-              <a:schemeClr val="accent1"/>
-            </a:effectRef>
-            <a:fontRef idx="minor">
-              <a:schemeClr val="lt1"/>
-            </a:fontRef>
-          </p:style>
-          <p:txBody>
-            <a:bodyPr rtlCol="0" anchor="ctr"/>
-            <a:lstStyle/>
-            <a:p>
-              <a:pPr algn="ctr"/>
-              <a:r>
-                <a:rPr lang="en-US" altLang="zh-CN" sz="2400" dirty="0" smtClean="0">
-                  <a:solidFill>
-                    <a:schemeClr val="tx1"/>
-                  </a:solidFill>
-                </a:rPr>
-                <a:t>h</a:t>
-              </a:r>
-              <a:endParaRPr lang="zh-CN" altLang="en-US" sz="2400" dirty="0">
-                <a:solidFill>
-                  <a:schemeClr val="tx1"/>
-                </a:solidFill>
-              </a:endParaRPr>
-            </a:p>
-          </p:txBody>
-        </p:sp>
-      </p:grpSp>
       <p:graphicFrame>
         <p:nvGraphicFramePr>
           <p:cNvPr id="3" name="表格 2"/>
@@ -5440,7 +5036,7 @@
           <p:nvPr>
             <p:extLst>
               <p:ext uri="{D42A27DB-BD31-4B8C-83A1-F6EECF244321}">
-                <p14:modId xmlns:p14="http://schemas.microsoft.com/office/powerpoint/2010/main" val="1957617897"/>
+                <p14:modId xmlns:p14="http://schemas.microsoft.com/office/powerpoint/2010/main" val="2707342668"/>
               </p:ext>
             </p:extLst>
           </p:nvPr>
@@ -7488,49 +7084,6 @@
       </p:sp>
       <p:sp>
         <p:nvSpPr>
-          <p:cNvPr id="100" name="文本框 99"/>
-          <p:cNvSpPr txBox="1"/>
-          <p:nvPr/>
-        </p:nvSpPr>
-        <p:spPr>
-          <a:xfrm rot="1073985">
-            <a:off x="2691931" y="3297869"/>
-            <a:ext cx="2184140" cy="1338828"/>
-          </a:xfrm>
-          <a:prstGeom prst="rect">
-            <a:avLst/>
-          </a:prstGeom>
-          <a:noFill/>
-        </p:spPr>
-        <p:txBody>
-          <a:bodyPr wrap="square" rtlCol="0">
-            <a:spAutoFit/>
-          </a:bodyPr>
-          <a:lstStyle/>
-          <a:p>
-            <a:pPr algn="ctr">
-              <a:lnSpc>
-                <a:spcPct val="150000"/>
-              </a:lnSpc>
-            </a:pPr>
-            <a:r>
-              <a:rPr lang="en-US" altLang="zh-CN" sz="5400" b="1" dirty="0" smtClean="0">
-                <a:solidFill>
-                  <a:srgbClr val="FF0000"/>
-                </a:solidFill>
-              </a:rPr>
-              <a:t>?</a:t>
-            </a:r>
-            <a:endParaRPr lang="zh-CN" altLang="en-US" sz="5400" b="1" dirty="0">
-              <a:solidFill>
-                <a:srgbClr val="FF0000"/>
-              </a:solidFill>
-            </a:endParaRPr>
-          </a:p>
-        </p:txBody>
-      </p:sp>
-      <p:sp>
-        <p:nvSpPr>
           <p:cNvPr id="19" name="圆角矩形 18"/>
           <p:cNvSpPr/>
           <p:nvPr/>
@@ -7627,6 +7180,18 @@
   <p:clrMapOvr>
     <a:masterClrMapping/>
   </p:clrMapOvr>
+  <mc:AlternateContent xmlns:mc="http://schemas.openxmlformats.org/markup-compatibility/2006">
+    <mc:Choice xmlns:p14="http://schemas.microsoft.com/office/powerpoint/2010/main" Requires="p14">
+      <p:transition spd="med" p14:dur="700">
+        <p:fade/>
+      </p:transition>
+    </mc:Choice>
+    <mc:Fallback>
+      <p:transition spd="med">
+        <p:fade/>
+      </p:transition>
+    </mc:Fallback>
+  </mc:AlternateContent>
   <p:timing>
     <p:tnLst>
       <p:par>
@@ -8899,310 +8464,312 @@
                             </p:stCondLst>
                             <p:childTnLst>
                               <p:par>
-                                <p:cTn id="102" presetID="47" presetClass="entr" presetSubtype="0" fill="hold" nodeType="clickEffect">
+                                <p:cTn id="102" presetID="10" presetClass="exit" presetSubtype="0" fill="hold" grpId="3" nodeType="clickEffect">
+                                  <p:stCondLst>
+                                    <p:cond delay="0"/>
+                                  </p:stCondLst>
+                                  <p:iterate type="lt">
+                                    <p:tmPct val="0"/>
+                                  </p:iterate>
+                                  <p:childTnLst>
+                                    <p:animEffect transition="out" filter="fade">
+                                      <p:cBhvr>
+                                        <p:cTn id="103" dur="500"/>
+                                        <p:tgtEl>
+                                          <p:spTgt spid="7">
+                                            <p:txEl>
+                                              <p:pRg st="0" end="0"/>
+                                            </p:txEl>
+                                          </p:spTgt>
+                                        </p:tgtEl>
+                                      </p:cBhvr>
+                                    </p:animEffect>
+                                    <p:set>
+                                      <p:cBhvr>
+                                        <p:cTn id="104" dur="1" fill="hold">
+                                          <p:stCondLst>
+                                            <p:cond delay="499"/>
+                                          </p:stCondLst>
+                                        </p:cTn>
+                                        <p:tgtEl>
+                                          <p:spTgt spid="7">
+                                            <p:txEl>
+                                              <p:pRg st="0" end="0"/>
+                                            </p:txEl>
+                                          </p:spTgt>
+                                        </p:tgtEl>
+                                        <p:attrNameLst>
+                                          <p:attrName>style.visibility</p:attrName>
+                                        </p:attrNameLst>
+                                      </p:cBhvr>
+                                      <p:to>
+                                        <p:strVal val="hidden"/>
+                                      </p:to>
+                                    </p:set>
+                                  </p:childTnLst>
+                                </p:cTn>
+                              </p:par>
+                              <p:par>
+                                <p:cTn id="105" presetID="10" presetClass="exit" presetSubtype="0" fill="hold" grpId="3" nodeType="withEffect">
                                   <p:stCondLst>
                                     <p:cond delay="0"/>
                                   </p:stCondLst>
                                   <p:childTnLst>
+                                    <p:animEffect transition="out" filter="fade">
+                                      <p:cBhvr>
+                                        <p:cTn id="106" dur="500"/>
+                                        <p:tgtEl>
+                                          <p:spTgt spid="7">
+                                            <p:bg/>
+                                          </p:spTgt>
+                                        </p:tgtEl>
+                                      </p:cBhvr>
+                                    </p:animEffect>
                                     <p:set>
                                       <p:cBhvr>
-                                        <p:cTn id="103" dur="1" fill="hold">
+                                        <p:cTn id="107" dur="1" fill="hold">
                                           <p:stCondLst>
-                                            <p:cond delay="0"/>
+                                            <p:cond delay="499"/>
                                           </p:stCondLst>
                                         </p:cTn>
                                         <p:tgtEl>
-                                          <p:spTgt spid="52"/>
+                                          <p:spTgt spid="7">
+                                            <p:bg/>
+                                          </p:spTgt>
                                         </p:tgtEl>
                                         <p:attrNameLst>
                                           <p:attrName>style.visibility</p:attrName>
                                         </p:attrNameLst>
                                       </p:cBhvr>
                                       <p:to>
-                                        <p:strVal val="visible"/>
+                                        <p:strVal val="hidden"/>
                                       </p:to>
                                     </p:set>
-                                    <p:animEffect transition="in" filter="fade">
-                                      <p:cBhvr>
-                                        <p:cTn id="104" dur="750"/>
-                                        <p:tgtEl>
-                                          <p:spTgt spid="52"/>
-                                        </p:tgtEl>
-                                      </p:cBhvr>
-                                    </p:animEffect>
-                                    <p:anim calcmode="lin" valueType="num">
-                                      <p:cBhvr>
-                                        <p:cTn id="105" dur="750" fill="hold"/>
-                                        <p:tgtEl>
-                                          <p:spTgt spid="52"/>
-                                        </p:tgtEl>
-                                        <p:attrNameLst>
-                                          <p:attrName>ppt_x</p:attrName>
-                                        </p:attrNameLst>
-                                      </p:cBhvr>
-                                      <p:tavLst>
-                                        <p:tav tm="0">
-                                          <p:val>
-                                            <p:strVal val="#ppt_x"/>
-                                          </p:val>
-                                        </p:tav>
-                                        <p:tav tm="100000">
-                                          <p:val>
-                                            <p:strVal val="#ppt_x"/>
-                                          </p:val>
-                                        </p:tav>
-                                      </p:tavLst>
-                                    </p:anim>
-                                    <p:anim calcmode="lin" valueType="num">
-                                      <p:cBhvr>
-                                        <p:cTn id="106" dur="750" fill="hold"/>
-                                        <p:tgtEl>
-                                          <p:spTgt spid="52"/>
-                                        </p:tgtEl>
-                                        <p:attrNameLst>
-                                          <p:attrName>ppt_y</p:attrName>
-                                        </p:attrNameLst>
-                                      </p:cBhvr>
-                                      <p:tavLst>
-                                        <p:tav tm="0">
-                                          <p:val>
-                                            <p:strVal val="#ppt_y-.1"/>
-                                          </p:val>
-                                        </p:tav>
-                                        <p:tav tm="100000">
-                                          <p:val>
-                                            <p:strVal val="#ppt_y"/>
-                                          </p:val>
-                                        </p:tav>
-                                      </p:tavLst>
-                                    </p:anim>
                                   </p:childTnLst>
                                 </p:cTn>
                               </p:par>
                               <p:par>
-                                <p:cTn id="107" presetID="47" presetClass="entr" presetSubtype="0" fill="hold" nodeType="withEffect">
+                                <p:cTn id="108" presetID="10" presetClass="exit" presetSubtype="0" fill="hold" grpId="3" nodeType="withEffect">
+                                  <p:stCondLst>
+                                    <p:cond delay="0"/>
+                                  </p:stCondLst>
+                                  <p:iterate type="lt">
+                                    <p:tmPct val="0"/>
+                                  </p:iterate>
+                                  <p:childTnLst>
+                                    <p:animEffect transition="out" filter="fade">
+                                      <p:cBhvr>
+                                        <p:cTn id="109" dur="500"/>
+                                        <p:tgtEl>
+                                          <p:spTgt spid="15">
+                                            <p:txEl>
+                                              <p:pRg st="0" end="0"/>
+                                            </p:txEl>
+                                          </p:spTgt>
+                                        </p:tgtEl>
+                                      </p:cBhvr>
+                                    </p:animEffect>
+                                    <p:set>
+                                      <p:cBhvr>
+                                        <p:cTn id="110" dur="1" fill="hold">
+                                          <p:stCondLst>
+                                            <p:cond delay="499"/>
+                                          </p:stCondLst>
+                                        </p:cTn>
+                                        <p:tgtEl>
+                                          <p:spTgt spid="15">
+                                            <p:txEl>
+                                              <p:pRg st="0" end="0"/>
+                                            </p:txEl>
+                                          </p:spTgt>
+                                        </p:tgtEl>
+                                        <p:attrNameLst>
+                                          <p:attrName>style.visibility</p:attrName>
+                                        </p:attrNameLst>
+                                      </p:cBhvr>
+                                      <p:to>
+                                        <p:strVal val="hidden"/>
+                                      </p:to>
+                                    </p:set>
+                                  </p:childTnLst>
+                                </p:cTn>
+                              </p:par>
+                              <p:par>
+                                <p:cTn id="111" presetID="10" presetClass="exit" presetSubtype="0" fill="hold" grpId="3" nodeType="withEffect">
                                   <p:stCondLst>
                                     <p:cond delay="0"/>
                                   </p:stCondLst>
                                   <p:childTnLst>
+                                    <p:animEffect transition="out" filter="fade">
+                                      <p:cBhvr>
+                                        <p:cTn id="112" dur="500"/>
+                                        <p:tgtEl>
+                                          <p:spTgt spid="15">
+                                            <p:bg/>
+                                          </p:spTgt>
+                                        </p:tgtEl>
+                                      </p:cBhvr>
+                                    </p:animEffect>
                                     <p:set>
                                       <p:cBhvr>
-                                        <p:cTn id="108" dur="1" fill="hold">
+                                        <p:cTn id="113" dur="1" fill="hold">
                                           <p:stCondLst>
-                                            <p:cond delay="0"/>
+                                            <p:cond delay="499"/>
                                           </p:stCondLst>
                                         </p:cTn>
                                         <p:tgtEl>
-                                          <p:spTgt spid="57"/>
+                                          <p:spTgt spid="15">
+                                            <p:bg/>
+                                          </p:spTgt>
                                         </p:tgtEl>
                                         <p:attrNameLst>
                                           <p:attrName>style.visibility</p:attrName>
                                         </p:attrNameLst>
                                       </p:cBhvr>
                                       <p:to>
-                                        <p:strVal val="visible"/>
+                                        <p:strVal val="hidden"/>
                                       </p:to>
                                     </p:set>
-                                    <p:animEffect transition="in" filter="fade">
-                                      <p:cBhvr>
-                                        <p:cTn id="109" dur="750"/>
-                                        <p:tgtEl>
-                                          <p:spTgt spid="57"/>
-                                        </p:tgtEl>
-                                      </p:cBhvr>
-                                    </p:animEffect>
-                                    <p:anim calcmode="lin" valueType="num">
-                                      <p:cBhvr>
-                                        <p:cTn id="110" dur="750" fill="hold"/>
-                                        <p:tgtEl>
-                                          <p:spTgt spid="57"/>
-                                        </p:tgtEl>
-                                        <p:attrNameLst>
-                                          <p:attrName>ppt_x</p:attrName>
-                                        </p:attrNameLst>
-                                      </p:cBhvr>
-                                      <p:tavLst>
-                                        <p:tav tm="0">
-                                          <p:val>
-                                            <p:strVal val="#ppt_x"/>
-                                          </p:val>
-                                        </p:tav>
-                                        <p:tav tm="100000">
-                                          <p:val>
-                                            <p:strVal val="#ppt_x"/>
-                                          </p:val>
-                                        </p:tav>
-                                      </p:tavLst>
-                                    </p:anim>
-                                    <p:anim calcmode="lin" valueType="num">
-                                      <p:cBhvr>
-                                        <p:cTn id="111" dur="750" fill="hold"/>
-                                        <p:tgtEl>
-                                          <p:spTgt spid="57"/>
-                                        </p:tgtEl>
-                                        <p:attrNameLst>
-                                          <p:attrName>ppt_y</p:attrName>
-                                        </p:attrNameLst>
-                                      </p:cBhvr>
-                                      <p:tavLst>
-                                        <p:tav tm="0">
-                                          <p:val>
-                                            <p:strVal val="#ppt_y-.1"/>
-                                          </p:val>
-                                        </p:tav>
-                                        <p:tav tm="100000">
-                                          <p:val>
-                                            <p:strVal val="#ppt_y"/>
-                                          </p:val>
-                                        </p:tav>
-                                      </p:tavLst>
-                                    </p:anim>
                                   </p:childTnLst>
                                 </p:cTn>
                               </p:par>
-                            </p:childTnLst>
-                          </p:cTn>
-                        </p:par>
-                      </p:childTnLst>
-                    </p:cTn>
-                  </p:par>
-                  <p:par>
-                    <p:cTn id="112" fill="hold">
-                      <p:stCondLst>
-                        <p:cond delay="indefinite"/>
-                      </p:stCondLst>
-                      <p:childTnLst>
-                        <p:par>
-                          <p:cTn id="113" fill="hold">
-                            <p:stCondLst>
-                              <p:cond delay="0"/>
-                            </p:stCondLst>
-                            <p:childTnLst>
                               <p:par>
-                                <p:cTn id="114" presetID="22" presetClass="entr" presetSubtype="8" fill="hold" nodeType="clickEffect">
+                                <p:cTn id="114" presetID="10" presetClass="exit" presetSubtype="0" fill="hold" nodeType="withEffect">
                                   <p:stCondLst>
                                     <p:cond delay="0"/>
                                   </p:stCondLst>
                                   <p:childTnLst>
+                                    <p:animEffect transition="out" filter="fade">
+                                      <p:cBhvr>
+                                        <p:cTn id="115" dur="500"/>
+                                        <p:tgtEl>
+                                          <p:spTgt spid="25"/>
+                                        </p:tgtEl>
+                                      </p:cBhvr>
+                                    </p:animEffect>
                                     <p:set>
                                       <p:cBhvr>
-                                        <p:cTn id="115" dur="1" fill="hold">
+                                        <p:cTn id="116" dur="1" fill="hold">
                                           <p:stCondLst>
-                                            <p:cond delay="0"/>
+                                            <p:cond delay="499"/>
                                           </p:stCondLst>
                                         </p:cTn>
                                         <p:tgtEl>
-                                          <p:spTgt spid="3"/>
+                                          <p:spTgt spid="25"/>
                                         </p:tgtEl>
                                         <p:attrNameLst>
                                           <p:attrName>style.visibility</p:attrName>
                                         </p:attrNameLst>
                                       </p:cBhvr>
                                       <p:to>
-                                        <p:strVal val="visible"/>
+                                        <p:strVal val="hidden"/>
                                       </p:to>
                                     </p:set>
-                                    <p:animEffect transition="in" filter="wipe(left)">
-                                      <p:cBhvr>
-                                        <p:cTn id="116" dur="500"/>
-                                        <p:tgtEl>
-                                          <p:spTgt spid="3"/>
-                                        </p:tgtEl>
-                                      </p:cBhvr>
-                                    </p:animEffect>
                                   </p:childTnLst>
                                 </p:cTn>
                               </p:par>
-                            </p:childTnLst>
-                          </p:cTn>
-                        </p:par>
-                      </p:childTnLst>
-                    </p:cTn>
-                  </p:par>
-                  <p:par>
-                    <p:cTn id="117" fill="hold">
-                      <p:stCondLst>
-                        <p:cond delay="indefinite"/>
-                      </p:stCondLst>
-                      <p:childTnLst>
-                        <p:par>
-                          <p:cTn id="118" fill="hold">
-                            <p:stCondLst>
-                              <p:cond delay="0"/>
-                            </p:stCondLst>
-                            <p:childTnLst>
                               <p:par>
-                                <p:cTn id="119" presetID="64" presetClass="path" presetSubtype="0" accel="50000" decel="50000" fill="hold" nodeType="clickEffect">
+                                <p:cTn id="117" presetID="10" presetClass="exit" presetSubtype="0" fill="hold" nodeType="withEffect">
                                   <p:stCondLst>
                                     <p:cond delay="0"/>
                                   </p:stCondLst>
                                   <p:childTnLst>
-                                    <p:animMotion origin="layout" path="M 4.16667E-6 -1.48148E-6 L 0.00034 -0.19213 " pathEditMode="relative" rAng="0" ptsTypes="AA">
-                                      <p:cBhvr>
-                                        <p:cTn id="120" dur="1000" fill="hold"/>
-                                        <p:tgtEl>
-                                          <p:spTgt spid="3"/>
+                                    <p:animEffect transition="out" filter="fade">
+                                      <p:cBhvr>
+                                        <p:cTn id="118" dur="500"/>
+                                        <p:tgtEl>
+                                          <p:spTgt spid="28"/>
+                                        </p:tgtEl>
+                                      </p:cBhvr>
+                                    </p:animEffect>
+                                    <p:set>
+                                      <p:cBhvr>
+                                        <p:cTn id="119" dur="1" fill="hold">
+                                          <p:stCondLst>
+                                            <p:cond delay="499"/>
+                                          </p:stCondLst>
+                                        </p:cTn>
+                                        <p:tgtEl>
+                                          <p:spTgt spid="28"/>
                                         </p:tgtEl>
                                         <p:attrNameLst>
-                                          <p:attrName>ppt_x</p:attrName>
-                                          <p:attrName>ppt_y</p:attrName>
+                                          <p:attrName>style.visibility</p:attrName>
                                         </p:attrNameLst>
                                       </p:cBhvr>
-                                      <p:rCtr x="17" y="-9606"/>
-                                    </p:animMotion>
+                                      <p:to>
+                                        <p:strVal val="hidden"/>
+                                      </p:to>
+                                    </p:set>
                                   </p:childTnLst>
                                 </p:cTn>
                               </p:par>
-                            </p:childTnLst>
-                          </p:cTn>
-                        </p:par>
-                      </p:childTnLst>
-                    </p:cTn>
-                  </p:par>
-                  <p:par>
-                    <p:cTn id="121" fill="hold">
-                      <p:stCondLst>
-                        <p:cond delay="indefinite"/>
-                      </p:stCondLst>
-                      <p:childTnLst>
-                        <p:par>
-                          <p:cTn id="122" fill="hold">
-                            <p:stCondLst>
-                              <p:cond delay="0"/>
-                            </p:stCondLst>
-                            <p:childTnLst>
                               <p:par>
-                                <p:cTn id="123" presetID="10" presetClass="entr" presetSubtype="0" fill="hold" nodeType="clickEffect">
+                                <p:cTn id="120" presetID="10" presetClass="exit" presetSubtype="0" fill="hold" grpId="1" nodeType="withEffect">
                                   <p:stCondLst>
                                     <p:cond delay="0"/>
                                   </p:stCondLst>
                                   <p:childTnLst>
+                                    <p:animEffect transition="out" filter="fade">
+                                      <p:cBhvr>
+                                        <p:cTn id="121" dur="500"/>
+                                        <p:tgtEl>
+                                          <p:spTgt spid="30"/>
+                                        </p:tgtEl>
+                                      </p:cBhvr>
+                                    </p:animEffect>
                                     <p:set>
                                       <p:cBhvr>
-                                        <p:cTn id="124" dur="1" fill="hold">
+                                        <p:cTn id="122" dur="1" fill="hold">
                                           <p:stCondLst>
-                                            <p:cond delay="0"/>
+                                            <p:cond delay="499"/>
                                           </p:stCondLst>
                                         </p:cTn>
                                         <p:tgtEl>
-                                          <p:spTgt spid="38"/>
+                                          <p:spTgt spid="30"/>
                                         </p:tgtEl>
                                         <p:attrNameLst>
                                           <p:attrName>style.visibility</p:attrName>
                                         </p:attrNameLst>
                                       </p:cBhvr>
                                       <p:to>
-                                        <p:strVal val="visible"/>
+                                        <p:strVal val="hidden"/>
                                       </p:to>
                                     </p:set>
-                                    <p:animEffect transition="in" filter="fade">
-                                      <p:cBhvr>
-                                        <p:cTn id="125" dur="500"/>
-                                        <p:tgtEl>
-                                          <p:spTgt spid="38"/>
+                                  </p:childTnLst>
+                                </p:cTn>
+                              </p:par>
+                              <p:par>
+                                <p:cTn id="123" presetID="10" presetClass="exit" presetSubtype="0" fill="hold" grpId="1" nodeType="withEffect">
+                                  <p:stCondLst>
+                                    <p:cond delay="0"/>
+                                  </p:stCondLst>
+                                  <p:childTnLst>
+                                    <p:animEffect transition="out" filter="fade">
+                                      <p:cBhvr>
+                                        <p:cTn id="124" dur="500"/>
+                                        <p:tgtEl>
+                                          <p:spTgt spid="31"/>
                                         </p:tgtEl>
                                       </p:cBhvr>
                                     </p:animEffect>
+                                    <p:set>
+                                      <p:cBhvr>
+                                        <p:cTn id="125" dur="1" fill="hold">
+                                          <p:stCondLst>
+                                            <p:cond delay="499"/>
+                                          </p:stCondLst>
+                                        </p:cTn>
+                                        <p:tgtEl>
+                                          <p:spTgt spid="31"/>
+                                        </p:tgtEl>
+                                        <p:attrNameLst>
+                                          <p:attrName>style.visibility</p:attrName>
+                                        </p:attrNameLst>
+                                      </p:cBhvr>
+                                      <p:to>
+                                        <p:strVal val="hidden"/>
+                                      </p:to>
+                                    </p:set>
                                   </p:childTnLst>
                                 </p:cTn>
                               </p:par>
@@ -9225,7 +8792,7 @@
                             </p:stCondLst>
                             <p:childTnLst>
                               <p:par>
-                                <p:cTn id="128" presetID="21" presetClass="entr" presetSubtype="1" fill="hold" grpId="0" nodeType="clickEffect">
+                                <p:cTn id="128" presetID="22" presetClass="entr" presetSubtype="8" fill="hold" nodeType="clickEffect">
                                   <p:stCondLst>
                                     <p:cond delay="0"/>
                                   </p:stCondLst>
@@ -9238,7 +8805,7 @@
                                           </p:stCondLst>
                                         </p:cTn>
                                         <p:tgtEl>
-                                          <p:spTgt spid="19"/>
+                                          <p:spTgt spid="3"/>
                                         </p:tgtEl>
                                         <p:attrNameLst>
                                           <p:attrName>style.visibility</p:attrName>
@@ -9248,11 +8815,11 @@
                                         <p:strVal val="visible"/>
                                       </p:to>
                                     </p:set>
-                                    <p:animEffect transition="in" filter="wheel(1)">
-                                      <p:cBhvr>
-                                        <p:cTn id="130" dur="750"/>
-                                        <p:tgtEl>
-                                          <p:spTgt spid="19"/>
+                                    <p:animEffect transition="in" filter="wipe(left)">
+                                      <p:cBhvr>
+                                        <p:cTn id="130" dur="500"/>
+                                        <p:tgtEl>
+                                          <p:spTgt spid="3"/>
                                         </p:tgtEl>
                                       </p:cBhvr>
                                     </p:animEffect>
@@ -9278,20 +8845,60 @@
                             </p:stCondLst>
                             <p:childTnLst>
                               <p:par>
-                                <p:cTn id="133" presetID="10" presetClass="entr" presetSubtype="0" fill="hold" nodeType="clickEffect">
+                                <p:cTn id="133" presetID="64" presetClass="path" presetSubtype="0" accel="50000" decel="50000" fill="hold" nodeType="clickEffect">
+                                  <p:stCondLst>
+                                    <p:cond delay="0"/>
+                                  </p:stCondLst>
+                                  <p:childTnLst>
+                                    <p:animMotion origin="layout" path="M 4.16667E-6 -1.48148E-6 L -0.00643 -0.21389 " pathEditMode="relative" rAng="0" ptsTypes="AA">
+                                      <p:cBhvr>
+                                        <p:cTn id="134" dur="1000" fill="hold"/>
+                                        <p:tgtEl>
+                                          <p:spTgt spid="3"/>
+                                        </p:tgtEl>
+                                        <p:attrNameLst>
+                                          <p:attrName>ppt_x</p:attrName>
+                                          <p:attrName>ppt_y</p:attrName>
+                                        </p:attrNameLst>
+                                      </p:cBhvr>
+                                      <p:rCtr x="-330" y="-10694"/>
+                                    </p:animMotion>
+                                  </p:childTnLst>
+                                </p:cTn>
+                              </p:par>
+                            </p:childTnLst>
+                          </p:cTn>
+                        </p:par>
+                      </p:childTnLst>
+                    </p:cTn>
+                  </p:par>
+                  <p:par>
+                    <p:cTn id="135" fill="hold">
+                      <p:stCondLst>
+                        <p:cond delay="indefinite"/>
+                      </p:stCondLst>
+                      <p:childTnLst>
+                        <p:par>
+                          <p:cTn id="136" fill="hold">
+                            <p:stCondLst>
+                              <p:cond delay="0"/>
+                            </p:stCondLst>
+                            <p:childTnLst>
+                              <p:par>
+                                <p:cTn id="137" presetID="10" presetClass="entr" presetSubtype="0" fill="hold" nodeType="clickEffect">
                                   <p:stCondLst>
                                     <p:cond delay="0"/>
                                   </p:stCondLst>
                                   <p:childTnLst>
                                     <p:set>
                                       <p:cBhvr>
-                                        <p:cTn id="134" dur="1" fill="hold">
+                                        <p:cTn id="138" dur="1" fill="hold">
                                           <p:stCondLst>
                                             <p:cond delay="0"/>
                                           </p:stCondLst>
                                         </p:cTn>
                                         <p:tgtEl>
-                                          <p:spTgt spid="59"/>
+                                          <p:spTgt spid="38"/>
                                         </p:tgtEl>
                                         <p:attrNameLst>
                                           <p:attrName>style.visibility</p:attrName>
@@ -9303,9 +8910,9 @@
                                     </p:set>
                                     <p:animEffect transition="in" filter="fade">
                                       <p:cBhvr>
-                                        <p:cTn id="135" dur="500"/>
-                                        <p:tgtEl>
-                                          <p:spTgt spid="59"/>
+                                        <p:cTn id="139" dur="500"/>
+                                        <p:tgtEl>
+                                          <p:spTgt spid="38"/>
                                         </p:tgtEl>
                                       </p:cBhvr>
                                     </p:animEffect>
@@ -9319,32 +8926,32 @@
                     </p:cTn>
                   </p:par>
                   <p:par>
-                    <p:cTn id="136" fill="hold">
+                    <p:cTn id="140" fill="hold">
                       <p:stCondLst>
                         <p:cond delay="indefinite"/>
                       </p:stCondLst>
                       <p:childTnLst>
                         <p:par>
-                          <p:cTn id="137" fill="hold">
+                          <p:cTn id="141" fill="hold">
                             <p:stCondLst>
                               <p:cond delay="0"/>
                             </p:stCondLst>
                             <p:childTnLst>
                               <p:par>
-                                <p:cTn id="138" presetID="21" presetClass="entr" presetSubtype="1" fill="hold" grpId="0" nodeType="clickEffect">
+                                <p:cTn id="142" presetID="21" presetClass="entr" presetSubtype="1" fill="hold" grpId="0" nodeType="clickEffect">
                                   <p:stCondLst>
                                     <p:cond delay="0"/>
                                   </p:stCondLst>
                                   <p:childTnLst>
                                     <p:set>
                                       <p:cBhvr>
-                                        <p:cTn id="139" dur="1" fill="hold">
+                                        <p:cTn id="143" dur="1" fill="hold">
                                           <p:stCondLst>
                                             <p:cond delay="0"/>
                                           </p:stCondLst>
                                         </p:cTn>
                                         <p:tgtEl>
-                                          <p:spTgt spid="101"/>
+                                          <p:spTgt spid="19"/>
                                         </p:tgtEl>
                                         <p:attrNameLst>
                                           <p:attrName>style.visibility</p:attrName>
@@ -9356,9 +8963,9 @@
                                     </p:set>
                                     <p:animEffect transition="in" filter="wheel(1)">
                                       <p:cBhvr>
-                                        <p:cTn id="140" dur="750"/>
-                                        <p:tgtEl>
-                                          <p:spTgt spid="101"/>
+                                        <p:cTn id="144" dur="750"/>
+                                        <p:tgtEl>
+                                          <p:spTgt spid="19"/>
                                         </p:tgtEl>
                                       </p:cBhvr>
                                     </p:animEffect>
@@ -9372,32 +8979,32 @@
                     </p:cTn>
                   </p:par>
                   <p:par>
-                    <p:cTn id="141" fill="hold">
+                    <p:cTn id="145" fill="hold">
                       <p:stCondLst>
                         <p:cond delay="indefinite"/>
                       </p:stCondLst>
                       <p:childTnLst>
                         <p:par>
-                          <p:cTn id="142" fill="hold">
+                          <p:cTn id="146" fill="hold">
                             <p:stCondLst>
                               <p:cond delay="0"/>
                             </p:stCondLst>
                             <p:childTnLst>
                               <p:par>
-                                <p:cTn id="143" presetID="10" presetClass="entr" presetSubtype="0" fill="hold" nodeType="clickEffect">
+                                <p:cTn id="147" presetID="10" presetClass="entr" presetSubtype="0" fill="hold" nodeType="clickEffect">
                                   <p:stCondLst>
                                     <p:cond delay="0"/>
                                   </p:stCondLst>
                                   <p:childTnLst>
                                     <p:set>
                                       <p:cBhvr>
-                                        <p:cTn id="144" dur="1" fill="hold">
+                                        <p:cTn id="148" dur="1" fill="hold">
                                           <p:stCondLst>
                                             <p:cond delay="0"/>
                                           </p:stCondLst>
                                         </p:cTn>
                                         <p:tgtEl>
-                                          <p:spTgt spid="69"/>
+                                          <p:spTgt spid="59"/>
                                         </p:tgtEl>
                                         <p:attrNameLst>
                                           <p:attrName>style.visibility</p:attrName>
@@ -9409,97 +9016,9 @@
                                     </p:set>
                                     <p:animEffect transition="in" filter="fade">
                                       <p:cBhvr>
-                                        <p:cTn id="145" dur="500"/>
-                                        <p:tgtEl>
-                                          <p:spTgt spid="69"/>
-                                        </p:tgtEl>
-                                      </p:cBhvr>
-                                    </p:animEffect>
-                                  </p:childTnLst>
-                                </p:cTn>
-                              </p:par>
-                            </p:childTnLst>
-                          </p:cTn>
-                        </p:par>
-                        <p:par>
-                          <p:cTn id="146" fill="hold">
-                            <p:stCondLst>
-                              <p:cond delay="500"/>
-                            </p:stCondLst>
-                            <p:childTnLst>
-                              <p:par>
-                                <p:cTn id="147" presetID="10" presetClass="entr" presetSubtype="0" fill="hold" nodeType="afterEffect">
-                                  <p:stCondLst>
-                                    <p:cond delay="0"/>
-                                  </p:stCondLst>
-                                  <p:childTnLst>
-                                    <p:set>
-                                      <p:cBhvr>
-                                        <p:cTn id="148" dur="1" fill="hold">
-                                          <p:stCondLst>
-                                            <p:cond delay="0"/>
-                                          </p:stCondLst>
-                                        </p:cTn>
-                                        <p:tgtEl>
-                                          <p:spTgt spid="78"/>
-                                        </p:tgtEl>
-                                        <p:attrNameLst>
-                                          <p:attrName>style.visibility</p:attrName>
-                                        </p:attrNameLst>
-                                      </p:cBhvr>
-                                      <p:to>
-                                        <p:strVal val="visible"/>
-                                      </p:to>
-                                    </p:set>
-                                    <p:animEffect transition="in" filter="fade">
-                                      <p:cBhvr>
                                         <p:cTn id="149" dur="500"/>
                                         <p:tgtEl>
-                                          <p:spTgt spid="78"/>
-                                        </p:tgtEl>
-                                      </p:cBhvr>
-                                    </p:animEffect>
-                                  </p:childTnLst>
-                                </p:cTn>
-                              </p:par>
-                            </p:childTnLst>
-                          </p:cTn>
-                        </p:par>
-                        <p:par>
-                          <p:cTn id="150" fill="hold">
-                            <p:stCondLst>
-                              <p:cond delay="1000"/>
-                            </p:stCondLst>
-                            <p:childTnLst>
-                              <p:par>
-                                <p:cTn id="151" presetID="3" presetClass="entr" presetSubtype="10" fill="hold" grpId="0" nodeType="afterEffect">
-                                  <p:stCondLst>
-                                    <p:cond delay="0"/>
-                                  </p:stCondLst>
-                                  <p:childTnLst>
-                                    <p:set>
-                                      <p:cBhvr>
-                                        <p:cTn id="152" dur="1" fill="hold">
-                                          <p:stCondLst>
-                                            <p:cond delay="0"/>
-                                          </p:stCondLst>
-                                        </p:cTn>
-                                        <p:tgtEl>
-                                          <p:spTgt spid="99"/>
-                                        </p:tgtEl>
-                                        <p:attrNameLst>
-                                          <p:attrName>style.visibility</p:attrName>
-                                        </p:attrNameLst>
-                                      </p:cBhvr>
-                                      <p:to>
-                                        <p:strVal val="visible"/>
-                                      </p:to>
-                                    </p:set>
-                                    <p:animEffect transition="in" filter="blinds(horizontal)">
-                                      <p:cBhvr>
-                                        <p:cTn id="153" dur="500"/>
-                                        <p:tgtEl>
-                                          <p:spTgt spid="99"/>
+                                          <p:spTgt spid="59"/>
                                         </p:tgtEl>
                                       </p:cBhvr>
                                     </p:animEffect>
@@ -9513,26 +9032,220 @@
                     </p:cTn>
                   </p:par>
                   <p:par>
-                    <p:cTn id="154" fill="hold">
+                    <p:cTn id="150" fill="hold">
                       <p:stCondLst>
                         <p:cond delay="indefinite"/>
                       </p:stCondLst>
                       <p:childTnLst>
                         <p:par>
-                          <p:cTn id="155" fill="hold">
+                          <p:cTn id="151" fill="hold">
                             <p:stCondLst>
                               <p:cond delay="0"/>
                             </p:stCondLst>
                             <p:childTnLst>
                               <p:par>
-                                <p:cTn id="156" presetID="23" presetClass="entr" presetSubtype="32" fill="hold" grpId="0" nodeType="clickEffect">
+                                <p:cTn id="152" presetID="21" presetClass="entr" presetSubtype="1" fill="hold" grpId="0" nodeType="clickEffect">
                                   <p:stCondLst>
                                     <p:cond delay="0"/>
                                   </p:stCondLst>
                                   <p:childTnLst>
                                     <p:set>
                                       <p:cBhvr>
-                                        <p:cTn id="157" dur="1" fill="hold">
+                                        <p:cTn id="153" dur="1" fill="hold">
+                                          <p:stCondLst>
+                                            <p:cond delay="0"/>
+                                          </p:stCondLst>
+                                        </p:cTn>
+                                        <p:tgtEl>
+                                          <p:spTgt spid="101"/>
+                                        </p:tgtEl>
+                                        <p:attrNameLst>
+                                          <p:attrName>style.visibility</p:attrName>
+                                        </p:attrNameLst>
+                                      </p:cBhvr>
+                                      <p:to>
+                                        <p:strVal val="visible"/>
+                                      </p:to>
+                                    </p:set>
+                                    <p:animEffect transition="in" filter="wheel(1)">
+                                      <p:cBhvr>
+                                        <p:cTn id="154" dur="750"/>
+                                        <p:tgtEl>
+                                          <p:spTgt spid="101"/>
+                                        </p:tgtEl>
+                                      </p:cBhvr>
+                                    </p:animEffect>
+                                  </p:childTnLst>
+                                </p:cTn>
+                              </p:par>
+                            </p:childTnLst>
+                          </p:cTn>
+                        </p:par>
+                      </p:childTnLst>
+                    </p:cTn>
+                  </p:par>
+                  <p:par>
+                    <p:cTn id="155" fill="hold">
+                      <p:stCondLst>
+                        <p:cond delay="indefinite"/>
+                      </p:stCondLst>
+                      <p:childTnLst>
+                        <p:par>
+                          <p:cTn id="156" fill="hold">
+                            <p:stCondLst>
+                              <p:cond delay="0"/>
+                            </p:stCondLst>
+                            <p:childTnLst>
+                              <p:par>
+                                <p:cTn id="157" presetID="10" presetClass="entr" presetSubtype="0" fill="hold" nodeType="clickEffect">
+                                  <p:stCondLst>
+                                    <p:cond delay="0"/>
+                                  </p:stCondLst>
+                                  <p:childTnLst>
+                                    <p:set>
+                                      <p:cBhvr>
+                                        <p:cTn id="158" dur="1" fill="hold">
+                                          <p:stCondLst>
+                                            <p:cond delay="0"/>
+                                          </p:stCondLst>
+                                        </p:cTn>
+                                        <p:tgtEl>
+                                          <p:spTgt spid="69"/>
+                                        </p:tgtEl>
+                                        <p:attrNameLst>
+                                          <p:attrName>style.visibility</p:attrName>
+                                        </p:attrNameLst>
+                                      </p:cBhvr>
+                                      <p:to>
+                                        <p:strVal val="visible"/>
+                                      </p:to>
+                                    </p:set>
+                                    <p:animEffect transition="in" filter="fade">
+                                      <p:cBhvr>
+                                        <p:cTn id="159" dur="500"/>
+                                        <p:tgtEl>
+                                          <p:spTgt spid="69"/>
+                                        </p:tgtEl>
+                                      </p:cBhvr>
+                                    </p:animEffect>
+                                  </p:childTnLst>
+                                </p:cTn>
+                              </p:par>
+                            </p:childTnLst>
+                          </p:cTn>
+                        </p:par>
+                        <p:par>
+                          <p:cTn id="160" fill="hold">
+                            <p:stCondLst>
+                              <p:cond delay="500"/>
+                            </p:stCondLst>
+                            <p:childTnLst>
+                              <p:par>
+                                <p:cTn id="161" presetID="10" presetClass="entr" presetSubtype="0" fill="hold" nodeType="afterEffect">
+                                  <p:stCondLst>
+                                    <p:cond delay="0"/>
+                                  </p:stCondLst>
+                                  <p:childTnLst>
+                                    <p:set>
+                                      <p:cBhvr>
+                                        <p:cTn id="162" dur="1" fill="hold">
+                                          <p:stCondLst>
+                                            <p:cond delay="0"/>
+                                          </p:stCondLst>
+                                        </p:cTn>
+                                        <p:tgtEl>
+                                          <p:spTgt spid="78"/>
+                                        </p:tgtEl>
+                                        <p:attrNameLst>
+                                          <p:attrName>style.visibility</p:attrName>
+                                        </p:attrNameLst>
+                                      </p:cBhvr>
+                                      <p:to>
+                                        <p:strVal val="visible"/>
+                                      </p:to>
+                                    </p:set>
+                                    <p:animEffect transition="in" filter="fade">
+                                      <p:cBhvr>
+                                        <p:cTn id="163" dur="500"/>
+                                        <p:tgtEl>
+                                          <p:spTgt spid="78"/>
+                                        </p:tgtEl>
+                                      </p:cBhvr>
+                                    </p:animEffect>
+                                  </p:childTnLst>
+                                </p:cTn>
+                              </p:par>
+                            </p:childTnLst>
+                          </p:cTn>
+                        </p:par>
+                        <p:par>
+                          <p:cTn id="164" fill="hold">
+                            <p:stCondLst>
+                              <p:cond delay="1000"/>
+                            </p:stCondLst>
+                            <p:childTnLst>
+                              <p:par>
+                                <p:cTn id="165" presetID="3" presetClass="entr" presetSubtype="10" fill="hold" grpId="0" nodeType="afterEffect">
+                                  <p:stCondLst>
+                                    <p:cond delay="0"/>
+                                  </p:stCondLst>
+                                  <p:childTnLst>
+                                    <p:set>
+                                      <p:cBhvr>
+                                        <p:cTn id="166" dur="1" fill="hold">
+                                          <p:stCondLst>
+                                            <p:cond delay="0"/>
+                                          </p:stCondLst>
+                                        </p:cTn>
+                                        <p:tgtEl>
+                                          <p:spTgt spid="99"/>
+                                        </p:tgtEl>
+                                        <p:attrNameLst>
+                                          <p:attrName>style.visibility</p:attrName>
+                                        </p:attrNameLst>
+                                      </p:cBhvr>
+                                      <p:to>
+                                        <p:strVal val="visible"/>
+                                      </p:to>
+                                    </p:set>
+                                    <p:animEffect transition="in" filter="blinds(horizontal)">
+                                      <p:cBhvr>
+                                        <p:cTn id="167" dur="500"/>
+                                        <p:tgtEl>
+                                          <p:spTgt spid="99"/>
+                                        </p:tgtEl>
+                                      </p:cBhvr>
+                                    </p:animEffect>
+                                  </p:childTnLst>
+                                </p:cTn>
+                              </p:par>
+                            </p:childTnLst>
+                          </p:cTn>
+                        </p:par>
+                      </p:childTnLst>
+                    </p:cTn>
+                  </p:par>
+                  <p:par>
+                    <p:cTn id="168" fill="hold">
+                      <p:stCondLst>
+                        <p:cond delay="indefinite"/>
+                      </p:stCondLst>
+                      <p:childTnLst>
+                        <p:par>
+                          <p:cTn id="169" fill="hold">
+                            <p:stCondLst>
+                              <p:cond delay="0"/>
+                            </p:stCondLst>
+                            <p:childTnLst>
+                              <p:par>
+                                <p:cTn id="170" presetID="23" presetClass="entr" presetSubtype="32" fill="hold" grpId="0" nodeType="clickEffect">
+                                  <p:stCondLst>
+                                    <p:cond delay="0"/>
+                                  </p:stCondLst>
+                                  <p:childTnLst>
+                                    <p:set>
+                                      <p:cBhvr>
+                                        <p:cTn id="171" dur="1" fill="hold">
                                           <p:stCondLst>
                                             <p:cond delay="0"/>
                                           </p:stCondLst>
@@ -9550,7 +9263,7 @@
                                     </p:set>
                                     <p:anim calcmode="lin" valueType="num">
                                       <p:cBhvr>
-                                        <p:cTn id="158" dur="250" fill="hold"/>
+                                        <p:cTn id="172" dur="250" fill="hold"/>
                                         <p:tgtEl>
                                           <p:spTgt spid="18"/>
                                         </p:tgtEl>
@@ -9573,7 +9286,7 @@
                                     </p:anim>
                                     <p:anim calcmode="lin" valueType="num">
                                       <p:cBhvr>
-                                        <p:cTn id="159" dur="250" fill="hold"/>
+                                        <p:cTn id="173" dur="250" fill="hold"/>
                                         <p:tgtEl>
                                           <p:spTgt spid="18"/>
                                         </p:tgtEl>
@@ -9594,302 +9307,6 @@
                                         </p:tav>
                                       </p:tavLst>
                                     </p:anim>
-                                  </p:childTnLst>
-                                </p:cTn>
-                              </p:par>
-                            </p:childTnLst>
-                          </p:cTn>
-                        </p:par>
-                      </p:childTnLst>
-                    </p:cTn>
-                  </p:par>
-                  <p:par>
-                    <p:cTn id="160" fill="hold">
-                      <p:stCondLst>
-                        <p:cond delay="indefinite"/>
-                      </p:stCondLst>
-                      <p:childTnLst>
-                        <p:par>
-                          <p:cTn id="161" fill="hold">
-                            <p:stCondLst>
-                              <p:cond delay="0"/>
-                            </p:stCondLst>
-                            <p:childTnLst>
-                              <p:par>
-                                <p:cTn id="162" presetID="26" presetClass="entr" presetSubtype="0" fill="hold" grpId="0" nodeType="clickEffect">
-                                  <p:stCondLst>
-                                    <p:cond delay="0"/>
-                                  </p:stCondLst>
-                                  <p:childTnLst>
-                                    <p:set>
-                                      <p:cBhvr>
-                                        <p:cTn id="163" dur="1" fill="hold">
-                                          <p:stCondLst>
-                                            <p:cond delay="0"/>
-                                          </p:stCondLst>
-                                        </p:cTn>
-                                        <p:tgtEl>
-                                          <p:spTgt spid="100"/>
-                                        </p:tgtEl>
-                                        <p:attrNameLst>
-                                          <p:attrName>style.visibility</p:attrName>
-                                        </p:attrNameLst>
-                                      </p:cBhvr>
-                                      <p:to>
-                                        <p:strVal val="visible"/>
-                                      </p:to>
-                                    </p:set>
-                                    <p:animEffect transition="in" filter="wipe(down)">
-                                      <p:cBhvr>
-                                        <p:cTn id="164" dur="290">
-                                          <p:stCondLst>
-                                            <p:cond delay="0"/>
-                                          </p:stCondLst>
-                                        </p:cTn>
-                                        <p:tgtEl>
-                                          <p:spTgt spid="100"/>
-                                        </p:tgtEl>
-                                      </p:cBhvr>
-                                    </p:animEffect>
-                                    <p:anim calcmode="lin" valueType="num">
-                                      <p:cBhvr>
-                                        <p:cTn id="165" dur="911" tmFilter="0,0; 0.14,0.36; 0.43,0.73; 0.71,0.91; 1.0,1.0">
-                                          <p:stCondLst>
-                                            <p:cond delay="0"/>
-                                          </p:stCondLst>
-                                        </p:cTn>
-                                        <p:tgtEl>
-                                          <p:spTgt spid="100"/>
-                                        </p:tgtEl>
-                                        <p:attrNameLst>
-                                          <p:attrName>ppt_x</p:attrName>
-                                        </p:attrNameLst>
-                                      </p:cBhvr>
-                                      <p:tavLst>
-                                        <p:tav tm="0">
-                                          <p:val>
-                                            <p:strVal val="#ppt_x-0.25"/>
-                                          </p:val>
-                                        </p:tav>
-                                        <p:tav tm="100000">
-                                          <p:val>
-                                            <p:strVal val="#ppt_x"/>
-                                          </p:val>
-                                        </p:tav>
-                                      </p:tavLst>
-                                    </p:anim>
-                                    <p:anim calcmode="lin" valueType="num">
-                                      <p:cBhvr>
-                                        <p:cTn id="166" dur="332" tmFilter="0.0,0.0; 0.25,0.07; 0.50,0.2; 0.75,0.467; 1.0,1.0">
-                                          <p:stCondLst>
-                                            <p:cond delay="0"/>
-                                          </p:stCondLst>
-                                        </p:cTn>
-                                        <p:tgtEl>
-                                          <p:spTgt spid="100"/>
-                                        </p:tgtEl>
-                                        <p:attrNameLst>
-                                          <p:attrName>ppt_y</p:attrName>
-                                        </p:attrNameLst>
-                                      </p:cBhvr>
-                                      <p:tavLst>
-                                        <p:tav tm="0" fmla="#ppt_y-sin(pi*$)/3">
-                                          <p:val>
-                                            <p:fltVal val="0.5"/>
-                                          </p:val>
-                                        </p:tav>
-                                        <p:tav tm="100000">
-                                          <p:val>
-                                            <p:fltVal val="1"/>
-                                          </p:val>
-                                        </p:tav>
-                                      </p:tavLst>
-                                    </p:anim>
-                                    <p:anim calcmode="lin" valueType="num">
-                                      <p:cBhvr>
-                                        <p:cTn id="167" dur="332" tmFilter="0, 0; 0.125,0.2665; 0.25,0.4; 0.375,0.465; 0.5,0.5;  0.625,0.535; 0.75,0.6; 0.875,0.7335; 1,1">
-                                          <p:stCondLst>
-                                            <p:cond delay="332"/>
-                                          </p:stCondLst>
-                                        </p:cTn>
-                                        <p:tgtEl>
-                                          <p:spTgt spid="100"/>
-                                        </p:tgtEl>
-                                        <p:attrNameLst>
-                                          <p:attrName>ppt_y</p:attrName>
-                                        </p:attrNameLst>
-                                      </p:cBhvr>
-                                      <p:tavLst>
-                                        <p:tav tm="0" fmla="#ppt_y-sin(pi*$)/9">
-                                          <p:val>
-                                            <p:fltVal val="0"/>
-                                          </p:val>
-                                        </p:tav>
-                                        <p:tav tm="100000">
-                                          <p:val>
-                                            <p:fltVal val="1"/>
-                                          </p:val>
-                                        </p:tav>
-                                      </p:tavLst>
-                                    </p:anim>
-                                    <p:anim calcmode="lin" valueType="num">
-                                      <p:cBhvr>
-                                        <p:cTn id="168" dur="166" tmFilter="0, 0; 0.125,0.2665; 0.25,0.4; 0.375,0.465; 0.5,0.5;  0.625,0.535; 0.75,0.6; 0.875,0.7335; 1,1">
-                                          <p:stCondLst>
-                                            <p:cond delay="662"/>
-                                          </p:stCondLst>
-                                        </p:cTn>
-                                        <p:tgtEl>
-                                          <p:spTgt spid="100"/>
-                                        </p:tgtEl>
-                                        <p:attrNameLst>
-                                          <p:attrName>ppt_y</p:attrName>
-                                        </p:attrNameLst>
-                                      </p:cBhvr>
-                                      <p:tavLst>
-                                        <p:tav tm="0" fmla="#ppt_y-sin(pi*$)/27">
-                                          <p:val>
-                                            <p:fltVal val="0"/>
-                                          </p:val>
-                                        </p:tav>
-                                        <p:tav tm="100000">
-                                          <p:val>
-                                            <p:fltVal val="1"/>
-                                          </p:val>
-                                        </p:tav>
-                                      </p:tavLst>
-                                    </p:anim>
-                                    <p:anim calcmode="lin" valueType="num">
-                                      <p:cBhvr>
-                                        <p:cTn id="169" dur="82" tmFilter="0, 0; 0.125,0.2665; 0.25,0.4; 0.375,0.465; 0.5,0.5;  0.625,0.535; 0.75,0.6; 0.875,0.7335; 1,1">
-                                          <p:stCondLst>
-                                            <p:cond delay="828"/>
-                                          </p:stCondLst>
-                                        </p:cTn>
-                                        <p:tgtEl>
-                                          <p:spTgt spid="100"/>
-                                        </p:tgtEl>
-                                        <p:attrNameLst>
-                                          <p:attrName>ppt_y</p:attrName>
-                                        </p:attrNameLst>
-                                      </p:cBhvr>
-                                      <p:tavLst>
-                                        <p:tav tm="0" fmla="#ppt_y-sin(pi*$)/81">
-                                          <p:val>
-                                            <p:fltVal val="0"/>
-                                          </p:val>
-                                        </p:tav>
-                                        <p:tav tm="100000">
-                                          <p:val>
-                                            <p:fltVal val="1"/>
-                                          </p:val>
-                                        </p:tav>
-                                      </p:tavLst>
-                                    </p:anim>
-                                    <p:animScale>
-                                      <p:cBhvr>
-                                        <p:cTn id="170" dur="13">
-                                          <p:stCondLst>
-                                            <p:cond delay="325"/>
-                                          </p:stCondLst>
-                                        </p:cTn>
-                                        <p:tgtEl>
-                                          <p:spTgt spid="100"/>
-                                        </p:tgtEl>
-                                      </p:cBhvr>
-                                      <p:to x="100000" y="60000"/>
-                                    </p:animScale>
-                                    <p:animScale>
-                                      <p:cBhvr>
-                                        <p:cTn id="171" dur="83" decel="50000">
-                                          <p:stCondLst>
-                                            <p:cond delay="338"/>
-                                          </p:stCondLst>
-                                        </p:cTn>
-                                        <p:tgtEl>
-                                          <p:spTgt spid="100"/>
-                                        </p:tgtEl>
-                                      </p:cBhvr>
-                                      <p:to x="100000" y="100000"/>
-                                    </p:animScale>
-                                    <p:animScale>
-                                      <p:cBhvr>
-                                        <p:cTn id="172" dur="13">
-                                          <p:stCondLst>
-                                            <p:cond delay="656"/>
-                                          </p:stCondLst>
-                                        </p:cTn>
-                                        <p:tgtEl>
-                                          <p:spTgt spid="100"/>
-                                        </p:tgtEl>
-                                      </p:cBhvr>
-                                      <p:to x="100000" y="80000"/>
-                                    </p:animScale>
-                                    <p:animScale>
-                                      <p:cBhvr>
-                                        <p:cTn id="173" dur="83" decel="50000">
-                                          <p:stCondLst>
-                                            <p:cond delay="669"/>
-                                          </p:stCondLst>
-                                        </p:cTn>
-                                        <p:tgtEl>
-                                          <p:spTgt spid="100"/>
-                                        </p:tgtEl>
-                                      </p:cBhvr>
-                                      <p:to x="100000" y="100000"/>
-                                    </p:animScale>
-                                    <p:animScale>
-                                      <p:cBhvr>
-                                        <p:cTn id="174" dur="13">
-                                          <p:stCondLst>
-                                            <p:cond delay="821"/>
-                                          </p:stCondLst>
-                                        </p:cTn>
-                                        <p:tgtEl>
-                                          <p:spTgt spid="100"/>
-                                        </p:tgtEl>
-                                      </p:cBhvr>
-                                      <p:to x="100000" y="90000"/>
-                                    </p:animScale>
-                                    <p:animScale>
-                                      <p:cBhvr>
-                                        <p:cTn id="175" dur="83" decel="50000">
-                                          <p:stCondLst>
-                                            <p:cond delay="834"/>
-                                          </p:stCondLst>
-                                        </p:cTn>
-                                        <p:tgtEl>
-                                          <p:spTgt spid="100"/>
-                                        </p:tgtEl>
-                                      </p:cBhvr>
-                                      <p:to x="100000" y="100000"/>
-                                    </p:animScale>
-                                    <p:animScale>
-                                      <p:cBhvr>
-                                        <p:cTn id="176" dur="13">
-                                          <p:stCondLst>
-                                            <p:cond delay="904"/>
-                                          </p:stCondLst>
-                                        </p:cTn>
-                                        <p:tgtEl>
-                                          <p:spTgt spid="100"/>
-                                        </p:tgtEl>
-                                      </p:cBhvr>
-                                      <p:to x="100000" y="95000"/>
-                                    </p:animScale>
-                                    <p:animScale>
-                                      <p:cBhvr>
-                                        <p:cTn id="177" dur="83" decel="50000">
-                                          <p:stCondLst>
-                                            <p:cond delay="917"/>
-                                          </p:stCondLst>
-                                        </p:cTn>
-                                        <p:tgtEl>
-                                          <p:spTgt spid="100"/>
-                                        </p:tgtEl>
-                                      </p:cBhvr>
-                                      <p:to x="100000" y="100000"/>
-                                    </p:animScale>
                                   </p:childTnLst>
                                 </p:cTn>
                               </p:par>
@@ -9922,16 +9339,19 @@
     </p:tnLst>
     <p:bldLst>
       <p:bldP spid="30" grpId="0" animBg="1"/>
+      <p:bldP spid="30" grpId="1" animBg="1"/>
       <p:bldP spid="31" grpId="0" animBg="1"/>
+      <p:bldP spid="31" grpId="1" animBg="1"/>
       <p:bldP spid="4" grpId="0" animBg="1"/>
       <p:bldP spid="15" grpId="1" build="allAtOnce" animBg="1"/>
       <p:bldP spid="15" grpId="2" build="allAtOnce" animBg="1"/>
+      <p:bldP spid="15" grpId="3" build="allAtOnce" animBg="1"/>
       <p:bldP spid="7" grpId="0" build="allAtOnce" animBg="1"/>
       <p:bldP spid="7" grpId="1" build="allAtOnce" animBg="1"/>
       <p:bldP spid="7" grpId="2" uiExpand="1" build="allAtOnce" animBg="1"/>
+      <p:bldP spid="7" grpId="3" build="allAtOnce" animBg="1"/>
       <p:bldP spid="99" grpId="0"/>
       <p:bldP spid="18" grpId="0"/>
-      <p:bldP spid="100" grpId="0"/>
       <p:bldP spid="19" grpId="0" animBg="1"/>
       <p:bldP spid="101" grpId="0" animBg="1"/>
     </p:bldLst>
@@ -9964,8 +9384,8 @@
         </p:nvSpPr>
         <p:spPr>
           <a:xfrm>
-            <a:off x="602166" y="605169"/>
-            <a:ext cx="4249234" cy="461665"/>
+            <a:off x="602165" y="605169"/>
+            <a:ext cx="5964889" cy="461665"/>
           </a:xfrm>
           <a:prstGeom prst="rect">
             <a:avLst/>
@@ -9980,7 +9400,11 @@
           <a:p>
             <a:r>
               <a:rPr lang="zh-CN" altLang="en-US" sz="2400" dirty="0" smtClean="0"/>
-              <a:t>快速排序 </a:t>
+              <a:t>快速排</a:t>
+            </a:r>
+            <a:r>
+              <a:rPr lang="zh-CN" altLang="en-US" sz="2400" dirty="0"/>
+              <a:t>序及优化 </a:t>
             </a:r>
             <a:r>
               <a:rPr lang="en-US" altLang="zh-CN" sz="2400" dirty="0" smtClean="0"/>
@@ -10014,7 +9438,7 @@
         </p:nvSpPr>
         <p:spPr>
           <a:xfrm>
-            <a:off x="602166" y="3785533"/>
+            <a:off x="580596" y="2997200"/>
             <a:ext cx="6985000" cy="1293143"/>
           </a:xfrm>
         </p:spPr>
@@ -10028,16 +9452,12 @@
               <a:buNone/>
             </a:pPr>
             <a:r>
-              <a:rPr lang="zh-CN" altLang="en-US" sz="2000" dirty="0" smtClean="0"/>
-              <a:t>效</a:t>
-            </a:r>
-            <a:r>
               <a:rPr lang="zh-CN" altLang="en-US" sz="2000" dirty="0"/>
-              <a:t>率分</a:t>
+              <a:t>简单</a:t>
             </a:r>
             <a:r>
               <a:rPr lang="zh-CN" altLang="en-US" sz="2000" dirty="0" smtClean="0"/>
-              <a:t>析</a:t>
+              <a:t>分析</a:t>
             </a:r>
             <a:endParaRPr lang="en-US" altLang="zh-CN" sz="2000" dirty="0" smtClean="0"/>
           </a:p>
@@ -10048,15 +9468,7 @@
             </a:pPr>
             <a:r>
               <a:rPr lang="zh-CN" altLang="en-US" sz="2000" dirty="0" smtClean="0"/>
-              <a:t>这</a:t>
-            </a:r>
-            <a:r>
-              <a:rPr lang="zh-CN" altLang="en-US" sz="2000" dirty="0"/>
-              <a:t>是一种相对安全的策</a:t>
-            </a:r>
-            <a:r>
-              <a:rPr lang="zh-CN" altLang="en-US" sz="2000" dirty="0" smtClean="0"/>
-              <a:t>略</a:t>
+              <a:t>这是一种相对安全的策略</a:t>
             </a:r>
             <a:endParaRPr lang="en-US" altLang="zh-CN" sz="2000" dirty="0" smtClean="0"/>
           </a:p>
@@ -10686,13 +10098,13 @@
           <p:nvPr>
             <p:extLst>
               <p:ext uri="{D42A27DB-BD31-4B8C-83A1-F6EECF244321}">
-                <p14:modId xmlns:p14="http://schemas.microsoft.com/office/powerpoint/2010/main" val="3033528955"/>
+                <p14:modId xmlns:p14="http://schemas.microsoft.com/office/powerpoint/2010/main" val="2017873995"/>
               </p:ext>
             </p:extLst>
           </p:nvPr>
         </p:nvGraphicFramePr>
         <p:xfrm>
-          <a:off x="1803986" y="5189326"/>
+          <a:off x="1859113" y="4560686"/>
           <a:ext cx="5463004" cy="1112520"/>
         </p:xfrm>
         <a:graphic>
@@ -10873,70 +10285,6 @@
           </a:graphicData>
         </a:graphic>
       </p:graphicFrame>
-      <p:sp>
-        <p:nvSpPr>
-          <p:cNvPr id="33" name="矩形 32"/>
-          <p:cNvSpPr/>
-          <p:nvPr/>
-        </p:nvSpPr>
-        <p:spPr>
-          <a:xfrm>
-            <a:off x="528894" y="2476817"/>
-            <a:ext cx="7649906" cy="1015663"/>
-          </a:xfrm>
-          <a:prstGeom prst="rect">
-            <a:avLst/>
-          </a:prstGeom>
-        </p:spPr>
-        <p:txBody>
-          <a:bodyPr wrap="square">
-            <a:spAutoFit/>
-          </a:bodyPr>
-          <a:lstStyle/>
-          <a:p>
-            <a:r>
-              <a:rPr lang="zh-CN" altLang="en-US" sz="2000" dirty="0"/>
-              <a:t>引入的</a:t>
-            </a:r>
-            <a:r>
-              <a:rPr lang="zh-CN" altLang="en-US" sz="2000" dirty="0">
-                <a:solidFill>
-                  <a:srgbClr val="FF0000"/>
-                </a:solidFill>
-              </a:rPr>
-              <a:t>原因</a:t>
-            </a:r>
-            <a:r>
-              <a:rPr lang="zh-CN" altLang="en-US" sz="2000" dirty="0"/>
-              <a:t>：</a:t>
-            </a:r>
-            <a:endParaRPr lang="en-US" altLang="zh-CN" sz="2000" dirty="0"/>
-          </a:p>
-          <a:p>
-            <a:r>
-              <a:rPr lang="zh-CN" altLang="en-US" sz="2000" dirty="0"/>
-              <a:t>在待排序列是</a:t>
-            </a:r>
-            <a:r>
-              <a:rPr lang="zh-CN" altLang="en-US" sz="2000" dirty="0">
-                <a:solidFill>
-                  <a:srgbClr val="FF0000"/>
-                </a:solidFill>
-              </a:rPr>
-              <a:t>部分有序</a:t>
-            </a:r>
-            <a:r>
-              <a:rPr lang="zh-CN" altLang="en-US" sz="2000" dirty="0"/>
-              <a:t>时，固定选取枢轴使快排效率底下，要缓解这种情况，就引入了随机选取枢</a:t>
-            </a:r>
-            <a:r>
-              <a:rPr lang="zh-CN" altLang="en-US" sz="2000" dirty="0" smtClean="0"/>
-              <a:t>轴。</a:t>
-            </a:r>
-            <a:endParaRPr lang="en-US" altLang="zh-CN" sz="2000" dirty="0"/>
-          </a:p>
-        </p:txBody>
-      </p:sp>
     </p:spTree>
     <p:extLst>
       <p:ext uri="{BB962C8B-B14F-4D97-AF65-F5344CB8AC3E}">
@@ -10947,6 +10295,18 @@
   <p:clrMapOvr>
     <a:masterClrMapping/>
   </p:clrMapOvr>
+  <mc:AlternateContent xmlns:mc="http://schemas.openxmlformats.org/markup-compatibility/2006">
+    <mc:Choice xmlns:p14="http://schemas.microsoft.com/office/powerpoint/2010/main" Requires="p14">
+      <p:transition spd="med" p14:dur="700">
+        <p:fade/>
+      </p:transition>
+    </mc:Choice>
+    <mc:Fallback>
+      <p:transition spd="med">
+        <p:fade/>
+      </p:transition>
+    </mc:Fallback>
+  </mc:AlternateContent>
   <p:timing>
     <p:tnLst>
       <p:par>
@@ -11399,7 +10759,7 @@
                             </p:stCondLst>
                             <p:childTnLst>
                               <p:par>
-                                <p:cTn id="33" presetID="22" presetClass="entr" presetSubtype="8" fill="hold" nodeType="clickEffect">
+                                <p:cTn id="33" presetID="42" presetClass="entr" presetSubtype="0" fill="hold" grpId="0" nodeType="clickEffect">
                                   <p:stCondLst>
                                     <p:cond delay="0"/>
                                   </p:stCondLst>
@@ -11412,6 +10772,351 @@
                                           </p:stCondLst>
                                         </p:cTn>
                                         <p:tgtEl>
+                                          <p:spTgt spid="14">
+                                            <p:txEl>
+                                              <p:pRg st="0" end="0"/>
+                                            </p:txEl>
+                                          </p:spTgt>
+                                        </p:tgtEl>
+                                        <p:attrNameLst>
+                                          <p:attrName>style.visibility</p:attrName>
+                                        </p:attrNameLst>
+                                      </p:cBhvr>
+                                      <p:to>
+                                        <p:strVal val="visible"/>
+                                      </p:to>
+                                    </p:set>
+                                    <p:animEffect transition="in" filter="fade">
+                                      <p:cBhvr>
+                                        <p:cTn id="35" dur="500"/>
+                                        <p:tgtEl>
+                                          <p:spTgt spid="14">
+                                            <p:txEl>
+                                              <p:pRg st="0" end="0"/>
+                                            </p:txEl>
+                                          </p:spTgt>
+                                        </p:tgtEl>
+                                      </p:cBhvr>
+                                    </p:animEffect>
+                                    <p:anim calcmode="lin" valueType="num">
+                                      <p:cBhvr>
+                                        <p:cTn id="36" dur="500" fill="hold"/>
+                                        <p:tgtEl>
+                                          <p:spTgt spid="14">
+                                            <p:txEl>
+                                              <p:pRg st="0" end="0"/>
+                                            </p:txEl>
+                                          </p:spTgt>
+                                        </p:tgtEl>
+                                        <p:attrNameLst>
+                                          <p:attrName>ppt_x</p:attrName>
+                                        </p:attrNameLst>
+                                      </p:cBhvr>
+                                      <p:tavLst>
+                                        <p:tav tm="0">
+                                          <p:val>
+                                            <p:strVal val="#ppt_x"/>
+                                          </p:val>
+                                        </p:tav>
+                                        <p:tav tm="100000">
+                                          <p:val>
+                                            <p:strVal val="#ppt_x"/>
+                                          </p:val>
+                                        </p:tav>
+                                      </p:tavLst>
+                                    </p:anim>
+                                    <p:anim calcmode="lin" valueType="num">
+                                      <p:cBhvr>
+                                        <p:cTn id="37" dur="500" fill="hold"/>
+                                        <p:tgtEl>
+                                          <p:spTgt spid="14">
+                                            <p:txEl>
+                                              <p:pRg st="0" end="0"/>
+                                            </p:txEl>
+                                          </p:spTgt>
+                                        </p:tgtEl>
+                                        <p:attrNameLst>
+                                          <p:attrName>ppt_y</p:attrName>
+                                        </p:attrNameLst>
+                                      </p:cBhvr>
+                                      <p:tavLst>
+                                        <p:tav tm="0">
+                                          <p:val>
+                                            <p:strVal val="#ppt_y+.1"/>
+                                          </p:val>
+                                        </p:tav>
+                                        <p:tav tm="100000">
+                                          <p:val>
+                                            <p:strVal val="#ppt_y"/>
+                                          </p:val>
+                                        </p:tav>
+                                      </p:tavLst>
+                                    </p:anim>
+                                  </p:childTnLst>
+                                </p:cTn>
+                              </p:par>
+                            </p:childTnLst>
+                          </p:cTn>
+                        </p:par>
+                      </p:childTnLst>
+                    </p:cTn>
+                  </p:par>
+                  <p:par>
+                    <p:cTn id="38" fill="hold">
+                      <p:stCondLst>
+                        <p:cond delay="indefinite"/>
+                      </p:stCondLst>
+                      <p:childTnLst>
+                        <p:par>
+                          <p:cTn id="39" fill="hold">
+                            <p:stCondLst>
+                              <p:cond delay="0"/>
+                            </p:stCondLst>
+                            <p:childTnLst>
+                              <p:par>
+                                <p:cTn id="40" presetID="42" presetClass="entr" presetSubtype="0" fill="hold" grpId="0" nodeType="clickEffect">
+                                  <p:stCondLst>
+                                    <p:cond delay="0"/>
+                                  </p:stCondLst>
+                                  <p:childTnLst>
+                                    <p:set>
+                                      <p:cBhvr>
+                                        <p:cTn id="41" dur="1" fill="hold">
+                                          <p:stCondLst>
+                                            <p:cond delay="0"/>
+                                          </p:stCondLst>
+                                        </p:cTn>
+                                        <p:tgtEl>
+                                          <p:spTgt spid="14">
+                                            <p:txEl>
+                                              <p:pRg st="1" end="1"/>
+                                            </p:txEl>
+                                          </p:spTgt>
+                                        </p:tgtEl>
+                                        <p:attrNameLst>
+                                          <p:attrName>style.visibility</p:attrName>
+                                        </p:attrNameLst>
+                                      </p:cBhvr>
+                                      <p:to>
+                                        <p:strVal val="visible"/>
+                                      </p:to>
+                                    </p:set>
+                                    <p:animEffect transition="in" filter="fade">
+                                      <p:cBhvr>
+                                        <p:cTn id="42" dur="500"/>
+                                        <p:tgtEl>
+                                          <p:spTgt spid="14">
+                                            <p:txEl>
+                                              <p:pRg st="1" end="1"/>
+                                            </p:txEl>
+                                          </p:spTgt>
+                                        </p:tgtEl>
+                                      </p:cBhvr>
+                                    </p:animEffect>
+                                    <p:anim calcmode="lin" valueType="num">
+                                      <p:cBhvr>
+                                        <p:cTn id="43" dur="500" fill="hold"/>
+                                        <p:tgtEl>
+                                          <p:spTgt spid="14">
+                                            <p:txEl>
+                                              <p:pRg st="1" end="1"/>
+                                            </p:txEl>
+                                          </p:spTgt>
+                                        </p:tgtEl>
+                                        <p:attrNameLst>
+                                          <p:attrName>ppt_x</p:attrName>
+                                        </p:attrNameLst>
+                                      </p:cBhvr>
+                                      <p:tavLst>
+                                        <p:tav tm="0">
+                                          <p:val>
+                                            <p:strVal val="#ppt_x"/>
+                                          </p:val>
+                                        </p:tav>
+                                        <p:tav tm="100000">
+                                          <p:val>
+                                            <p:strVal val="#ppt_x"/>
+                                          </p:val>
+                                        </p:tav>
+                                      </p:tavLst>
+                                    </p:anim>
+                                    <p:anim calcmode="lin" valueType="num">
+                                      <p:cBhvr>
+                                        <p:cTn id="44" dur="500" fill="hold"/>
+                                        <p:tgtEl>
+                                          <p:spTgt spid="14">
+                                            <p:txEl>
+                                              <p:pRg st="1" end="1"/>
+                                            </p:txEl>
+                                          </p:spTgt>
+                                        </p:tgtEl>
+                                        <p:attrNameLst>
+                                          <p:attrName>ppt_y</p:attrName>
+                                        </p:attrNameLst>
+                                      </p:cBhvr>
+                                      <p:tavLst>
+                                        <p:tav tm="0">
+                                          <p:val>
+                                            <p:strVal val="#ppt_y+.1"/>
+                                          </p:val>
+                                        </p:tav>
+                                        <p:tav tm="100000">
+                                          <p:val>
+                                            <p:strVal val="#ppt_y"/>
+                                          </p:val>
+                                        </p:tav>
+                                      </p:tavLst>
+                                    </p:anim>
+                                  </p:childTnLst>
+                                </p:cTn>
+                              </p:par>
+                            </p:childTnLst>
+                          </p:cTn>
+                        </p:par>
+                      </p:childTnLst>
+                    </p:cTn>
+                  </p:par>
+                  <p:par>
+                    <p:cTn id="45" fill="hold">
+                      <p:stCondLst>
+                        <p:cond delay="indefinite"/>
+                      </p:stCondLst>
+                      <p:childTnLst>
+                        <p:par>
+                          <p:cTn id="46" fill="hold">
+                            <p:stCondLst>
+                              <p:cond delay="0"/>
+                            </p:stCondLst>
+                            <p:childTnLst>
+                              <p:par>
+                                <p:cTn id="47" presetID="42" presetClass="entr" presetSubtype="0" fill="hold" grpId="0" nodeType="clickEffect">
+                                  <p:stCondLst>
+                                    <p:cond delay="0"/>
+                                  </p:stCondLst>
+                                  <p:childTnLst>
+                                    <p:set>
+                                      <p:cBhvr>
+                                        <p:cTn id="48" dur="1" fill="hold">
+                                          <p:stCondLst>
+                                            <p:cond delay="0"/>
+                                          </p:stCondLst>
+                                        </p:cTn>
+                                        <p:tgtEl>
+                                          <p:spTgt spid="14">
+                                            <p:txEl>
+                                              <p:pRg st="2" end="2"/>
+                                            </p:txEl>
+                                          </p:spTgt>
+                                        </p:tgtEl>
+                                        <p:attrNameLst>
+                                          <p:attrName>style.visibility</p:attrName>
+                                        </p:attrNameLst>
+                                      </p:cBhvr>
+                                      <p:to>
+                                        <p:strVal val="visible"/>
+                                      </p:to>
+                                    </p:set>
+                                    <p:animEffect transition="in" filter="fade">
+                                      <p:cBhvr>
+                                        <p:cTn id="49" dur="500"/>
+                                        <p:tgtEl>
+                                          <p:spTgt spid="14">
+                                            <p:txEl>
+                                              <p:pRg st="2" end="2"/>
+                                            </p:txEl>
+                                          </p:spTgt>
+                                        </p:tgtEl>
+                                      </p:cBhvr>
+                                    </p:animEffect>
+                                    <p:anim calcmode="lin" valueType="num">
+                                      <p:cBhvr>
+                                        <p:cTn id="50" dur="500" fill="hold"/>
+                                        <p:tgtEl>
+                                          <p:spTgt spid="14">
+                                            <p:txEl>
+                                              <p:pRg st="2" end="2"/>
+                                            </p:txEl>
+                                          </p:spTgt>
+                                        </p:tgtEl>
+                                        <p:attrNameLst>
+                                          <p:attrName>ppt_x</p:attrName>
+                                        </p:attrNameLst>
+                                      </p:cBhvr>
+                                      <p:tavLst>
+                                        <p:tav tm="0">
+                                          <p:val>
+                                            <p:strVal val="#ppt_x"/>
+                                          </p:val>
+                                        </p:tav>
+                                        <p:tav tm="100000">
+                                          <p:val>
+                                            <p:strVal val="#ppt_x"/>
+                                          </p:val>
+                                        </p:tav>
+                                      </p:tavLst>
+                                    </p:anim>
+                                    <p:anim calcmode="lin" valueType="num">
+                                      <p:cBhvr>
+                                        <p:cTn id="51" dur="500" fill="hold"/>
+                                        <p:tgtEl>
+                                          <p:spTgt spid="14">
+                                            <p:txEl>
+                                              <p:pRg st="2" end="2"/>
+                                            </p:txEl>
+                                          </p:spTgt>
+                                        </p:tgtEl>
+                                        <p:attrNameLst>
+                                          <p:attrName>ppt_y</p:attrName>
+                                        </p:attrNameLst>
+                                      </p:cBhvr>
+                                      <p:tavLst>
+                                        <p:tav tm="0">
+                                          <p:val>
+                                            <p:strVal val="#ppt_y+.1"/>
+                                          </p:val>
+                                        </p:tav>
+                                        <p:tav tm="100000">
+                                          <p:val>
+                                            <p:strVal val="#ppt_y"/>
+                                          </p:val>
+                                        </p:tav>
+                                      </p:tavLst>
+                                    </p:anim>
+                                  </p:childTnLst>
+                                </p:cTn>
+                              </p:par>
+                            </p:childTnLst>
+                          </p:cTn>
+                        </p:par>
+                      </p:childTnLst>
+                    </p:cTn>
+                  </p:par>
+                  <p:par>
+                    <p:cTn id="52" fill="hold">
+                      <p:stCondLst>
+                        <p:cond delay="indefinite"/>
+                      </p:stCondLst>
+                      <p:childTnLst>
+                        <p:par>
+                          <p:cTn id="53" fill="hold">
+                            <p:stCondLst>
+                              <p:cond delay="0"/>
+                            </p:stCondLst>
+                            <p:childTnLst>
+                              <p:par>
+                                <p:cTn id="54" presetID="22" presetClass="entr" presetSubtype="8" fill="hold" nodeType="clickEffect">
+                                  <p:stCondLst>
+                                    <p:cond delay="0"/>
+                                  </p:stCondLst>
+                                  <p:childTnLst>
+                                    <p:set>
+                                      <p:cBhvr>
+                                        <p:cTn id="55" dur="1" fill="hold">
+                                          <p:stCondLst>
+                                            <p:cond delay="0"/>
+                                          </p:stCondLst>
+                                        </p:cTn>
+                                        <p:tgtEl>
                                           <p:spTgt spid="31"/>
                                         </p:tgtEl>
                                         <p:attrNameLst>
@@ -11424,7 +11129,7 @@
                                     </p:set>
                                     <p:animEffect transition="in" filter="wipe(left)">
                                       <p:cBhvr>
-                                        <p:cTn id="35" dur="500"/>
+                                        <p:cTn id="56" dur="500"/>
                                         <p:tgtEl>
                                           <p:spTgt spid="31"/>
                                         </p:tgtEl>
@@ -11461,6 +11166,7 @@
       </p:par>
     </p:tnLst>
     <p:bldLst>
+      <p:bldP spid="14" grpId="0" build="p"/>
       <p:bldP spid="30" grpId="0" animBg="1"/>
     </p:bldLst>
   </p:timing>
@@ -12045,7 +11751,11 @@
           <a:p>
             <a:r>
               <a:rPr lang="zh-CN" altLang="en-US" sz="2400" dirty="0" smtClean="0"/>
-              <a:t>快速排序 </a:t>
+              <a:t>快速排</a:t>
+            </a:r>
+            <a:r>
+              <a:rPr lang="zh-CN" altLang="en-US" sz="2400" dirty="0"/>
+              <a:t>序及优化 </a:t>
             </a:r>
             <a:r>
               <a:rPr lang="en-US" altLang="zh-CN" sz="2400" dirty="0" smtClean="0"/>
@@ -12126,7 +11836,7 @@
       </p:sp>
       <p:grpSp>
         <p:nvGrpSpPr>
-          <p:cNvPr id="47" name="组合 46" hidden="1"/>
+          <p:cNvPr id="47" name="组合 46"/>
           <p:cNvGrpSpPr/>
           <p:nvPr/>
         </p:nvGrpSpPr>
@@ -12360,7 +12070,7 @@
       </p:grpSp>
       <p:grpSp>
         <p:nvGrpSpPr>
-          <p:cNvPr id="50" name="组合 49" hidden="1"/>
+          <p:cNvPr id="50" name="组合 49"/>
           <p:cNvGrpSpPr/>
           <p:nvPr/>
         </p:nvGrpSpPr>
@@ -12589,7 +12299,7 @@
       </p:grpSp>
       <p:grpSp>
         <p:nvGrpSpPr>
-          <p:cNvPr id="58" name="组合 57" hidden="1"/>
+          <p:cNvPr id="58" name="组合 57"/>
           <p:cNvGrpSpPr/>
           <p:nvPr/>
         </p:nvGrpSpPr>
@@ -13435,6 +13145,18 @@
   <p:clrMapOvr>
     <a:masterClrMapping/>
   </p:clrMapOvr>
+  <mc:AlternateContent xmlns:mc="http://schemas.openxmlformats.org/markup-compatibility/2006">
+    <mc:Choice xmlns:p14="http://schemas.microsoft.com/office/powerpoint/2010/main" Requires="p14">
+      <p:transition spd="med" p14:dur="700">
+        <p:fade/>
+      </p:transition>
+    </mc:Choice>
+    <mc:Fallback>
+      <p:transition spd="med">
+        <p:fade/>
+      </p:transition>
+    </mc:Fallback>
+  </mc:AlternateContent>
   <p:timing>
     <p:tnLst>
       <p:par>
@@ -14606,40 +14328,17 @@
           <a:p>
             <a:r>
               <a:rPr lang="zh-CN" altLang="en-US" sz="2400" dirty="0" smtClean="0"/>
-              <a:t>快速排序 </a:t>
+              <a:t>快速排</a:t>
             </a:r>
             <a:r>
-              <a:rPr lang="en-US" altLang="zh-CN" sz="2400" dirty="0" smtClean="0"/>
-              <a:t>——</a:t>
+              <a:rPr lang="zh-CN" altLang="en-US" sz="2400" dirty="0"/>
+              <a:t>序及优</a:t>
             </a:r>
             <a:r>
               <a:rPr lang="zh-CN" altLang="en-US" sz="2400" dirty="0" smtClean="0"/>
-              <a:t>“</a:t>
+              <a:t>化</a:t>
             </a:r>
-            <a:r>
-              <a:rPr lang="zh-CN" altLang="en-US" sz="2400" dirty="0" smtClean="0">
-                <a:solidFill>
-                  <a:srgbClr val="FF0000"/>
-                </a:solidFill>
-              </a:rPr>
-              <a:t>聚</a:t>
-            </a:r>
-            <a:r>
-              <a:rPr lang="en-US" altLang="zh-CN" sz="2400" dirty="0" smtClean="0">
-                <a:solidFill>
-                  <a:srgbClr val="FF0000"/>
-                </a:solidFill>
-              </a:rPr>
-              <a:t>key</a:t>
-            </a:r>
-            <a:r>
-              <a:rPr lang="zh-CN" altLang="en-US" sz="2400" dirty="0" smtClean="0"/>
-              <a:t>”</a:t>
-            </a:r>
-            <a:r>
-              <a:rPr lang="zh-CN" altLang="en-US" sz="2400" dirty="0"/>
-              <a:t>方法</a:t>
-            </a:r>
+            <a:endParaRPr lang="zh-CN" altLang="en-US" sz="2400" dirty="0"/>
           </a:p>
         </p:txBody>
       </p:sp>
@@ -14821,6 +14520,166 @@
           </a:p>
         </p:txBody>
       </p:sp>
+      <p:cxnSp>
+        <p:nvCxnSpPr>
+          <p:cNvPr id="18" name="直接箭头连接符 17"/>
+          <p:cNvCxnSpPr>
+            <a:stCxn id="20" idx="3"/>
+          </p:cNvCxnSpPr>
+          <p:nvPr/>
+        </p:nvCxnSpPr>
+        <p:spPr>
+          <a:xfrm>
+            <a:off x="2828042" y="4122693"/>
+            <a:ext cx="1425906" cy="278649"/>
+          </a:xfrm>
+          <a:prstGeom prst="straightConnector1">
+            <a:avLst/>
+          </a:prstGeom>
+          <a:ln w="38100">
+            <a:solidFill>
+              <a:srgbClr val="FF0000"/>
+            </a:solidFill>
+            <a:tailEnd type="triangle"/>
+          </a:ln>
+        </p:spPr>
+        <p:style>
+          <a:lnRef idx="1">
+            <a:schemeClr val="accent1"/>
+          </a:lnRef>
+          <a:fillRef idx="0">
+            <a:schemeClr val="accent1"/>
+          </a:fillRef>
+          <a:effectRef idx="0">
+            <a:schemeClr val="accent1"/>
+          </a:effectRef>
+          <a:fontRef idx="minor">
+            <a:schemeClr val="tx1"/>
+          </a:fontRef>
+        </p:style>
+      </p:cxnSp>
+      <p:sp>
+        <p:nvSpPr>
+          <p:cNvPr id="25" name="左大括号 24"/>
+          <p:cNvSpPr/>
+          <p:nvPr/>
+        </p:nvSpPr>
+        <p:spPr>
+          <a:xfrm>
+            <a:off x="4488784" y="3590885"/>
+            <a:ext cx="435082" cy="1659701"/>
+          </a:xfrm>
+          <a:prstGeom prst="leftBrace">
+            <a:avLst>
+              <a:gd name="adj1" fmla="val 126479"/>
+              <a:gd name="adj2" fmla="val 50000"/>
+            </a:avLst>
+          </a:prstGeom>
+          <a:ln w="28575"/>
+        </p:spPr>
+        <p:style>
+          <a:lnRef idx="1">
+            <a:schemeClr val="accent1"/>
+          </a:lnRef>
+          <a:fillRef idx="0">
+            <a:schemeClr val="accent1"/>
+          </a:fillRef>
+          <a:effectRef idx="0">
+            <a:schemeClr val="accent1"/>
+          </a:effectRef>
+          <a:fontRef idx="minor">
+            <a:schemeClr val="tx1"/>
+          </a:fontRef>
+        </p:style>
+        <p:txBody>
+          <a:bodyPr rtlCol="0" anchor="ctr"/>
+          <a:lstStyle/>
+          <a:p>
+            <a:pPr algn="ctr"/>
+            <a:endParaRPr lang="zh-CN" altLang="en-US"/>
+          </a:p>
+        </p:txBody>
+      </p:sp>
+      <p:sp>
+        <p:nvSpPr>
+          <p:cNvPr id="26" name="文本框 25"/>
+          <p:cNvSpPr txBox="1"/>
+          <p:nvPr/>
+        </p:nvSpPr>
+        <p:spPr>
+          <a:xfrm>
+            <a:off x="4923866" y="3697535"/>
+            <a:ext cx="4220134" cy="400110"/>
+          </a:xfrm>
+          <a:prstGeom prst="rect">
+            <a:avLst/>
+          </a:prstGeom>
+          <a:noFill/>
+        </p:spPr>
+        <p:txBody>
+          <a:bodyPr wrap="square" rtlCol="0">
+            <a:spAutoFit/>
+          </a:bodyPr>
+          <a:lstStyle/>
+          <a:p>
+            <a:r>
+              <a:rPr lang="zh-CN" altLang="en-US" sz="2000" dirty="0" smtClean="0"/>
+              <a:t>序列元素小于</a:t>
+            </a:r>
+            <a:r>
+              <a:rPr lang="en-US" altLang="zh-CN" sz="2000" dirty="0" smtClean="0"/>
+              <a:t>N</a:t>
+            </a:r>
+            <a:r>
+              <a:rPr lang="zh-CN" altLang="en-US" sz="2000" dirty="0" smtClean="0"/>
+              <a:t>时采用直</a:t>
+            </a:r>
+            <a:r>
+              <a:rPr lang="zh-CN" altLang="en-US" sz="2000" dirty="0"/>
+              <a:t>排</a:t>
+            </a:r>
+            <a:endParaRPr lang="zh-CN" altLang="en-US" sz="2000" dirty="0"/>
+          </a:p>
+        </p:txBody>
+      </p:sp>
+      <p:sp>
+        <p:nvSpPr>
+          <p:cNvPr id="28" name="文本框 27"/>
+          <p:cNvSpPr txBox="1"/>
+          <p:nvPr/>
+        </p:nvSpPr>
+        <p:spPr>
+          <a:xfrm>
+            <a:off x="4976874" y="4805814"/>
+            <a:ext cx="2078553" cy="400110"/>
+          </a:xfrm>
+          <a:prstGeom prst="rect">
+            <a:avLst/>
+          </a:prstGeom>
+          <a:noFill/>
+        </p:spPr>
+        <p:txBody>
+          <a:bodyPr wrap="square" rtlCol="0">
+            <a:spAutoFit/>
+          </a:bodyPr>
+          <a:lstStyle/>
+          <a:p>
+            <a:r>
+              <a:rPr lang="zh-CN" altLang="en-US" sz="2000" dirty="0"/>
+              <a:t>“聚</a:t>
+            </a:r>
+            <a:r>
+              <a:rPr lang="en-US" altLang="zh-CN" sz="2000" dirty="0"/>
+              <a:t>key</a:t>
+            </a:r>
+            <a:r>
+              <a:rPr lang="zh-CN" altLang="en-US" sz="2000" dirty="0"/>
+              <a:t>”方法</a:t>
+            </a:r>
+            <a:endParaRPr lang="zh-CN" altLang="en-US" sz="2000" dirty="0"/>
+          </a:p>
+        </p:txBody>
+      </p:sp>
     </p:spTree>
     <p:extLst>
       <p:ext uri="{BB962C8B-B14F-4D97-AF65-F5344CB8AC3E}">
@@ -14831,6 +14690,18 @@
   <p:clrMapOvr>
     <a:masterClrMapping/>
   </p:clrMapOvr>
+  <mc:AlternateContent xmlns:mc="http://schemas.openxmlformats.org/markup-compatibility/2006">
+    <mc:Choice xmlns:p14="http://schemas.microsoft.com/office/powerpoint/2010/main" Requires="p14">
+      <p:transition spd="med" p14:dur="700">
+        <p:fade/>
+      </p:transition>
+    </mc:Choice>
+    <mc:Fallback>
+      <p:transition spd="med">
+        <p:fade/>
+      </p:transition>
+    </mc:Fallback>
+  </mc:AlternateContent>
   <p:timing>
     <p:tnLst>
       <p:par>
@@ -15430,6 +15301,191 @@
                                         </p:tav>
                                       </p:tavLst>
                                     </p:anim>
+                                  </p:childTnLst>
+                                </p:cTn>
+                              </p:par>
+                            </p:childTnLst>
+                          </p:cTn>
+                        </p:par>
+                      </p:childTnLst>
+                    </p:cTn>
+                  </p:par>
+                  <p:par>
+                    <p:cTn id="55" fill="hold">
+                      <p:stCondLst>
+                        <p:cond delay="indefinite"/>
+                      </p:stCondLst>
+                      <p:childTnLst>
+                        <p:par>
+                          <p:cTn id="56" fill="hold">
+                            <p:stCondLst>
+                              <p:cond delay="0"/>
+                            </p:stCondLst>
+                            <p:childTnLst>
+                              <p:par>
+                                <p:cTn id="57" presetID="22" presetClass="entr" presetSubtype="8" fill="hold" nodeType="clickEffect">
+                                  <p:stCondLst>
+                                    <p:cond delay="0"/>
+                                  </p:stCondLst>
+                                  <p:childTnLst>
+                                    <p:set>
+                                      <p:cBhvr>
+                                        <p:cTn id="58" dur="1" fill="hold">
+                                          <p:stCondLst>
+                                            <p:cond delay="0"/>
+                                          </p:stCondLst>
+                                        </p:cTn>
+                                        <p:tgtEl>
+                                          <p:spTgt spid="18"/>
+                                        </p:tgtEl>
+                                        <p:attrNameLst>
+                                          <p:attrName>style.visibility</p:attrName>
+                                        </p:attrNameLst>
+                                      </p:cBhvr>
+                                      <p:to>
+                                        <p:strVal val="visible"/>
+                                      </p:to>
+                                    </p:set>
+                                    <p:animEffect transition="in" filter="wipe(left)">
+                                      <p:cBhvr>
+                                        <p:cTn id="59" dur="500"/>
+                                        <p:tgtEl>
+                                          <p:spTgt spid="18"/>
+                                        </p:tgtEl>
+                                      </p:cBhvr>
+                                    </p:animEffect>
+                                  </p:childTnLst>
+                                </p:cTn>
+                              </p:par>
+                            </p:childTnLst>
+                          </p:cTn>
+                        </p:par>
+                        <p:par>
+                          <p:cTn id="60" fill="hold">
+                            <p:stCondLst>
+                              <p:cond delay="500"/>
+                            </p:stCondLst>
+                            <p:childTnLst>
+                              <p:par>
+                                <p:cTn id="61" presetID="22" presetClass="entr" presetSubtype="1" fill="hold" grpId="0" nodeType="afterEffect">
+                                  <p:stCondLst>
+                                    <p:cond delay="0"/>
+                                  </p:stCondLst>
+                                  <p:childTnLst>
+                                    <p:set>
+                                      <p:cBhvr>
+                                        <p:cTn id="62" dur="1" fill="hold">
+                                          <p:stCondLst>
+                                            <p:cond delay="0"/>
+                                          </p:stCondLst>
+                                        </p:cTn>
+                                        <p:tgtEl>
+                                          <p:spTgt spid="25"/>
+                                        </p:tgtEl>
+                                        <p:attrNameLst>
+                                          <p:attrName>style.visibility</p:attrName>
+                                        </p:attrNameLst>
+                                      </p:cBhvr>
+                                      <p:to>
+                                        <p:strVal val="visible"/>
+                                      </p:to>
+                                    </p:set>
+                                    <p:animEffect transition="in" filter="wipe(up)">
+                                      <p:cBhvr>
+                                        <p:cTn id="63" dur="500"/>
+                                        <p:tgtEl>
+                                          <p:spTgt spid="25"/>
+                                        </p:tgtEl>
+                                      </p:cBhvr>
+                                    </p:animEffect>
+                                  </p:childTnLst>
+                                </p:cTn>
+                              </p:par>
+                            </p:childTnLst>
+                          </p:cTn>
+                        </p:par>
+                        <p:par>
+                          <p:cTn id="64" fill="hold">
+                            <p:stCondLst>
+                              <p:cond delay="1000"/>
+                            </p:stCondLst>
+                            <p:childTnLst>
+                              <p:par>
+                                <p:cTn id="65" presetID="22" presetClass="entr" presetSubtype="1" fill="hold" grpId="0" nodeType="afterEffect">
+                                  <p:stCondLst>
+                                    <p:cond delay="0"/>
+                                  </p:stCondLst>
+                                  <p:childTnLst>
+                                    <p:set>
+                                      <p:cBhvr>
+                                        <p:cTn id="66" dur="1" fill="hold">
+                                          <p:stCondLst>
+                                            <p:cond delay="0"/>
+                                          </p:stCondLst>
+                                        </p:cTn>
+                                        <p:tgtEl>
+                                          <p:spTgt spid="26"/>
+                                        </p:tgtEl>
+                                        <p:attrNameLst>
+                                          <p:attrName>style.visibility</p:attrName>
+                                        </p:attrNameLst>
+                                      </p:cBhvr>
+                                      <p:to>
+                                        <p:strVal val="visible"/>
+                                      </p:to>
+                                    </p:set>
+                                    <p:animEffect transition="in" filter="wipe(up)">
+                                      <p:cBhvr>
+                                        <p:cTn id="67" dur="500"/>
+                                        <p:tgtEl>
+                                          <p:spTgt spid="26"/>
+                                        </p:tgtEl>
+                                      </p:cBhvr>
+                                    </p:animEffect>
+                                  </p:childTnLst>
+                                </p:cTn>
+                              </p:par>
+                            </p:childTnLst>
+                          </p:cTn>
+                        </p:par>
+                        <p:par>
+                          <p:cTn id="68" fill="hold">
+                            <p:stCondLst>
+                              <p:cond delay="1500"/>
+                            </p:stCondLst>
+                            <p:childTnLst>
+                              <p:par>
+                                <p:cTn id="69" presetID="22" presetClass="entr" presetSubtype="1" fill="hold" grpId="0" nodeType="afterEffect">
+                                  <p:stCondLst>
+                                    <p:cond delay="0"/>
+                                  </p:stCondLst>
+                                  <p:childTnLst>
+                                    <p:set>
+                                      <p:cBhvr>
+                                        <p:cTn id="70" dur="1" fill="hold">
+                                          <p:stCondLst>
+                                            <p:cond delay="0"/>
+                                          </p:stCondLst>
+                                        </p:cTn>
+                                        <p:tgtEl>
+                                          <p:spTgt spid="28"/>
+                                        </p:tgtEl>
+                                        <p:attrNameLst>
+                                          <p:attrName>style.visibility</p:attrName>
+                                        </p:attrNameLst>
+                                      </p:cBhvr>
+                                      <p:to>
+                                        <p:strVal val="visible"/>
+                                      </p:to>
+                                    </p:set>
+                                    <p:animEffect transition="in" filter="wipe(up)">
+                                      <p:cBhvr>
+                                        <p:cTn id="71" dur="500"/>
+                                        <p:tgtEl>
+                                          <p:spTgt spid="28"/>
+                                        </p:tgtEl>
+                                      </p:cBhvr>
+                                    </p:animEffect>
                                   </p:childTnLst>
                                 </p:cTn>
                               </p:par>
@@ -15472,6 +15528,9 @@
       <p:bldP spid="31" grpId="0"/>
       <p:bldP spid="32" grpId="0"/>
       <p:bldP spid="33" grpId="0"/>
+      <p:bldP spid="25" grpId="0" animBg="1"/>
+      <p:bldP spid="26" grpId="0"/>
+      <p:bldP spid="28" grpId="0"/>
     </p:bldLst>
   </p:timing>
 </p:sld>
@@ -15518,7 +15577,11 @@
           <a:p>
             <a:r>
               <a:rPr lang="zh-CN" altLang="en-US" sz="2400" dirty="0" smtClean="0"/>
-              <a:t>快速排序 </a:t>
+              <a:t>快速排</a:t>
+            </a:r>
+            <a:r>
+              <a:rPr lang="zh-CN" altLang="en-US" sz="2400" dirty="0"/>
+              <a:t>序及优化 </a:t>
             </a:r>
             <a:r>
               <a:rPr lang="en-US" altLang="zh-CN" sz="2400" dirty="0" smtClean="0"/>
@@ -16985,674 +17048,6 @@
       </p:sp>
       <p:sp>
         <p:nvSpPr>
-          <p:cNvPr id="40" name="矩形 39"/>
-          <p:cNvSpPr/>
-          <p:nvPr/>
-        </p:nvSpPr>
-        <p:spPr>
-          <a:xfrm>
-            <a:off x="2485915" y="4770548"/>
-            <a:ext cx="519545" cy="488373"/>
-          </a:xfrm>
-          <a:prstGeom prst="rect">
-            <a:avLst/>
-          </a:prstGeom>
-          <a:noFill/>
-          <a:ln w="28575">
-            <a:solidFill>
-              <a:srgbClr val="0070C0"/>
-            </a:solidFill>
-          </a:ln>
-        </p:spPr>
-        <p:style>
-          <a:lnRef idx="2">
-            <a:schemeClr val="accent1">
-              <a:shade val="50000"/>
-            </a:schemeClr>
-          </a:lnRef>
-          <a:fillRef idx="1">
-            <a:schemeClr val="accent1"/>
-          </a:fillRef>
-          <a:effectRef idx="0">
-            <a:schemeClr val="accent1"/>
-          </a:effectRef>
-          <a:fontRef idx="minor">
-            <a:schemeClr val="lt1"/>
-          </a:fontRef>
-        </p:style>
-        <p:txBody>
-          <a:bodyPr rtlCol="0" anchor="ctr"/>
-          <a:lstStyle/>
-          <a:p>
-            <a:pPr algn="ctr"/>
-            <a:r>
-              <a:rPr lang="en-US" altLang="zh-CN" sz="2400" dirty="0" smtClean="0">
-                <a:solidFill>
-                  <a:schemeClr val="tx1"/>
-                </a:solidFill>
-              </a:rPr>
-              <a:t>4</a:t>
-            </a:r>
-            <a:endParaRPr lang="zh-CN" altLang="en-US" sz="2400" dirty="0">
-              <a:solidFill>
-                <a:schemeClr val="tx1"/>
-              </a:solidFill>
-            </a:endParaRPr>
-          </a:p>
-        </p:txBody>
-      </p:sp>
-      <p:sp>
-        <p:nvSpPr>
-          <p:cNvPr id="41" name="矩形 40"/>
-          <p:cNvSpPr/>
-          <p:nvPr/>
-        </p:nvSpPr>
-        <p:spPr>
-          <a:xfrm>
-            <a:off x="3005820" y="4770548"/>
-            <a:ext cx="519545" cy="488373"/>
-          </a:xfrm>
-          <a:prstGeom prst="rect">
-            <a:avLst/>
-          </a:prstGeom>
-          <a:noFill/>
-          <a:ln w="28575">
-            <a:solidFill>
-              <a:srgbClr val="0070C0"/>
-            </a:solidFill>
-          </a:ln>
-        </p:spPr>
-        <p:style>
-          <a:lnRef idx="2">
-            <a:schemeClr val="accent1">
-              <a:shade val="50000"/>
-            </a:schemeClr>
-          </a:lnRef>
-          <a:fillRef idx="1">
-            <a:schemeClr val="accent1"/>
-          </a:fillRef>
-          <a:effectRef idx="0">
-            <a:schemeClr val="accent1"/>
-          </a:effectRef>
-          <a:fontRef idx="minor">
-            <a:schemeClr val="lt1"/>
-          </a:fontRef>
-        </p:style>
-        <p:txBody>
-          <a:bodyPr rtlCol="0" anchor="ctr"/>
-          <a:lstStyle/>
-          <a:p>
-            <a:pPr algn="ctr"/>
-            <a:r>
-              <a:rPr lang="en-US" altLang="zh-CN" sz="2400" dirty="0" smtClean="0">
-                <a:solidFill>
-                  <a:schemeClr val="tx1"/>
-                </a:solidFill>
-              </a:rPr>
-              <a:t>6</a:t>
-            </a:r>
-            <a:endParaRPr lang="zh-CN" altLang="en-US" sz="2400" dirty="0">
-              <a:solidFill>
-                <a:schemeClr val="tx1"/>
-              </a:solidFill>
-            </a:endParaRPr>
-          </a:p>
-        </p:txBody>
-      </p:sp>
-      <p:sp>
-        <p:nvSpPr>
-          <p:cNvPr id="42" name="矩形 41"/>
-          <p:cNvSpPr/>
-          <p:nvPr/>
-        </p:nvSpPr>
-        <p:spPr>
-          <a:xfrm>
-            <a:off x="3523345" y="4770548"/>
-            <a:ext cx="519545" cy="488373"/>
-          </a:xfrm>
-          <a:prstGeom prst="rect">
-            <a:avLst/>
-          </a:prstGeom>
-          <a:noFill/>
-          <a:ln w="28575">
-            <a:solidFill>
-              <a:srgbClr val="0070C0"/>
-            </a:solidFill>
-          </a:ln>
-        </p:spPr>
-        <p:style>
-          <a:lnRef idx="2">
-            <a:schemeClr val="accent1">
-              <a:shade val="50000"/>
-            </a:schemeClr>
-          </a:lnRef>
-          <a:fillRef idx="1">
-            <a:schemeClr val="accent1"/>
-          </a:fillRef>
-          <a:effectRef idx="0">
-            <a:schemeClr val="accent1"/>
-          </a:effectRef>
-          <a:fontRef idx="minor">
-            <a:schemeClr val="lt1"/>
-          </a:fontRef>
-        </p:style>
-        <p:txBody>
-          <a:bodyPr rtlCol="0" anchor="ctr"/>
-          <a:lstStyle/>
-          <a:p>
-            <a:pPr algn="ctr"/>
-            <a:r>
-              <a:rPr lang="en-US" altLang="zh-CN" sz="2400" dirty="0" smtClean="0">
-                <a:solidFill>
-                  <a:srgbClr val="FF0000"/>
-                </a:solidFill>
-              </a:rPr>
-              <a:t>6</a:t>
-            </a:r>
-            <a:endParaRPr lang="zh-CN" altLang="en-US" sz="2400" dirty="0">
-              <a:solidFill>
-                <a:srgbClr val="FF0000"/>
-              </a:solidFill>
-            </a:endParaRPr>
-          </a:p>
-        </p:txBody>
-      </p:sp>
-      <p:sp>
-        <p:nvSpPr>
-          <p:cNvPr id="43" name="矩形 42"/>
-          <p:cNvSpPr/>
-          <p:nvPr/>
-        </p:nvSpPr>
-        <p:spPr>
-          <a:xfrm>
-            <a:off x="1966010" y="4770548"/>
-            <a:ext cx="519545" cy="488517"/>
-          </a:xfrm>
-          <a:prstGeom prst="rect">
-            <a:avLst/>
-          </a:prstGeom>
-          <a:noFill/>
-          <a:ln w="28575">
-            <a:solidFill>
-              <a:srgbClr val="0070C0"/>
-            </a:solidFill>
-          </a:ln>
-        </p:spPr>
-        <p:style>
-          <a:lnRef idx="2">
-            <a:schemeClr val="accent1">
-              <a:shade val="50000"/>
-            </a:schemeClr>
-          </a:lnRef>
-          <a:fillRef idx="1">
-            <a:schemeClr val="accent1"/>
-          </a:fillRef>
-          <a:effectRef idx="0">
-            <a:schemeClr val="accent1"/>
-          </a:effectRef>
-          <a:fontRef idx="minor">
-            <a:schemeClr val="lt1"/>
-          </a:fontRef>
-        </p:style>
-        <p:txBody>
-          <a:bodyPr rtlCol="0" anchor="ctr"/>
-          <a:lstStyle/>
-          <a:p>
-            <a:pPr algn="ctr"/>
-            <a:r>
-              <a:rPr lang="en-US" altLang="zh-CN" sz="2400" dirty="0" smtClean="0">
-                <a:solidFill>
-                  <a:schemeClr val="tx1"/>
-                </a:solidFill>
-              </a:rPr>
-              <a:t>1</a:t>
-            </a:r>
-            <a:endParaRPr lang="zh-CN" altLang="en-US" sz="2400" dirty="0">
-              <a:solidFill>
-                <a:schemeClr val="tx1"/>
-              </a:solidFill>
-            </a:endParaRPr>
-          </a:p>
-        </p:txBody>
-      </p:sp>
-      <p:sp>
-        <p:nvSpPr>
-          <p:cNvPr id="44" name="矩形 43"/>
-          <p:cNvSpPr/>
-          <p:nvPr/>
-        </p:nvSpPr>
-        <p:spPr>
-          <a:xfrm>
-            <a:off x="6117743" y="4770548"/>
-            <a:ext cx="519545" cy="488373"/>
-          </a:xfrm>
-          <a:prstGeom prst="rect">
-            <a:avLst/>
-          </a:prstGeom>
-          <a:noFill/>
-          <a:ln w="28575">
-            <a:solidFill>
-              <a:srgbClr val="0070C0"/>
-            </a:solidFill>
-          </a:ln>
-        </p:spPr>
-        <p:style>
-          <a:lnRef idx="2">
-            <a:schemeClr val="accent1">
-              <a:shade val="50000"/>
-            </a:schemeClr>
-          </a:lnRef>
-          <a:fillRef idx="1">
-            <a:schemeClr val="accent1"/>
-          </a:fillRef>
-          <a:effectRef idx="0">
-            <a:schemeClr val="accent1"/>
-          </a:effectRef>
-          <a:fontRef idx="minor">
-            <a:schemeClr val="lt1"/>
-          </a:fontRef>
-        </p:style>
-        <p:txBody>
-          <a:bodyPr rtlCol="0" anchor="ctr"/>
-          <a:lstStyle/>
-          <a:p>
-            <a:pPr algn="ctr"/>
-            <a:r>
-              <a:rPr lang="en-US" altLang="zh-CN" sz="2400" dirty="0" smtClean="0">
-                <a:solidFill>
-                  <a:schemeClr val="tx1"/>
-                </a:solidFill>
-              </a:rPr>
-              <a:t>8</a:t>
-            </a:r>
-            <a:endParaRPr lang="zh-CN" altLang="en-US" sz="2400" dirty="0">
-              <a:solidFill>
-                <a:schemeClr val="tx1"/>
-              </a:solidFill>
-            </a:endParaRPr>
-          </a:p>
-        </p:txBody>
-      </p:sp>
-      <p:sp>
-        <p:nvSpPr>
-          <p:cNvPr id="45" name="矩形 44"/>
-          <p:cNvSpPr/>
-          <p:nvPr/>
-        </p:nvSpPr>
-        <p:spPr>
-          <a:xfrm>
-            <a:off x="4560409" y="4770548"/>
-            <a:ext cx="519545" cy="488373"/>
-          </a:xfrm>
-          <a:prstGeom prst="rect">
-            <a:avLst/>
-          </a:prstGeom>
-          <a:noFill/>
-          <a:ln w="28575">
-            <a:solidFill>
-              <a:srgbClr val="0070C0"/>
-            </a:solidFill>
-          </a:ln>
-        </p:spPr>
-        <p:style>
-          <a:lnRef idx="2">
-            <a:schemeClr val="accent1">
-              <a:shade val="50000"/>
-            </a:schemeClr>
-          </a:lnRef>
-          <a:fillRef idx="1">
-            <a:schemeClr val="accent1"/>
-          </a:fillRef>
-          <a:effectRef idx="0">
-            <a:schemeClr val="accent1"/>
-          </a:effectRef>
-          <a:fontRef idx="minor">
-            <a:schemeClr val="lt1"/>
-          </a:fontRef>
-        </p:style>
-        <p:txBody>
-          <a:bodyPr rtlCol="0" anchor="ctr"/>
-          <a:lstStyle/>
-          <a:p>
-            <a:pPr algn="ctr"/>
-            <a:r>
-              <a:rPr lang="en-US" altLang="zh-CN" sz="2400" dirty="0" smtClean="0">
-                <a:solidFill>
-                  <a:schemeClr val="tx1"/>
-                </a:solidFill>
-              </a:rPr>
-              <a:t>6</a:t>
-            </a:r>
-            <a:endParaRPr lang="zh-CN" altLang="en-US" sz="2400" dirty="0">
-              <a:solidFill>
-                <a:schemeClr val="tx1"/>
-              </a:solidFill>
-            </a:endParaRPr>
-          </a:p>
-        </p:txBody>
-      </p:sp>
-      <p:sp>
-        <p:nvSpPr>
-          <p:cNvPr id="46" name="矩形 45"/>
-          <p:cNvSpPr/>
-          <p:nvPr/>
-        </p:nvSpPr>
-        <p:spPr>
-          <a:xfrm>
-            <a:off x="5079520" y="4770548"/>
-            <a:ext cx="519545" cy="488373"/>
-          </a:xfrm>
-          <a:prstGeom prst="rect">
-            <a:avLst/>
-          </a:prstGeom>
-          <a:noFill/>
-          <a:ln w="28575">
-            <a:solidFill>
-              <a:srgbClr val="0070C0"/>
-            </a:solidFill>
-          </a:ln>
-        </p:spPr>
-        <p:style>
-          <a:lnRef idx="2">
-            <a:schemeClr val="accent1">
-              <a:shade val="50000"/>
-            </a:schemeClr>
-          </a:lnRef>
-          <a:fillRef idx="1">
-            <a:schemeClr val="accent1"/>
-          </a:fillRef>
-          <a:effectRef idx="0">
-            <a:schemeClr val="accent1"/>
-          </a:effectRef>
-          <a:fontRef idx="minor">
-            <a:schemeClr val="lt1"/>
-          </a:fontRef>
-        </p:style>
-        <p:txBody>
-          <a:bodyPr rtlCol="0" anchor="ctr"/>
-          <a:lstStyle/>
-          <a:p>
-            <a:pPr algn="ctr"/>
-            <a:r>
-              <a:rPr lang="en-US" altLang="zh-CN" sz="2400" dirty="0" smtClean="0">
-                <a:solidFill>
-                  <a:schemeClr val="tx1"/>
-                </a:solidFill>
-              </a:rPr>
-              <a:t>6</a:t>
-            </a:r>
-            <a:endParaRPr lang="zh-CN" altLang="en-US" sz="2400" dirty="0">
-              <a:solidFill>
-                <a:schemeClr val="tx1"/>
-              </a:solidFill>
-            </a:endParaRPr>
-          </a:p>
-        </p:txBody>
-      </p:sp>
-      <p:sp>
-        <p:nvSpPr>
-          <p:cNvPr id="47" name="矩形 46"/>
-          <p:cNvSpPr/>
-          <p:nvPr/>
-        </p:nvSpPr>
-        <p:spPr>
-          <a:xfrm>
-            <a:off x="5598632" y="4770548"/>
-            <a:ext cx="519545" cy="488373"/>
-          </a:xfrm>
-          <a:prstGeom prst="rect">
-            <a:avLst/>
-          </a:prstGeom>
-          <a:noFill/>
-          <a:ln w="28575">
-            <a:solidFill>
-              <a:srgbClr val="0070C0"/>
-            </a:solidFill>
-          </a:ln>
-        </p:spPr>
-        <p:style>
-          <a:lnRef idx="2">
-            <a:schemeClr val="accent1">
-              <a:shade val="50000"/>
-            </a:schemeClr>
-          </a:lnRef>
-          <a:fillRef idx="1">
-            <a:schemeClr val="accent1"/>
-          </a:fillRef>
-          <a:effectRef idx="0">
-            <a:schemeClr val="accent1"/>
-          </a:effectRef>
-          <a:fontRef idx="minor">
-            <a:schemeClr val="lt1"/>
-          </a:fontRef>
-        </p:style>
-        <p:txBody>
-          <a:bodyPr rtlCol="0" anchor="ctr"/>
-          <a:lstStyle/>
-          <a:p>
-            <a:pPr algn="ctr"/>
-            <a:r>
-              <a:rPr lang="en-US" altLang="zh-CN" sz="2400" dirty="0" smtClean="0">
-                <a:solidFill>
-                  <a:schemeClr val="tx1"/>
-                </a:solidFill>
-              </a:rPr>
-              <a:t>7</a:t>
-            </a:r>
-            <a:endParaRPr lang="zh-CN" altLang="en-US" sz="2400" dirty="0">
-              <a:solidFill>
-                <a:schemeClr val="tx1"/>
-              </a:solidFill>
-            </a:endParaRPr>
-          </a:p>
-        </p:txBody>
-      </p:sp>
-      <p:sp>
-        <p:nvSpPr>
-          <p:cNvPr id="48" name="矩形 47"/>
-          <p:cNvSpPr/>
-          <p:nvPr/>
-        </p:nvSpPr>
-        <p:spPr>
-          <a:xfrm>
-            <a:off x="4040864" y="4770548"/>
-            <a:ext cx="519545" cy="488373"/>
-          </a:xfrm>
-          <a:prstGeom prst="rect">
-            <a:avLst/>
-          </a:prstGeom>
-          <a:noFill/>
-          <a:ln w="28575">
-            <a:solidFill>
-              <a:srgbClr val="0070C0"/>
-            </a:solidFill>
-          </a:ln>
-        </p:spPr>
-        <p:style>
-          <a:lnRef idx="2">
-            <a:schemeClr val="accent1">
-              <a:shade val="50000"/>
-            </a:schemeClr>
-          </a:lnRef>
-          <a:fillRef idx="1">
-            <a:schemeClr val="accent1"/>
-          </a:fillRef>
-          <a:effectRef idx="0">
-            <a:schemeClr val="accent1"/>
-          </a:effectRef>
-          <a:fontRef idx="minor">
-            <a:schemeClr val="lt1"/>
-          </a:fontRef>
-        </p:style>
-        <p:txBody>
-          <a:bodyPr rtlCol="0" anchor="ctr"/>
-          <a:lstStyle/>
-          <a:p>
-            <a:pPr algn="ctr"/>
-            <a:r>
-              <a:rPr lang="en-US" altLang="zh-CN" sz="2400" dirty="0" smtClean="0">
-                <a:solidFill>
-                  <a:schemeClr val="tx1"/>
-                </a:solidFill>
-              </a:rPr>
-              <a:t>6</a:t>
-            </a:r>
-            <a:endParaRPr lang="zh-CN" altLang="en-US" sz="2400" dirty="0">
-              <a:solidFill>
-                <a:schemeClr val="tx1"/>
-              </a:solidFill>
-            </a:endParaRPr>
-          </a:p>
-        </p:txBody>
-      </p:sp>
-      <p:sp>
-        <p:nvSpPr>
-          <p:cNvPr id="49" name="矩形 48"/>
-          <p:cNvSpPr/>
-          <p:nvPr/>
-        </p:nvSpPr>
-        <p:spPr>
-          <a:xfrm>
-            <a:off x="6636855" y="4770548"/>
-            <a:ext cx="519545" cy="488373"/>
-          </a:xfrm>
-          <a:prstGeom prst="rect">
-            <a:avLst/>
-          </a:prstGeom>
-          <a:noFill/>
-          <a:ln w="28575">
-            <a:solidFill>
-              <a:srgbClr val="0070C0"/>
-            </a:solidFill>
-          </a:ln>
-        </p:spPr>
-        <p:style>
-          <a:lnRef idx="2">
-            <a:schemeClr val="accent1">
-              <a:shade val="50000"/>
-            </a:schemeClr>
-          </a:lnRef>
-          <a:fillRef idx="1">
-            <a:schemeClr val="accent1"/>
-          </a:fillRef>
-          <a:effectRef idx="0">
-            <a:schemeClr val="accent1"/>
-          </a:effectRef>
-          <a:fontRef idx="minor">
-            <a:schemeClr val="lt1"/>
-          </a:fontRef>
-        </p:style>
-        <p:txBody>
-          <a:bodyPr rtlCol="0" anchor="ctr"/>
-          <a:lstStyle/>
-          <a:p>
-            <a:pPr algn="ctr"/>
-            <a:r>
-              <a:rPr lang="en-US" altLang="zh-CN" sz="2400" dirty="0" smtClean="0">
-                <a:solidFill>
-                  <a:schemeClr val="tx1"/>
-                </a:solidFill>
-              </a:rPr>
-              <a:t>7</a:t>
-            </a:r>
-            <a:endParaRPr lang="zh-CN" altLang="en-US" sz="2400" dirty="0">
-              <a:solidFill>
-                <a:schemeClr val="tx1"/>
-              </a:solidFill>
-            </a:endParaRPr>
-          </a:p>
-        </p:txBody>
-      </p:sp>
-      <p:sp>
-        <p:nvSpPr>
-          <p:cNvPr id="51" name="圆角矩形 50"/>
-          <p:cNvSpPr/>
-          <p:nvPr/>
-        </p:nvSpPr>
-        <p:spPr>
-          <a:xfrm>
-            <a:off x="1899211" y="4723101"/>
-            <a:ext cx="1144931" cy="583265"/>
-          </a:xfrm>
-          <a:prstGeom prst="roundRect">
-            <a:avLst/>
-          </a:prstGeom>
-          <a:noFill/>
-          <a:ln w="38100">
-            <a:solidFill>
-              <a:srgbClr val="FF0000"/>
-            </a:solidFill>
-          </a:ln>
-        </p:spPr>
-        <p:style>
-          <a:lnRef idx="2">
-            <a:schemeClr val="accent2"/>
-          </a:lnRef>
-          <a:fillRef idx="1">
-            <a:schemeClr val="lt1"/>
-          </a:fillRef>
-          <a:effectRef idx="0">
-            <a:schemeClr val="accent2"/>
-          </a:effectRef>
-          <a:fontRef idx="minor">
-            <a:schemeClr val="dk1"/>
-          </a:fontRef>
-        </p:style>
-        <p:txBody>
-          <a:bodyPr rtlCol="0" anchor="ctr"/>
-          <a:lstStyle/>
-          <a:p>
-            <a:pPr algn="ctr"/>
-            <a:endParaRPr lang="zh-CN" altLang="en-US"/>
-          </a:p>
-        </p:txBody>
-      </p:sp>
-      <p:sp>
-        <p:nvSpPr>
-          <p:cNvPr id="52" name="圆角矩形 51"/>
-          <p:cNvSpPr/>
-          <p:nvPr/>
-        </p:nvSpPr>
-        <p:spPr>
-          <a:xfrm>
-            <a:off x="5533702" y="4723101"/>
-            <a:ext cx="1680714" cy="583265"/>
-          </a:xfrm>
-          <a:prstGeom prst="roundRect">
-            <a:avLst/>
-          </a:prstGeom>
-          <a:noFill/>
-          <a:ln w="38100">
-            <a:solidFill>
-              <a:srgbClr val="FF0000"/>
-            </a:solidFill>
-          </a:ln>
-        </p:spPr>
-        <p:style>
-          <a:lnRef idx="2">
-            <a:schemeClr val="accent2"/>
-          </a:lnRef>
-          <a:fillRef idx="1">
-            <a:schemeClr val="lt1"/>
-          </a:fillRef>
-          <a:effectRef idx="0">
-            <a:schemeClr val="accent2"/>
-          </a:effectRef>
-          <a:fontRef idx="minor">
-            <a:schemeClr val="dk1"/>
-          </a:fontRef>
-        </p:style>
-        <p:txBody>
-          <a:bodyPr rtlCol="0" anchor="ctr"/>
-          <a:lstStyle/>
-          <a:p>
-            <a:pPr algn="ctr"/>
-            <a:endParaRPr lang="zh-CN" altLang="en-US"/>
-          </a:p>
-        </p:txBody>
-      </p:sp>
-      <p:sp>
-        <p:nvSpPr>
           <p:cNvPr id="54" name="矩形 53"/>
           <p:cNvSpPr/>
           <p:nvPr/>
@@ -18303,6 +17698,735 @@
           </a:fontRef>
         </p:style>
       </p:cxnSp>
+      <p:grpSp>
+        <p:nvGrpSpPr>
+          <p:cNvPr id="3" name="组合 2"/>
+          <p:cNvGrpSpPr/>
+          <p:nvPr/>
+        </p:nvGrpSpPr>
+        <p:grpSpPr>
+          <a:xfrm>
+            <a:off x="1933588" y="4420214"/>
+            <a:ext cx="5190390" cy="488517"/>
+            <a:chOff x="1966010" y="4770548"/>
+            <a:chExt cx="5190390" cy="488517"/>
+          </a:xfrm>
+        </p:grpSpPr>
+        <p:sp>
+          <p:nvSpPr>
+            <p:cNvPr id="40" name="矩形 39"/>
+            <p:cNvSpPr/>
+            <p:nvPr/>
+          </p:nvSpPr>
+          <p:spPr>
+            <a:xfrm>
+              <a:off x="2485915" y="4770548"/>
+              <a:ext cx="519545" cy="488373"/>
+            </a:xfrm>
+            <a:prstGeom prst="rect">
+              <a:avLst/>
+            </a:prstGeom>
+            <a:noFill/>
+            <a:ln w="28575">
+              <a:solidFill>
+                <a:srgbClr val="0070C0"/>
+              </a:solidFill>
+            </a:ln>
+          </p:spPr>
+          <p:style>
+            <a:lnRef idx="2">
+              <a:schemeClr val="accent1">
+                <a:shade val="50000"/>
+              </a:schemeClr>
+            </a:lnRef>
+            <a:fillRef idx="1">
+              <a:schemeClr val="accent1"/>
+            </a:fillRef>
+            <a:effectRef idx="0">
+              <a:schemeClr val="accent1"/>
+            </a:effectRef>
+            <a:fontRef idx="minor">
+              <a:schemeClr val="lt1"/>
+            </a:fontRef>
+          </p:style>
+          <p:txBody>
+            <a:bodyPr rtlCol="0" anchor="ctr"/>
+            <a:lstStyle/>
+            <a:p>
+              <a:pPr algn="ctr"/>
+              <a:r>
+                <a:rPr lang="en-US" altLang="zh-CN" sz="2400" dirty="0" smtClean="0">
+                  <a:solidFill>
+                    <a:schemeClr val="tx1"/>
+                  </a:solidFill>
+                </a:rPr>
+                <a:t>4</a:t>
+              </a:r>
+              <a:endParaRPr lang="zh-CN" altLang="en-US" sz="2400" dirty="0">
+                <a:solidFill>
+                  <a:schemeClr val="tx1"/>
+                </a:solidFill>
+              </a:endParaRPr>
+            </a:p>
+          </p:txBody>
+        </p:sp>
+        <p:sp>
+          <p:nvSpPr>
+            <p:cNvPr id="41" name="矩形 40"/>
+            <p:cNvSpPr/>
+            <p:nvPr/>
+          </p:nvSpPr>
+          <p:spPr>
+            <a:xfrm>
+              <a:off x="3005820" y="4770548"/>
+              <a:ext cx="519545" cy="488373"/>
+            </a:xfrm>
+            <a:prstGeom prst="rect">
+              <a:avLst/>
+            </a:prstGeom>
+            <a:noFill/>
+            <a:ln w="28575">
+              <a:solidFill>
+                <a:srgbClr val="0070C0"/>
+              </a:solidFill>
+            </a:ln>
+          </p:spPr>
+          <p:style>
+            <a:lnRef idx="2">
+              <a:schemeClr val="accent1">
+                <a:shade val="50000"/>
+              </a:schemeClr>
+            </a:lnRef>
+            <a:fillRef idx="1">
+              <a:schemeClr val="accent1"/>
+            </a:fillRef>
+            <a:effectRef idx="0">
+              <a:schemeClr val="accent1"/>
+            </a:effectRef>
+            <a:fontRef idx="minor">
+              <a:schemeClr val="lt1"/>
+            </a:fontRef>
+          </p:style>
+          <p:txBody>
+            <a:bodyPr rtlCol="0" anchor="ctr"/>
+            <a:lstStyle/>
+            <a:p>
+              <a:pPr algn="ctr"/>
+              <a:r>
+                <a:rPr lang="en-US" altLang="zh-CN" sz="2400" dirty="0" smtClean="0">
+                  <a:solidFill>
+                    <a:schemeClr val="tx1"/>
+                  </a:solidFill>
+                </a:rPr>
+                <a:t>6</a:t>
+              </a:r>
+              <a:endParaRPr lang="zh-CN" altLang="en-US" sz="2400" dirty="0">
+                <a:solidFill>
+                  <a:schemeClr val="tx1"/>
+                </a:solidFill>
+              </a:endParaRPr>
+            </a:p>
+          </p:txBody>
+        </p:sp>
+        <p:sp>
+          <p:nvSpPr>
+            <p:cNvPr id="42" name="矩形 41"/>
+            <p:cNvSpPr/>
+            <p:nvPr/>
+          </p:nvSpPr>
+          <p:spPr>
+            <a:xfrm>
+              <a:off x="3523345" y="4770548"/>
+              <a:ext cx="519545" cy="488373"/>
+            </a:xfrm>
+            <a:prstGeom prst="rect">
+              <a:avLst/>
+            </a:prstGeom>
+            <a:noFill/>
+            <a:ln w="28575">
+              <a:solidFill>
+                <a:srgbClr val="0070C0"/>
+              </a:solidFill>
+            </a:ln>
+          </p:spPr>
+          <p:style>
+            <a:lnRef idx="2">
+              <a:schemeClr val="accent1">
+                <a:shade val="50000"/>
+              </a:schemeClr>
+            </a:lnRef>
+            <a:fillRef idx="1">
+              <a:schemeClr val="accent1"/>
+            </a:fillRef>
+            <a:effectRef idx="0">
+              <a:schemeClr val="accent1"/>
+            </a:effectRef>
+            <a:fontRef idx="minor">
+              <a:schemeClr val="lt1"/>
+            </a:fontRef>
+          </p:style>
+          <p:txBody>
+            <a:bodyPr rtlCol="0" anchor="ctr"/>
+            <a:lstStyle/>
+            <a:p>
+              <a:pPr algn="ctr"/>
+              <a:r>
+                <a:rPr lang="en-US" altLang="zh-CN" sz="2400" dirty="0" smtClean="0">
+                  <a:solidFill>
+                    <a:srgbClr val="FF0000"/>
+                  </a:solidFill>
+                </a:rPr>
+                <a:t>6</a:t>
+              </a:r>
+              <a:endParaRPr lang="zh-CN" altLang="en-US" sz="2400" dirty="0">
+                <a:solidFill>
+                  <a:srgbClr val="FF0000"/>
+                </a:solidFill>
+              </a:endParaRPr>
+            </a:p>
+          </p:txBody>
+        </p:sp>
+        <p:sp>
+          <p:nvSpPr>
+            <p:cNvPr id="43" name="矩形 42"/>
+            <p:cNvSpPr/>
+            <p:nvPr/>
+          </p:nvSpPr>
+          <p:spPr>
+            <a:xfrm>
+              <a:off x="1966010" y="4770548"/>
+              <a:ext cx="519545" cy="488517"/>
+            </a:xfrm>
+            <a:prstGeom prst="rect">
+              <a:avLst/>
+            </a:prstGeom>
+            <a:noFill/>
+            <a:ln w="28575">
+              <a:solidFill>
+                <a:srgbClr val="0070C0"/>
+              </a:solidFill>
+            </a:ln>
+          </p:spPr>
+          <p:style>
+            <a:lnRef idx="2">
+              <a:schemeClr val="accent1">
+                <a:shade val="50000"/>
+              </a:schemeClr>
+            </a:lnRef>
+            <a:fillRef idx="1">
+              <a:schemeClr val="accent1"/>
+            </a:fillRef>
+            <a:effectRef idx="0">
+              <a:schemeClr val="accent1"/>
+            </a:effectRef>
+            <a:fontRef idx="minor">
+              <a:schemeClr val="lt1"/>
+            </a:fontRef>
+          </p:style>
+          <p:txBody>
+            <a:bodyPr rtlCol="0" anchor="ctr"/>
+            <a:lstStyle/>
+            <a:p>
+              <a:pPr algn="ctr"/>
+              <a:r>
+                <a:rPr lang="en-US" altLang="zh-CN" sz="2400" dirty="0" smtClean="0">
+                  <a:solidFill>
+                    <a:schemeClr val="tx1"/>
+                  </a:solidFill>
+                </a:rPr>
+                <a:t>1</a:t>
+              </a:r>
+              <a:endParaRPr lang="zh-CN" altLang="en-US" sz="2400" dirty="0">
+                <a:solidFill>
+                  <a:schemeClr val="tx1"/>
+                </a:solidFill>
+              </a:endParaRPr>
+            </a:p>
+          </p:txBody>
+        </p:sp>
+        <p:sp>
+          <p:nvSpPr>
+            <p:cNvPr id="44" name="矩形 43"/>
+            <p:cNvSpPr/>
+            <p:nvPr/>
+          </p:nvSpPr>
+          <p:spPr>
+            <a:xfrm>
+              <a:off x="6117743" y="4770548"/>
+              <a:ext cx="519545" cy="488373"/>
+            </a:xfrm>
+            <a:prstGeom prst="rect">
+              <a:avLst/>
+            </a:prstGeom>
+            <a:noFill/>
+            <a:ln w="28575">
+              <a:solidFill>
+                <a:srgbClr val="0070C0"/>
+              </a:solidFill>
+            </a:ln>
+          </p:spPr>
+          <p:style>
+            <a:lnRef idx="2">
+              <a:schemeClr val="accent1">
+                <a:shade val="50000"/>
+              </a:schemeClr>
+            </a:lnRef>
+            <a:fillRef idx="1">
+              <a:schemeClr val="accent1"/>
+            </a:fillRef>
+            <a:effectRef idx="0">
+              <a:schemeClr val="accent1"/>
+            </a:effectRef>
+            <a:fontRef idx="minor">
+              <a:schemeClr val="lt1"/>
+            </a:fontRef>
+          </p:style>
+          <p:txBody>
+            <a:bodyPr rtlCol="0" anchor="ctr"/>
+            <a:lstStyle/>
+            <a:p>
+              <a:pPr algn="ctr"/>
+              <a:r>
+                <a:rPr lang="en-US" altLang="zh-CN" sz="2400" dirty="0" smtClean="0">
+                  <a:solidFill>
+                    <a:schemeClr val="tx1"/>
+                  </a:solidFill>
+                </a:rPr>
+                <a:t>8</a:t>
+              </a:r>
+              <a:endParaRPr lang="zh-CN" altLang="en-US" sz="2400" dirty="0">
+                <a:solidFill>
+                  <a:schemeClr val="tx1"/>
+                </a:solidFill>
+              </a:endParaRPr>
+            </a:p>
+          </p:txBody>
+        </p:sp>
+        <p:sp>
+          <p:nvSpPr>
+            <p:cNvPr id="45" name="矩形 44"/>
+            <p:cNvSpPr/>
+            <p:nvPr/>
+          </p:nvSpPr>
+          <p:spPr>
+            <a:xfrm>
+              <a:off x="4560409" y="4770548"/>
+              <a:ext cx="519545" cy="488373"/>
+            </a:xfrm>
+            <a:prstGeom prst="rect">
+              <a:avLst/>
+            </a:prstGeom>
+            <a:noFill/>
+            <a:ln w="28575">
+              <a:solidFill>
+                <a:srgbClr val="0070C0"/>
+              </a:solidFill>
+            </a:ln>
+          </p:spPr>
+          <p:style>
+            <a:lnRef idx="2">
+              <a:schemeClr val="accent1">
+                <a:shade val="50000"/>
+              </a:schemeClr>
+            </a:lnRef>
+            <a:fillRef idx="1">
+              <a:schemeClr val="accent1"/>
+            </a:fillRef>
+            <a:effectRef idx="0">
+              <a:schemeClr val="accent1"/>
+            </a:effectRef>
+            <a:fontRef idx="minor">
+              <a:schemeClr val="lt1"/>
+            </a:fontRef>
+          </p:style>
+          <p:txBody>
+            <a:bodyPr rtlCol="0" anchor="ctr"/>
+            <a:lstStyle/>
+            <a:p>
+              <a:pPr algn="ctr"/>
+              <a:r>
+                <a:rPr lang="en-US" altLang="zh-CN" sz="2400" dirty="0" smtClean="0">
+                  <a:solidFill>
+                    <a:schemeClr val="tx1"/>
+                  </a:solidFill>
+                </a:rPr>
+                <a:t>6</a:t>
+              </a:r>
+              <a:endParaRPr lang="zh-CN" altLang="en-US" sz="2400" dirty="0">
+                <a:solidFill>
+                  <a:schemeClr val="tx1"/>
+                </a:solidFill>
+              </a:endParaRPr>
+            </a:p>
+          </p:txBody>
+        </p:sp>
+        <p:sp>
+          <p:nvSpPr>
+            <p:cNvPr id="46" name="矩形 45"/>
+            <p:cNvSpPr/>
+            <p:nvPr/>
+          </p:nvSpPr>
+          <p:spPr>
+            <a:xfrm>
+              <a:off x="5079520" y="4770548"/>
+              <a:ext cx="519545" cy="488373"/>
+            </a:xfrm>
+            <a:prstGeom prst="rect">
+              <a:avLst/>
+            </a:prstGeom>
+            <a:noFill/>
+            <a:ln w="28575">
+              <a:solidFill>
+                <a:srgbClr val="0070C0"/>
+              </a:solidFill>
+            </a:ln>
+          </p:spPr>
+          <p:style>
+            <a:lnRef idx="2">
+              <a:schemeClr val="accent1">
+                <a:shade val="50000"/>
+              </a:schemeClr>
+            </a:lnRef>
+            <a:fillRef idx="1">
+              <a:schemeClr val="accent1"/>
+            </a:fillRef>
+            <a:effectRef idx="0">
+              <a:schemeClr val="accent1"/>
+            </a:effectRef>
+            <a:fontRef idx="minor">
+              <a:schemeClr val="lt1"/>
+            </a:fontRef>
+          </p:style>
+          <p:txBody>
+            <a:bodyPr rtlCol="0" anchor="ctr"/>
+            <a:lstStyle/>
+            <a:p>
+              <a:pPr algn="ctr"/>
+              <a:r>
+                <a:rPr lang="en-US" altLang="zh-CN" sz="2400" dirty="0" smtClean="0">
+                  <a:solidFill>
+                    <a:schemeClr val="tx1"/>
+                  </a:solidFill>
+                </a:rPr>
+                <a:t>6</a:t>
+              </a:r>
+              <a:endParaRPr lang="zh-CN" altLang="en-US" sz="2400" dirty="0">
+                <a:solidFill>
+                  <a:schemeClr val="tx1"/>
+                </a:solidFill>
+              </a:endParaRPr>
+            </a:p>
+          </p:txBody>
+        </p:sp>
+        <p:sp>
+          <p:nvSpPr>
+            <p:cNvPr id="47" name="矩形 46"/>
+            <p:cNvSpPr/>
+            <p:nvPr/>
+          </p:nvSpPr>
+          <p:spPr>
+            <a:xfrm>
+              <a:off x="5598632" y="4770548"/>
+              <a:ext cx="519545" cy="488373"/>
+            </a:xfrm>
+            <a:prstGeom prst="rect">
+              <a:avLst/>
+            </a:prstGeom>
+            <a:noFill/>
+            <a:ln w="28575">
+              <a:solidFill>
+                <a:srgbClr val="0070C0"/>
+              </a:solidFill>
+            </a:ln>
+          </p:spPr>
+          <p:style>
+            <a:lnRef idx="2">
+              <a:schemeClr val="accent1">
+                <a:shade val="50000"/>
+              </a:schemeClr>
+            </a:lnRef>
+            <a:fillRef idx="1">
+              <a:schemeClr val="accent1"/>
+            </a:fillRef>
+            <a:effectRef idx="0">
+              <a:schemeClr val="accent1"/>
+            </a:effectRef>
+            <a:fontRef idx="minor">
+              <a:schemeClr val="lt1"/>
+            </a:fontRef>
+          </p:style>
+          <p:txBody>
+            <a:bodyPr rtlCol="0" anchor="ctr"/>
+            <a:lstStyle/>
+            <a:p>
+              <a:pPr algn="ctr"/>
+              <a:r>
+                <a:rPr lang="en-US" altLang="zh-CN" sz="2400" dirty="0" smtClean="0">
+                  <a:solidFill>
+                    <a:schemeClr val="tx1"/>
+                  </a:solidFill>
+                </a:rPr>
+                <a:t>7</a:t>
+              </a:r>
+              <a:endParaRPr lang="zh-CN" altLang="en-US" sz="2400" dirty="0">
+                <a:solidFill>
+                  <a:schemeClr val="tx1"/>
+                </a:solidFill>
+              </a:endParaRPr>
+            </a:p>
+          </p:txBody>
+        </p:sp>
+        <p:sp>
+          <p:nvSpPr>
+            <p:cNvPr id="48" name="矩形 47"/>
+            <p:cNvSpPr/>
+            <p:nvPr/>
+          </p:nvSpPr>
+          <p:spPr>
+            <a:xfrm>
+              <a:off x="4040864" y="4770548"/>
+              <a:ext cx="519545" cy="488373"/>
+            </a:xfrm>
+            <a:prstGeom prst="rect">
+              <a:avLst/>
+            </a:prstGeom>
+            <a:noFill/>
+            <a:ln w="28575">
+              <a:solidFill>
+                <a:srgbClr val="0070C0"/>
+              </a:solidFill>
+            </a:ln>
+          </p:spPr>
+          <p:style>
+            <a:lnRef idx="2">
+              <a:schemeClr val="accent1">
+                <a:shade val="50000"/>
+              </a:schemeClr>
+            </a:lnRef>
+            <a:fillRef idx="1">
+              <a:schemeClr val="accent1"/>
+            </a:fillRef>
+            <a:effectRef idx="0">
+              <a:schemeClr val="accent1"/>
+            </a:effectRef>
+            <a:fontRef idx="minor">
+              <a:schemeClr val="lt1"/>
+            </a:fontRef>
+          </p:style>
+          <p:txBody>
+            <a:bodyPr rtlCol="0" anchor="ctr"/>
+            <a:lstStyle/>
+            <a:p>
+              <a:pPr algn="ctr"/>
+              <a:r>
+                <a:rPr lang="en-US" altLang="zh-CN" sz="2400" dirty="0" smtClean="0">
+                  <a:solidFill>
+                    <a:schemeClr val="tx1"/>
+                  </a:solidFill>
+                </a:rPr>
+                <a:t>6</a:t>
+              </a:r>
+              <a:endParaRPr lang="zh-CN" altLang="en-US" sz="2400" dirty="0">
+                <a:solidFill>
+                  <a:schemeClr val="tx1"/>
+                </a:solidFill>
+              </a:endParaRPr>
+            </a:p>
+          </p:txBody>
+        </p:sp>
+        <p:sp>
+          <p:nvSpPr>
+            <p:cNvPr id="49" name="矩形 48"/>
+            <p:cNvSpPr/>
+            <p:nvPr/>
+          </p:nvSpPr>
+          <p:spPr>
+            <a:xfrm>
+              <a:off x="6636855" y="4770548"/>
+              <a:ext cx="519545" cy="488373"/>
+            </a:xfrm>
+            <a:prstGeom prst="rect">
+              <a:avLst/>
+            </a:prstGeom>
+            <a:noFill/>
+            <a:ln w="28575">
+              <a:solidFill>
+                <a:srgbClr val="0070C0"/>
+              </a:solidFill>
+            </a:ln>
+          </p:spPr>
+          <p:style>
+            <a:lnRef idx="2">
+              <a:schemeClr val="accent1">
+                <a:shade val="50000"/>
+              </a:schemeClr>
+            </a:lnRef>
+            <a:fillRef idx="1">
+              <a:schemeClr val="accent1"/>
+            </a:fillRef>
+            <a:effectRef idx="0">
+              <a:schemeClr val="accent1"/>
+            </a:effectRef>
+            <a:fontRef idx="minor">
+              <a:schemeClr val="lt1"/>
+            </a:fontRef>
+          </p:style>
+          <p:txBody>
+            <a:bodyPr rtlCol="0" anchor="ctr"/>
+            <a:lstStyle/>
+            <a:p>
+              <a:pPr algn="ctr"/>
+              <a:r>
+                <a:rPr lang="en-US" altLang="zh-CN" sz="2400" dirty="0" smtClean="0">
+                  <a:solidFill>
+                    <a:schemeClr val="tx1"/>
+                  </a:solidFill>
+                </a:rPr>
+                <a:t>7</a:t>
+              </a:r>
+              <a:endParaRPr lang="zh-CN" altLang="en-US" sz="2400" dirty="0">
+                <a:solidFill>
+                  <a:schemeClr val="tx1"/>
+                </a:solidFill>
+              </a:endParaRPr>
+            </a:p>
+          </p:txBody>
+        </p:sp>
+      </p:grpSp>
+      <p:sp>
+        <p:nvSpPr>
+          <p:cNvPr id="51" name="圆角矩形 50"/>
+          <p:cNvSpPr/>
+          <p:nvPr/>
+        </p:nvSpPr>
+        <p:spPr>
+          <a:xfrm>
+            <a:off x="1884556" y="4372767"/>
+            <a:ext cx="1144931" cy="583265"/>
+          </a:xfrm>
+          <a:prstGeom prst="roundRect">
+            <a:avLst/>
+          </a:prstGeom>
+          <a:noFill/>
+          <a:ln w="38100">
+            <a:solidFill>
+              <a:srgbClr val="FF0000"/>
+            </a:solidFill>
+          </a:ln>
+        </p:spPr>
+        <p:style>
+          <a:lnRef idx="2">
+            <a:schemeClr val="accent2"/>
+          </a:lnRef>
+          <a:fillRef idx="1">
+            <a:schemeClr val="lt1"/>
+          </a:fillRef>
+          <a:effectRef idx="0">
+            <a:schemeClr val="accent2"/>
+          </a:effectRef>
+          <a:fontRef idx="minor">
+            <a:schemeClr val="dk1"/>
+          </a:fontRef>
+        </p:style>
+        <p:txBody>
+          <a:bodyPr rtlCol="0" anchor="ctr"/>
+          <a:lstStyle/>
+          <a:p>
+            <a:pPr algn="ctr"/>
+            <a:endParaRPr lang="zh-CN" altLang="en-US"/>
+          </a:p>
+        </p:txBody>
+      </p:sp>
+      <p:sp>
+        <p:nvSpPr>
+          <p:cNvPr id="52" name="圆角矩形 51"/>
+          <p:cNvSpPr/>
+          <p:nvPr/>
+        </p:nvSpPr>
+        <p:spPr>
+          <a:xfrm>
+            <a:off x="5515127" y="4372767"/>
+            <a:ext cx="1680714" cy="583265"/>
+          </a:xfrm>
+          <a:prstGeom prst="roundRect">
+            <a:avLst/>
+          </a:prstGeom>
+          <a:noFill/>
+          <a:ln w="38100">
+            <a:solidFill>
+              <a:srgbClr val="FF0000"/>
+            </a:solidFill>
+          </a:ln>
+        </p:spPr>
+        <p:style>
+          <a:lnRef idx="2">
+            <a:schemeClr val="accent2"/>
+          </a:lnRef>
+          <a:fillRef idx="1">
+            <a:schemeClr val="lt1"/>
+          </a:fillRef>
+          <a:effectRef idx="0">
+            <a:schemeClr val="accent2"/>
+          </a:effectRef>
+          <a:fontRef idx="minor">
+            <a:schemeClr val="dk1"/>
+          </a:fontRef>
+        </p:style>
+        <p:txBody>
+          <a:bodyPr rtlCol="0" anchor="ctr"/>
+          <a:lstStyle/>
+          <a:p>
+            <a:pPr algn="ctr"/>
+            <a:endParaRPr lang="zh-CN" altLang="en-US"/>
+          </a:p>
+        </p:txBody>
+      </p:sp>
+      <p:sp>
+        <p:nvSpPr>
+          <p:cNvPr id="6" name="文本框 5"/>
+          <p:cNvSpPr txBox="1"/>
+          <p:nvPr/>
+        </p:nvSpPr>
+        <p:spPr>
+          <a:xfrm>
+            <a:off x="1884556" y="3928084"/>
+            <a:ext cx="5027780" cy="369332"/>
+          </a:xfrm>
+          <a:prstGeom prst="rect">
+            <a:avLst/>
+          </a:prstGeom>
+          <a:noFill/>
+        </p:spPr>
+        <p:txBody>
+          <a:bodyPr wrap="square" rtlCol="0">
+            <a:spAutoFit/>
+          </a:bodyPr>
+          <a:lstStyle/>
+          <a:p>
+            <a:r>
+              <a:rPr lang="zh-CN" altLang="en-US" dirty="0" smtClean="0"/>
+              <a:t>将两端与</a:t>
+            </a:r>
+            <a:r>
+              <a:rPr lang="en-US" altLang="zh-CN" dirty="0" smtClean="0"/>
+              <a:t>key</a:t>
+            </a:r>
+            <a:r>
+              <a:rPr lang="zh-CN" altLang="en-US" dirty="0" smtClean="0"/>
+              <a:t>相等的值移到枢轴</a:t>
+            </a:r>
+            <a:r>
+              <a:rPr lang="en-US" altLang="zh-CN" dirty="0" smtClean="0"/>
+              <a:t>key</a:t>
+            </a:r>
+            <a:r>
+              <a:rPr lang="zh-CN" altLang="en-US" dirty="0" smtClean="0"/>
+              <a:t>两端</a:t>
+            </a:r>
+            <a:endParaRPr lang="zh-CN" altLang="en-US" dirty="0"/>
+          </a:p>
+        </p:txBody>
+      </p:sp>
     </p:spTree>
     <p:extLst>
       <p:ext uri="{BB962C8B-B14F-4D97-AF65-F5344CB8AC3E}">
@@ -18313,6 +18437,18 @@
   <p:clrMapOvr>
     <a:masterClrMapping/>
   </p:clrMapOvr>
+  <mc:AlternateContent xmlns:mc="http://schemas.openxmlformats.org/markup-compatibility/2006">
+    <mc:Choice xmlns:p14="http://schemas.microsoft.com/office/powerpoint/2010/main" Requires="p14">
+      <p:transition spd="med" p14:dur="700">
+        <p:fade/>
+      </p:transition>
+    </mc:Choice>
+    <mc:Fallback>
+      <p:transition spd="med">
+        <p:fade/>
+      </p:transition>
+    </mc:Fallback>
+  </mc:AlternateContent>
   <p:timing>
     <p:tnLst>
       <p:par>
@@ -20589,20 +20725,108 @@
                             </p:stCondLst>
                             <p:childTnLst>
                               <p:par>
-                                <p:cTn id="199" presetID="21" presetClass="entr" presetSubtype="1" fill="hold" grpId="0" nodeType="clickEffect">
+                                <p:cTn id="199" presetID="10" presetClass="exit" presetSubtype="0" fill="hold" nodeType="clickEffect">
+                                  <p:stCondLst>
+                                    <p:cond delay="0"/>
+                                  </p:stCondLst>
+                                  <p:childTnLst>
+                                    <p:animEffect transition="out" filter="fade">
+                                      <p:cBhvr>
+                                        <p:cTn id="200" dur="500"/>
+                                        <p:tgtEl>
+                                          <p:spTgt spid="66"/>
+                                        </p:tgtEl>
+                                      </p:cBhvr>
+                                    </p:animEffect>
+                                    <p:set>
+                                      <p:cBhvr>
+                                        <p:cTn id="201" dur="1" fill="hold">
+                                          <p:stCondLst>
+                                            <p:cond delay="499"/>
+                                          </p:stCondLst>
+                                        </p:cTn>
+                                        <p:tgtEl>
+                                          <p:spTgt spid="66"/>
+                                        </p:tgtEl>
+                                        <p:attrNameLst>
+                                          <p:attrName>style.visibility</p:attrName>
+                                        </p:attrNameLst>
+                                      </p:cBhvr>
+                                      <p:to>
+                                        <p:strVal val="hidden"/>
+                                      </p:to>
+                                    </p:set>
+                                  </p:childTnLst>
+                                </p:cTn>
+                              </p:par>
+                              <p:par>
+                                <p:cTn id="202" presetID="10" presetClass="exit" presetSubtype="0" fill="hold" nodeType="withEffect">
+                                  <p:stCondLst>
+                                    <p:cond delay="0"/>
+                                  </p:stCondLst>
+                                  <p:childTnLst>
+                                    <p:animEffect transition="out" filter="fade">
+                                      <p:cBhvr>
+                                        <p:cTn id="203" dur="500"/>
+                                        <p:tgtEl>
+                                          <p:spTgt spid="69"/>
+                                        </p:tgtEl>
+                                      </p:cBhvr>
+                                    </p:animEffect>
+                                    <p:set>
+                                      <p:cBhvr>
+                                        <p:cTn id="204" dur="1" fill="hold">
+                                          <p:stCondLst>
+                                            <p:cond delay="499"/>
+                                          </p:stCondLst>
+                                        </p:cTn>
+                                        <p:tgtEl>
+                                          <p:spTgt spid="69"/>
+                                        </p:tgtEl>
+                                        <p:attrNameLst>
+                                          <p:attrName>style.visibility</p:attrName>
+                                        </p:attrNameLst>
+                                      </p:cBhvr>
+                                      <p:to>
+                                        <p:strVal val="hidden"/>
+                                      </p:to>
+                                    </p:set>
+                                  </p:childTnLst>
+                                </p:cTn>
+                              </p:par>
+                            </p:childTnLst>
+                          </p:cTn>
+                        </p:par>
+                      </p:childTnLst>
+                    </p:cTn>
+                  </p:par>
+                  <p:par>
+                    <p:cTn id="205" fill="hold">
+                      <p:stCondLst>
+                        <p:cond delay="indefinite"/>
+                      </p:stCondLst>
+                      <p:childTnLst>
+                        <p:par>
+                          <p:cTn id="206" fill="hold">
+                            <p:stCondLst>
+                              <p:cond delay="0"/>
+                            </p:stCondLst>
+                            <p:childTnLst>
+                              <p:par>
+                                <p:cTn id="207" presetID="10" presetClass="entr" presetSubtype="0" fill="hold" grpId="0" nodeType="clickEffect">
                                   <p:stCondLst>
                                     <p:cond delay="0"/>
                                   </p:stCondLst>
                                   <p:childTnLst>
                                     <p:set>
                                       <p:cBhvr>
-                                        <p:cTn id="200" dur="1" fill="hold">
+                                        <p:cTn id="208" dur="1" fill="hold">
                                           <p:stCondLst>
                                             <p:cond delay="0"/>
                                           </p:stCondLst>
                                         </p:cTn>
                                         <p:tgtEl>
-                                          <p:spTgt spid="51"/>
+                                          <p:spTgt spid="6"/>
                                         </p:tgtEl>
                                         <p:attrNameLst>
                                           <p:attrName>style.visibility</p:attrName>
@@ -20612,11 +20836,11 @@
                                         <p:strVal val="visible"/>
                                       </p:to>
                                     </p:set>
-                                    <p:animEffect transition="in" filter="wheel(1)">
-                                      <p:cBhvr>
-                                        <p:cTn id="201" dur="750"/>
-                                        <p:tgtEl>
-                                          <p:spTgt spid="51"/>
+                                    <p:animEffect transition="in" filter="fade">
+                                      <p:cBhvr>
+                                        <p:cTn id="209" dur="500"/>
+                                        <p:tgtEl>
+                                          <p:spTgt spid="6"/>
                                         </p:tgtEl>
                                       </p:cBhvr>
                                     </p:animEffect>
@@ -20630,32 +20854,32 @@
                     </p:cTn>
                   </p:par>
                   <p:par>
-                    <p:cTn id="202" fill="hold">
+                    <p:cTn id="210" fill="hold">
                       <p:stCondLst>
                         <p:cond delay="indefinite"/>
                       </p:stCondLst>
                       <p:childTnLst>
                         <p:par>
-                          <p:cTn id="203" fill="hold">
+                          <p:cTn id="211" fill="hold">
                             <p:stCondLst>
                               <p:cond delay="0"/>
                             </p:stCondLst>
                             <p:childTnLst>
                               <p:par>
-                                <p:cTn id="204" presetID="21" presetClass="entr" presetSubtype="1" fill="hold" grpId="0" nodeType="clickEffect">
+                                <p:cTn id="212" presetID="42" presetClass="entr" presetSubtype="0" fill="hold" nodeType="clickEffect">
                                   <p:stCondLst>
                                     <p:cond delay="0"/>
                                   </p:stCondLst>
                                   <p:childTnLst>
                                     <p:set>
                                       <p:cBhvr>
-                                        <p:cTn id="205" dur="1" fill="hold">
+                                        <p:cTn id="213" dur="1" fill="hold">
                                           <p:stCondLst>
                                             <p:cond delay="0"/>
                                           </p:stCondLst>
                                         </p:cTn>
                                         <p:tgtEl>
-                                          <p:spTgt spid="52"/>
+                                          <p:spTgt spid="3"/>
                                         </p:tgtEl>
                                         <p:attrNameLst>
                                           <p:attrName>style.visibility</p:attrName>
@@ -20665,14 +20889,60 @@
                                         <p:strVal val="visible"/>
                                       </p:to>
                                     </p:set>
-                                    <p:animEffect transition="in" filter="wheel(1)">
-                                      <p:cBhvr>
-                                        <p:cTn id="206" dur="750"/>
-                                        <p:tgtEl>
-                                          <p:spTgt spid="52"/>
+                                    <p:animEffect transition="in" filter="fade">
+                                      <p:cBhvr>
+                                        <p:cTn id="214" dur="750"/>
+                                        <p:tgtEl>
+                                          <p:spTgt spid="3"/>
                                         </p:tgtEl>
                                       </p:cBhvr>
                                     </p:animEffect>
+                                    <p:anim calcmode="lin" valueType="num">
+                                      <p:cBhvr>
+                                        <p:cTn id="215" dur="750" fill="hold"/>
+                                        <p:tgtEl>
+                                          <p:spTgt spid="3"/>
+                                        </p:tgtEl>
+                                        <p:attrNameLst>
+                                          <p:attrName>ppt_x</p:attrName>
+                                        </p:attrNameLst>
+                                      </p:cBhvr>
+                                      <p:tavLst>
+                                        <p:tav tm="0">
+                                          <p:val>
+                                            <p:strVal val="#ppt_x"/>
+                                          </p:val>
+                                        </p:tav>
+                                        <p:tav tm="100000">
+                                          <p:val>
+                                            <p:strVal val="#ppt_x"/>
+                                          </p:val>
+                                        </p:tav>
+                                      </p:tavLst>
+                                    </p:anim>
+                                    <p:anim calcmode="lin" valueType="num">
+                                      <p:cBhvr>
+                                        <p:cTn id="216" dur="750" fill="hold"/>
+                                        <p:tgtEl>
+                                          <p:spTgt spid="3"/>
+                                        </p:tgtEl>
+                                        <p:attrNameLst>
+                                          <p:attrName>ppt_y</p:attrName>
+                                        </p:attrNameLst>
+                                      </p:cBhvr>
+                                      <p:tavLst>
+                                        <p:tav tm="0">
+                                          <p:val>
+                                            <p:strVal val="#ppt_y+.1"/>
+                                          </p:val>
+                                        </p:tav>
+                                        <p:tav tm="100000">
+                                          <p:val>
+                                            <p:strVal val="#ppt_y"/>
+                                          </p:val>
+                                        </p:tav>
+                                      </p:tavLst>
+                                    </p:anim>
                                   </p:childTnLst>
                                 </p:cTn>
                               </p:par>
@@ -20683,84 +20953,84 @@
                     </p:cTn>
                   </p:par>
                   <p:par>
-                    <p:cTn id="207" fill="hold">
+                    <p:cTn id="217" fill="hold">
                       <p:stCondLst>
                         <p:cond delay="indefinite"/>
                       </p:stCondLst>
                       <p:childTnLst>
                         <p:par>
-                          <p:cTn id="208" fill="hold">
+                          <p:cTn id="218" fill="hold">
                             <p:stCondLst>
                               <p:cond delay="0"/>
                             </p:stCondLst>
                             <p:childTnLst>
                               <p:par>
-                                <p:cTn id="209" presetID="10" presetClass="exit" presetSubtype="0" fill="hold" nodeType="clickEffect">
+                                <p:cTn id="219" presetID="21" presetClass="entr" presetSubtype="1" fill="hold" grpId="0" nodeType="clickEffect">
                                   <p:stCondLst>
                                     <p:cond delay="0"/>
                                   </p:stCondLst>
                                   <p:childTnLst>
-                                    <p:animEffect transition="out" filter="fade">
-                                      <p:cBhvr>
-                                        <p:cTn id="210" dur="500"/>
-                                        <p:tgtEl>
-                                          <p:spTgt spid="66"/>
-                                        </p:tgtEl>
-                                      </p:cBhvr>
-                                    </p:animEffect>
                                     <p:set>
                                       <p:cBhvr>
-                                        <p:cTn id="211" dur="1" fill="hold">
+                                        <p:cTn id="220" dur="1" fill="hold">
                                           <p:stCondLst>
-                                            <p:cond delay="499"/>
+                                            <p:cond delay="0"/>
                                           </p:stCondLst>
                                         </p:cTn>
                                         <p:tgtEl>
-                                          <p:spTgt spid="66"/>
+                                          <p:spTgt spid="51"/>
                                         </p:tgtEl>
                                         <p:attrNameLst>
                                           <p:attrName>style.visibility</p:attrName>
                                         </p:attrNameLst>
                                       </p:cBhvr>
                                       <p:to>
-                                        <p:strVal val="hidden"/>
+                                        <p:strVal val="visible"/>
                                       </p:to>
                                     </p:set>
+                                    <p:animEffect transition="in" filter="wheel(1)">
+                                      <p:cBhvr>
+                                        <p:cTn id="221" dur="750"/>
+                                        <p:tgtEl>
+                                          <p:spTgt spid="51"/>
+                                        </p:tgtEl>
+                                      </p:cBhvr>
+                                    </p:animEffect>
                                   </p:childTnLst>
                                 </p:cTn>
                               </p:par>
                               <p:par>
-                                <p:cTn id="212" presetID="10" presetClass="exit" presetSubtype="0" fill="hold" nodeType="withEffect">
+                                <p:cTn id="222" presetID="21" presetClass="entr" presetSubtype="1" fill="hold" grpId="0" nodeType="withEffect">
                                   <p:stCondLst>
                                     <p:cond delay="0"/>
                                   </p:stCondLst>
                                   <p:childTnLst>
-                                    <p:animEffect transition="out" filter="fade">
-                                      <p:cBhvr>
-                                        <p:cTn id="213" dur="500"/>
-                                        <p:tgtEl>
-                                          <p:spTgt spid="69"/>
-                                        </p:tgtEl>
-                                      </p:cBhvr>
-                                    </p:animEffect>
                                     <p:set>
                                       <p:cBhvr>
-                                        <p:cTn id="214" dur="1" fill="hold">
+                                        <p:cTn id="223" dur="1" fill="hold">
                                           <p:stCondLst>
-                                            <p:cond delay="499"/>
+                                            <p:cond delay="0"/>
                                           </p:stCondLst>
                                         </p:cTn>
                                         <p:tgtEl>
-                                          <p:spTgt spid="69"/>
+                                          <p:spTgt spid="52"/>
                                         </p:tgtEl>
                                         <p:attrNameLst>
                                           <p:attrName>style.visibility</p:attrName>
                                         </p:attrNameLst>
                                       </p:cBhvr>
                                       <p:to>
-                                        <p:strVal val="hidden"/>
+                                        <p:strVal val="visible"/>
                                       </p:to>
                                     </p:set>
+                                    <p:animEffect transition="in" filter="wheel(1)">
+                                      <p:cBhvr>
+                                        <p:cTn id="224" dur="750"/>
+                                        <p:tgtEl>
+                                          <p:spTgt spid="52"/>
+                                        </p:tgtEl>
+                                      </p:cBhvr>
+                                    </p:animEffect>
                                   </p:childTnLst>
                                 </p:cTn>
                               </p:par>
@@ -20804,8 +21074,6 @@
       <p:bldP spid="35" grpId="0" animBg="1"/>
       <p:bldP spid="35" grpId="1" animBg="1"/>
       <p:bldP spid="38" grpId="0"/>
-      <p:bldP spid="51" grpId="0" animBg="1"/>
-      <p:bldP spid="52" grpId="0" animBg="1"/>
       <p:bldP spid="54" grpId="0" animBg="1"/>
       <p:bldP spid="55" grpId="0" uiExpand="1" build="allAtOnce" animBg="1"/>
       <p:bldP spid="56" grpId="0" build="allAtOnce" animBg="1"/>
@@ -20818,6 +21086,9 @@
       <p:bldP spid="62" grpId="0" uiExpand="1" build="allAtOnce"/>
       <p:bldP spid="62" grpId="1" build="allAtOnce" animBg="1"/>
       <p:bldP spid="63" grpId="0" animBg="1"/>
+      <p:bldP spid="51" grpId="0" animBg="1"/>
+      <p:bldP spid="52" grpId="0" animBg="1"/>
+      <p:bldP spid="6" grpId="0"/>
     </p:bldLst>
   </p:timing>
 </p:sld>
@@ -20840,36 +21111,320 @@
           <a:chExt cx="0" cy="0"/>
         </a:xfrm>
       </p:grpSpPr>
+      <p:sp>
+        <p:nvSpPr>
+          <p:cNvPr id="13" name="圆角矩形 12"/>
+          <p:cNvSpPr/>
+          <p:nvPr/>
+        </p:nvSpPr>
+        <p:spPr>
+          <a:xfrm>
+            <a:off x="1010393" y="1492420"/>
+            <a:ext cx="1817649" cy="557298"/>
+          </a:xfrm>
+          <a:prstGeom prst="roundRect">
+            <a:avLst/>
+          </a:prstGeom>
+          <a:noFill/>
+          <a:ln w="38100">
+            <a:solidFill>
+              <a:srgbClr val="0070C0"/>
+            </a:solidFill>
+          </a:ln>
+        </p:spPr>
+        <p:style>
+          <a:lnRef idx="2">
+            <a:schemeClr val="accent1">
+              <a:shade val="50000"/>
+            </a:schemeClr>
+          </a:lnRef>
+          <a:fillRef idx="1">
+            <a:schemeClr val="accent1"/>
+          </a:fillRef>
+          <a:effectRef idx="0">
+            <a:schemeClr val="accent1"/>
+          </a:effectRef>
+          <a:fontRef idx="minor">
+            <a:schemeClr val="lt1"/>
+          </a:fontRef>
+        </p:style>
+        <p:txBody>
+          <a:bodyPr rtlCol="0" anchor="ctr"/>
+          <a:lstStyle/>
+          <a:p>
+            <a:pPr algn="ctr"/>
+            <a:r>
+              <a:rPr lang="zh-CN" altLang="en-US" sz="2000" dirty="0">
+                <a:solidFill>
+                  <a:schemeClr val="tx1"/>
+                </a:solidFill>
+              </a:rPr>
+              <a:t>输入待排数组</a:t>
+            </a:r>
+            <a:endParaRPr lang="en-US" altLang="zh-CN" sz="2000" dirty="0">
+              <a:solidFill>
+                <a:schemeClr val="tx1"/>
+              </a:solidFill>
+            </a:endParaRPr>
+          </a:p>
+        </p:txBody>
+      </p:sp>
+      <p:sp>
+        <p:nvSpPr>
+          <p:cNvPr id="16" name="下箭头 15"/>
+          <p:cNvSpPr/>
+          <p:nvPr/>
+        </p:nvSpPr>
+        <p:spPr>
+          <a:xfrm>
+            <a:off x="1817649" y="2129628"/>
+            <a:ext cx="122663" cy="458694"/>
+          </a:xfrm>
+          <a:prstGeom prst="downArrow">
+            <a:avLst/>
+          </a:prstGeom>
+        </p:spPr>
+        <p:style>
+          <a:lnRef idx="2">
+            <a:schemeClr val="accent1">
+              <a:shade val="50000"/>
+            </a:schemeClr>
+          </a:lnRef>
+          <a:fillRef idx="1">
+            <a:schemeClr val="accent1"/>
+          </a:fillRef>
+          <a:effectRef idx="0">
+            <a:schemeClr val="accent1"/>
+          </a:effectRef>
+          <a:fontRef idx="minor">
+            <a:schemeClr val="lt1"/>
+          </a:fontRef>
+        </p:style>
+        <p:txBody>
+          <a:bodyPr rtlCol="0" anchor="ctr"/>
+          <a:lstStyle/>
+          <a:p>
+            <a:pPr algn="ctr"/>
+            <a:endParaRPr lang="zh-CN" altLang="en-US"/>
+          </a:p>
+        </p:txBody>
+      </p:sp>
+      <p:sp>
+        <p:nvSpPr>
+          <p:cNvPr id="17" name="圆角矩形 16"/>
+          <p:cNvSpPr/>
+          <p:nvPr/>
+        </p:nvSpPr>
+        <p:spPr>
+          <a:xfrm>
+            <a:off x="1010393" y="2668232"/>
+            <a:ext cx="1817649" cy="557298"/>
+          </a:xfrm>
+          <a:prstGeom prst="roundRect">
+            <a:avLst/>
+          </a:prstGeom>
+          <a:noFill/>
+          <a:ln w="38100">
+            <a:solidFill>
+              <a:srgbClr val="0070C0"/>
+            </a:solidFill>
+          </a:ln>
+        </p:spPr>
+        <p:style>
+          <a:lnRef idx="2">
+            <a:schemeClr val="accent1">
+              <a:shade val="50000"/>
+            </a:schemeClr>
+          </a:lnRef>
+          <a:fillRef idx="1">
+            <a:schemeClr val="accent1"/>
+          </a:fillRef>
+          <a:effectRef idx="0">
+            <a:schemeClr val="accent1"/>
+          </a:effectRef>
+          <a:fontRef idx="minor">
+            <a:schemeClr val="lt1"/>
+          </a:fontRef>
+        </p:style>
+        <p:txBody>
+          <a:bodyPr rtlCol="0" anchor="ctr"/>
+          <a:lstStyle/>
+          <a:p>
+            <a:pPr algn="ctr"/>
+            <a:r>
+              <a:rPr lang="zh-CN" altLang="en-US" sz="2000" dirty="0">
+                <a:solidFill>
+                  <a:schemeClr val="tx1"/>
+                </a:solidFill>
+              </a:rPr>
+              <a:t>选取枢轴</a:t>
+            </a:r>
+          </a:p>
+        </p:txBody>
+      </p:sp>
+      <p:sp>
+        <p:nvSpPr>
+          <p:cNvPr id="19" name="下箭头 18"/>
+          <p:cNvSpPr/>
+          <p:nvPr/>
+        </p:nvSpPr>
+        <p:spPr>
+          <a:xfrm>
+            <a:off x="1817649" y="3305440"/>
+            <a:ext cx="122663" cy="458694"/>
+          </a:xfrm>
+          <a:prstGeom prst="downArrow">
+            <a:avLst/>
+          </a:prstGeom>
+        </p:spPr>
+        <p:style>
+          <a:lnRef idx="2">
+            <a:schemeClr val="accent1">
+              <a:shade val="50000"/>
+            </a:schemeClr>
+          </a:lnRef>
+          <a:fillRef idx="1">
+            <a:schemeClr val="accent1"/>
+          </a:fillRef>
+          <a:effectRef idx="0">
+            <a:schemeClr val="accent1"/>
+          </a:effectRef>
+          <a:fontRef idx="minor">
+            <a:schemeClr val="lt1"/>
+          </a:fontRef>
+        </p:style>
+        <p:txBody>
+          <a:bodyPr rtlCol="0" anchor="ctr"/>
+          <a:lstStyle/>
+          <a:p>
+            <a:pPr algn="ctr"/>
+            <a:endParaRPr lang="zh-CN" altLang="en-US"/>
+          </a:p>
+        </p:txBody>
+      </p:sp>
+      <p:sp>
+        <p:nvSpPr>
+          <p:cNvPr id="20" name="圆角矩形 19"/>
+          <p:cNvSpPr/>
+          <p:nvPr/>
+        </p:nvSpPr>
+        <p:spPr>
+          <a:xfrm>
+            <a:off x="1010393" y="3844044"/>
+            <a:ext cx="1817649" cy="557298"/>
+          </a:xfrm>
+          <a:prstGeom prst="roundRect">
+            <a:avLst/>
+          </a:prstGeom>
+          <a:noFill/>
+          <a:ln w="38100">
+            <a:solidFill>
+              <a:srgbClr val="0070C0"/>
+            </a:solidFill>
+          </a:ln>
+        </p:spPr>
+        <p:style>
+          <a:lnRef idx="2">
+            <a:schemeClr val="accent1">
+              <a:shade val="50000"/>
+            </a:schemeClr>
+          </a:lnRef>
+          <a:fillRef idx="1">
+            <a:schemeClr val="accent1"/>
+          </a:fillRef>
+          <a:effectRef idx="0">
+            <a:schemeClr val="accent1"/>
+          </a:effectRef>
+          <a:fontRef idx="minor">
+            <a:schemeClr val="lt1"/>
+          </a:fontRef>
+        </p:style>
+        <p:txBody>
+          <a:bodyPr rtlCol="0" anchor="ctr"/>
+          <a:lstStyle/>
+          <a:p>
+            <a:pPr algn="ctr"/>
+            <a:r>
+              <a:rPr lang="zh-CN" altLang="en-US" sz="2000" dirty="0">
+                <a:solidFill>
+                  <a:schemeClr val="tx1"/>
+                </a:solidFill>
+              </a:rPr>
+              <a:t>执行划分操作</a:t>
+            </a:r>
+          </a:p>
+        </p:txBody>
+      </p:sp>
       <p:grpSp>
         <p:nvGrpSpPr>
-          <p:cNvPr id="14" name="组合 13"/>
+          <p:cNvPr id="21" name="组合 20"/>
           <p:cNvGrpSpPr/>
           <p:nvPr/>
         </p:nvGrpSpPr>
         <p:grpSpPr>
           <a:xfrm>
-            <a:off x="4185535" y="4236993"/>
-            <a:ext cx="4671278" cy="488517"/>
-            <a:chOff x="2515761" y="1643123"/>
-            <a:chExt cx="4671278" cy="488517"/>
+            <a:off x="1010393" y="4481252"/>
+            <a:ext cx="1817649" cy="1194718"/>
+            <a:chOff x="1010393" y="4481252"/>
+            <a:chExt cx="1817649" cy="1194718"/>
           </a:xfrm>
         </p:grpSpPr>
         <p:sp>
           <p:nvSpPr>
-            <p:cNvPr id="4" name="矩形 3"/>
+            <p:cNvPr id="22" name="下箭头 21"/>
             <p:cNvSpPr/>
             <p:nvPr/>
           </p:nvSpPr>
           <p:spPr>
             <a:xfrm>
-              <a:off x="3035666" y="1643123"/>
-              <a:ext cx="519545" cy="488373"/>
+              <a:off x="1817649" y="4481252"/>
+              <a:ext cx="122663" cy="458694"/>
             </a:xfrm>
-            <a:prstGeom prst="rect">
+            <a:prstGeom prst="downArrow">
+              <a:avLst/>
+            </a:prstGeom>
+          </p:spPr>
+          <p:style>
+            <a:lnRef idx="2">
+              <a:schemeClr val="accent1">
+                <a:shade val="50000"/>
+              </a:schemeClr>
+            </a:lnRef>
+            <a:fillRef idx="1">
+              <a:schemeClr val="accent1"/>
+            </a:fillRef>
+            <a:effectRef idx="0">
+              <a:schemeClr val="accent1"/>
+            </a:effectRef>
+            <a:fontRef idx="minor">
+              <a:schemeClr val="lt1"/>
+            </a:fontRef>
+          </p:style>
+          <p:txBody>
+            <a:bodyPr rtlCol="0" anchor="ctr"/>
+            <a:lstStyle/>
+            <a:p>
+              <a:pPr algn="ctr"/>
+              <a:endParaRPr lang="zh-CN" altLang="en-US"/>
+            </a:p>
+          </p:txBody>
+        </p:sp>
+        <p:sp>
+          <p:nvSpPr>
+            <p:cNvPr id="23" name="圆角矩形 22"/>
+            <p:cNvSpPr/>
+            <p:nvPr/>
+          </p:nvSpPr>
+          <p:spPr>
+            <a:xfrm>
+              <a:off x="1010393" y="5005869"/>
+              <a:ext cx="1817649" cy="670101"/>
+            </a:xfrm>
+            <a:prstGeom prst="roundRect">
               <a:avLst/>
             </a:prstGeom>
             <a:noFill/>
-            <a:ln w="28575">
+            <a:ln w="38100">
               <a:solidFill>
                 <a:srgbClr val="0070C0"/>
               </a:solidFill>
@@ -20897,478 +21452,14 @@
             <a:p>
               <a:pPr algn="ctr"/>
               <a:r>
-                <a:rPr lang="en-US" altLang="zh-CN" sz="2400" dirty="0" smtClean="0">
+                <a:rPr lang="zh-CN" altLang="en-US" sz="2000" dirty="0" smtClean="0">
                   <a:solidFill>
                     <a:schemeClr val="tx1"/>
                   </a:solidFill>
                 </a:rPr>
-                <a:t>b</a:t>
+                <a:t>递归对两个数组进行快排</a:t>
               </a:r>
-              <a:endParaRPr lang="zh-CN" altLang="en-US" sz="2400" dirty="0">
-                <a:solidFill>
-                  <a:schemeClr val="tx1"/>
-                </a:solidFill>
-              </a:endParaRPr>
-            </a:p>
-          </p:txBody>
-        </p:sp>
-        <p:sp>
-          <p:nvSpPr>
-            <p:cNvPr id="5" name="矩形 4"/>
-            <p:cNvSpPr/>
-            <p:nvPr/>
-          </p:nvSpPr>
-          <p:spPr>
-            <a:xfrm>
-              <a:off x="3555571" y="1643123"/>
-              <a:ext cx="519545" cy="488373"/>
-            </a:xfrm>
-            <a:prstGeom prst="rect">
-              <a:avLst/>
-            </a:prstGeom>
-            <a:noFill/>
-            <a:ln w="28575">
-              <a:solidFill>
-                <a:srgbClr val="0070C0"/>
-              </a:solidFill>
-            </a:ln>
-          </p:spPr>
-          <p:style>
-            <a:lnRef idx="2">
-              <a:schemeClr val="accent1">
-                <a:shade val="50000"/>
-              </a:schemeClr>
-            </a:lnRef>
-            <a:fillRef idx="1">
-              <a:schemeClr val="accent1"/>
-            </a:fillRef>
-            <a:effectRef idx="0">
-              <a:schemeClr val="accent1"/>
-            </a:effectRef>
-            <a:fontRef idx="minor">
-              <a:schemeClr val="lt1"/>
-            </a:fontRef>
-          </p:style>
-          <p:txBody>
-            <a:bodyPr rtlCol="0" anchor="ctr"/>
-            <a:lstStyle/>
-            <a:p>
-              <a:pPr algn="ctr"/>
-              <a:r>
-                <a:rPr lang="en-US" altLang="zh-CN" sz="2400" dirty="0" smtClean="0">
-                  <a:solidFill>
-                    <a:schemeClr val="tx1"/>
-                  </a:solidFill>
-                </a:rPr>
-                <a:t>c</a:t>
-              </a:r>
-              <a:endParaRPr lang="zh-CN" altLang="en-US" sz="2400" dirty="0">
-                <a:solidFill>
-                  <a:schemeClr val="tx1"/>
-                </a:solidFill>
-              </a:endParaRPr>
-            </a:p>
-          </p:txBody>
-        </p:sp>
-        <p:sp>
-          <p:nvSpPr>
-            <p:cNvPr id="6" name="矩形 5"/>
-            <p:cNvSpPr/>
-            <p:nvPr/>
-          </p:nvSpPr>
-          <p:spPr>
-            <a:xfrm>
-              <a:off x="4073096" y="1643123"/>
-              <a:ext cx="519545" cy="488373"/>
-            </a:xfrm>
-            <a:prstGeom prst="rect">
-              <a:avLst/>
-            </a:prstGeom>
-            <a:noFill/>
-            <a:ln w="28575">
-              <a:solidFill>
-                <a:srgbClr val="0070C0"/>
-              </a:solidFill>
-            </a:ln>
-          </p:spPr>
-          <p:style>
-            <a:lnRef idx="2">
-              <a:schemeClr val="accent1">
-                <a:shade val="50000"/>
-              </a:schemeClr>
-            </a:lnRef>
-            <a:fillRef idx="1">
-              <a:schemeClr val="accent1"/>
-            </a:fillRef>
-            <a:effectRef idx="0">
-              <a:schemeClr val="accent1"/>
-            </a:effectRef>
-            <a:fontRef idx="minor">
-              <a:schemeClr val="lt1"/>
-            </a:fontRef>
-          </p:style>
-          <p:txBody>
-            <a:bodyPr rtlCol="0" anchor="ctr"/>
-            <a:lstStyle/>
-            <a:p>
-              <a:pPr algn="ctr"/>
-              <a:r>
-                <a:rPr lang="en-US" altLang="zh-CN" sz="2400" dirty="0" smtClean="0">
-                  <a:solidFill>
-                    <a:schemeClr val="tx1"/>
-                  </a:solidFill>
-                </a:rPr>
-                <a:t>d</a:t>
-              </a:r>
-              <a:endParaRPr lang="zh-CN" altLang="en-US" sz="2400" dirty="0">
-                <a:solidFill>
-                  <a:schemeClr val="tx1"/>
-                </a:solidFill>
-              </a:endParaRPr>
-            </a:p>
-          </p:txBody>
-        </p:sp>
-        <p:sp>
-          <p:nvSpPr>
-            <p:cNvPr id="7" name="矩形 6"/>
-            <p:cNvSpPr/>
-            <p:nvPr/>
-          </p:nvSpPr>
-          <p:spPr>
-            <a:xfrm>
-              <a:off x="2515761" y="1643123"/>
-              <a:ext cx="519545" cy="488517"/>
-            </a:xfrm>
-            <a:prstGeom prst="rect">
-              <a:avLst/>
-            </a:prstGeom>
-            <a:noFill/>
-            <a:ln w="28575">
-              <a:solidFill>
-                <a:srgbClr val="0070C0"/>
-              </a:solidFill>
-            </a:ln>
-          </p:spPr>
-          <p:style>
-            <a:lnRef idx="2">
-              <a:schemeClr val="accent1">
-                <a:shade val="50000"/>
-              </a:schemeClr>
-            </a:lnRef>
-            <a:fillRef idx="1">
-              <a:schemeClr val="accent1"/>
-            </a:fillRef>
-            <a:effectRef idx="0">
-              <a:schemeClr val="accent1"/>
-            </a:effectRef>
-            <a:fontRef idx="minor">
-              <a:schemeClr val="lt1"/>
-            </a:fontRef>
-          </p:style>
-          <p:txBody>
-            <a:bodyPr rtlCol="0" anchor="ctr"/>
-            <a:lstStyle/>
-            <a:p>
-              <a:pPr algn="ctr"/>
-              <a:r>
-                <a:rPr lang="en-US" altLang="zh-CN" sz="2400" dirty="0" smtClean="0">
-                  <a:solidFill>
-                    <a:schemeClr val="tx1"/>
-                  </a:solidFill>
-                </a:rPr>
-                <a:t>a</a:t>
-              </a:r>
-              <a:endParaRPr lang="zh-CN" altLang="en-US" sz="2400" dirty="0">
-                <a:solidFill>
-                  <a:schemeClr val="tx1"/>
-                </a:solidFill>
-              </a:endParaRPr>
-            </a:p>
-          </p:txBody>
-        </p:sp>
-        <p:sp>
-          <p:nvSpPr>
-            <p:cNvPr id="8" name="矩形 7"/>
-            <p:cNvSpPr/>
-            <p:nvPr/>
-          </p:nvSpPr>
-          <p:spPr>
-            <a:xfrm>
-              <a:off x="6667494" y="1643123"/>
-              <a:ext cx="519545" cy="488373"/>
-            </a:xfrm>
-            <a:prstGeom prst="rect">
-              <a:avLst/>
-            </a:prstGeom>
-            <a:noFill/>
-            <a:ln w="28575">
-              <a:solidFill>
-                <a:srgbClr val="0070C0"/>
-              </a:solidFill>
-            </a:ln>
-          </p:spPr>
-          <p:style>
-            <a:lnRef idx="2">
-              <a:schemeClr val="accent1">
-                <a:shade val="50000"/>
-              </a:schemeClr>
-            </a:lnRef>
-            <a:fillRef idx="1">
-              <a:schemeClr val="accent1"/>
-            </a:fillRef>
-            <a:effectRef idx="0">
-              <a:schemeClr val="accent1"/>
-            </a:effectRef>
-            <a:fontRef idx="minor">
-              <a:schemeClr val="lt1"/>
-            </a:fontRef>
-          </p:style>
-          <p:txBody>
-            <a:bodyPr rtlCol="0" anchor="ctr"/>
-            <a:lstStyle/>
-            <a:p>
-              <a:pPr algn="ctr"/>
-              <a:r>
-                <a:rPr lang="en-US" altLang="zh-CN" sz="2400" dirty="0" smtClean="0">
-                  <a:solidFill>
-                    <a:schemeClr val="tx1"/>
-                  </a:solidFill>
-                </a:rPr>
-                <a:t>i</a:t>
-              </a:r>
-              <a:endParaRPr lang="zh-CN" altLang="en-US" sz="2400" dirty="0">
-                <a:solidFill>
-                  <a:schemeClr val="tx1"/>
-                </a:solidFill>
-              </a:endParaRPr>
-            </a:p>
-          </p:txBody>
-        </p:sp>
-        <p:sp>
-          <p:nvSpPr>
-            <p:cNvPr id="9" name="矩形 8"/>
-            <p:cNvSpPr/>
-            <p:nvPr/>
-          </p:nvSpPr>
-          <p:spPr>
-            <a:xfrm>
-              <a:off x="5110160" y="1643123"/>
-              <a:ext cx="519545" cy="488373"/>
-            </a:xfrm>
-            <a:prstGeom prst="rect">
-              <a:avLst/>
-            </a:prstGeom>
-            <a:noFill/>
-            <a:ln w="28575">
-              <a:solidFill>
-                <a:srgbClr val="0070C0"/>
-              </a:solidFill>
-            </a:ln>
-          </p:spPr>
-          <p:style>
-            <a:lnRef idx="2">
-              <a:schemeClr val="accent1">
-                <a:shade val="50000"/>
-              </a:schemeClr>
-            </a:lnRef>
-            <a:fillRef idx="1">
-              <a:schemeClr val="accent1"/>
-            </a:fillRef>
-            <a:effectRef idx="0">
-              <a:schemeClr val="accent1"/>
-            </a:effectRef>
-            <a:fontRef idx="minor">
-              <a:schemeClr val="lt1"/>
-            </a:fontRef>
-          </p:style>
-          <p:txBody>
-            <a:bodyPr rtlCol="0" anchor="ctr"/>
-            <a:lstStyle/>
-            <a:p>
-              <a:pPr algn="ctr"/>
-              <a:r>
-                <a:rPr lang="en-US" altLang="zh-CN" sz="2400" dirty="0" smtClean="0">
-                  <a:solidFill>
-                    <a:schemeClr val="tx1"/>
-                  </a:solidFill>
-                </a:rPr>
-                <a:t>f</a:t>
-              </a:r>
-              <a:endParaRPr lang="zh-CN" altLang="en-US" sz="2400" dirty="0">
-                <a:solidFill>
-                  <a:schemeClr val="tx1"/>
-                </a:solidFill>
-              </a:endParaRPr>
-            </a:p>
-          </p:txBody>
-        </p:sp>
-        <p:sp>
-          <p:nvSpPr>
-            <p:cNvPr id="10" name="矩形 9"/>
-            <p:cNvSpPr/>
-            <p:nvPr/>
-          </p:nvSpPr>
-          <p:spPr>
-            <a:xfrm>
-              <a:off x="5629271" y="1643123"/>
-              <a:ext cx="519545" cy="488373"/>
-            </a:xfrm>
-            <a:prstGeom prst="rect">
-              <a:avLst/>
-            </a:prstGeom>
-            <a:noFill/>
-            <a:ln w="28575">
-              <a:solidFill>
-                <a:srgbClr val="0070C0"/>
-              </a:solidFill>
-            </a:ln>
-          </p:spPr>
-          <p:style>
-            <a:lnRef idx="2">
-              <a:schemeClr val="accent1">
-                <a:shade val="50000"/>
-              </a:schemeClr>
-            </a:lnRef>
-            <a:fillRef idx="1">
-              <a:schemeClr val="accent1"/>
-            </a:fillRef>
-            <a:effectRef idx="0">
-              <a:schemeClr val="accent1"/>
-            </a:effectRef>
-            <a:fontRef idx="minor">
-              <a:schemeClr val="lt1"/>
-            </a:fontRef>
-          </p:style>
-          <p:txBody>
-            <a:bodyPr rtlCol="0" anchor="ctr"/>
-            <a:lstStyle/>
-            <a:p>
-              <a:pPr algn="ctr"/>
-              <a:r>
-                <a:rPr lang="en-US" altLang="zh-CN" sz="2400" dirty="0" smtClean="0">
-                  <a:solidFill>
-                    <a:schemeClr val="tx1"/>
-                  </a:solidFill>
-                </a:rPr>
-                <a:t>g</a:t>
-              </a:r>
-              <a:endParaRPr lang="zh-CN" altLang="en-US" sz="2400" dirty="0">
-                <a:solidFill>
-                  <a:schemeClr val="tx1"/>
-                </a:solidFill>
-              </a:endParaRPr>
-            </a:p>
-          </p:txBody>
-        </p:sp>
-        <p:sp>
-          <p:nvSpPr>
-            <p:cNvPr id="11" name="矩形 10"/>
-            <p:cNvSpPr/>
-            <p:nvPr/>
-          </p:nvSpPr>
-          <p:spPr>
-            <a:xfrm>
-              <a:off x="6148383" y="1643123"/>
-              <a:ext cx="519545" cy="488373"/>
-            </a:xfrm>
-            <a:prstGeom prst="rect">
-              <a:avLst/>
-            </a:prstGeom>
-            <a:noFill/>
-            <a:ln w="28575">
-              <a:solidFill>
-                <a:srgbClr val="0070C0"/>
-              </a:solidFill>
-            </a:ln>
-          </p:spPr>
-          <p:style>
-            <a:lnRef idx="2">
-              <a:schemeClr val="accent1">
-                <a:shade val="50000"/>
-              </a:schemeClr>
-            </a:lnRef>
-            <a:fillRef idx="1">
-              <a:schemeClr val="accent1"/>
-            </a:fillRef>
-            <a:effectRef idx="0">
-              <a:schemeClr val="accent1"/>
-            </a:effectRef>
-            <a:fontRef idx="minor">
-              <a:schemeClr val="lt1"/>
-            </a:fontRef>
-          </p:style>
-          <p:txBody>
-            <a:bodyPr rtlCol="0" anchor="ctr"/>
-            <a:lstStyle/>
-            <a:p>
-              <a:pPr algn="ctr"/>
-              <a:r>
-                <a:rPr lang="en-US" altLang="zh-CN" sz="2400" dirty="0" smtClean="0">
-                  <a:solidFill>
-                    <a:schemeClr val="tx1"/>
-                  </a:solidFill>
-                </a:rPr>
-                <a:t>h</a:t>
-              </a:r>
-              <a:endParaRPr lang="zh-CN" altLang="en-US" sz="2400" dirty="0">
-                <a:solidFill>
-                  <a:schemeClr val="tx1"/>
-                </a:solidFill>
-              </a:endParaRPr>
-            </a:p>
-          </p:txBody>
-        </p:sp>
-        <p:sp>
-          <p:nvSpPr>
-            <p:cNvPr id="12" name="矩形 11"/>
-            <p:cNvSpPr/>
-            <p:nvPr/>
-          </p:nvSpPr>
-          <p:spPr>
-            <a:xfrm>
-              <a:off x="4590615" y="1643123"/>
-              <a:ext cx="519545" cy="488373"/>
-            </a:xfrm>
-            <a:prstGeom prst="rect">
-              <a:avLst/>
-            </a:prstGeom>
-            <a:noFill/>
-            <a:ln w="28575">
-              <a:solidFill>
-                <a:srgbClr val="0070C0"/>
-              </a:solidFill>
-            </a:ln>
-          </p:spPr>
-          <p:style>
-            <a:lnRef idx="2">
-              <a:schemeClr val="accent1">
-                <a:shade val="50000"/>
-              </a:schemeClr>
-            </a:lnRef>
-            <a:fillRef idx="1">
-              <a:schemeClr val="accent1"/>
-            </a:fillRef>
-            <a:effectRef idx="0">
-              <a:schemeClr val="accent1"/>
-            </a:effectRef>
-            <a:fontRef idx="minor">
-              <a:schemeClr val="lt1"/>
-            </a:fontRef>
-          </p:style>
-          <p:txBody>
-            <a:bodyPr rtlCol="0" anchor="ctr"/>
-            <a:lstStyle/>
-            <a:p>
-              <a:pPr algn="ctr"/>
-              <a:r>
-                <a:rPr lang="en-US" altLang="zh-CN" sz="2400" dirty="0" smtClean="0">
-                  <a:solidFill>
-                    <a:schemeClr val="tx1"/>
-                  </a:solidFill>
-                </a:rPr>
-                <a:t>e</a:t>
-              </a:r>
-              <a:endParaRPr lang="zh-CN" altLang="en-US" sz="2400" dirty="0">
+              <a:endParaRPr lang="zh-CN" altLang="en-US" sz="2000" dirty="0">
                 <a:solidFill>
                   <a:schemeClr val="tx1"/>
                 </a:solidFill>
@@ -21377,6 +21468,941 @@
           </p:txBody>
         </p:sp>
       </p:grpSp>
+      <p:sp>
+        <p:nvSpPr>
+          <p:cNvPr id="24" name="文本框 23"/>
+          <p:cNvSpPr txBox="1"/>
+          <p:nvPr/>
+        </p:nvSpPr>
+        <p:spPr>
+          <a:xfrm>
+            <a:off x="602166" y="605169"/>
+            <a:ext cx="6776534" cy="461665"/>
+          </a:xfrm>
+          <a:prstGeom prst="rect">
+            <a:avLst/>
+          </a:prstGeom>
+          <a:noFill/>
+        </p:spPr>
+        <p:txBody>
+          <a:bodyPr wrap="square" rtlCol="0">
+            <a:spAutoFit/>
+          </a:bodyPr>
+          <a:lstStyle/>
+          <a:p>
+            <a:r>
+              <a:rPr lang="zh-CN" altLang="en-US" sz="2400" dirty="0" smtClean="0"/>
+              <a:t>快速排</a:t>
+            </a:r>
+            <a:r>
+              <a:rPr lang="zh-CN" altLang="en-US" sz="2400" dirty="0" smtClean="0"/>
+              <a:t>序及优化</a:t>
+            </a:r>
+            <a:endParaRPr lang="zh-CN" altLang="en-US" sz="2400" dirty="0"/>
+          </a:p>
+        </p:txBody>
+      </p:sp>
+      <p:graphicFrame>
+        <p:nvGraphicFramePr>
+          <p:cNvPr id="29" name="表格 28"/>
+          <p:cNvGraphicFramePr>
+            <a:graphicFrameLocks noGrp="1"/>
+          </p:cNvGraphicFramePr>
+          <p:nvPr>
+            <p:extLst>
+              <p:ext uri="{D42A27DB-BD31-4B8C-83A1-F6EECF244321}">
+                <p14:modId xmlns:p14="http://schemas.microsoft.com/office/powerpoint/2010/main" val="2326537679"/>
+              </p:ext>
+            </p:extLst>
+          </p:nvPr>
+        </p:nvGraphicFramePr>
+        <p:xfrm>
+          <a:off x="3176771" y="2245214"/>
+          <a:ext cx="5463004" cy="3037840"/>
+        </p:xfrm>
+        <a:graphic>
+          <a:graphicData uri="http://schemas.openxmlformats.org/drawingml/2006/table">
+            <a:tbl>
+              <a:tblPr firstRow="1" firstCol="1" bandRow="1">
+                <a:tableStyleId>{5940675A-B579-460E-94D1-54222C63F5DA}</a:tableStyleId>
+              </a:tblPr>
+              <a:tblGrid>
+                <a:gridCol w="1365751"/>
+                <a:gridCol w="1365751"/>
+                <a:gridCol w="1365751"/>
+                <a:gridCol w="1365751"/>
+              </a:tblGrid>
+              <a:tr h="370840">
+                <a:tc>
+                  <a:txBody>
+                    <a:bodyPr/>
+                    <a:lstStyle/>
+                    <a:p>
+                      <a:pPr algn="ctr"/>
+                      <a:r>
+                        <a:rPr lang="zh-CN" altLang="en-US" dirty="0" smtClean="0"/>
+                        <a:t>优化方法</a:t>
+                      </a:r>
+                      <a:endParaRPr lang="zh-CN" altLang="en-US" dirty="0"/>
+                    </a:p>
+                  </a:txBody>
+                  <a:tcPr/>
+                </a:tc>
+                <a:tc>
+                  <a:txBody>
+                    <a:bodyPr/>
+                    <a:lstStyle/>
+                    <a:p>
+                      <a:pPr algn="ctr"/>
+                      <a:r>
+                        <a:rPr lang="zh-CN" altLang="en-US" dirty="0" smtClean="0"/>
+                        <a:t>随机数组</a:t>
+                      </a:r>
+                      <a:endParaRPr lang="zh-CN" altLang="en-US" dirty="0"/>
+                    </a:p>
+                  </a:txBody>
+                  <a:tcPr/>
+                </a:tc>
+                <a:tc>
+                  <a:txBody>
+                    <a:bodyPr/>
+                    <a:lstStyle/>
+                    <a:p>
+                      <a:pPr algn="ctr"/>
+                      <a:r>
+                        <a:rPr lang="zh-CN" altLang="en-US" dirty="0" smtClean="0"/>
+                        <a:t>升序数组</a:t>
+                      </a:r>
+                      <a:endParaRPr lang="zh-CN" altLang="en-US" dirty="0"/>
+                    </a:p>
+                  </a:txBody>
+                  <a:tcPr/>
+                </a:tc>
+                <a:tc>
+                  <a:txBody>
+                    <a:bodyPr/>
+                    <a:lstStyle/>
+                    <a:p>
+                      <a:pPr algn="ctr"/>
+                      <a:r>
+                        <a:rPr lang="zh-CN" altLang="en-US" dirty="0" smtClean="0"/>
+                        <a:t>重复数组</a:t>
+                      </a:r>
+                      <a:endParaRPr lang="zh-CN" altLang="en-US" dirty="0"/>
+                    </a:p>
+                  </a:txBody>
+                  <a:tcPr/>
+                </a:tc>
+              </a:tr>
+              <a:tr h="370840">
+                <a:tc>
+                  <a:txBody>
+                    <a:bodyPr/>
+                    <a:lstStyle/>
+                    <a:p>
+                      <a:pPr algn="ctr"/>
+                      <a:r>
+                        <a:rPr lang="zh-CN" altLang="en-US" dirty="0" smtClean="0"/>
+                        <a:t>原始算法</a:t>
+                      </a:r>
+                      <a:endParaRPr lang="zh-CN" altLang="en-US" dirty="0"/>
+                    </a:p>
+                  </a:txBody>
+                  <a:tcPr/>
+                </a:tc>
+                <a:tc>
+                  <a:txBody>
+                    <a:bodyPr/>
+                    <a:lstStyle/>
+                    <a:p>
+                      <a:pPr algn="ctr"/>
+                      <a:endParaRPr lang="zh-CN" altLang="en-US" dirty="0"/>
+                    </a:p>
+                  </a:txBody>
+                  <a:tcPr/>
+                </a:tc>
+                <a:tc>
+                  <a:txBody>
+                    <a:bodyPr/>
+                    <a:lstStyle/>
+                    <a:p>
+                      <a:pPr algn="ctr"/>
+                      <a:endParaRPr lang="zh-CN" altLang="en-US" dirty="0"/>
+                    </a:p>
+                  </a:txBody>
+                  <a:tcPr/>
+                </a:tc>
+                <a:tc>
+                  <a:txBody>
+                    <a:bodyPr/>
+                    <a:lstStyle/>
+                    <a:p>
+                      <a:pPr algn="ctr"/>
+                      <a:endParaRPr lang="zh-CN" altLang="en-US" dirty="0"/>
+                    </a:p>
+                  </a:txBody>
+                  <a:tcPr/>
+                </a:tc>
+              </a:tr>
+              <a:tr h="370840">
+                <a:tc>
+                  <a:txBody>
+                    <a:bodyPr/>
+                    <a:lstStyle/>
+                    <a:p>
+                      <a:pPr algn="ctr"/>
+                      <a:r>
+                        <a:rPr lang="zh-CN" altLang="en-US" dirty="0" smtClean="0"/>
+                        <a:t>随机枢轴</a:t>
+                      </a:r>
+                      <a:endParaRPr lang="zh-CN" altLang="en-US" dirty="0"/>
+                    </a:p>
+                  </a:txBody>
+                  <a:tcPr/>
+                </a:tc>
+                <a:tc>
+                  <a:txBody>
+                    <a:bodyPr/>
+                    <a:lstStyle/>
+                    <a:p>
+                      <a:pPr algn="ctr"/>
+                      <a:endParaRPr lang="zh-CN" altLang="en-US" dirty="0"/>
+                    </a:p>
+                  </a:txBody>
+                  <a:tcPr/>
+                </a:tc>
+                <a:tc>
+                  <a:txBody>
+                    <a:bodyPr/>
+                    <a:lstStyle/>
+                    <a:p>
+                      <a:pPr algn="ctr"/>
+                      <a:endParaRPr lang="zh-CN" altLang="en-US" dirty="0"/>
+                    </a:p>
+                  </a:txBody>
+                  <a:tcPr/>
+                </a:tc>
+                <a:tc>
+                  <a:txBody>
+                    <a:bodyPr/>
+                    <a:lstStyle/>
+                    <a:p>
+                      <a:pPr algn="ctr"/>
+                      <a:endParaRPr lang="zh-CN" altLang="en-US" dirty="0"/>
+                    </a:p>
+                  </a:txBody>
+                  <a:tcPr/>
+                </a:tc>
+              </a:tr>
+              <a:tr h="370840">
+                <a:tc>
+                  <a:txBody>
+                    <a:bodyPr/>
+                    <a:lstStyle/>
+                    <a:p>
+                      <a:pPr algn="ctr"/>
+                      <a:r>
+                        <a:rPr lang="zh-CN" altLang="en-US" dirty="0" smtClean="0"/>
+                        <a:t>三数取中</a:t>
+                      </a:r>
+                      <a:endParaRPr lang="zh-CN" altLang="en-US" dirty="0"/>
+                    </a:p>
+                  </a:txBody>
+                  <a:tcPr/>
+                </a:tc>
+                <a:tc>
+                  <a:txBody>
+                    <a:bodyPr/>
+                    <a:lstStyle/>
+                    <a:p>
+                      <a:pPr algn="ctr"/>
+                      <a:endParaRPr lang="zh-CN" altLang="en-US" dirty="0"/>
+                    </a:p>
+                  </a:txBody>
+                  <a:tcPr/>
+                </a:tc>
+                <a:tc>
+                  <a:txBody>
+                    <a:bodyPr/>
+                    <a:lstStyle/>
+                    <a:p>
+                      <a:pPr algn="ctr"/>
+                      <a:endParaRPr lang="zh-CN" altLang="en-US" dirty="0"/>
+                    </a:p>
+                  </a:txBody>
+                  <a:tcPr/>
+                </a:tc>
+                <a:tc>
+                  <a:txBody>
+                    <a:bodyPr/>
+                    <a:lstStyle/>
+                    <a:p>
+                      <a:pPr algn="ctr"/>
+                      <a:endParaRPr lang="zh-CN" altLang="en-US" dirty="0"/>
+                    </a:p>
+                  </a:txBody>
+                  <a:tcPr/>
+                </a:tc>
+              </a:tr>
+              <a:tr h="370840">
+                <a:tc>
+                  <a:txBody>
+                    <a:bodyPr/>
+                    <a:lstStyle/>
+                    <a:p>
+                      <a:pPr algn="ctr"/>
+                      <a:r>
+                        <a:rPr lang="zh-CN" altLang="en-US" dirty="0" smtClean="0"/>
+                        <a:t>三数取中</a:t>
+                      </a:r>
+                      <a:endParaRPr lang="en-US" altLang="zh-CN" dirty="0" smtClean="0"/>
+                    </a:p>
+                    <a:p>
+                      <a:pPr algn="ctr"/>
+                      <a:r>
+                        <a:rPr lang="en-US" altLang="zh-CN" b="1" dirty="0" smtClean="0">
+                          <a:solidFill>
+                            <a:srgbClr val="FF0000"/>
+                          </a:solidFill>
+                        </a:rPr>
+                        <a:t>+</a:t>
+                      </a:r>
+                      <a:r>
+                        <a:rPr lang="zh-CN" altLang="en-US" dirty="0" smtClean="0"/>
+                        <a:t>直排</a:t>
+                      </a:r>
+                      <a:endParaRPr lang="zh-CN" altLang="en-US" dirty="0"/>
+                    </a:p>
+                  </a:txBody>
+                  <a:tcPr/>
+                </a:tc>
+                <a:tc>
+                  <a:txBody>
+                    <a:bodyPr/>
+                    <a:lstStyle/>
+                    <a:p>
+                      <a:pPr algn="ctr"/>
+                      <a:endParaRPr lang="zh-CN" altLang="en-US" dirty="0"/>
+                    </a:p>
+                  </a:txBody>
+                  <a:tcPr/>
+                </a:tc>
+                <a:tc>
+                  <a:txBody>
+                    <a:bodyPr/>
+                    <a:lstStyle/>
+                    <a:p>
+                      <a:pPr algn="ctr"/>
+                      <a:endParaRPr lang="zh-CN" altLang="en-US" dirty="0"/>
+                    </a:p>
+                  </a:txBody>
+                  <a:tcPr/>
+                </a:tc>
+                <a:tc>
+                  <a:txBody>
+                    <a:bodyPr/>
+                    <a:lstStyle/>
+                    <a:p>
+                      <a:pPr algn="ctr"/>
+                      <a:endParaRPr lang="zh-CN" altLang="en-US" dirty="0"/>
+                    </a:p>
+                  </a:txBody>
+                  <a:tcPr/>
+                </a:tc>
+              </a:tr>
+              <a:tr h="370840">
+                <a:tc>
+                  <a:txBody>
+                    <a:bodyPr/>
+                    <a:lstStyle/>
+                    <a:p>
+                      <a:pPr algn="ctr"/>
+                      <a:r>
+                        <a:rPr lang="zh-CN" altLang="en-US" dirty="0" smtClean="0"/>
+                        <a:t>三数取中</a:t>
+                      </a:r>
+                      <a:endParaRPr lang="en-US" altLang="zh-CN" dirty="0" smtClean="0"/>
+                    </a:p>
+                    <a:p>
+                      <a:pPr algn="ctr"/>
+                      <a:r>
+                        <a:rPr lang="en-US" altLang="zh-CN" b="1" dirty="0" smtClean="0">
+                          <a:solidFill>
+                            <a:srgbClr val="FF0000"/>
+                          </a:solidFill>
+                        </a:rPr>
+                        <a:t>+</a:t>
+                      </a:r>
+                      <a:r>
+                        <a:rPr lang="zh-CN" altLang="en-US" dirty="0" smtClean="0"/>
+                        <a:t>直排</a:t>
+                      </a:r>
+                      <a:r>
+                        <a:rPr lang="en-US" altLang="zh-CN" b="1" dirty="0" smtClean="0">
+                          <a:solidFill>
+                            <a:srgbClr val="FF0000"/>
+                          </a:solidFill>
+                        </a:rPr>
+                        <a:t>+</a:t>
+                      </a:r>
+                      <a:endParaRPr lang="zh-CN" altLang="en-US" b="1" dirty="0" smtClean="0">
+                        <a:solidFill>
+                          <a:srgbClr val="FF0000"/>
+                        </a:solidFill>
+                      </a:endParaRPr>
+                    </a:p>
+                    <a:p>
+                      <a:pPr algn="ctr"/>
+                      <a:r>
+                        <a:rPr lang="zh-CN" altLang="en-US" dirty="0" smtClean="0"/>
+                        <a:t>“聚</a:t>
+                      </a:r>
+                      <a:r>
+                        <a:rPr lang="en-US" altLang="zh-CN" dirty="0" smtClean="0"/>
+                        <a:t>key</a:t>
+                      </a:r>
+                      <a:r>
+                        <a:rPr lang="zh-CN" altLang="en-US" dirty="0" smtClean="0"/>
+                        <a:t>”</a:t>
+                      </a:r>
+                      <a:endParaRPr lang="zh-CN" altLang="en-US" dirty="0"/>
+                    </a:p>
+                  </a:txBody>
+                  <a:tcPr/>
+                </a:tc>
+                <a:tc>
+                  <a:txBody>
+                    <a:bodyPr/>
+                    <a:lstStyle/>
+                    <a:p>
+                      <a:pPr algn="ctr"/>
+                      <a:endParaRPr lang="zh-CN" altLang="en-US" dirty="0"/>
+                    </a:p>
+                  </a:txBody>
+                  <a:tcPr/>
+                </a:tc>
+                <a:tc>
+                  <a:txBody>
+                    <a:bodyPr/>
+                    <a:lstStyle/>
+                    <a:p>
+                      <a:pPr algn="ctr"/>
+                      <a:endParaRPr lang="zh-CN" altLang="en-US" dirty="0"/>
+                    </a:p>
+                  </a:txBody>
+                  <a:tcPr/>
+                </a:tc>
+                <a:tc>
+                  <a:txBody>
+                    <a:bodyPr/>
+                    <a:lstStyle/>
+                    <a:p>
+                      <a:pPr algn="ctr"/>
+                      <a:endParaRPr lang="zh-CN" altLang="en-US" dirty="0"/>
+                    </a:p>
+                  </a:txBody>
+                  <a:tcPr/>
+                </a:tc>
+              </a:tr>
+            </a:tbl>
+          </a:graphicData>
+        </a:graphic>
+      </p:graphicFrame>
+    </p:spTree>
+    <p:extLst>
+      <p:ext uri="{BB962C8B-B14F-4D97-AF65-F5344CB8AC3E}">
+        <p14:creationId xmlns:p14="http://schemas.microsoft.com/office/powerpoint/2010/main" val="3224470519"/>
+      </p:ext>
+    </p:extLst>
+  </p:cSld>
+  <p:clrMapOvr>
+    <a:masterClrMapping/>
+  </p:clrMapOvr>
+  <mc:AlternateContent xmlns:mc="http://schemas.openxmlformats.org/markup-compatibility/2006">
+    <mc:Choice xmlns:p14="http://schemas.microsoft.com/office/powerpoint/2010/main" Requires="p14">
+      <p:transition spd="med" p14:dur="700">
+        <p:fade/>
+      </p:transition>
+    </mc:Choice>
+    <mc:Fallback>
+      <p:transition spd="med">
+        <p:fade/>
+      </p:transition>
+    </mc:Fallback>
+  </mc:AlternateContent>
+  <p:timing>
+    <p:tnLst>
+      <p:par>
+        <p:cTn id="1" dur="indefinite" restart="never" nodeType="tmRoot">
+          <p:childTnLst>
+            <p:seq concurrent="1" nextAc="seek">
+              <p:cTn id="2" dur="indefinite" nodeType="mainSeq">
+                <p:childTnLst>
+                  <p:par>
+                    <p:cTn id="3" fill="hold">
+                      <p:stCondLst>
+                        <p:cond delay="indefinite"/>
+                      </p:stCondLst>
+                      <p:childTnLst>
+                        <p:par>
+                          <p:cTn id="4" fill="hold">
+                            <p:stCondLst>
+                              <p:cond delay="0"/>
+                            </p:stCondLst>
+                            <p:childTnLst>
+                              <p:par>
+                                <p:cTn id="5" presetID="22" presetClass="entr" presetSubtype="1" fill="hold" nodeType="clickEffect">
+                                  <p:stCondLst>
+                                    <p:cond delay="0"/>
+                                  </p:stCondLst>
+                                  <p:childTnLst>
+                                    <p:set>
+                                      <p:cBhvr>
+                                        <p:cTn id="6" dur="1" fill="hold">
+                                          <p:stCondLst>
+                                            <p:cond delay="0"/>
+                                          </p:stCondLst>
+                                        </p:cTn>
+                                        <p:tgtEl>
+                                          <p:spTgt spid="29"/>
+                                        </p:tgtEl>
+                                        <p:attrNameLst>
+                                          <p:attrName>style.visibility</p:attrName>
+                                        </p:attrNameLst>
+                                      </p:cBhvr>
+                                      <p:to>
+                                        <p:strVal val="visible"/>
+                                      </p:to>
+                                    </p:set>
+                                    <p:animEffect transition="in" filter="wipe(up)">
+                                      <p:cBhvr>
+                                        <p:cTn id="7" dur="500"/>
+                                        <p:tgtEl>
+                                          <p:spTgt spid="29"/>
+                                        </p:tgtEl>
+                                      </p:cBhvr>
+                                    </p:animEffect>
+                                  </p:childTnLst>
+                                </p:cTn>
+                              </p:par>
+                            </p:childTnLst>
+                          </p:cTn>
+                        </p:par>
+                      </p:childTnLst>
+                    </p:cTn>
+                  </p:par>
+                </p:childTnLst>
+              </p:cTn>
+              <p:prevCondLst>
+                <p:cond evt="onPrev" delay="0">
+                  <p:tgtEl>
+                    <p:sldTgt/>
+                  </p:tgtEl>
+                </p:cond>
+              </p:prevCondLst>
+              <p:nextCondLst>
+                <p:cond evt="onNext" delay="0">
+                  <p:tgtEl>
+                    <p:sldTgt/>
+                  </p:tgtEl>
+                </p:cond>
+              </p:nextCondLst>
+            </p:seq>
+          </p:childTnLst>
+        </p:cTn>
+      </p:par>
+    </p:tnLst>
+  </p:timing>
+</p:sld>
+</file>
+
+<file path=ppt/slides/slide8.xml><?xml version="1.0" encoding="utf-8"?>
+<p:sld xmlns:a="http://schemas.openxmlformats.org/drawingml/2006/main" xmlns:r="http://schemas.openxmlformats.org/officeDocument/2006/relationships" xmlns:p="http://schemas.openxmlformats.org/presentationml/2006/main">
+  <p:cSld>
+    <p:spTree>
+      <p:nvGrpSpPr>
+        <p:cNvPr id="1" name=""/>
+        <p:cNvGrpSpPr/>
+        <p:nvPr/>
+      </p:nvGrpSpPr>
+      <p:grpSpPr>
+        <a:xfrm>
+          <a:off x="0" y="0"/>
+          <a:ext cx="0" cy="0"/>
+          <a:chOff x="0" y="0"/>
+          <a:chExt cx="0" cy="0"/>
+        </a:xfrm>
+      </p:grpSpPr>
+      <p:sp>
+        <p:nvSpPr>
+          <p:cNvPr id="20" name="文本框 19"/>
+          <p:cNvSpPr txBox="1"/>
+          <p:nvPr/>
+        </p:nvSpPr>
+        <p:spPr>
+          <a:xfrm>
+            <a:off x="1367996" y="2018947"/>
+            <a:ext cx="5244873" cy="2723823"/>
+          </a:xfrm>
+          <a:prstGeom prst="rect">
+            <a:avLst/>
+          </a:prstGeom>
+          <a:noFill/>
+        </p:spPr>
+        <p:txBody>
+          <a:bodyPr wrap="square" rtlCol="0">
+            <a:spAutoFit/>
+          </a:bodyPr>
+          <a:lstStyle/>
+          <a:p>
+            <a:r>
+              <a:rPr lang="en-US" altLang="zh-CN" dirty="0" smtClean="0"/>
+              <a:t>Qsort (arr , low , high){</a:t>
+            </a:r>
+          </a:p>
+          <a:p>
+            <a:r>
+              <a:rPr lang="en-US" altLang="zh-CN" dirty="0"/>
+              <a:t> </a:t>
+            </a:r>
+            <a:r>
+              <a:rPr lang="en-US" altLang="zh-CN" dirty="0" smtClean="0"/>
+              <a:t>   if(low &lt; high)</a:t>
+            </a:r>
+          </a:p>
+          <a:p>
+            <a:r>
+              <a:rPr lang="en-US" altLang="zh-CN" dirty="0"/>
+              <a:t> </a:t>
+            </a:r>
+            <a:r>
+              <a:rPr lang="en-US" altLang="zh-CN" dirty="0" smtClean="0"/>
+              <a:t>   {</a:t>
+            </a:r>
+          </a:p>
+          <a:p>
+            <a:pPr>
+              <a:lnSpc>
+                <a:spcPct val="150000"/>
+              </a:lnSpc>
+            </a:pPr>
+            <a:r>
+              <a:rPr lang="en-US" altLang="zh-CN" dirty="0" smtClean="0"/>
+              <a:t>	pivotPos = partition(arr , low , high) ;</a:t>
+            </a:r>
+          </a:p>
+          <a:p>
+            <a:pPr>
+              <a:lnSpc>
+                <a:spcPct val="150000"/>
+              </a:lnSpc>
+            </a:pPr>
+            <a:r>
+              <a:rPr lang="en-US" altLang="zh-CN" dirty="0"/>
+              <a:t>	</a:t>
+            </a:r>
+            <a:r>
+              <a:rPr lang="en-US" altLang="zh-CN" dirty="0">
+                <a:solidFill>
+                  <a:srgbClr val="FF0000"/>
+                </a:solidFill>
+              </a:rPr>
+              <a:t>Qsort (arr , low , </a:t>
+            </a:r>
+            <a:r>
+              <a:rPr lang="en-US" altLang="zh-CN" dirty="0" smtClean="0">
+                <a:solidFill>
+                  <a:srgbClr val="FF0000"/>
+                </a:solidFill>
+              </a:rPr>
+              <a:t>pivotPos - 1);</a:t>
+            </a:r>
+          </a:p>
+          <a:p>
+            <a:pPr>
+              <a:lnSpc>
+                <a:spcPct val="150000"/>
+              </a:lnSpc>
+            </a:pPr>
+            <a:r>
+              <a:rPr lang="en-US" altLang="zh-CN" dirty="0">
+                <a:solidFill>
+                  <a:srgbClr val="FF0000"/>
+                </a:solidFill>
+              </a:rPr>
+              <a:t>	Qsort (arr , </a:t>
+            </a:r>
+            <a:r>
+              <a:rPr lang="en-US" altLang="zh-CN" dirty="0" smtClean="0">
+                <a:solidFill>
+                  <a:srgbClr val="FF0000"/>
+                </a:solidFill>
+              </a:rPr>
+              <a:t>pivotPos + 1 , high);</a:t>
+            </a:r>
+          </a:p>
+          <a:p>
+            <a:r>
+              <a:rPr lang="en-US" altLang="zh-CN" dirty="0" smtClean="0"/>
+              <a:t>     }</a:t>
+            </a:r>
+            <a:endParaRPr lang="en-US" altLang="zh-CN" dirty="0"/>
+          </a:p>
+          <a:p>
+            <a:r>
+              <a:rPr lang="en-US" altLang="zh-CN" dirty="0" smtClean="0"/>
+              <a:t>}</a:t>
+            </a:r>
+            <a:endParaRPr lang="zh-CN" altLang="en-US" dirty="0"/>
+          </a:p>
+        </p:txBody>
+      </p:sp>
+      <p:sp>
+        <p:nvSpPr>
+          <p:cNvPr id="13" name="文本框 12"/>
+          <p:cNvSpPr txBox="1"/>
+          <p:nvPr/>
+        </p:nvSpPr>
+        <p:spPr>
+          <a:xfrm>
+            <a:off x="602166" y="605169"/>
+            <a:ext cx="6776534" cy="461665"/>
+          </a:xfrm>
+          <a:prstGeom prst="rect">
+            <a:avLst/>
+          </a:prstGeom>
+          <a:noFill/>
+        </p:spPr>
+        <p:txBody>
+          <a:bodyPr wrap="square" rtlCol="0">
+            <a:spAutoFit/>
+          </a:bodyPr>
+          <a:lstStyle/>
+          <a:p>
+            <a:r>
+              <a:rPr lang="zh-CN" altLang="en-US" sz="2400" dirty="0" smtClean="0"/>
+              <a:t>快速排</a:t>
+            </a:r>
+            <a:r>
+              <a:rPr lang="zh-CN" altLang="en-US" sz="2400" dirty="0"/>
+              <a:t>序及优</a:t>
+            </a:r>
+            <a:r>
+              <a:rPr lang="zh-CN" altLang="en-US" sz="2400" dirty="0" smtClean="0"/>
+              <a:t>化 </a:t>
+            </a:r>
+            <a:r>
+              <a:rPr lang="en-US" altLang="zh-CN" sz="2400" dirty="0" smtClean="0"/>
+              <a:t>——</a:t>
+            </a:r>
+            <a:r>
+              <a:rPr lang="zh-CN" altLang="en-US" sz="2400" dirty="0" smtClean="0"/>
+              <a:t>其它</a:t>
+            </a:r>
+            <a:endParaRPr lang="zh-CN" altLang="en-US" sz="2400" dirty="0"/>
+          </a:p>
+        </p:txBody>
+      </p:sp>
+      <p:sp>
+        <p:nvSpPr>
+          <p:cNvPr id="2" name="圆角矩形 1"/>
+          <p:cNvSpPr/>
+          <p:nvPr/>
+        </p:nvSpPr>
+        <p:spPr>
+          <a:xfrm>
+            <a:off x="2158405" y="3348959"/>
+            <a:ext cx="3530015" cy="787105"/>
+          </a:xfrm>
+          <a:prstGeom prst="roundRect">
+            <a:avLst/>
+          </a:prstGeom>
+          <a:noFill/>
+          <a:ln w="28575">
+            <a:solidFill>
+              <a:srgbClr val="0000FF"/>
+            </a:solidFill>
+          </a:ln>
+        </p:spPr>
+        <p:style>
+          <a:lnRef idx="2">
+            <a:schemeClr val="accent1">
+              <a:shade val="50000"/>
+            </a:schemeClr>
+          </a:lnRef>
+          <a:fillRef idx="1">
+            <a:schemeClr val="accent1"/>
+          </a:fillRef>
+          <a:effectRef idx="0">
+            <a:schemeClr val="accent1"/>
+          </a:effectRef>
+          <a:fontRef idx="minor">
+            <a:schemeClr val="lt1"/>
+          </a:fontRef>
+        </p:style>
+        <p:txBody>
+          <a:bodyPr rtlCol="0" anchor="ctr"/>
+          <a:lstStyle/>
+          <a:p>
+            <a:pPr algn="ctr"/>
+            <a:endParaRPr lang="zh-CN" altLang="en-US"/>
+          </a:p>
+        </p:txBody>
+      </p:sp>
+      <p:sp>
+        <p:nvSpPr>
+          <p:cNvPr id="16" name="矩形 15"/>
+          <p:cNvSpPr/>
+          <p:nvPr/>
+        </p:nvSpPr>
+        <p:spPr>
+          <a:xfrm>
+            <a:off x="1201477" y="5173227"/>
+            <a:ext cx="3657602" cy="400110"/>
+          </a:xfrm>
+          <a:prstGeom prst="rect">
+            <a:avLst/>
+          </a:prstGeom>
+        </p:spPr>
+        <p:txBody>
+          <a:bodyPr wrap="square">
+            <a:spAutoFit/>
+          </a:bodyPr>
+          <a:lstStyle/>
+          <a:p>
+            <a:r>
+              <a:rPr lang="zh-CN" altLang="en-US" sz="2000" dirty="0"/>
+              <a:t>使用并行</a:t>
+            </a:r>
+            <a:r>
+              <a:rPr lang="zh-CN" altLang="en-US" sz="2000" dirty="0" smtClean="0"/>
+              <a:t>或多</a:t>
+            </a:r>
+            <a:r>
+              <a:rPr lang="zh-CN" altLang="en-US" sz="2000" dirty="0"/>
+              <a:t>线程处理子序列</a:t>
+            </a:r>
+          </a:p>
+        </p:txBody>
+      </p:sp>
+      <p:sp>
+        <p:nvSpPr>
+          <p:cNvPr id="17" name="矩形 16"/>
+          <p:cNvSpPr/>
+          <p:nvPr/>
+        </p:nvSpPr>
+        <p:spPr>
+          <a:xfrm>
+            <a:off x="602166" y="1249815"/>
+            <a:ext cx="457202" cy="369332"/>
+          </a:xfrm>
+          <a:prstGeom prst="rect">
+            <a:avLst/>
+          </a:prstGeom>
+        </p:spPr>
+        <p:txBody>
+          <a:bodyPr wrap="square">
+            <a:spAutoFit/>
+          </a:bodyPr>
+          <a:lstStyle/>
+          <a:p>
+            <a:r>
+              <a:rPr lang="en-US" altLang="zh-CN" dirty="0" smtClean="0">
+                <a:solidFill>
+                  <a:srgbClr val="FF0000"/>
+                </a:solidFill>
+              </a:rPr>
+              <a:t>1</a:t>
+            </a:r>
+            <a:r>
+              <a:rPr lang="zh-CN" altLang="en-US" dirty="0" smtClean="0">
+                <a:solidFill>
+                  <a:srgbClr val="FF0000"/>
+                </a:solidFill>
+              </a:rPr>
+              <a:t>、</a:t>
+            </a:r>
+            <a:endParaRPr lang="zh-CN" altLang="en-US" dirty="0">
+              <a:solidFill>
+                <a:srgbClr val="FF0000"/>
+              </a:solidFill>
+            </a:endParaRPr>
+          </a:p>
+        </p:txBody>
+      </p:sp>
+      <p:sp>
+        <p:nvSpPr>
+          <p:cNvPr id="18" name="矩形 17"/>
+          <p:cNvSpPr/>
+          <p:nvPr/>
+        </p:nvSpPr>
+        <p:spPr>
+          <a:xfrm>
+            <a:off x="602166" y="5173227"/>
+            <a:ext cx="457202" cy="369332"/>
+          </a:xfrm>
+          <a:prstGeom prst="rect">
+            <a:avLst/>
+          </a:prstGeom>
+        </p:spPr>
+        <p:txBody>
+          <a:bodyPr wrap="square">
+            <a:spAutoFit/>
+          </a:bodyPr>
+          <a:lstStyle/>
+          <a:p>
+            <a:r>
+              <a:rPr lang="en-US" altLang="zh-CN" dirty="0" smtClean="0">
+                <a:solidFill>
+                  <a:srgbClr val="FF0000"/>
+                </a:solidFill>
+              </a:rPr>
+              <a:t>2</a:t>
+            </a:r>
+            <a:r>
+              <a:rPr lang="zh-CN" altLang="en-US" dirty="0" smtClean="0">
+                <a:solidFill>
+                  <a:srgbClr val="FF0000"/>
+                </a:solidFill>
+              </a:rPr>
+              <a:t>、</a:t>
+            </a:r>
+            <a:endParaRPr lang="zh-CN" altLang="en-US" dirty="0">
+              <a:solidFill>
+                <a:srgbClr val="FF0000"/>
+              </a:solidFill>
+            </a:endParaRPr>
+          </a:p>
+        </p:txBody>
+      </p:sp>
+      <p:sp>
+        <p:nvSpPr>
+          <p:cNvPr id="19" name="矩形 18"/>
+          <p:cNvSpPr/>
+          <p:nvPr/>
+        </p:nvSpPr>
+        <p:spPr>
+          <a:xfrm>
+            <a:off x="1201477" y="1263410"/>
+            <a:ext cx="4572000" cy="400110"/>
+          </a:xfrm>
+          <a:prstGeom prst="rect">
+            <a:avLst/>
+          </a:prstGeom>
+        </p:spPr>
+        <p:txBody>
+          <a:bodyPr>
+            <a:spAutoFit/>
+          </a:bodyPr>
+          <a:lstStyle/>
+          <a:p>
+            <a:r>
+              <a:rPr lang="zh-CN" altLang="en-US" sz="2000" dirty="0"/>
+              <a:t>循环替代递归</a:t>
+            </a:r>
+          </a:p>
+        </p:txBody>
+      </p:sp>
     </p:spTree>
     <p:extLst>
       <p:ext uri="{BB962C8B-B14F-4D97-AF65-F5344CB8AC3E}">
@@ -21387,12 +22413,627 @@
   <p:clrMapOvr>
     <a:masterClrMapping/>
   </p:clrMapOvr>
+  <mc:AlternateContent xmlns:mc="http://schemas.openxmlformats.org/markup-compatibility/2006">
+    <mc:Choice xmlns:p14="http://schemas.microsoft.com/office/powerpoint/2010/main" Requires="p14">
+      <p:transition spd="med" p14:dur="700">
+        <p:fade/>
+      </p:transition>
+    </mc:Choice>
+    <mc:Fallback>
+      <p:transition spd="med">
+        <p:fade/>
+      </p:transition>
+    </mc:Fallback>
+  </mc:AlternateContent>
   <p:timing>
     <p:tnLst>
       <p:par>
-        <p:cTn id="1" dur="indefinite" restart="never" nodeType="tmRoot"/>
+        <p:cTn id="1" dur="indefinite" restart="never" nodeType="tmRoot">
+          <p:childTnLst>
+            <p:seq concurrent="1" nextAc="seek">
+              <p:cTn id="2" dur="indefinite" nodeType="mainSeq">
+                <p:childTnLst>
+                  <p:par>
+                    <p:cTn id="3" fill="hold">
+                      <p:stCondLst>
+                        <p:cond delay="indefinite"/>
+                      </p:stCondLst>
+                      <p:childTnLst>
+                        <p:par>
+                          <p:cTn id="4" fill="hold">
+                            <p:stCondLst>
+                              <p:cond delay="0"/>
+                            </p:stCondLst>
+                            <p:childTnLst>
+                              <p:par>
+                                <p:cTn id="5" presetID="10" presetClass="entr" presetSubtype="0" fill="hold" grpId="0" nodeType="clickEffect">
+                                  <p:stCondLst>
+                                    <p:cond delay="0"/>
+                                  </p:stCondLst>
+                                  <p:childTnLst>
+                                    <p:set>
+                                      <p:cBhvr>
+                                        <p:cTn id="6" dur="1" fill="hold">
+                                          <p:stCondLst>
+                                            <p:cond delay="0"/>
+                                          </p:stCondLst>
+                                        </p:cTn>
+                                        <p:tgtEl>
+                                          <p:spTgt spid="19"/>
+                                        </p:tgtEl>
+                                        <p:attrNameLst>
+                                          <p:attrName>style.visibility</p:attrName>
+                                        </p:attrNameLst>
+                                      </p:cBhvr>
+                                      <p:to>
+                                        <p:strVal val="visible"/>
+                                      </p:to>
+                                    </p:set>
+                                    <p:animEffect transition="in" filter="fade">
+                                      <p:cBhvr>
+                                        <p:cTn id="7" dur="500"/>
+                                        <p:tgtEl>
+                                          <p:spTgt spid="19"/>
+                                        </p:tgtEl>
+                                      </p:cBhvr>
+                                    </p:animEffect>
+                                  </p:childTnLst>
+                                </p:cTn>
+                              </p:par>
+                              <p:par>
+                                <p:cTn id="8" presetID="10" presetClass="entr" presetSubtype="0" fill="hold" grpId="0" nodeType="withEffect">
+                                  <p:stCondLst>
+                                    <p:cond delay="0"/>
+                                  </p:stCondLst>
+                                  <p:childTnLst>
+                                    <p:set>
+                                      <p:cBhvr>
+                                        <p:cTn id="9" dur="1" fill="hold">
+                                          <p:stCondLst>
+                                            <p:cond delay="0"/>
+                                          </p:stCondLst>
+                                        </p:cTn>
+                                        <p:tgtEl>
+                                          <p:spTgt spid="17"/>
+                                        </p:tgtEl>
+                                        <p:attrNameLst>
+                                          <p:attrName>style.visibility</p:attrName>
+                                        </p:attrNameLst>
+                                      </p:cBhvr>
+                                      <p:to>
+                                        <p:strVal val="visible"/>
+                                      </p:to>
+                                    </p:set>
+                                    <p:animEffect transition="in" filter="fade">
+                                      <p:cBhvr>
+                                        <p:cTn id="10" dur="500"/>
+                                        <p:tgtEl>
+                                          <p:spTgt spid="17"/>
+                                        </p:tgtEl>
+                                      </p:cBhvr>
+                                    </p:animEffect>
+                                  </p:childTnLst>
+                                </p:cTn>
+                              </p:par>
+                            </p:childTnLst>
+                          </p:cTn>
+                        </p:par>
+                      </p:childTnLst>
+                    </p:cTn>
+                  </p:par>
+                  <p:par>
+                    <p:cTn id="11" fill="hold">
+                      <p:stCondLst>
+                        <p:cond delay="indefinite"/>
+                      </p:stCondLst>
+                      <p:childTnLst>
+                        <p:par>
+                          <p:cTn id="12" fill="hold">
+                            <p:stCondLst>
+                              <p:cond delay="0"/>
+                            </p:stCondLst>
+                            <p:childTnLst>
+                              <p:par>
+                                <p:cTn id="13" presetID="10" presetClass="entr" presetSubtype="0" fill="hold" grpId="0" nodeType="clickEffect">
+                                  <p:stCondLst>
+                                    <p:cond delay="0"/>
+                                  </p:stCondLst>
+                                  <p:childTnLst>
+                                    <p:set>
+                                      <p:cBhvr>
+                                        <p:cTn id="14" dur="1" fill="hold">
+                                          <p:stCondLst>
+                                            <p:cond delay="0"/>
+                                          </p:stCondLst>
+                                        </p:cTn>
+                                        <p:tgtEl>
+                                          <p:spTgt spid="20"/>
+                                        </p:tgtEl>
+                                        <p:attrNameLst>
+                                          <p:attrName>style.visibility</p:attrName>
+                                        </p:attrNameLst>
+                                      </p:cBhvr>
+                                      <p:to>
+                                        <p:strVal val="visible"/>
+                                      </p:to>
+                                    </p:set>
+                                    <p:animEffect transition="in" filter="fade">
+                                      <p:cBhvr>
+                                        <p:cTn id="15" dur="500"/>
+                                        <p:tgtEl>
+                                          <p:spTgt spid="20"/>
+                                        </p:tgtEl>
+                                      </p:cBhvr>
+                                    </p:animEffect>
+                                  </p:childTnLst>
+                                </p:cTn>
+                              </p:par>
+                            </p:childTnLst>
+                          </p:cTn>
+                        </p:par>
+                      </p:childTnLst>
+                    </p:cTn>
+                  </p:par>
+                  <p:par>
+                    <p:cTn id="16" fill="hold">
+                      <p:stCondLst>
+                        <p:cond delay="indefinite"/>
+                      </p:stCondLst>
+                      <p:childTnLst>
+                        <p:par>
+                          <p:cTn id="17" fill="hold">
+                            <p:stCondLst>
+                              <p:cond delay="0"/>
+                            </p:stCondLst>
+                            <p:childTnLst>
+                              <p:par>
+                                <p:cTn id="18" presetID="21" presetClass="entr" presetSubtype="1" fill="hold" grpId="0" nodeType="clickEffect">
+                                  <p:stCondLst>
+                                    <p:cond delay="0"/>
+                                  </p:stCondLst>
+                                  <p:childTnLst>
+                                    <p:set>
+                                      <p:cBhvr>
+                                        <p:cTn id="19" dur="1" fill="hold">
+                                          <p:stCondLst>
+                                            <p:cond delay="0"/>
+                                          </p:stCondLst>
+                                        </p:cTn>
+                                        <p:tgtEl>
+                                          <p:spTgt spid="2"/>
+                                        </p:tgtEl>
+                                        <p:attrNameLst>
+                                          <p:attrName>style.visibility</p:attrName>
+                                        </p:attrNameLst>
+                                      </p:cBhvr>
+                                      <p:to>
+                                        <p:strVal val="visible"/>
+                                      </p:to>
+                                    </p:set>
+                                    <p:animEffect transition="in" filter="wheel(1)">
+                                      <p:cBhvr>
+                                        <p:cTn id="20" dur="750"/>
+                                        <p:tgtEl>
+                                          <p:spTgt spid="2"/>
+                                        </p:tgtEl>
+                                      </p:cBhvr>
+                                    </p:animEffect>
+                                  </p:childTnLst>
+                                </p:cTn>
+                              </p:par>
+                            </p:childTnLst>
+                          </p:cTn>
+                        </p:par>
+                      </p:childTnLst>
+                    </p:cTn>
+                  </p:par>
+                  <p:par>
+                    <p:cTn id="21" fill="hold">
+                      <p:stCondLst>
+                        <p:cond delay="indefinite"/>
+                      </p:stCondLst>
+                      <p:childTnLst>
+                        <p:par>
+                          <p:cTn id="22" fill="hold">
+                            <p:stCondLst>
+                              <p:cond delay="0"/>
+                            </p:stCondLst>
+                            <p:childTnLst>
+                              <p:par>
+                                <p:cTn id="23" presetID="10" presetClass="entr" presetSubtype="0" fill="hold" grpId="0" nodeType="clickEffect">
+                                  <p:stCondLst>
+                                    <p:cond delay="0"/>
+                                  </p:stCondLst>
+                                  <p:childTnLst>
+                                    <p:set>
+                                      <p:cBhvr>
+                                        <p:cTn id="24" dur="1" fill="hold">
+                                          <p:stCondLst>
+                                            <p:cond delay="0"/>
+                                          </p:stCondLst>
+                                        </p:cTn>
+                                        <p:tgtEl>
+                                          <p:spTgt spid="16"/>
+                                        </p:tgtEl>
+                                        <p:attrNameLst>
+                                          <p:attrName>style.visibility</p:attrName>
+                                        </p:attrNameLst>
+                                      </p:cBhvr>
+                                      <p:to>
+                                        <p:strVal val="visible"/>
+                                      </p:to>
+                                    </p:set>
+                                    <p:animEffect transition="in" filter="fade">
+                                      <p:cBhvr>
+                                        <p:cTn id="25" dur="500"/>
+                                        <p:tgtEl>
+                                          <p:spTgt spid="16"/>
+                                        </p:tgtEl>
+                                      </p:cBhvr>
+                                    </p:animEffect>
+                                  </p:childTnLst>
+                                </p:cTn>
+                              </p:par>
+                              <p:par>
+                                <p:cTn id="26" presetID="10" presetClass="entr" presetSubtype="0" fill="hold" grpId="0" nodeType="withEffect">
+                                  <p:stCondLst>
+                                    <p:cond delay="0"/>
+                                  </p:stCondLst>
+                                  <p:childTnLst>
+                                    <p:set>
+                                      <p:cBhvr>
+                                        <p:cTn id="27" dur="1" fill="hold">
+                                          <p:stCondLst>
+                                            <p:cond delay="0"/>
+                                          </p:stCondLst>
+                                        </p:cTn>
+                                        <p:tgtEl>
+                                          <p:spTgt spid="18"/>
+                                        </p:tgtEl>
+                                        <p:attrNameLst>
+                                          <p:attrName>style.visibility</p:attrName>
+                                        </p:attrNameLst>
+                                      </p:cBhvr>
+                                      <p:to>
+                                        <p:strVal val="visible"/>
+                                      </p:to>
+                                    </p:set>
+                                    <p:animEffect transition="in" filter="fade">
+                                      <p:cBhvr>
+                                        <p:cTn id="28" dur="500"/>
+                                        <p:tgtEl>
+                                          <p:spTgt spid="18"/>
+                                        </p:tgtEl>
+                                      </p:cBhvr>
+                                    </p:animEffect>
+                                  </p:childTnLst>
+                                </p:cTn>
+                              </p:par>
+                            </p:childTnLst>
+                          </p:cTn>
+                        </p:par>
+                      </p:childTnLst>
+                    </p:cTn>
+                  </p:par>
+                </p:childTnLst>
+              </p:cTn>
+              <p:prevCondLst>
+                <p:cond evt="onPrev" delay="0">
+                  <p:tgtEl>
+                    <p:sldTgt/>
+                  </p:tgtEl>
+                </p:cond>
+              </p:prevCondLst>
+              <p:nextCondLst>
+                <p:cond evt="onNext" delay="0">
+                  <p:tgtEl>
+                    <p:sldTgt/>
+                  </p:tgtEl>
+                </p:cond>
+              </p:nextCondLst>
+            </p:seq>
+          </p:childTnLst>
+        </p:cTn>
       </p:par>
     </p:tnLst>
+    <p:bldLst>
+      <p:bldP spid="20" grpId="0"/>
+      <p:bldP spid="2" grpId="0" animBg="1"/>
+      <p:bldP spid="16" grpId="0"/>
+      <p:bldP spid="17" grpId="0"/>
+      <p:bldP spid="18" grpId="0"/>
+      <p:bldP spid="19" grpId="0"/>
+    </p:bldLst>
+  </p:timing>
+</p:sld>
+</file>
+
+<file path=ppt/slides/slide9.xml><?xml version="1.0" encoding="utf-8"?>
+<p:sld xmlns:a="http://schemas.openxmlformats.org/drawingml/2006/main" xmlns:r="http://schemas.openxmlformats.org/officeDocument/2006/relationships" xmlns:p="http://schemas.openxmlformats.org/presentationml/2006/main">
+  <p:cSld>
+    <p:spTree>
+      <p:nvGrpSpPr>
+        <p:cNvPr id="1" name=""/>
+        <p:cNvGrpSpPr/>
+        <p:nvPr/>
+      </p:nvGrpSpPr>
+      <p:grpSpPr>
+        <a:xfrm>
+          <a:off x="0" y="0"/>
+          <a:ext cx="0" cy="0"/>
+          <a:chOff x="0" y="0"/>
+          <a:chExt cx="0" cy="0"/>
+        </a:xfrm>
+      </p:grpSpPr>
+      <p:sp>
+        <p:nvSpPr>
+          <p:cNvPr id="5" name="矩形 4" hidden="1"/>
+          <p:cNvSpPr/>
+          <p:nvPr/>
+        </p:nvSpPr>
+        <p:spPr>
+          <a:xfrm>
+            <a:off x="2543243" y="2967335"/>
+            <a:ext cx="4057521" cy="646331"/>
+          </a:xfrm>
+          <a:prstGeom prst="rect">
+            <a:avLst/>
+          </a:prstGeom>
+          <a:noFill/>
+        </p:spPr>
+        <p:txBody>
+          <a:bodyPr wrap="none" lIns="91440" tIns="45720" rIns="91440" bIns="45720">
+            <a:spAutoFit/>
+          </a:bodyPr>
+          <a:lstStyle/>
+          <a:p>
+            <a:pPr algn="ctr"/>
+            <a:r>
+              <a:rPr lang="en-US" altLang="zh-CN" sz="3600" b="1" dirty="0" smtClean="0">
+                <a:ln w="9525">
+                  <a:solidFill>
+                    <a:schemeClr val="bg1"/>
+                  </a:solidFill>
+                  <a:prstDash val="solid"/>
+                </a:ln>
+                <a:effectLst>
+                  <a:outerShdw blurRad="12700" dist="38100" dir="2700000" algn="tl" rotWithShape="0">
+                    <a:schemeClr val="bg1">
+                      <a:lumMod val="50000"/>
+                    </a:schemeClr>
+                  </a:outerShdw>
+                </a:effectLst>
+              </a:rPr>
+              <a:t>One more thing…</a:t>
+            </a:r>
+            <a:endParaRPr lang="zh-CN" altLang="en-US" sz="3600" b="1" dirty="0">
+              <a:ln w="9525">
+                <a:solidFill>
+                  <a:schemeClr val="bg1"/>
+                </a:solidFill>
+                <a:prstDash val="solid"/>
+              </a:ln>
+              <a:effectLst>
+                <a:outerShdw blurRad="12700" dist="38100" dir="2700000" algn="tl" rotWithShape="0">
+                  <a:schemeClr val="bg1">
+                    <a:lumMod val="50000"/>
+                  </a:schemeClr>
+                </a:outerShdw>
+              </a:effectLst>
+            </a:endParaRPr>
+          </a:p>
+        </p:txBody>
+      </p:sp>
+      <p:sp>
+        <p:nvSpPr>
+          <p:cNvPr id="7" name="文本框 6"/>
+          <p:cNvSpPr txBox="1"/>
+          <p:nvPr/>
+        </p:nvSpPr>
+        <p:spPr>
+          <a:xfrm>
+            <a:off x="2269340" y="1854636"/>
+            <a:ext cx="5244873" cy="2723823"/>
+          </a:xfrm>
+          <a:prstGeom prst="rect">
+            <a:avLst/>
+          </a:prstGeom>
+          <a:noFill/>
+        </p:spPr>
+        <p:txBody>
+          <a:bodyPr wrap="square" rtlCol="0">
+            <a:spAutoFit/>
+          </a:bodyPr>
+          <a:lstStyle/>
+          <a:p>
+            <a:r>
+              <a:rPr lang="en-US" altLang="zh-CN" dirty="0" smtClean="0"/>
+              <a:t>Qsort (arr , low , high){</a:t>
+            </a:r>
+          </a:p>
+          <a:p>
+            <a:r>
+              <a:rPr lang="en-US" altLang="zh-CN" dirty="0"/>
+              <a:t> </a:t>
+            </a:r>
+            <a:r>
+              <a:rPr lang="en-US" altLang="zh-CN" dirty="0" smtClean="0"/>
+              <a:t>   if(low &lt; high)</a:t>
+            </a:r>
+          </a:p>
+          <a:p>
+            <a:r>
+              <a:rPr lang="en-US" altLang="zh-CN" dirty="0"/>
+              <a:t> </a:t>
+            </a:r>
+            <a:r>
+              <a:rPr lang="en-US" altLang="zh-CN" dirty="0" smtClean="0"/>
+              <a:t>   {</a:t>
+            </a:r>
+          </a:p>
+          <a:p>
+            <a:pPr>
+              <a:lnSpc>
+                <a:spcPct val="150000"/>
+              </a:lnSpc>
+            </a:pPr>
+            <a:r>
+              <a:rPr lang="en-US" altLang="zh-CN" dirty="0" smtClean="0"/>
+              <a:t>	</a:t>
+            </a:r>
+            <a:r>
+              <a:rPr lang="en-US" altLang="zh-CN" b="1" dirty="0" smtClean="0">
+                <a:solidFill>
+                  <a:srgbClr val="FF0000"/>
+                </a:solidFill>
+              </a:rPr>
+              <a:t>pivotPos = partition(arr , low , high)</a:t>
+            </a:r>
+          </a:p>
+          <a:p>
+            <a:pPr>
+              <a:lnSpc>
+                <a:spcPct val="150000"/>
+              </a:lnSpc>
+            </a:pPr>
+            <a:r>
+              <a:rPr lang="en-US" altLang="zh-CN" dirty="0"/>
+              <a:t>	Qsort (arr , low , </a:t>
+            </a:r>
+            <a:r>
+              <a:rPr lang="en-US" altLang="zh-CN" dirty="0" smtClean="0"/>
+              <a:t>pivotPos - 1);</a:t>
+            </a:r>
+          </a:p>
+          <a:p>
+            <a:pPr>
+              <a:lnSpc>
+                <a:spcPct val="150000"/>
+              </a:lnSpc>
+            </a:pPr>
+            <a:r>
+              <a:rPr lang="en-US" altLang="zh-CN" dirty="0"/>
+              <a:t>	Qsort (arr , </a:t>
+            </a:r>
+            <a:r>
+              <a:rPr lang="en-US" altLang="zh-CN" dirty="0" smtClean="0"/>
+              <a:t>pivotPos + 1 , high);</a:t>
+            </a:r>
+          </a:p>
+          <a:p>
+            <a:r>
+              <a:rPr lang="en-US" altLang="zh-CN" dirty="0" smtClean="0"/>
+              <a:t>     }</a:t>
+            </a:r>
+            <a:endParaRPr lang="en-US" altLang="zh-CN" dirty="0"/>
+          </a:p>
+          <a:p>
+            <a:r>
+              <a:rPr lang="en-US" altLang="zh-CN" dirty="0" smtClean="0"/>
+              <a:t>}</a:t>
+            </a:r>
+            <a:endParaRPr lang="zh-CN" altLang="en-US" dirty="0"/>
+          </a:p>
+        </p:txBody>
+      </p:sp>
+    </p:spTree>
+    <p:extLst>
+      <p:ext uri="{BB962C8B-B14F-4D97-AF65-F5344CB8AC3E}">
+        <p14:creationId xmlns:p14="http://schemas.microsoft.com/office/powerpoint/2010/main" val="2603143396"/>
+      </p:ext>
+    </p:extLst>
+  </p:cSld>
+  <p:clrMapOvr>
+    <a:masterClrMapping/>
+  </p:clrMapOvr>
+  <p:transition spd="med">
+    <p:split orient="vert"/>
+  </p:transition>
+  <p:timing>
+    <p:tnLst>
+      <p:par>
+        <p:cTn id="1" dur="indefinite" restart="never" nodeType="tmRoot">
+          <p:childTnLst>
+            <p:seq concurrent="1" nextAc="seek">
+              <p:cTn id="2" dur="indefinite" nodeType="mainSeq">
+                <p:childTnLst>
+                  <p:par>
+                    <p:cTn id="3" fill="hold">
+                      <p:stCondLst>
+                        <p:cond delay="indefinite"/>
+                      </p:stCondLst>
+                      <p:childTnLst>
+                        <p:par>
+                          <p:cTn id="4" fill="hold">
+                            <p:stCondLst>
+                              <p:cond delay="0"/>
+                            </p:stCondLst>
+                            <p:childTnLst>
+                              <p:par>
+                                <p:cTn id="5" presetID="10" presetClass="entr" presetSubtype="0" fill="hold" grpId="0" nodeType="clickEffect">
+                                  <p:stCondLst>
+                                    <p:cond delay="0"/>
+                                  </p:stCondLst>
+                                  <p:childTnLst>
+                                    <p:set>
+                                      <p:cBhvr>
+                                        <p:cTn id="6" dur="1" fill="hold">
+                                          <p:stCondLst>
+                                            <p:cond delay="0"/>
+                                          </p:stCondLst>
+                                        </p:cTn>
+                                        <p:tgtEl>
+                                          <p:spTgt spid="7"/>
+                                        </p:tgtEl>
+                                        <p:attrNameLst>
+                                          <p:attrName>style.visibility</p:attrName>
+                                        </p:attrNameLst>
+                                      </p:cBhvr>
+                                      <p:to>
+                                        <p:strVal val="visible"/>
+                                      </p:to>
+                                    </p:set>
+                                    <p:animEffect transition="in" filter="fade">
+                                      <p:cBhvr>
+                                        <p:cTn id="7" dur="500"/>
+                                        <p:tgtEl>
+                                          <p:spTgt spid="7"/>
+                                        </p:tgtEl>
+                                      </p:cBhvr>
+                                    </p:animEffect>
+                                  </p:childTnLst>
+                                </p:cTn>
+                              </p:par>
+                            </p:childTnLst>
+                          </p:cTn>
+                        </p:par>
+                      </p:childTnLst>
+                    </p:cTn>
+                  </p:par>
+                </p:childTnLst>
+              </p:cTn>
+              <p:prevCondLst>
+                <p:cond evt="onPrev" delay="0">
+                  <p:tgtEl>
+                    <p:sldTgt/>
+                  </p:tgtEl>
+                </p:cond>
+              </p:prevCondLst>
+              <p:nextCondLst>
+                <p:cond evt="onNext" delay="0">
+                  <p:tgtEl>
+                    <p:sldTgt/>
+                  </p:tgtEl>
+                </p:cond>
+              </p:nextCondLst>
+            </p:seq>
+          </p:childTnLst>
+        </p:cTn>
+      </p:par>
+    </p:tnLst>
+    <p:bldLst>
+      <p:bldP spid="7" grpId="0"/>
+    </p:bldLst>
   </p:timing>
 </p:sld>
 </file>

--- a/快排+优化.pptx
+++ b/快排+优化.pptx
@@ -3970,11 +3970,7 @@
           <a:p>
             <a:r>
               <a:rPr lang="zh-CN" altLang="en-US" sz="2400" dirty="0" smtClean="0"/>
-              <a:t>快速排</a:t>
-            </a:r>
-            <a:r>
-              <a:rPr lang="zh-CN" altLang="en-US" sz="2400" dirty="0" smtClean="0"/>
-              <a:t>序及优化 </a:t>
+              <a:t>快速排序及优化 </a:t>
             </a:r>
             <a:r>
               <a:rPr lang="en-US" altLang="zh-CN" sz="2400" dirty="0" smtClean="0"/>
@@ -7180,13 +7176,13 @@
   <p:clrMapOvr>
     <a:masterClrMapping/>
   </p:clrMapOvr>
-  <mc:AlternateContent xmlns:mc="http://schemas.openxmlformats.org/markup-compatibility/2006">
-    <mc:Choice xmlns:p14="http://schemas.microsoft.com/office/powerpoint/2010/main" Requires="p14">
+  <mc:AlternateContent xmlns:mc="http://schemas.openxmlformats.org/markup-compatibility/2006" xmlns:p14="http://schemas.microsoft.com/office/powerpoint/2010/main">
+    <mc:Choice Requires="p14">
       <p:transition spd="med" p14:dur="700">
         <p:fade/>
       </p:transition>
     </mc:Choice>
-    <mc:Fallback>
+    <mc:Fallback xmlns="">
       <p:transition spd="med">
         <p:fade/>
       </p:transition>
@@ -10295,13 +10291,13 @@
   <p:clrMapOvr>
     <a:masterClrMapping/>
   </p:clrMapOvr>
-  <mc:AlternateContent xmlns:mc="http://schemas.openxmlformats.org/markup-compatibility/2006">
-    <mc:Choice xmlns:p14="http://schemas.microsoft.com/office/powerpoint/2010/main" Requires="p14">
+  <mc:AlternateContent xmlns:mc="http://schemas.openxmlformats.org/markup-compatibility/2006" xmlns:p14="http://schemas.microsoft.com/office/powerpoint/2010/main">
+    <mc:Choice Requires="p14">
       <p:transition spd="med" p14:dur="700">
         <p:fade/>
       </p:transition>
     </mc:Choice>
-    <mc:Fallback>
+    <mc:Fallback xmlns="">
       <p:transition spd="med">
         <p:fade/>
       </p:transition>
@@ -13145,13 +13141,13 @@
   <p:clrMapOvr>
     <a:masterClrMapping/>
   </p:clrMapOvr>
-  <mc:AlternateContent xmlns:mc="http://schemas.openxmlformats.org/markup-compatibility/2006">
-    <mc:Choice xmlns:p14="http://schemas.microsoft.com/office/powerpoint/2010/main" Requires="p14">
+  <mc:AlternateContent xmlns:mc="http://schemas.openxmlformats.org/markup-compatibility/2006" xmlns:p14="http://schemas.microsoft.com/office/powerpoint/2010/main">
+    <mc:Choice Requires="p14">
       <p:transition spd="med" p14:dur="700">
         <p:fade/>
       </p:transition>
     </mc:Choice>
-    <mc:Fallback>
+    <mc:Fallback xmlns="">
       <p:transition spd="med">
         <p:fade/>
       </p:transition>
@@ -14638,7 +14634,6 @@
               <a:rPr lang="zh-CN" altLang="en-US" sz="2000" dirty="0"/>
               <a:t>排</a:t>
             </a:r>
-            <a:endParaRPr lang="zh-CN" altLang="en-US" sz="2000" dirty="0"/>
           </a:p>
         </p:txBody>
       </p:sp>
@@ -14676,7 +14671,6 @@
               <a:rPr lang="zh-CN" altLang="en-US" sz="2000" dirty="0"/>
               <a:t>”方法</a:t>
             </a:r>
-            <a:endParaRPr lang="zh-CN" altLang="en-US" sz="2000" dirty="0"/>
           </a:p>
         </p:txBody>
       </p:sp>
@@ -14690,13 +14684,13 @@
   <p:clrMapOvr>
     <a:masterClrMapping/>
   </p:clrMapOvr>
-  <mc:AlternateContent xmlns:mc="http://schemas.openxmlformats.org/markup-compatibility/2006">
-    <mc:Choice xmlns:p14="http://schemas.microsoft.com/office/powerpoint/2010/main" Requires="p14">
+  <mc:AlternateContent xmlns:mc="http://schemas.openxmlformats.org/markup-compatibility/2006" xmlns:p14="http://schemas.microsoft.com/office/powerpoint/2010/main">
+    <mc:Choice Requires="p14">
       <p:transition spd="med" p14:dur="700">
         <p:fade/>
       </p:transition>
     </mc:Choice>
-    <mc:Fallback>
+    <mc:Fallback xmlns="">
       <p:transition spd="med">
         <p:fade/>
       </p:transition>
@@ -18437,13 +18431,13 @@
   <p:clrMapOvr>
     <a:masterClrMapping/>
   </p:clrMapOvr>
-  <mc:AlternateContent xmlns:mc="http://schemas.openxmlformats.org/markup-compatibility/2006">
-    <mc:Choice xmlns:p14="http://schemas.microsoft.com/office/powerpoint/2010/main" Requires="p14">
+  <mc:AlternateContent xmlns:mc="http://schemas.openxmlformats.org/markup-compatibility/2006" xmlns:p14="http://schemas.microsoft.com/office/powerpoint/2010/main">
+    <mc:Choice Requires="p14">
       <p:transition spd="med" p14:dur="700">
         <p:fade/>
       </p:transition>
     </mc:Choice>
-    <mc:Fallback>
+    <mc:Fallback xmlns="">
       <p:transition spd="med">
         <p:fade/>
       </p:transition>
@@ -21492,11 +21486,7 @@
           <a:p>
             <a:r>
               <a:rPr lang="zh-CN" altLang="en-US" sz="2400" dirty="0" smtClean="0"/>
-              <a:t>快速排</a:t>
-            </a:r>
-            <a:r>
-              <a:rPr lang="zh-CN" altLang="en-US" sz="2400" dirty="0" smtClean="0"/>
-              <a:t>序及优化</a:t>
+              <a:t>快速排序及优化</a:t>
             </a:r>
             <a:endParaRPr lang="zh-CN" altLang="en-US" sz="2400" dirty="0"/>
           </a:p>
@@ -21918,13 +21908,13 @@
   <p:clrMapOvr>
     <a:masterClrMapping/>
   </p:clrMapOvr>
-  <mc:AlternateContent xmlns:mc="http://schemas.openxmlformats.org/markup-compatibility/2006">
-    <mc:Choice xmlns:p14="http://schemas.microsoft.com/office/powerpoint/2010/main" Requires="p14">
+  <mc:AlternateContent xmlns:mc="http://schemas.openxmlformats.org/markup-compatibility/2006" xmlns:p14="http://schemas.microsoft.com/office/powerpoint/2010/main">
+    <mc:Choice Requires="p14">
       <p:transition spd="med" p14:dur="700">
         <p:fade/>
       </p:transition>
     </mc:Choice>
-    <mc:Fallback>
+    <mc:Fallback xmlns="">
       <p:transition spd="med">
         <p:fade/>
       </p:transition>
@@ -22413,13 +22403,13 @@
   <p:clrMapOvr>
     <a:masterClrMapping/>
   </p:clrMapOvr>
-  <mc:AlternateContent xmlns:mc="http://schemas.openxmlformats.org/markup-compatibility/2006">
-    <mc:Choice xmlns:p14="http://schemas.microsoft.com/office/powerpoint/2010/main" Requires="p14">
+  <mc:AlternateContent xmlns:mc="http://schemas.openxmlformats.org/markup-compatibility/2006" xmlns:p14="http://schemas.microsoft.com/office/powerpoint/2010/main">
+    <mc:Choice Requires="p14">
       <p:transition spd="med" p14:dur="700">
         <p:fade/>
       </p:transition>
     </mc:Choice>
-    <mc:Fallback>
+    <mc:Fallback xmlns="">
       <p:transition spd="med">
         <p:fade/>
       </p:transition>
@@ -22767,7 +22757,7 @@
       </p:grpSpPr>
       <p:sp>
         <p:nvSpPr>
-          <p:cNvPr id="5" name="矩形 4" hidden="1"/>
+          <p:cNvPr id="5" name="矩形 4"/>
           <p:cNvSpPr/>
           <p:nvPr/>
         </p:nvSpPr>
@@ -22936,6 +22926,518 @@
           </a:p>
         </p:txBody>
       </p:sp>
+      <p:sp>
+        <p:nvSpPr>
+          <p:cNvPr id="4" name="文本框 3"/>
+          <p:cNvSpPr txBox="1"/>
+          <p:nvPr/>
+        </p:nvSpPr>
+        <p:spPr>
+          <a:xfrm>
+            <a:off x="2269340" y="177800"/>
+            <a:ext cx="5270500" cy="6463308"/>
+          </a:xfrm>
+          <a:prstGeom prst="rect">
+            <a:avLst/>
+          </a:prstGeom>
+          <a:noFill/>
+        </p:spPr>
+        <p:txBody>
+          <a:bodyPr wrap="square" rtlCol="0">
+            <a:spAutoFit/>
+          </a:bodyPr>
+          <a:lstStyle/>
+          <a:p>
+            <a:r>
+              <a:rPr lang="en-US" altLang="zh-CN" dirty="0"/>
+              <a:t>int </a:t>
+            </a:r>
+            <a:r>
+              <a:rPr lang="en-US" altLang="zh-CN" dirty="0" smtClean="0"/>
+              <a:t>Partition ( int </a:t>
+            </a:r>
+            <a:r>
+              <a:rPr lang="en-US" altLang="zh-CN" dirty="0"/>
+              <a:t>ve</a:t>
+            </a:r>
+            <a:r>
+              <a:rPr lang="en-US" altLang="zh-CN" dirty="0" smtClean="0"/>
+              <a:t>[] , int </a:t>
+            </a:r>
+            <a:r>
+              <a:rPr lang="en-US" altLang="zh-CN" dirty="0"/>
+              <a:t>low </a:t>
+            </a:r>
+            <a:r>
+              <a:rPr lang="en-US" altLang="zh-CN" dirty="0" smtClean="0"/>
+              <a:t>, int  high) {</a:t>
+            </a:r>
+            <a:endParaRPr lang="en-US" altLang="zh-CN" dirty="0"/>
+          </a:p>
+          <a:p>
+            <a:r>
+              <a:rPr lang="en-US" altLang="zh-CN" dirty="0"/>
+              <a:t>	int i=low;</a:t>
+            </a:r>
+          </a:p>
+          <a:p>
+            <a:r>
+              <a:rPr lang="en-US" altLang="zh-CN" dirty="0"/>
+              <a:t>	int j=high;</a:t>
+            </a:r>
+          </a:p>
+          <a:p>
+            <a:r>
+              <a:rPr lang="en-US" altLang="zh-CN" dirty="0"/>
+              <a:t>	int pivot=ve[low</a:t>
+            </a:r>
+            <a:r>
+              <a:rPr lang="en-US" altLang="zh-CN" dirty="0" smtClean="0"/>
+              <a:t>];</a:t>
+            </a:r>
+            <a:endParaRPr lang="en-US" altLang="zh-CN" dirty="0"/>
+          </a:p>
+          <a:p>
+            <a:r>
+              <a:rPr lang="en-US" altLang="zh-CN" dirty="0"/>
+              <a:t>	while (i!=j)</a:t>
+            </a:r>
+          </a:p>
+          <a:p>
+            <a:r>
+              <a:rPr lang="en-US" altLang="zh-CN" dirty="0"/>
+              <a:t>	{</a:t>
+            </a:r>
+          </a:p>
+          <a:p>
+            <a:r>
+              <a:rPr lang="en-US" altLang="zh-CN" dirty="0"/>
+              <a:t>		while(ve[j</a:t>
+            </a:r>
+            <a:r>
+              <a:rPr lang="en-US" altLang="zh-CN" dirty="0" smtClean="0"/>
+              <a:t>]&gt;=pivot</a:t>
+            </a:r>
+            <a:r>
+              <a:rPr lang="en-US" altLang="zh-CN" dirty="0"/>
+              <a:t>&amp;&amp;i&lt;j) </a:t>
+            </a:r>
+          </a:p>
+          <a:p>
+            <a:r>
+              <a:rPr lang="en-US" altLang="zh-CN" dirty="0"/>
+              <a:t>			j--;</a:t>
+            </a:r>
+          </a:p>
+          <a:p>
+            <a:r>
+              <a:rPr lang="en-US" altLang="zh-CN" dirty="0"/>
+              <a:t>		if (i&lt;j)</a:t>
+            </a:r>
+          </a:p>
+          <a:p>
+            <a:r>
+              <a:rPr lang="en-US" altLang="zh-CN" dirty="0"/>
+              <a:t>		{</a:t>
+            </a:r>
+          </a:p>
+          <a:p>
+            <a:r>
+              <a:rPr lang="en-US" altLang="zh-CN" dirty="0"/>
+              <a:t>			ve[i]=ve[j];</a:t>
+            </a:r>
+          </a:p>
+          <a:p>
+            <a:r>
+              <a:rPr lang="en-US" altLang="zh-CN" dirty="0"/>
+              <a:t>			i++;</a:t>
+            </a:r>
+          </a:p>
+          <a:p>
+            <a:r>
+              <a:rPr lang="en-US" altLang="zh-CN" dirty="0"/>
+              <a:t>		}</a:t>
+            </a:r>
+          </a:p>
+          <a:p>
+            <a:r>
+              <a:rPr lang="en-US" altLang="zh-CN" dirty="0"/>
+              <a:t>		while(ve[i</a:t>
+            </a:r>
+            <a:r>
+              <a:rPr lang="en-US" altLang="zh-CN" dirty="0" smtClean="0"/>
+              <a:t>]&lt;=pivot</a:t>
+            </a:r>
+            <a:r>
+              <a:rPr lang="en-US" altLang="zh-CN" dirty="0"/>
+              <a:t>&amp;&amp;i&lt;j)</a:t>
+            </a:r>
+          </a:p>
+          <a:p>
+            <a:r>
+              <a:rPr lang="en-US" altLang="zh-CN" dirty="0"/>
+              <a:t>			i++;</a:t>
+            </a:r>
+          </a:p>
+          <a:p>
+            <a:r>
+              <a:rPr lang="en-US" altLang="zh-CN" dirty="0"/>
+              <a:t>		if(i&lt;j){</a:t>
+            </a:r>
+          </a:p>
+          <a:p>
+            <a:r>
+              <a:rPr lang="en-US" altLang="zh-CN" dirty="0"/>
+              <a:t>			ve[j]=ve[i];</a:t>
+            </a:r>
+          </a:p>
+          <a:p>
+            <a:r>
+              <a:rPr lang="en-US" altLang="zh-CN" dirty="0"/>
+              <a:t>			j--;</a:t>
+            </a:r>
+          </a:p>
+          <a:p>
+            <a:r>
+              <a:rPr lang="en-US" altLang="zh-CN" dirty="0"/>
+              <a:t>		}</a:t>
+            </a:r>
+          </a:p>
+          <a:p>
+            <a:r>
+              <a:rPr lang="en-US" altLang="zh-CN" dirty="0"/>
+              <a:t>	}</a:t>
+            </a:r>
+          </a:p>
+          <a:p>
+            <a:r>
+              <a:rPr lang="en-US" altLang="zh-CN" dirty="0"/>
+              <a:t>	ve[i]=pivot;</a:t>
+            </a:r>
+          </a:p>
+          <a:p>
+            <a:r>
+              <a:rPr lang="en-US" altLang="zh-CN" dirty="0"/>
+              <a:t>	return i;</a:t>
+            </a:r>
+          </a:p>
+          <a:p>
+            <a:r>
+              <a:rPr lang="en-US" altLang="zh-CN" dirty="0"/>
+              <a:t>}</a:t>
+            </a:r>
+          </a:p>
+        </p:txBody>
+      </p:sp>
+      <p:sp>
+        <p:nvSpPr>
+          <p:cNvPr id="2" name="矩形 1"/>
+          <p:cNvSpPr/>
+          <p:nvPr/>
+        </p:nvSpPr>
+        <p:spPr>
+          <a:xfrm>
+            <a:off x="1828800" y="912843"/>
+            <a:ext cx="6337300" cy="5016758"/>
+          </a:xfrm>
+          <a:prstGeom prst="rect">
+            <a:avLst/>
+          </a:prstGeom>
+        </p:spPr>
+        <p:txBody>
+          <a:bodyPr wrap="square">
+            <a:spAutoFit/>
+          </a:bodyPr>
+          <a:lstStyle/>
+          <a:p>
+            <a:r>
+              <a:rPr lang="en-US" altLang="zh-CN" sz="2000" dirty="0"/>
+              <a:t>	while (i!=j)</a:t>
+            </a:r>
+          </a:p>
+          <a:p>
+            <a:r>
+              <a:rPr lang="en-US" altLang="zh-CN" sz="2000" dirty="0"/>
+              <a:t>	{</a:t>
+            </a:r>
+          </a:p>
+          <a:p>
+            <a:r>
+              <a:rPr lang="en-US" altLang="zh-CN" sz="2000" dirty="0"/>
+              <a:t>		while(ve[j</a:t>
+            </a:r>
+            <a:r>
+              <a:rPr lang="en-US" altLang="zh-CN" sz="2000" dirty="0" smtClean="0"/>
+              <a:t>] &gt;= pivot &amp;&amp; i &lt; j</a:t>
+            </a:r>
+            <a:r>
+              <a:rPr lang="en-US" altLang="zh-CN" sz="2000" dirty="0"/>
+              <a:t>) </a:t>
+            </a:r>
+            <a:r>
+              <a:rPr lang="en-US" altLang="zh-CN" sz="2000" dirty="0" smtClean="0"/>
+              <a:t>  j-</a:t>
+            </a:r>
+            <a:r>
+              <a:rPr lang="en-US" altLang="zh-CN" sz="2000" dirty="0"/>
+              <a:t>- </a:t>
+            </a:r>
+            <a:r>
+              <a:rPr lang="en-US" altLang="zh-CN" sz="2000" dirty="0" smtClean="0"/>
+              <a:t>;</a:t>
+            </a:r>
+          </a:p>
+          <a:p>
+            <a:r>
+              <a:rPr lang="en-US" altLang="zh-CN" sz="2000" dirty="0"/>
+              <a:t>	</a:t>
+            </a:r>
+          </a:p>
+          <a:p>
+            <a:r>
+              <a:rPr lang="en-US" altLang="zh-CN" sz="2000" dirty="0"/>
+              <a:t>		if </a:t>
+            </a:r>
+            <a:r>
+              <a:rPr lang="en-US" altLang="zh-CN" sz="2000" dirty="0" smtClean="0"/>
+              <a:t>( i &lt; j )</a:t>
+            </a:r>
+            <a:endParaRPr lang="en-US" altLang="zh-CN" sz="2000" dirty="0"/>
+          </a:p>
+          <a:p>
+            <a:r>
+              <a:rPr lang="en-US" altLang="zh-CN" sz="2000" dirty="0"/>
+              <a:t>		{</a:t>
+            </a:r>
+          </a:p>
+          <a:p>
+            <a:r>
+              <a:rPr lang="en-US" altLang="zh-CN" sz="2000" dirty="0"/>
+              <a:t>			ve[i</a:t>
+            </a:r>
+            <a:r>
+              <a:rPr lang="en-US" altLang="zh-CN" sz="2000" dirty="0" smtClean="0"/>
+              <a:t>] = ve[j</a:t>
+            </a:r>
+            <a:r>
+              <a:rPr lang="en-US" altLang="zh-CN" sz="2000" dirty="0"/>
+              <a:t>];</a:t>
+            </a:r>
+          </a:p>
+          <a:p>
+            <a:r>
+              <a:rPr lang="en-US" altLang="zh-CN" sz="2000" dirty="0"/>
+              <a:t>			i++;</a:t>
+            </a:r>
+          </a:p>
+          <a:p>
+            <a:r>
+              <a:rPr lang="en-US" altLang="zh-CN" sz="2000" dirty="0"/>
+              <a:t>		</a:t>
+            </a:r>
+            <a:r>
+              <a:rPr lang="en-US" altLang="zh-CN" sz="2000" dirty="0" smtClean="0"/>
+              <a:t>}</a:t>
+            </a:r>
+            <a:endParaRPr lang="en-US" altLang="zh-CN" sz="2000" dirty="0"/>
+          </a:p>
+          <a:p>
+            <a:r>
+              <a:rPr lang="en-US" altLang="zh-CN" sz="2000" dirty="0"/>
+              <a:t>		while</a:t>
+            </a:r>
+            <a:r>
+              <a:rPr lang="en-US" altLang="zh-CN" sz="2000" dirty="0" smtClean="0"/>
+              <a:t>( ve[i] &lt;= pivot &amp;&amp; i &lt; j )  i++;</a:t>
+            </a:r>
+          </a:p>
+          <a:p>
+            <a:endParaRPr lang="en-US" altLang="zh-CN" sz="2000" dirty="0"/>
+          </a:p>
+          <a:p>
+            <a:r>
+              <a:rPr lang="en-US" altLang="zh-CN" sz="2000" dirty="0"/>
+              <a:t>		if</a:t>
+            </a:r>
+            <a:r>
+              <a:rPr lang="en-US" altLang="zh-CN" sz="2000" dirty="0" smtClean="0"/>
+              <a:t>( i &lt; j ){</a:t>
+            </a:r>
+            <a:endParaRPr lang="en-US" altLang="zh-CN" sz="2000" dirty="0"/>
+          </a:p>
+          <a:p>
+            <a:r>
+              <a:rPr lang="en-US" altLang="zh-CN" sz="2000" dirty="0"/>
+              <a:t>			ve[j</a:t>
+            </a:r>
+            <a:r>
+              <a:rPr lang="en-US" altLang="zh-CN" sz="2000" dirty="0" smtClean="0"/>
+              <a:t>] = ve[i</a:t>
+            </a:r>
+            <a:r>
+              <a:rPr lang="en-US" altLang="zh-CN" sz="2000" dirty="0"/>
+              <a:t>];</a:t>
+            </a:r>
+          </a:p>
+          <a:p>
+            <a:r>
+              <a:rPr lang="en-US" altLang="zh-CN" sz="2000" dirty="0"/>
+              <a:t>			j--;</a:t>
+            </a:r>
+          </a:p>
+          <a:p>
+            <a:r>
+              <a:rPr lang="en-US" altLang="zh-CN" sz="2000" dirty="0"/>
+              <a:t>		}</a:t>
+            </a:r>
+          </a:p>
+          <a:p>
+            <a:r>
+              <a:rPr lang="en-US" altLang="zh-CN" sz="2000" dirty="0"/>
+              <a:t>	}</a:t>
+            </a:r>
+            <a:endParaRPr lang="en-US" altLang="zh-CN" sz="2000" dirty="0"/>
+          </a:p>
+        </p:txBody>
+      </p:sp>
+      <p:sp>
+        <p:nvSpPr>
+          <p:cNvPr id="3" name="矩形 2"/>
+          <p:cNvSpPr/>
+          <p:nvPr/>
+        </p:nvSpPr>
+        <p:spPr>
+          <a:xfrm>
+            <a:off x="3505200" y="1473200"/>
+            <a:ext cx="3911600" cy="520700"/>
+          </a:xfrm>
+          <a:prstGeom prst="rect">
+            <a:avLst/>
+          </a:prstGeom>
+          <a:noFill/>
+          <a:ln w="38100">
+            <a:solidFill>
+              <a:srgbClr val="FF3300"/>
+            </a:solidFill>
+          </a:ln>
+        </p:spPr>
+        <p:style>
+          <a:lnRef idx="2">
+            <a:schemeClr val="accent1">
+              <a:shade val="50000"/>
+            </a:schemeClr>
+          </a:lnRef>
+          <a:fillRef idx="1">
+            <a:schemeClr val="accent1"/>
+          </a:fillRef>
+          <a:effectRef idx="0">
+            <a:schemeClr val="accent1"/>
+          </a:effectRef>
+          <a:fontRef idx="minor">
+            <a:schemeClr val="lt1"/>
+          </a:fontRef>
+        </p:style>
+        <p:txBody>
+          <a:bodyPr rtlCol="0" anchor="ctr"/>
+          <a:lstStyle/>
+          <a:p>
+            <a:pPr algn="ctr"/>
+            <a:endParaRPr lang="zh-CN" altLang="en-US"/>
+          </a:p>
+        </p:txBody>
+      </p:sp>
+      <p:sp>
+        <p:nvSpPr>
+          <p:cNvPr id="8" name="矩形 7"/>
+          <p:cNvSpPr/>
+          <p:nvPr/>
+        </p:nvSpPr>
+        <p:spPr>
+          <a:xfrm>
+            <a:off x="3606800" y="3568700"/>
+            <a:ext cx="3911600" cy="520700"/>
+          </a:xfrm>
+          <a:prstGeom prst="rect">
+            <a:avLst/>
+          </a:prstGeom>
+          <a:noFill/>
+          <a:ln w="38100">
+            <a:solidFill>
+              <a:srgbClr val="FF3300"/>
+            </a:solidFill>
+          </a:ln>
+        </p:spPr>
+        <p:style>
+          <a:lnRef idx="2">
+            <a:schemeClr val="accent1">
+              <a:shade val="50000"/>
+            </a:schemeClr>
+          </a:lnRef>
+          <a:fillRef idx="1">
+            <a:schemeClr val="accent1"/>
+          </a:fillRef>
+          <a:effectRef idx="0">
+            <a:schemeClr val="accent1"/>
+          </a:effectRef>
+          <a:fontRef idx="minor">
+            <a:schemeClr val="lt1"/>
+          </a:fontRef>
+        </p:style>
+        <p:txBody>
+          <a:bodyPr rtlCol="0" anchor="ctr"/>
+          <a:lstStyle/>
+          <a:p>
+            <a:pPr algn="ctr"/>
+            <a:endParaRPr lang="zh-CN" altLang="en-US"/>
+          </a:p>
+        </p:txBody>
+      </p:sp>
+      <p:sp>
+        <p:nvSpPr>
+          <p:cNvPr id="9" name="矩形 8"/>
+          <p:cNvSpPr/>
+          <p:nvPr/>
+        </p:nvSpPr>
+        <p:spPr>
+          <a:xfrm>
+            <a:off x="2948790" y="1352550"/>
+            <a:ext cx="3911600" cy="4400550"/>
+          </a:xfrm>
+          <a:prstGeom prst="rect">
+            <a:avLst/>
+          </a:prstGeom>
+          <a:noFill/>
+          <a:ln w="38100">
+            <a:solidFill>
+              <a:srgbClr val="FF3300"/>
+            </a:solidFill>
+          </a:ln>
+        </p:spPr>
+        <p:style>
+          <a:lnRef idx="2">
+            <a:schemeClr val="accent1">
+              <a:shade val="50000"/>
+            </a:schemeClr>
+          </a:lnRef>
+          <a:fillRef idx="1">
+            <a:schemeClr val="accent1"/>
+          </a:fillRef>
+          <a:effectRef idx="0">
+            <a:schemeClr val="accent1"/>
+          </a:effectRef>
+          <a:fontRef idx="minor">
+            <a:schemeClr val="lt1"/>
+          </a:fontRef>
+        </p:style>
+        <p:txBody>
+          <a:bodyPr rtlCol="0" anchor="ctr"/>
+          <a:lstStyle/>
+          <a:p>
+            <a:pPr algn="ctr"/>
+            <a:endParaRPr lang="zh-CN" altLang="en-US"/>
+          </a:p>
+        </p:txBody>
+      </p:sp>
     </p:spTree>
     <p:extLst>
       <p:ext uri="{BB962C8B-B14F-4D97-AF65-F5344CB8AC3E}">
@@ -22946,9 +23448,18 @@
   <p:clrMapOvr>
     <a:masterClrMapping/>
   </p:clrMapOvr>
-  <p:transition spd="med">
-    <p:split orient="vert"/>
-  </p:transition>
+  <mc:AlternateContent xmlns:mc="http://schemas.openxmlformats.org/markup-compatibility/2006">
+    <mc:Choice xmlns:p15="http://schemas.microsoft.com/office/powerpoint/2012/main" Requires="p15">
+      <p:transition xmlns:p14="http://schemas.microsoft.com/office/powerpoint/2010/main" spd="slow" p14:dur="2000">
+        <p15:prstTrans prst="fracture"/>
+      </p:transition>
+    </mc:Choice>
+    <mc:Fallback>
+      <p:transition spd="slow">
+        <p:fade/>
+      </p:transition>
+    </mc:Fallback>
+  </mc:AlternateContent>
   <p:timing>
     <p:tnLst>
       <p:par>
@@ -22970,14 +23481,58 @@
                             </p:stCondLst>
                             <p:childTnLst>
                               <p:par>
-                                <p:cTn id="5" presetID="10" presetClass="entr" presetSubtype="0" fill="hold" grpId="0" nodeType="clickEffect">
+                                <p:cTn id="5" presetID="10" presetClass="exit" presetSubtype="0" fill="hold" grpId="0" nodeType="clickEffect">
+                                  <p:stCondLst>
+                                    <p:cond delay="0"/>
+                                  </p:stCondLst>
+                                  <p:childTnLst>
+                                    <p:animEffect transition="out" filter="fade">
+                                      <p:cBhvr>
+                                        <p:cTn id="6" dur="500"/>
+                                        <p:tgtEl>
+                                          <p:spTgt spid="5"/>
+                                        </p:tgtEl>
+                                      </p:cBhvr>
+                                    </p:animEffect>
+                                    <p:set>
+                                      <p:cBhvr>
+                                        <p:cTn id="7" dur="1" fill="hold">
+                                          <p:stCondLst>
+                                            <p:cond delay="499"/>
+                                          </p:stCondLst>
+                                        </p:cTn>
+                                        <p:tgtEl>
+                                          <p:spTgt spid="5"/>
+                                        </p:tgtEl>
+                                        <p:attrNameLst>
+                                          <p:attrName>style.visibility</p:attrName>
+                                        </p:attrNameLst>
+                                      </p:cBhvr>
+                                      <p:to>
+                                        <p:strVal val="hidden"/>
+                                      </p:to>
+                                    </p:set>
+                                  </p:childTnLst>
+                                </p:cTn>
+                              </p:par>
+                            </p:childTnLst>
+                          </p:cTn>
+                        </p:par>
+                        <p:par>
+                          <p:cTn id="8" fill="hold">
+                            <p:stCondLst>
+                              <p:cond delay="500"/>
+                            </p:stCondLst>
+                            <p:childTnLst>
+                              <p:par>
+                                <p:cTn id="9" presetID="10" presetClass="entr" presetSubtype="0" fill="hold" grpId="0" nodeType="afterEffect">
                                   <p:stCondLst>
                                     <p:cond delay="0"/>
                                   </p:stCondLst>
                                   <p:childTnLst>
                                     <p:set>
                                       <p:cBhvr>
-                                        <p:cTn id="6" dur="1" fill="hold">
+                                        <p:cTn id="10" dur="1" fill="hold">
                                           <p:stCondLst>
                                             <p:cond delay="0"/>
                                           </p:stCondLst>
@@ -22995,9 +23550,379 @@
                                     </p:set>
                                     <p:animEffect transition="in" filter="fade">
                                       <p:cBhvr>
-                                        <p:cTn id="7" dur="500"/>
+                                        <p:cTn id="11" dur="500"/>
                                         <p:tgtEl>
                                           <p:spTgt spid="7"/>
+                                        </p:tgtEl>
+                                      </p:cBhvr>
+                                    </p:animEffect>
+                                  </p:childTnLst>
+                                </p:cTn>
+                              </p:par>
+                            </p:childTnLst>
+                          </p:cTn>
+                        </p:par>
+                      </p:childTnLst>
+                    </p:cTn>
+                  </p:par>
+                  <p:par>
+                    <p:cTn id="12" fill="hold">
+                      <p:stCondLst>
+                        <p:cond delay="indefinite"/>
+                      </p:stCondLst>
+                      <p:childTnLst>
+                        <p:par>
+                          <p:cTn id="13" fill="hold">
+                            <p:stCondLst>
+                              <p:cond delay="0"/>
+                            </p:stCondLst>
+                            <p:childTnLst>
+                              <p:par>
+                                <p:cTn id="14" presetID="10" presetClass="exit" presetSubtype="0" fill="hold" grpId="1" nodeType="clickEffect">
+                                  <p:stCondLst>
+                                    <p:cond delay="0"/>
+                                  </p:stCondLst>
+                                  <p:childTnLst>
+                                    <p:animEffect transition="out" filter="fade">
+                                      <p:cBhvr>
+                                        <p:cTn id="15" dur="500"/>
+                                        <p:tgtEl>
+                                          <p:spTgt spid="7"/>
+                                        </p:tgtEl>
+                                      </p:cBhvr>
+                                    </p:animEffect>
+                                    <p:set>
+                                      <p:cBhvr>
+                                        <p:cTn id="16" dur="1" fill="hold">
+                                          <p:stCondLst>
+                                            <p:cond delay="499"/>
+                                          </p:stCondLst>
+                                        </p:cTn>
+                                        <p:tgtEl>
+                                          <p:spTgt spid="7"/>
+                                        </p:tgtEl>
+                                        <p:attrNameLst>
+                                          <p:attrName>style.visibility</p:attrName>
+                                        </p:attrNameLst>
+                                      </p:cBhvr>
+                                      <p:to>
+                                        <p:strVal val="hidden"/>
+                                      </p:to>
+                                    </p:set>
+                                  </p:childTnLst>
+                                </p:cTn>
+                              </p:par>
+                            </p:childTnLst>
+                          </p:cTn>
+                        </p:par>
+                        <p:par>
+                          <p:cTn id="17" fill="hold">
+                            <p:stCondLst>
+                              <p:cond delay="500"/>
+                            </p:stCondLst>
+                            <p:childTnLst>
+                              <p:par>
+                                <p:cTn id="18" presetID="16" presetClass="entr" presetSubtype="42" fill="hold" grpId="0" nodeType="afterEffect">
+                                  <p:stCondLst>
+                                    <p:cond delay="0"/>
+                                  </p:stCondLst>
+                                  <p:childTnLst>
+                                    <p:set>
+                                      <p:cBhvr>
+                                        <p:cTn id="19" dur="1" fill="hold">
+                                          <p:stCondLst>
+                                            <p:cond delay="0"/>
+                                          </p:stCondLst>
+                                        </p:cTn>
+                                        <p:tgtEl>
+                                          <p:spTgt spid="4"/>
+                                        </p:tgtEl>
+                                        <p:attrNameLst>
+                                          <p:attrName>style.visibility</p:attrName>
+                                        </p:attrNameLst>
+                                      </p:cBhvr>
+                                      <p:to>
+                                        <p:strVal val="visible"/>
+                                      </p:to>
+                                    </p:set>
+                                    <p:animEffect transition="in" filter="barn(outHorizontal)">
+                                      <p:cBhvr>
+                                        <p:cTn id="20" dur="500"/>
+                                        <p:tgtEl>
+                                          <p:spTgt spid="4"/>
+                                        </p:tgtEl>
+                                      </p:cBhvr>
+                                    </p:animEffect>
+                                  </p:childTnLst>
+                                </p:cTn>
+                              </p:par>
+                            </p:childTnLst>
+                          </p:cTn>
+                        </p:par>
+                      </p:childTnLst>
+                    </p:cTn>
+                  </p:par>
+                  <p:par>
+                    <p:cTn id="21" fill="hold">
+                      <p:stCondLst>
+                        <p:cond delay="indefinite"/>
+                      </p:stCondLst>
+                      <p:childTnLst>
+                        <p:par>
+                          <p:cTn id="22" fill="hold">
+                            <p:stCondLst>
+                              <p:cond delay="0"/>
+                            </p:stCondLst>
+                            <p:childTnLst>
+                              <p:par>
+                                <p:cTn id="23" presetID="22" presetClass="entr" presetSubtype="1" fill="hold" grpId="0" nodeType="clickEffect">
+                                  <p:stCondLst>
+                                    <p:cond delay="0"/>
+                                  </p:stCondLst>
+                                  <p:childTnLst>
+                                    <p:set>
+                                      <p:cBhvr>
+                                        <p:cTn id="24" dur="1" fill="hold">
+                                          <p:stCondLst>
+                                            <p:cond delay="0"/>
+                                          </p:stCondLst>
+                                        </p:cTn>
+                                        <p:tgtEl>
+                                          <p:spTgt spid="9"/>
+                                        </p:tgtEl>
+                                        <p:attrNameLst>
+                                          <p:attrName>style.visibility</p:attrName>
+                                        </p:attrNameLst>
+                                      </p:cBhvr>
+                                      <p:to>
+                                        <p:strVal val="visible"/>
+                                      </p:to>
+                                    </p:set>
+                                    <p:animEffect transition="in" filter="wipe(up)">
+                                      <p:cBhvr>
+                                        <p:cTn id="25" dur="500"/>
+                                        <p:tgtEl>
+                                          <p:spTgt spid="9"/>
+                                        </p:tgtEl>
+                                      </p:cBhvr>
+                                    </p:animEffect>
+                                  </p:childTnLst>
+                                </p:cTn>
+                              </p:par>
+                            </p:childTnLst>
+                          </p:cTn>
+                        </p:par>
+                      </p:childTnLst>
+                    </p:cTn>
+                  </p:par>
+                  <p:par>
+                    <p:cTn id="26" fill="hold">
+                      <p:stCondLst>
+                        <p:cond delay="indefinite"/>
+                      </p:stCondLst>
+                      <p:childTnLst>
+                        <p:par>
+                          <p:cTn id="27" fill="hold">
+                            <p:stCondLst>
+                              <p:cond delay="0"/>
+                            </p:stCondLst>
+                            <p:childTnLst>
+                              <p:par>
+                                <p:cTn id="28" presetID="10" presetClass="exit" presetSubtype="0" fill="hold" grpId="1" nodeType="clickEffect">
+                                  <p:stCondLst>
+                                    <p:cond delay="0"/>
+                                  </p:stCondLst>
+                                  <p:childTnLst>
+                                    <p:animEffect transition="out" filter="fade">
+                                      <p:cBhvr>
+                                        <p:cTn id="29" dur="500"/>
+                                        <p:tgtEl>
+                                          <p:spTgt spid="4"/>
+                                        </p:tgtEl>
+                                      </p:cBhvr>
+                                    </p:animEffect>
+                                    <p:set>
+                                      <p:cBhvr>
+                                        <p:cTn id="30" dur="1" fill="hold">
+                                          <p:stCondLst>
+                                            <p:cond delay="499"/>
+                                          </p:stCondLst>
+                                        </p:cTn>
+                                        <p:tgtEl>
+                                          <p:spTgt spid="4"/>
+                                        </p:tgtEl>
+                                        <p:attrNameLst>
+                                          <p:attrName>style.visibility</p:attrName>
+                                        </p:attrNameLst>
+                                      </p:cBhvr>
+                                      <p:to>
+                                        <p:strVal val="hidden"/>
+                                      </p:to>
+                                    </p:set>
+                                  </p:childTnLst>
+                                </p:cTn>
+                              </p:par>
+                              <p:par>
+                                <p:cTn id="31" presetID="10" presetClass="exit" presetSubtype="0" fill="hold" grpId="1" nodeType="withEffect">
+                                  <p:stCondLst>
+                                    <p:cond delay="0"/>
+                                  </p:stCondLst>
+                                  <p:childTnLst>
+                                    <p:animEffect transition="out" filter="fade">
+                                      <p:cBhvr>
+                                        <p:cTn id="32" dur="500"/>
+                                        <p:tgtEl>
+                                          <p:spTgt spid="9"/>
+                                        </p:tgtEl>
+                                      </p:cBhvr>
+                                    </p:animEffect>
+                                    <p:set>
+                                      <p:cBhvr>
+                                        <p:cTn id="33" dur="1" fill="hold">
+                                          <p:stCondLst>
+                                            <p:cond delay="499"/>
+                                          </p:stCondLst>
+                                        </p:cTn>
+                                        <p:tgtEl>
+                                          <p:spTgt spid="9"/>
+                                        </p:tgtEl>
+                                        <p:attrNameLst>
+                                          <p:attrName>style.visibility</p:attrName>
+                                        </p:attrNameLst>
+                                      </p:cBhvr>
+                                      <p:to>
+                                        <p:strVal val="hidden"/>
+                                      </p:to>
+                                    </p:set>
+                                  </p:childTnLst>
+                                </p:cTn>
+                              </p:par>
+                            </p:childTnLst>
+                          </p:cTn>
+                        </p:par>
+                        <p:par>
+                          <p:cTn id="34" fill="hold">
+                            <p:stCondLst>
+                              <p:cond delay="500"/>
+                            </p:stCondLst>
+                            <p:childTnLst>
+                              <p:par>
+                                <p:cTn id="35" presetID="10" presetClass="entr" presetSubtype="0" fill="hold" grpId="0" nodeType="afterEffect">
+                                  <p:stCondLst>
+                                    <p:cond delay="0"/>
+                                  </p:stCondLst>
+                                  <p:childTnLst>
+                                    <p:set>
+                                      <p:cBhvr>
+                                        <p:cTn id="36" dur="1" fill="hold">
+                                          <p:stCondLst>
+                                            <p:cond delay="0"/>
+                                          </p:stCondLst>
+                                        </p:cTn>
+                                        <p:tgtEl>
+                                          <p:spTgt spid="2"/>
+                                        </p:tgtEl>
+                                        <p:attrNameLst>
+                                          <p:attrName>style.visibility</p:attrName>
+                                        </p:attrNameLst>
+                                      </p:cBhvr>
+                                      <p:to>
+                                        <p:strVal val="visible"/>
+                                      </p:to>
+                                    </p:set>
+                                    <p:animEffect transition="in" filter="fade">
+                                      <p:cBhvr>
+                                        <p:cTn id="37" dur="500"/>
+                                        <p:tgtEl>
+                                          <p:spTgt spid="2"/>
+                                        </p:tgtEl>
+                                      </p:cBhvr>
+                                    </p:animEffect>
+                                  </p:childTnLst>
+                                </p:cTn>
+                              </p:par>
+                            </p:childTnLst>
+                          </p:cTn>
+                        </p:par>
+                      </p:childTnLst>
+                    </p:cTn>
+                  </p:par>
+                  <p:par>
+                    <p:cTn id="38" fill="hold">
+                      <p:stCondLst>
+                        <p:cond delay="indefinite"/>
+                      </p:stCondLst>
+                      <p:childTnLst>
+                        <p:par>
+                          <p:cTn id="39" fill="hold">
+                            <p:stCondLst>
+                              <p:cond delay="0"/>
+                            </p:stCondLst>
+                            <p:childTnLst>
+                              <p:par>
+                                <p:cTn id="40" presetID="22" presetClass="entr" presetSubtype="1" fill="hold" grpId="0" nodeType="clickEffect">
+                                  <p:stCondLst>
+                                    <p:cond delay="0"/>
+                                  </p:stCondLst>
+                                  <p:childTnLst>
+                                    <p:set>
+                                      <p:cBhvr>
+                                        <p:cTn id="41" dur="1" fill="hold">
+                                          <p:stCondLst>
+                                            <p:cond delay="0"/>
+                                          </p:stCondLst>
+                                        </p:cTn>
+                                        <p:tgtEl>
+                                          <p:spTgt spid="3"/>
+                                        </p:tgtEl>
+                                        <p:attrNameLst>
+                                          <p:attrName>style.visibility</p:attrName>
+                                        </p:attrNameLst>
+                                      </p:cBhvr>
+                                      <p:to>
+                                        <p:strVal val="visible"/>
+                                      </p:to>
+                                    </p:set>
+                                    <p:animEffect transition="in" filter="wipe(up)">
+                                      <p:cBhvr>
+                                        <p:cTn id="42" dur="500"/>
+                                        <p:tgtEl>
+                                          <p:spTgt spid="3"/>
+                                        </p:tgtEl>
+                                      </p:cBhvr>
+                                    </p:animEffect>
+                                  </p:childTnLst>
+                                </p:cTn>
+                              </p:par>
+                              <p:par>
+                                <p:cTn id="43" presetID="22" presetClass="entr" presetSubtype="1" fill="hold" grpId="0" nodeType="withEffect">
+                                  <p:stCondLst>
+                                    <p:cond delay="0"/>
+                                  </p:stCondLst>
+                                  <p:childTnLst>
+                                    <p:set>
+                                      <p:cBhvr>
+                                        <p:cTn id="44" dur="1" fill="hold">
+                                          <p:stCondLst>
+                                            <p:cond delay="0"/>
+                                          </p:stCondLst>
+                                        </p:cTn>
+                                        <p:tgtEl>
+                                          <p:spTgt spid="8"/>
+                                        </p:tgtEl>
+                                        <p:attrNameLst>
+                                          <p:attrName>style.visibility</p:attrName>
+                                        </p:attrNameLst>
+                                      </p:cBhvr>
+                                      <p:to>
+                                        <p:strVal val="visible"/>
+                                      </p:to>
+                                    </p:set>
+                                    <p:animEffect transition="in" filter="wipe(up)">
+                                      <p:cBhvr>
+                                        <p:cTn id="45" dur="500"/>
+                                        <p:tgtEl>
+                                          <p:spTgt spid="8"/>
                                         </p:tgtEl>
                                       </p:cBhvr>
                                     </p:animEffect>
@@ -23032,7 +23957,16 @@
       </p:par>
     </p:tnLst>
     <p:bldLst>
+      <p:bldP spid="5" grpId="0"/>
       <p:bldP spid="7" grpId="0"/>
+      <p:bldP spid="7" grpId="1"/>
+      <p:bldP spid="4" grpId="0"/>
+      <p:bldP spid="4" grpId="1"/>
+      <p:bldP spid="2" grpId="0"/>
+      <p:bldP spid="3" grpId="0" animBg="1"/>
+      <p:bldP spid="8" grpId="0" animBg="1"/>
+      <p:bldP spid="9" grpId="0" animBg="1"/>
+      <p:bldP spid="9" grpId="1" animBg="1"/>
     </p:bldLst>
   </p:timing>
 </p:sld>

--- a/快排+优化.pptx
+++ b/快排+优化.pptx
@@ -118,7 +118,7 @@
   <p:extLst>
     <p:ext uri="{EFAFB233-063F-42B5-8137-9DF3F51BA10A}">
       <p15:sldGuideLst xmlns:p15="http://schemas.microsoft.com/office/powerpoint/2012/main">
-        <p15:guide id="1" orient="horz" pos="1888" userDrawn="1">
+        <p15:guide id="1" orient="horz" pos="1865" userDrawn="1">
           <p15:clr>
             <a:srgbClr val="A4A3A4"/>
           </p15:clr>
@@ -5032,13 +5032,13 @@
           <p:nvPr>
             <p:extLst>
               <p:ext uri="{D42A27DB-BD31-4B8C-83A1-F6EECF244321}">
-                <p14:modId xmlns:p14="http://schemas.microsoft.com/office/powerpoint/2010/main" val="2707342668"/>
+                <p14:modId xmlns:p14="http://schemas.microsoft.com/office/powerpoint/2010/main" val="3982455374"/>
               </p:ext>
             </p:extLst>
           </p:nvPr>
         </p:nvGraphicFramePr>
         <p:xfrm>
-          <a:off x="3303638" y="2588322"/>
+          <a:off x="3303638" y="2590248"/>
           <a:ext cx="5463004" cy="741680"/>
         </p:xfrm>
         <a:graphic>
@@ -5137,6 +5137,10 @@
                     <a:lstStyle/>
                     <a:p>
                       <a:pPr algn="ctr"/>
+                      <a:r>
+                        <a:rPr lang="en-US" altLang="zh-CN" dirty="0" smtClean="0"/>
+                        <a:t>93ms</a:t>
+                      </a:r>
                       <a:endParaRPr lang="zh-CN" altLang="en-US" dirty="0"/>
                     </a:p>
                   </a:txBody>
@@ -5148,6 +5152,10 @@
                     <a:lstStyle/>
                     <a:p>
                       <a:pPr algn="ctr"/>
+                      <a:r>
+                        <a:rPr lang="en-US" altLang="zh-CN" dirty="0" smtClean="0"/>
+                        <a:t>368478ms</a:t>
+                      </a:r>
                       <a:endParaRPr lang="zh-CN" altLang="en-US" dirty="0"/>
                     </a:p>
                   </a:txBody>
@@ -5159,6 +5167,10 @@
                     <a:lstStyle/>
                     <a:p>
                       <a:pPr algn="ctr"/>
+                      <a:r>
+                        <a:rPr lang="en-US" altLang="zh-CN" dirty="0" smtClean="0"/>
+                        <a:t>57434ms</a:t>
+                      </a:r>
                       <a:endParaRPr lang="zh-CN" altLang="en-US" dirty="0"/>
                     </a:p>
                   </a:txBody>
@@ -10094,7 +10106,7 @@
           <p:nvPr>
             <p:extLst>
               <p:ext uri="{D42A27DB-BD31-4B8C-83A1-F6EECF244321}">
-                <p14:modId xmlns:p14="http://schemas.microsoft.com/office/powerpoint/2010/main" val="2017873995"/>
+                <p14:modId xmlns:p14="http://schemas.microsoft.com/office/powerpoint/2010/main" val="1041154134"/>
               </p:ext>
             </p:extLst>
           </p:nvPr>
@@ -10199,6 +10211,10 @@
                     <a:lstStyle/>
                     <a:p>
                       <a:pPr algn="ctr"/>
+                      <a:r>
+                        <a:rPr lang="en-US" altLang="zh-CN" dirty="0" smtClean="0"/>
+                        <a:t>93ms</a:t>
+                      </a:r>
                       <a:endParaRPr lang="zh-CN" altLang="en-US" dirty="0"/>
                     </a:p>
                   </a:txBody>
@@ -10210,6 +10226,10 @@
                     <a:lstStyle/>
                     <a:p>
                       <a:pPr algn="ctr"/>
+                      <a:r>
+                        <a:rPr lang="en-US" altLang="zh-CN" dirty="0" smtClean="0"/>
+                        <a:t>368478ms</a:t>
+                      </a:r>
                       <a:endParaRPr lang="zh-CN" altLang="en-US" dirty="0"/>
                     </a:p>
                   </a:txBody>
@@ -10221,6 +10241,10 @@
                     <a:lstStyle/>
                     <a:p>
                       <a:pPr algn="ctr"/>
+                      <a:r>
+                        <a:rPr lang="en-US" altLang="zh-CN" dirty="0" smtClean="0"/>
+                        <a:t>57434ms</a:t>
+                      </a:r>
                       <a:endParaRPr lang="zh-CN" altLang="en-US" dirty="0"/>
                     </a:p>
                   </a:txBody>
@@ -10249,6 +10273,10 @@
                     <a:lstStyle/>
                     <a:p>
                       <a:pPr algn="ctr"/>
+                      <a:r>
+                        <a:rPr lang="en-US" altLang="zh-CN" dirty="0" smtClean="0"/>
+                        <a:t>140ms</a:t>
+                      </a:r>
                       <a:endParaRPr lang="zh-CN" altLang="en-US" dirty="0"/>
                     </a:p>
                   </a:txBody>
@@ -10260,6 +10288,10 @@
                     <a:lstStyle/>
                     <a:p>
                       <a:pPr algn="ctr"/>
+                      <a:r>
+                        <a:rPr lang="en-US" altLang="zh-CN" dirty="0" smtClean="0"/>
+                        <a:t>125ms</a:t>
+                      </a:r>
                       <a:endParaRPr lang="zh-CN" altLang="en-US" dirty="0"/>
                     </a:p>
                   </a:txBody>
@@ -10271,6 +10303,10 @@
                     <a:lstStyle/>
                     <a:p>
                       <a:pPr algn="ctr"/>
+                      <a:r>
+                        <a:rPr lang="en-US" altLang="zh-CN" dirty="0" smtClean="0"/>
+                        <a:t>52803ms</a:t>
+                      </a:r>
                       <a:endParaRPr lang="zh-CN" altLang="en-US" dirty="0"/>
                     </a:p>
                   </a:txBody>
@@ -12894,7 +12930,7 @@
           <p:nvPr>
             <p:extLst>
               <p:ext uri="{D42A27DB-BD31-4B8C-83A1-F6EECF244321}">
-                <p14:modId xmlns:p14="http://schemas.microsoft.com/office/powerpoint/2010/main" val="398301284"/>
+                <p14:modId xmlns:p14="http://schemas.microsoft.com/office/powerpoint/2010/main" val="3686923542"/>
               </p:ext>
             </p:extLst>
           </p:nvPr>
@@ -12999,6 +13035,10 @@
                     <a:lstStyle/>
                     <a:p>
                       <a:pPr algn="ctr"/>
+                      <a:r>
+                        <a:rPr lang="en-US" altLang="zh-CN" dirty="0" smtClean="0"/>
+                        <a:t>93ms</a:t>
+                      </a:r>
                       <a:endParaRPr lang="zh-CN" altLang="en-US" dirty="0"/>
                     </a:p>
                   </a:txBody>
@@ -13010,6 +13050,10 @@
                     <a:lstStyle/>
                     <a:p>
                       <a:pPr algn="ctr"/>
+                      <a:r>
+                        <a:rPr lang="en-US" altLang="zh-CN" dirty="0" smtClean="0"/>
+                        <a:t>368478ms</a:t>
+                      </a:r>
                       <a:endParaRPr lang="zh-CN" altLang="en-US" dirty="0"/>
                     </a:p>
                   </a:txBody>
@@ -13021,6 +13065,10 @@
                     <a:lstStyle/>
                     <a:p>
                       <a:pPr algn="ctr"/>
+                      <a:r>
+                        <a:rPr lang="en-US" altLang="zh-CN" dirty="0" smtClean="0"/>
+                        <a:t>57434ms</a:t>
+                      </a:r>
                       <a:endParaRPr lang="zh-CN" altLang="en-US" dirty="0"/>
                     </a:p>
                   </a:txBody>
@@ -13049,6 +13097,10 @@
                     <a:lstStyle/>
                     <a:p>
                       <a:pPr algn="ctr"/>
+                      <a:r>
+                        <a:rPr lang="en-US" altLang="zh-CN" dirty="0" smtClean="0"/>
+                        <a:t>140ms</a:t>
+                      </a:r>
                       <a:endParaRPr lang="zh-CN" altLang="en-US" dirty="0"/>
                     </a:p>
                   </a:txBody>
@@ -13060,6 +13112,10 @@
                     <a:lstStyle/>
                     <a:p>
                       <a:pPr algn="ctr"/>
+                      <a:r>
+                        <a:rPr lang="en-US" altLang="zh-CN" dirty="0" smtClean="0"/>
+                        <a:t>125ms</a:t>
+                      </a:r>
                       <a:endParaRPr lang="zh-CN" altLang="en-US" dirty="0"/>
                     </a:p>
                   </a:txBody>
@@ -13071,6 +13127,10 @@
                     <a:lstStyle/>
                     <a:p>
                       <a:pPr algn="ctr"/>
+                      <a:r>
+                        <a:rPr lang="en-US" altLang="zh-CN" dirty="0" smtClean="0"/>
+                        <a:t>52803ms</a:t>
+                      </a:r>
                       <a:endParaRPr lang="zh-CN" altLang="en-US" dirty="0"/>
                     </a:p>
                   </a:txBody>
@@ -13099,6 +13159,10 @@
                     <a:lstStyle/>
                     <a:p>
                       <a:pPr algn="ctr"/>
+                      <a:r>
+                        <a:rPr lang="en-US" altLang="zh-CN" dirty="0" smtClean="0"/>
+                        <a:t>78ms</a:t>
+                      </a:r>
                       <a:endParaRPr lang="zh-CN" altLang="en-US" dirty="0"/>
                     </a:p>
                   </a:txBody>
@@ -13110,6 +13174,10 @@
                     <a:lstStyle/>
                     <a:p>
                       <a:pPr algn="ctr"/>
+                      <a:r>
+                        <a:rPr lang="en-US" altLang="zh-CN" dirty="0" smtClean="0"/>
+                        <a:t>31ms</a:t>
+                      </a:r>
                       <a:endParaRPr lang="zh-CN" altLang="en-US" dirty="0"/>
                     </a:p>
                   </a:txBody>
@@ -13121,6 +13189,10 @@
                     <a:lstStyle/>
                     <a:p>
                       <a:pPr algn="ctr"/>
+                      <a:r>
+                        <a:rPr lang="en-US" altLang="zh-CN" dirty="0" smtClean="0"/>
+                        <a:t>47598ms</a:t>
+                      </a:r>
                       <a:endParaRPr lang="zh-CN" altLang="en-US" dirty="0"/>
                     </a:p>
                   </a:txBody>
@@ -21501,14 +21573,14 @@
           <p:nvPr>
             <p:extLst>
               <p:ext uri="{D42A27DB-BD31-4B8C-83A1-F6EECF244321}">
-                <p14:modId xmlns:p14="http://schemas.microsoft.com/office/powerpoint/2010/main" val="2326537679"/>
+                <p14:modId xmlns:p14="http://schemas.microsoft.com/office/powerpoint/2010/main" val="3447286248"/>
               </p:ext>
             </p:extLst>
           </p:nvPr>
         </p:nvGraphicFramePr>
         <p:xfrm>
-          <a:off x="3176771" y="2245214"/>
-          <a:ext cx="5463004" cy="3037840"/>
+          <a:off x="3176771" y="1777619"/>
+          <a:ext cx="5463004" cy="3408680"/>
         </p:xfrm>
         <a:graphic>
           <a:graphicData uri="http://schemas.openxmlformats.org/drawingml/2006/table">
@@ -21536,7 +21608,7 @@
                       <a:endParaRPr lang="zh-CN" altLang="en-US" dirty="0"/>
                     </a:p>
                   </a:txBody>
-                  <a:tcPr/>
+                  <a:tcPr anchor="ctr"/>
                 </a:tc>
                 <a:tc>
                   <a:txBody>
@@ -21551,7 +21623,7 @@
                       <a:endParaRPr lang="zh-CN" altLang="en-US" dirty="0"/>
                     </a:p>
                   </a:txBody>
-                  <a:tcPr/>
+                  <a:tcPr anchor="ctr"/>
                 </a:tc>
                 <a:tc>
                   <a:txBody>
@@ -21566,7 +21638,7 @@
                       <a:endParaRPr lang="zh-CN" altLang="en-US" dirty="0"/>
                     </a:p>
                   </a:txBody>
-                  <a:tcPr/>
+                  <a:tcPr anchor="ctr"/>
                 </a:tc>
                 <a:tc>
                   <a:txBody>
@@ -21581,7 +21653,7 @@
                       <a:endParaRPr lang="zh-CN" altLang="en-US" dirty="0"/>
                     </a:p>
                   </a:txBody>
-                  <a:tcPr/>
+                  <a:tcPr anchor="ctr"/>
                 </a:tc>
               </a:tr>
               <a:tr h="370840">
@@ -21598,7 +21670,7 @@
                       <a:endParaRPr lang="zh-CN" altLang="en-US" dirty="0"/>
                     </a:p>
                   </a:txBody>
-                  <a:tcPr/>
+                  <a:tcPr anchor="ctr"/>
                 </a:tc>
                 <a:tc>
                   <a:txBody>
@@ -21606,10 +21678,14 @@
                     <a:lstStyle/>
                     <a:p>
                       <a:pPr algn="ctr"/>
+                      <a:r>
+                        <a:rPr lang="en-US" altLang="zh-CN" dirty="0" smtClean="0"/>
+                        <a:t>93ms</a:t>
+                      </a:r>
                       <a:endParaRPr lang="zh-CN" altLang="en-US" dirty="0"/>
                     </a:p>
                   </a:txBody>
-                  <a:tcPr/>
+                  <a:tcPr anchor="ctr"/>
                 </a:tc>
                 <a:tc>
                   <a:txBody>
@@ -21617,10 +21693,14 @@
                     <a:lstStyle/>
                     <a:p>
                       <a:pPr algn="ctr"/>
+                      <a:r>
+                        <a:rPr lang="en-US" altLang="zh-CN" dirty="0" smtClean="0"/>
+                        <a:t>368478ms</a:t>
+                      </a:r>
                       <a:endParaRPr lang="zh-CN" altLang="en-US" dirty="0"/>
                     </a:p>
                   </a:txBody>
-                  <a:tcPr/>
+                  <a:tcPr anchor="ctr"/>
                 </a:tc>
                 <a:tc>
                   <a:txBody>
@@ -21628,10 +21708,14 @@
                     <a:lstStyle/>
                     <a:p>
                       <a:pPr algn="ctr"/>
+                      <a:r>
+                        <a:rPr lang="en-US" altLang="zh-CN" dirty="0" smtClean="0"/>
+                        <a:t>57434ms</a:t>
+                      </a:r>
                       <a:endParaRPr lang="zh-CN" altLang="en-US" dirty="0"/>
                     </a:p>
                   </a:txBody>
-                  <a:tcPr/>
+                  <a:tcPr anchor="ctr"/>
                 </a:tc>
               </a:tr>
               <a:tr h="370840">
@@ -21648,7 +21732,7 @@
                       <a:endParaRPr lang="zh-CN" altLang="en-US" dirty="0"/>
                     </a:p>
                   </a:txBody>
-                  <a:tcPr/>
+                  <a:tcPr anchor="ctr"/>
                 </a:tc>
                 <a:tc>
                   <a:txBody>
@@ -21656,10 +21740,14 @@
                     <a:lstStyle/>
                     <a:p>
                       <a:pPr algn="ctr"/>
+                      <a:r>
+                        <a:rPr lang="en-US" altLang="zh-CN" dirty="0" smtClean="0"/>
+                        <a:t>140ms</a:t>
+                      </a:r>
                       <a:endParaRPr lang="zh-CN" altLang="en-US" dirty="0"/>
                     </a:p>
                   </a:txBody>
-                  <a:tcPr/>
+                  <a:tcPr anchor="ctr"/>
                 </a:tc>
                 <a:tc>
                   <a:txBody>
@@ -21667,10 +21755,14 @@
                     <a:lstStyle/>
                     <a:p>
                       <a:pPr algn="ctr"/>
+                      <a:r>
+                        <a:rPr lang="en-US" altLang="zh-CN" dirty="0" smtClean="0"/>
+                        <a:t>125ms</a:t>
+                      </a:r>
                       <a:endParaRPr lang="zh-CN" altLang="en-US" dirty="0"/>
                     </a:p>
                   </a:txBody>
-                  <a:tcPr/>
+                  <a:tcPr anchor="ctr"/>
                 </a:tc>
                 <a:tc>
                   <a:txBody>
@@ -21678,10 +21770,14 @@
                     <a:lstStyle/>
                     <a:p>
                       <a:pPr algn="ctr"/>
+                      <a:r>
+                        <a:rPr lang="en-US" altLang="zh-CN" dirty="0" smtClean="0"/>
+                        <a:t>52803ms</a:t>
+                      </a:r>
                       <a:endParaRPr lang="zh-CN" altLang="en-US" dirty="0"/>
                     </a:p>
                   </a:txBody>
-                  <a:tcPr/>
+                  <a:tcPr anchor="ctr"/>
                 </a:tc>
               </a:tr>
               <a:tr h="370840">
@@ -21698,7 +21794,7 @@
                       <a:endParaRPr lang="zh-CN" altLang="en-US" dirty="0"/>
                     </a:p>
                   </a:txBody>
-                  <a:tcPr/>
+                  <a:tcPr anchor="ctr"/>
                 </a:tc>
                 <a:tc>
                   <a:txBody>
@@ -21706,10 +21802,14 @@
                     <a:lstStyle/>
                     <a:p>
                       <a:pPr algn="ctr"/>
+                      <a:r>
+                        <a:rPr lang="en-US" altLang="zh-CN" dirty="0" smtClean="0"/>
+                        <a:t>91ms</a:t>
+                      </a:r>
                       <a:endParaRPr lang="zh-CN" altLang="en-US" dirty="0"/>
                     </a:p>
                   </a:txBody>
-                  <a:tcPr/>
+                  <a:tcPr anchor="ctr"/>
                 </a:tc>
                 <a:tc>
                   <a:txBody>
@@ -21717,10 +21817,14 @@
                     <a:lstStyle/>
                     <a:p>
                       <a:pPr algn="ctr"/>
+                      <a:r>
+                        <a:rPr lang="en-US" altLang="zh-CN" dirty="0" smtClean="0"/>
+                        <a:t>31ms</a:t>
+                      </a:r>
                       <a:endParaRPr lang="zh-CN" altLang="en-US" dirty="0"/>
                     </a:p>
                   </a:txBody>
-                  <a:tcPr/>
+                  <a:tcPr anchor="ctr"/>
                 </a:tc>
                 <a:tc>
                   <a:txBody>
@@ -21728,10 +21832,14 @@
                     <a:lstStyle/>
                     <a:p>
                       <a:pPr algn="ctr"/>
+                      <a:r>
+                        <a:rPr lang="en-US" altLang="zh-CN" dirty="0" smtClean="0"/>
+                        <a:t>47598ms</a:t>
+                      </a:r>
                       <a:endParaRPr lang="zh-CN" altLang="en-US" dirty="0"/>
                     </a:p>
                   </a:txBody>
-                  <a:tcPr/>
+                  <a:tcPr anchor="ctr"/>
                 </a:tc>
               </a:tr>
               <a:tr h="370840">
@@ -21764,7 +21872,7 @@
                       <a:endParaRPr lang="zh-CN" altLang="en-US" dirty="0"/>
                     </a:p>
                   </a:txBody>
-                  <a:tcPr/>
+                  <a:tcPr anchor="ctr"/>
                 </a:tc>
                 <a:tc>
                   <a:txBody>
@@ -21772,10 +21880,14 @@
                     <a:lstStyle/>
                     <a:p>
                       <a:pPr algn="ctr"/>
+                      <a:r>
+                        <a:rPr lang="en-US" altLang="zh-CN" dirty="0" smtClean="0"/>
+                        <a:t>90ms</a:t>
+                      </a:r>
                       <a:endParaRPr lang="zh-CN" altLang="en-US" dirty="0"/>
                     </a:p>
                   </a:txBody>
-                  <a:tcPr/>
+                  <a:tcPr anchor="ctr"/>
                 </a:tc>
                 <a:tc>
                   <a:txBody>
@@ -21783,10 +21895,14 @@
                     <a:lstStyle/>
                     <a:p>
                       <a:pPr algn="ctr"/>
+                      <a:r>
+                        <a:rPr lang="en-US" altLang="zh-CN" dirty="0" smtClean="0"/>
+                        <a:t>26ms</a:t>
+                      </a:r>
                       <a:endParaRPr lang="zh-CN" altLang="en-US" dirty="0"/>
                     </a:p>
                   </a:txBody>
-                  <a:tcPr/>
+                  <a:tcPr anchor="ctr"/>
                 </a:tc>
                 <a:tc>
                   <a:txBody>
@@ -21794,10 +21910,14 @@
                     <a:lstStyle/>
                     <a:p>
                       <a:pPr algn="ctr"/>
+                      <a:r>
+                        <a:rPr lang="en-US" altLang="zh-CN" dirty="0" smtClean="0"/>
+                        <a:t>48755ms</a:t>
+                      </a:r>
                       <a:endParaRPr lang="zh-CN" altLang="en-US" dirty="0"/>
                     </a:p>
                   </a:txBody>
-                  <a:tcPr/>
+                  <a:tcPr anchor="ctr"/>
                 </a:tc>
               </a:tr>
               <a:tr h="370840">
@@ -21858,7 +21978,7 @@
                       <a:endParaRPr lang="zh-CN" altLang="en-US" dirty="0"/>
                     </a:p>
                   </a:txBody>
-                  <a:tcPr/>
+                  <a:tcPr anchor="ctr"/>
                 </a:tc>
                 <a:tc>
                   <a:txBody>
@@ -21866,10 +21986,14 @@
                     <a:lstStyle/>
                     <a:p>
                       <a:pPr algn="ctr"/>
+                      <a:r>
+                        <a:rPr lang="en-US" altLang="zh-CN" dirty="0" smtClean="0"/>
+                        <a:t>82ms</a:t>
+                      </a:r>
                       <a:endParaRPr lang="zh-CN" altLang="en-US" dirty="0"/>
                     </a:p>
                   </a:txBody>
-                  <a:tcPr/>
+                  <a:tcPr anchor="ctr"/>
                 </a:tc>
                 <a:tc>
                   <a:txBody>
@@ -21877,10 +22001,14 @@
                     <a:lstStyle/>
                     <a:p>
                       <a:pPr algn="ctr"/>
+                      <a:r>
+                        <a:rPr lang="en-US" altLang="zh-CN" dirty="0" smtClean="0"/>
+                        <a:t>20ms</a:t>
+                      </a:r>
                       <a:endParaRPr lang="zh-CN" altLang="en-US" dirty="0"/>
                     </a:p>
                   </a:txBody>
-                  <a:tcPr/>
+                  <a:tcPr anchor="ctr"/>
                 </a:tc>
                 <a:tc>
                   <a:txBody>
@@ -21888,10 +22016,76 @@
                     <a:lstStyle/>
                     <a:p>
                       <a:pPr algn="ctr"/>
+                      <a:r>
+                        <a:rPr lang="en-US" altLang="zh-CN" dirty="0" smtClean="0"/>
+                        <a:t>8ms</a:t>
+                      </a:r>
                       <a:endParaRPr lang="zh-CN" altLang="en-US" dirty="0"/>
                     </a:p>
                   </a:txBody>
-                  <a:tcPr/>
+                  <a:tcPr anchor="ctr"/>
+                </a:tc>
+              </a:tr>
+              <a:tr h="370840">
+                <a:tc>
+                  <a:txBody>
+                    <a:bodyPr/>
+                    <a:lstStyle/>
+                    <a:p>
+                      <a:pPr algn="ctr"/>
+                      <a:r>
+                        <a:rPr lang="en-US" altLang="zh-CN" dirty="0" smtClean="0"/>
+                        <a:t>STL-sort()</a:t>
+                      </a:r>
+                      <a:endParaRPr lang="zh-CN" altLang="en-US" dirty="0"/>
+                    </a:p>
+                  </a:txBody>
+                  <a:tcPr anchor="ctr"/>
+                </a:tc>
+                <a:tc>
+                  <a:txBody>
+                    <a:bodyPr/>
+                    <a:lstStyle/>
+                    <a:p>
+                      <a:pPr algn="ctr"/>
+                      <a:r>
+                        <a:rPr lang="en-US" altLang="zh-CN" dirty="0" smtClean="0"/>
+                        <a:t>82ms</a:t>
+                      </a:r>
+                      <a:endParaRPr lang="zh-CN" altLang="en-US" dirty="0"/>
+                    </a:p>
+                  </a:txBody>
+                  <a:tcPr anchor="ctr"/>
+                </a:tc>
+                <a:tc>
+                  <a:txBody>
+                    <a:bodyPr/>
+                    <a:lstStyle/>
+                    <a:p>
+                      <a:pPr algn="ctr"/>
+                      <a:r>
+                        <a:rPr lang="en-US" altLang="zh-CN" dirty="0" smtClean="0"/>
+                        <a:t>13ms</a:t>
+                      </a:r>
+                      <a:endParaRPr lang="zh-CN" altLang="en-US" dirty="0"/>
+                    </a:p>
+                  </a:txBody>
+                  <a:tcPr anchor="ctr"/>
+                </a:tc>
+                <a:tc>
+                  <a:txBody>
+                    <a:bodyPr/>
+                    <a:lstStyle/>
+                    <a:p>
+                      <a:pPr algn="ctr"/>
+                      <a:r>
+                        <a:rPr lang="en-US" altLang="zh-CN" dirty="0" smtClean="0"/>
+                        <a:t>13ms</a:t>
+                      </a:r>
+                      <a:endParaRPr lang="zh-CN" altLang="en-US" dirty="0"/>
+                    </a:p>
+                  </a:txBody>
+                  <a:tcPr anchor="ctr"/>
                 </a:tc>
               </a:tr>
             </a:tbl>
@@ -23296,7 +23490,6 @@
               <a:rPr lang="en-US" altLang="zh-CN" sz="2000" dirty="0"/>
               <a:t>	}</a:t>
             </a:r>
-            <a:endParaRPr lang="en-US" altLang="zh-CN" sz="2000" dirty="0"/>
           </a:p>
         </p:txBody>
       </p:sp>
@@ -23448,13 +23641,13 @@
   <p:clrMapOvr>
     <a:masterClrMapping/>
   </p:clrMapOvr>
-  <mc:AlternateContent xmlns:mc="http://schemas.openxmlformats.org/markup-compatibility/2006">
-    <mc:Choice xmlns:p15="http://schemas.microsoft.com/office/powerpoint/2012/main" Requires="p15">
+  <mc:AlternateContent xmlns:mc="http://schemas.openxmlformats.org/markup-compatibility/2006" xmlns:p15="http://schemas.microsoft.com/office/powerpoint/2012/main">
+    <mc:Choice Requires="p15">
       <p:transition xmlns:p14="http://schemas.microsoft.com/office/powerpoint/2010/main" spd="slow" p14:dur="2000">
         <p15:prstTrans prst="fracture"/>
       </p:transition>
     </mc:Choice>
-    <mc:Fallback>
+    <mc:Fallback xmlns="">
       <p:transition spd="slow">
         <p:fade/>
       </p:transition>

--- a/快排+优化.pptx
+++ b/快排+优化.pptx
@@ -5,7 +5,7 @@
     <p:sldMasterId id="2147483660" r:id="rId1"/>
   </p:sldMasterIdLst>
   <p:notesMasterIdLst>
-    <p:notesMasterId r:id="rId11"/>
+    <p:notesMasterId r:id="rId12"/>
   </p:notesMasterIdLst>
   <p:sldIdLst>
     <p:sldId id="256" r:id="rId2"/>
@@ -17,6 +17,7 @@
     <p:sldId id="264" r:id="rId8"/>
     <p:sldId id="261" r:id="rId9"/>
     <p:sldId id="265" r:id="rId10"/>
+    <p:sldId id="267" r:id="rId11"/>
   </p:sldIdLst>
   <p:sldSz cx="9144000" cy="6858000" type="screen4x3"/>
   <p:notesSz cx="6858000" cy="9144000"/>
@@ -118,12 +119,12 @@
   <p:extLst>
     <p:ext uri="{EFAFB233-063F-42B5-8137-9DF3F51BA10A}">
       <p15:sldGuideLst xmlns:p15="http://schemas.microsoft.com/office/powerpoint/2012/main">
-        <p15:guide id="1" orient="horz" pos="1865" userDrawn="1">
+        <p15:guide id="1" orient="horz" pos="1888" userDrawn="1">
           <p15:clr>
             <a:srgbClr val="A4A3A4"/>
           </p15:clr>
         </p15:guide>
-        <p15:guide id="2" pos="1224" userDrawn="1">
+        <p15:guide id="2" pos="2880" userDrawn="1">
           <p15:clr>
             <a:srgbClr val="A4A3A4"/>
           </p15:clr>
@@ -3913,6 +3914,43 @@
     <p:extLst>
       <p:ext uri="{BB962C8B-B14F-4D97-AF65-F5344CB8AC3E}">
         <p14:creationId xmlns:p14="http://schemas.microsoft.com/office/powerpoint/2010/main" val="2220470473"/>
+      </p:ext>
+    </p:extLst>
+  </p:cSld>
+  <p:clrMapOvr>
+    <a:masterClrMapping/>
+  </p:clrMapOvr>
+  <p:timing>
+    <p:tnLst>
+      <p:par>
+        <p:cTn id="1" dur="indefinite" restart="never" nodeType="tmRoot"/>
+      </p:par>
+    </p:tnLst>
+  </p:timing>
+</p:sld>
+</file>
+
+<file path=ppt/slides/slide10.xml><?xml version="1.0" encoding="utf-8"?>
+<p:sld xmlns:a="http://schemas.openxmlformats.org/drawingml/2006/main" xmlns:r="http://schemas.openxmlformats.org/officeDocument/2006/relationships" xmlns:p="http://schemas.openxmlformats.org/presentationml/2006/main">
+  <p:cSld>
+    <p:spTree>
+      <p:nvGrpSpPr>
+        <p:cNvPr id="1" name=""/>
+        <p:cNvGrpSpPr/>
+        <p:nvPr/>
+      </p:nvGrpSpPr>
+      <p:grpSpPr>
+        <a:xfrm>
+          <a:off x="0" y="0"/>
+          <a:ext cx="0" cy="0"/>
+          <a:chOff x="0" y="0"/>
+          <a:chExt cx="0" cy="0"/>
+        </a:xfrm>
+      </p:grpSpPr>
+    </p:spTree>
+    <p:extLst>
+      <p:ext uri="{BB962C8B-B14F-4D97-AF65-F5344CB8AC3E}">
+        <p14:creationId xmlns:p14="http://schemas.microsoft.com/office/powerpoint/2010/main" val="46095192"/>
       </p:ext>
     </p:extLst>
   </p:cSld>
@@ -5032,7 +5070,7 @@
           <p:nvPr>
             <p:extLst>
               <p:ext uri="{D42A27DB-BD31-4B8C-83A1-F6EECF244321}">
-                <p14:modId xmlns:p14="http://schemas.microsoft.com/office/powerpoint/2010/main" val="3982455374"/>
+                <p14:modId xmlns:p14="http://schemas.microsoft.com/office/powerpoint/2010/main" val="1177170080"/>
               </p:ext>
             </p:extLst>
           </p:nvPr>
@@ -7178,6 +7216,89 @@
           </a:p>
         </p:txBody>
       </p:sp>
+      <p:sp>
+        <p:nvSpPr>
+          <p:cNvPr id="5" name="文本框 4"/>
+          <p:cNvSpPr txBox="1"/>
+          <p:nvPr/>
+        </p:nvSpPr>
+        <p:spPr>
+          <a:xfrm>
+            <a:off x="602166" y="5859468"/>
+            <a:ext cx="3481461" cy="954107"/>
+          </a:xfrm>
+          <a:prstGeom prst="rect">
+            <a:avLst/>
+          </a:prstGeom>
+          <a:noFill/>
+        </p:spPr>
+        <p:txBody>
+          <a:bodyPr wrap="square" rtlCol="0">
+            <a:spAutoFit/>
+          </a:bodyPr>
+          <a:lstStyle/>
+          <a:p>
+            <a:r>
+              <a:rPr lang="zh-CN" altLang="en-US" sz="1400" dirty="0" smtClean="0">
+                <a:solidFill>
+                  <a:srgbClr val="FF0000"/>
+                </a:solidFill>
+              </a:rPr>
+              <a:t>注</a:t>
+            </a:r>
+            <a:r>
+              <a:rPr lang="zh-CN" altLang="en-US" sz="1400" dirty="0" smtClean="0"/>
+              <a:t>：测试数组元素个数为一百万</a:t>
+            </a:r>
+            <a:endParaRPr lang="en-US" altLang="zh-CN" sz="1400" dirty="0" smtClean="0"/>
+          </a:p>
+          <a:p>
+            <a:r>
+              <a:rPr lang="zh-CN" altLang="en-US" sz="1400" dirty="0"/>
+              <a:t>随</a:t>
+            </a:r>
+            <a:r>
+              <a:rPr lang="zh-CN" altLang="en-US" sz="1400" dirty="0" smtClean="0"/>
+              <a:t>机数组为</a:t>
+            </a:r>
+            <a:r>
+              <a:rPr lang="en-US" altLang="zh-CN" sz="1400" dirty="0" smtClean="0"/>
+              <a:t>rand()</a:t>
+            </a:r>
+            <a:r>
+              <a:rPr lang="zh-CN" altLang="en-US" sz="1400" dirty="0" smtClean="0"/>
+              <a:t>随机生成</a:t>
+            </a:r>
+            <a:endParaRPr lang="en-US" altLang="zh-CN" sz="1400" dirty="0" smtClean="0"/>
+          </a:p>
+          <a:p>
+            <a:r>
+              <a:rPr lang="zh-CN" altLang="en-US" sz="1400" dirty="0" smtClean="0"/>
+              <a:t>升序数组为随机数组排序后得到数组</a:t>
+            </a:r>
+            <a:endParaRPr lang="en-US" altLang="zh-CN" sz="1400" dirty="0" smtClean="0"/>
+          </a:p>
+          <a:p>
+            <a:r>
+              <a:rPr lang="zh-CN" altLang="en-US" sz="1400" dirty="0"/>
+              <a:t>重</a:t>
+            </a:r>
+            <a:r>
+              <a:rPr lang="zh-CN" altLang="en-US" sz="1400" dirty="0" smtClean="0"/>
+              <a:t>复数组为“</a:t>
+            </a:r>
+            <a:r>
+              <a:rPr lang="en-US" altLang="zh-CN" sz="1400" dirty="0" smtClean="0"/>
+              <a:t>5 7 6 8 4 6 1 </a:t>
+            </a:r>
+            <a:r>
+              <a:rPr lang="zh-CN" altLang="en-US" sz="1400" dirty="0" smtClean="0"/>
+              <a:t>”重复出现</a:t>
+            </a:r>
+            <a:endParaRPr lang="zh-CN" altLang="en-US" sz="1400" dirty="0"/>
+          </a:p>
+        </p:txBody>
+      </p:sp>
     </p:spTree>
     <p:extLst>
       <p:ext uri="{BB962C8B-B14F-4D97-AF65-F5344CB8AC3E}">
@@ -8834,79 +8955,21 @@
                                   </p:childTnLst>
                                 </p:cTn>
                               </p:par>
-                            </p:childTnLst>
-                          </p:cTn>
-                        </p:par>
-                      </p:childTnLst>
-                    </p:cTn>
-                  </p:par>
-                  <p:par>
-                    <p:cTn id="131" fill="hold">
-                      <p:stCondLst>
-                        <p:cond delay="indefinite"/>
-                      </p:stCondLst>
-                      <p:childTnLst>
-                        <p:par>
-                          <p:cTn id="132" fill="hold">
-                            <p:stCondLst>
-                              <p:cond delay="0"/>
-                            </p:stCondLst>
-                            <p:childTnLst>
                               <p:par>
-                                <p:cTn id="133" presetID="64" presetClass="path" presetSubtype="0" accel="50000" decel="50000" fill="hold" nodeType="clickEffect">
-                                  <p:stCondLst>
-                                    <p:cond delay="0"/>
-                                  </p:stCondLst>
-                                  <p:childTnLst>
-                                    <p:animMotion origin="layout" path="M 4.16667E-6 -1.48148E-6 L -0.00643 -0.21389 " pathEditMode="relative" rAng="0" ptsTypes="AA">
-                                      <p:cBhvr>
-                                        <p:cTn id="134" dur="1000" fill="hold"/>
-                                        <p:tgtEl>
-                                          <p:spTgt spid="3"/>
-                                        </p:tgtEl>
-                                        <p:attrNameLst>
-                                          <p:attrName>ppt_x</p:attrName>
-                                          <p:attrName>ppt_y</p:attrName>
-                                        </p:attrNameLst>
-                                      </p:cBhvr>
-                                      <p:rCtr x="-330" y="-10694"/>
-                                    </p:animMotion>
-                                  </p:childTnLst>
-                                </p:cTn>
-                              </p:par>
-                            </p:childTnLst>
-                          </p:cTn>
-                        </p:par>
-                      </p:childTnLst>
-                    </p:cTn>
-                  </p:par>
-                  <p:par>
-                    <p:cTn id="135" fill="hold">
-                      <p:stCondLst>
-                        <p:cond delay="indefinite"/>
-                      </p:stCondLst>
-                      <p:childTnLst>
-                        <p:par>
-                          <p:cTn id="136" fill="hold">
-                            <p:stCondLst>
-                              <p:cond delay="0"/>
-                            </p:stCondLst>
-                            <p:childTnLst>
-                              <p:par>
-                                <p:cTn id="137" presetID="10" presetClass="entr" presetSubtype="0" fill="hold" nodeType="clickEffect">
+                                <p:cTn id="131" presetID="10" presetClass="entr" presetSubtype="0" fill="hold" grpId="0" nodeType="withEffect">
                                   <p:stCondLst>
                                     <p:cond delay="0"/>
                                   </p:stCondLst>
                                   <p:childTnLst>
                                     <p:set>
                                       <p:cBhvr>
-                                        <p:cTn id="138" dur="1" fill="hold">
+                                        <p:cTn id="132" dur="1" fill="hold">
                                           <p:stCondLst>
                                             <p:cond delay="0"/>
                                           </p:stCondLst>
                                         </p:cTn>
                                         <p:tgtEl>
-                                          <p:spTgt spid="38"/>
+                                          <p:spTgt spid="5"/>
                                         </p:tgtEl>
                                         <p:attrNameLst>
                                           <p:attrName>style.visibility</p:attrName>
@@ -8918,9 +8981,9 @@
                                     </p:set>
                                     <p:animEffect transition="in" filter="fade">
                                       <p:cBhvr>
-                                        <p:cTn id="139" dur="500"/>
-                                        <p:tgtEl>
-                                          <p:spTgt spid="38"/>
+                                        <p:cTn id="133" dur="500"/>
+                                        <p:tgtEl>
+                                          <p:spTgt spid="5"/>
                                         </p:tgtEl>
                                       </p:cBhvr>
                                     </p:animEffect>
@@ -8934,32 +8997,107 @@
                     </p:cTn>
                   </p:par>
                   <p:par>
-                    <p:cTn id="140" fill="hold">
+                    <p:cTn id="134" fill="hold">
                       <p:stCondLst>
                         <p:cond delay="indefinite"/>
                       </p:stCondLst>
                       <p:childTnLst>
                         <p:par>
-                          <p:cTn id="141" fill="hold">
+                          <p:cTn id="135" fill="hold">
                             <p:stCondLst>
                               <p:cond delay="0"/>
                             </p:stCondLst>
                             <p:childTnLst>
                               <p:par>
-                                <p:cTn id="142" presetID="21" presetClass="entr" presetSubtype="1" fill="hold" grpId="0" nodeType="clickEffect">
+                                <p:cTn id="136" presetID="64" presetClass="path" presetSubtype="0" accel="50000" decel="50000" fill="hold" nodeType="clickEffect">
+                                  <p:stCondLst>
+                                    <p:cond delay="0"/>
+                                  </p:stCondLst>
+                                  <p:childTnLst>
+                                    <p:animMotion origin="layout" path="M 4.16667E-6 -1.48148E-6 L -0.00643 -0.21389 " pathEditMode="relative" rAng="0" ptsTypes="AA">
+                                      <p:cBhvr>
+                                        <p:cTn id="137" dur="1000" fill="hold"/>
+                                        <p:tgtEl>
+                                          <p:spTgt spid="3"/>
+                                        </p:tgtEl>
+                                        <p:attrNameLst>
+                                          <p:attrName>ppt_x</p:attrName>
+                                          <p:attrName>ppt_y</p:attrName>
+                                        </p:attrNameLst>
+                                      </p:cBhvr>
+                                      <p:rCtr x="-330" y="-10694"/>
+                                    </p:animMotion>
+                                  </p:childTnLst>
+                                </p:cTn>
+                              </p:par>
+                              <p:par>
+                                <p:cTn id="138" presetID="10" presetClass="exit" presetSubtype="0" fill="hold" grpId="1" nodeType="withEffect">
+                                  <p:stCondLst>
+                                    <p:cond delay="0"/>
+                                  </p:stCondLst>
+                                  <p:childTnLst>
+                                    <p:animEffect transition="out" filter="fade">
+                                      <p:cBhvr>
+                                        <p:cTn id="139" dur="500"/>
+                                        <p:tgtEl>
+                                          <p:spTgt spid="5"/>
+                                        </p:tgtEl>
+                                      </p:cBhvr>
+                                    </p:animEffect>
+                                    <p:set>
+                                      <p:cBhvr>
+                                        <p:cTn id="140" dur="1" fill="hold">
+                                          <p:stCondLst>
+                                            <p:cond delay="499"/>
+                                          </p:stCondLst>
+                                        </p:cTn>
+                                        <p:tgtEl>
+                                          <p:spTgt spid="5"/>
+                                        </p:tgtEl>
+                                        <p:attrNameLst>
+                                          <p:attrName>style.visibility</p:attrName>
+                                        </p:attrNameLst>
+                                      </p:cBhvr>
+                                      <p:to>
+                                        <p:strVal val="hidden"/>
+                                      </p:to>
+                                    </p:set>
+                                  </p:childTnLst>
+                                </p:cTn>
+                              </p:par>
+                            </p:childTnLst>
+                          </p:cTn>
+                        </p:par>
+                      </p:childTnLst>
+                    </p:cTn>
+                  </p:par>
+                  <p:par>
+                    <p:cTn id="141" fill="hold">
+                      <p:stCondLst>
+                        <p:cond delay="indefinite"/>
+                      </p:stCondLst>
+                      <p:childTnLst>
+                        <p:par>
+                          <p:cTn id="142" fill="hold">
+                            <p:stCondLst>
+                              <p:cond delay="0"/>
+                            </p:stCondLst>
+                            <p:childTnLst>
+                              <p:par>
+                                <p:cTn id="143" presetID="10" presetClass="entr" presetSubtype="0" fill="hold" nodeType="clickEffect">
                                   <p:stCondLst>
                                     <p:cond delay="0"/>
                                   </p:stCondLst>
                                   <p:childTnLst>
                                     <p:set>
                                       <p:cBhvr>
-                                        <p:cTn id="143" dur="1" fill="hold">
+                                        <p:cTn id="144" dur="1" fill="hold">
                                           <p:stCondLst>
                                             <p:cond delay="0"/>
                                           </p:stCondLst>
                                         </p:cTn>
                                         <p:tgtEl>
-                                          <p:spTgt spid="19"/>
+                                          <p:spTgt spid="38"/>
                                         </p:tgtEl>
                                         <p:attrNameLst>
                                           <p:attrName>style.visibility</p:attrName>
@@ -8969,11 +9107,11 @@
                                         <p:strVal val="visible"/>
                                       </p:to>
                                     </p:set>
-                                    <p:animEffect transition="in" filter="wheel(1)">
-                                      <p:cBhvr>
-                                        <p:cTn id="144" dur="750"/>
-                                        <p:tgtEl>
-                                          <p:spTgt spid="19"/>
+                                    <p:animEffect transition="in" filter="fade">
+                                      <p:cBhvr>
+                                        <p:cTn id="145" dur="500"/>
+                                        <p:tgtEl>
+                                          <p:spTgt spid="38"/>
                                         </p:tgtEl>
                                       </p:cBhvr>
                                     </p:animEffect>
@@ -8987,32 +9125,32 @@
                     </p:cTn>
                   </p:par>
                   <p:par>
-                    <p:cTn id="145" fill="hold">
+                    <p:cTn id="146" fill="hold">
                       <p:stCondLst>
                         <p:cond delay="indefinite"/>
                       </p:stCondLst>
                       <p:childTnLst>
                         <p:par>
-                          <p:cTn id="146" fill="hold">
+                          <p:cTn id="147" fill="hold">
                             <p:stCondLst>
                               <p:cond delay="0"/>
                             </p:stCondLst>
                             <p:childTnLst>
                               <p:par>
-                                <p:cTn id="147" presetID="10" presetClass="entr" presetSubtype="0" fill="hold" nodeType="clickEffect">
+                                <p:cTn id="148" presetID="21" presetClass="entr" presetSubtype="1" fill="hold" grpId="0" nodeType="clickEffect">
                                   <p:stCondLst>
                                     <p:cond delay="0"/>
                                   </p:stCondLst>
                                   <p:childTnLst>
                                     <p:set>
                                       <p:cBhvr>
-                                        <p:cTn id="148" dur="1" fill="hold">
+                                        <p:cTn id="149" dur="1" fill="hold">
                                           <p:stCondLst>
                                             <p:cond delay="0"/>
                                           </p:stCondLst>
                                         </p:cTn>
                                         <p:tgtEl>
-                                          <p:spTgt spid="59"/>
+                                          <p:spTgt spid="19"/>
                                         </p:tgtEl>
                                         <p:attrNameLst>
                                           <p:attrName>style.visibility</p:attrName>
@@ -9022,11 +9160,11 @@
                                         <p:strVal val="visible"/>
                                       </p:to>
                                     </p:set>
-                                    <p:animEffect transition="in" filter="fade">
-                                      <p:cBhvr>
-                                        <p:cTn id="149" dur="500"/>
-                                        <p:tgtEl>
-                                          <p:spTgt spid="59"/>
+                                    <p:animEffect transition="in" filter="wheel(1)">
+                                      <p:cBhvr>
+                                        <p:cTn id="150" dur="750"/>
+                                        <p:tgtEl>
+                                          <p:spTgt spid="19"/>
                                         </p:tgtEl>
                                       </p:cBhvr>
                                     </p:animEffect>
@@ -9040,32 +9178,32 @@
                     </p:cTn>
                   </p:par>
                   <p:par>
-                    <p:cTn id="150" fill="hold">
+                    <p:cTn id="151" fill="hold">
                       <p:stCondLst>
                         <p:cond delay="indefinite"/>
                       </p:stCondLst>
                       <p:childTnLst>
                         <p:par>
-                          <p:cTn id="151" fill="hold">
+                          <p:cTn id="152" fill="hold">
                             <p:stCondLst>
                               <p:cond delay="0"/>
                             </p:stCondLst>
                             <p:childTnLst>
                               <p:par>
-                                <p:cTn id="152" presetID="21" presetClass="entr" presetSubtype="1" fill="hold" grpId="0" nodeType="clickEffect">
+                                <p:cTn id="153" presetID="10" presetClass="entr" presetSubtype="0" fill="hold" nodeType="clickEffect">
                                   <p:stCondLst>
                                     <p:cond delay="0"/>
                                   </p:stCondLst>
                                   <p:childTnLst>
                                     <p:set>
                                       <p:cBhvr>
-                                        <p:cTn id="153" dur="1" fill="hold">
+                                        <p:cTn id="154" dur="1" fill="hold">
                                           <p:stCondLst>
                                             <p:cond delay="0"/>
                                           </p:stCondLst>
                                         </p:cTn>
                                         <p:tgtEl>
-                                          <p:spTgt spid="101"/>
+                                          <p:spTgt spid="59"/>
                                         </p:tgtEl>
                                         <p:attrNameLst>
                                           <p:attrName>style.visibility</p:attrName>
@@ -9075,11 +9213,11 @@
                                         <p:strVal val="visible"/>
                                       </p:to>
                                     </p:set>
-                                    <p:animEffect transition="in" filter="wheel(1)">
-                                      <p:cBhvr>
-                                        <p:cTn id="154" dur="750"/>
-                                        <p:tgtEl>
-                                          <p:spTgt spid="101"/>
+                                    <p:animEffect transition="in" filter="fade">
+                                      <p:cBhvr>
+                                        <p:cTn id="155" dur="500"/>
+                                        <p:tgtEl>
+                                          <p:spTgt spid="59"/>
                                         </p:tgtEl>
                                       </p:cBhvr>
                                     </p:animEffect>
@@ -9093,32 +9231,32 @@
                     </p:cTn>
                   </p:par>
                   <p:par>
-                    <p:cTn id="155" fill="hold">
+                    <p:cTn id="156" fill="hold">
                       <p:stCondLst>
                         <p:cond delay="indefinite"/>
                       </p:stCondLst>
                       <p:childTnLst>
                         <p:par>
-                          <p:cTn id="156" fill="hold">
+                          <p:cTn id="157" fill="hold">
                             <p:stCondLst>
                               <p:cond delay="0"/>
                             </p:stCondLst>
                             <p:childTnLst>
                               <p:par>
-                                <p:cTn id="157" presetID="10" presetClass="entr" presetSubtype="0" fill="hold" nodeType="clickEffect">
+                                <p:cTn id="158" presetID="21" presetClass="entr" presetSubtype="1" fill="hold" grpId="0" nodeType="clickEffect">
                                   <p:stCondLst>
                                     <p:cond delay="0"/>
                                   </p:stCondLst>
                                   <p:childTnLst>
                                     <p:set>
                                       <p:cBhvr>
-                                        <p:cTn id="158" dur="1" fill="hold">
+                                        <p:cTn id="159" dur="1" fill="hold">
                                           <p:stCondLst>
                                             <p:cond delay="0"/>
                                           </p:stCondLst>
                                         </p:cTn>
                                         <p:tgtEl>
-                                          <p:spTgt spid="69"/>
+                                          <p:spTgt spid="101"/>
                                         </p:tgtEl>
                                         <p:attrNameLst>
                                           <p:attrName>style.visibility</p:attrName>
@@ -9128,99 +9266,11 @@
                                         <p:strVal val="visible"/>
                                       </p:to>
                                     </p:set>
-                                    <p:animEffect transition="in" filter="fade">
-                                      <p:cBhvr>
-                                        <p:cTn id="159" dur="500"/>
-                                        <p:tgtEl>
-                                          <p:spTgt spid="69"/>
-                                        </p:tgtEl>
-                                      </p:cBhvr>
-                                    </p:animEffect>
-                                  </p:childTnLst>
-                                </p:cTn>
-                              </p:par>
-                            </p:childTnLst>
-                          </p:cTn>
-                        </p:par>
-                        <p:par>
-                          <p:cTn id="160" fill="hold">
-                            <p:stCondLst>
-                              <p:cond delay="500"/>
-                            </p:stCondLst>
-                            <p:childTnLst>
-                              <p:par>
-                                <p:cTn id="161" presetID="10" presetClass="entr" presetSubtype="0" fill="hold" nodeType="afterEffect">
-                                  <p:stCondLst>
-                                    <p:cond delay="0"/>
-                                  </p:stCondLst>
-                                  <p:childTnLst>
-                                    <p:set>
-                                      <p:cBhvr>
-                                        <p:cTn id="162" dur="1" fill="hold">
-                                          <p:stCondLst>
-                                            <p:cond delay="0"/>
-                                          </p:stCondLst>
-                                        </p:cTn>
-                                        <p:tgtEl>
-                                          <p:spTgt spid="78"/>
-                                        </p:tgtEl>
-                                        <p:attrNameLst>
-                                          <p:attrName>style.visibility</p:attrName>
-                                        </p:attrNameLst>
-                                      </p:cBhvr>
-                                      <p:to>
-                                        <p:strVal val="visible"/>
-                                      </p:to>
-                                    </p:set>
-                                    <p:animEffect transition="in" filter="fade">
-                                      <p:cBhvr>
-                                        <p:cTn id="163" dur="500"/>
-                                        <p:tgtEl>
-                                          <p:spTgt spid="78"/>
-                                        </p:tgtEl>
-                                      </p:cBhvr>
-                                    </p:animEffect>
-                                  </p:childTnLst>
-                                </p:cTn>
-                              </p:par>
-                            </p:childTnLst>
-                          </p:cTn>
-                        </p:par>
-                        <p:par>
-                          <p:cTn id="164" fill="hold">
-                            <p:stCondLst>
-                              <p:cond delay="1000"/>
-                            </p:stCondLst>
-                            <p:childTnLst>
-                              <p:par>
-                                <p:cTn id="165" presetID="3" presetClass="entr" presetSubtype="10" fill="hold" grpId="0" nodeType="afterEffect">
-                                  <p:stCondLst>
-                                    <p:cond delay="0"/>
-                                  </p:stCondLst>
-                                  <p:childTnLst>
-                                    <p:set>
-                                      <p:cBhvr>
-                                        <p:cTn id="166" dur="1" fill="hold">
-                                          <p:stCondLst>
-                                            <p:cond delay="0"/>
-                                          </p:stCondLst>
-                                        </p:cTn>
-                                        <p:tgtEl>
-                                          <p:spTgt spid="99"/>
-                                        </p:tgtEl>
-                                        <p:attrNameLst>
-                                          <p:attrName>style.visibility</p:attrName>
-                                        </p:attrNameLst>
-                                      </p:cBhvr>
-                                      <p:to>
-                                        <p:strVal val="visible"/>
-                                      </p:to>
-                                    </p:set>
-                                    <p:animEffect transition="in" filter="blinds(horizontal)">
-                                      <p:cBhvr>
-                                        <p:cTn id="167" dur="500"/>
-                                        <p:tgtEl>
-                                          <p:spTgt spid="99"/>
+                                    <p:animEffect transition="in" filter="wheel(1)">
+                                      <p:cBhvr>
+                                        <p:cTn id="160" dur="750"/>
+                                        <p:tgtEl>
+                                          <p:spTgt spid="101"/>
                                         </p:tgtEl>
                                       </p:cBhvr>
                                     </p:animEffect>
@@ -9234,26 +9284,167 @@
                     </p:cTn>
                   </p:par>
                   <p:par>
-                    <p:cTn id="168" fill="hold">
+                    <p:cTn id="161" fill="hold">
                       <p:stCondLst>
                         <p:cond delay="indefinite"/>
                       </p:stCondLst>
                       <p:childTnLst>
                         <p:par>
-                          <p:cTn id="169" fill="hold">
+                          <p:cTn id="162" fill="hold">
                             <p:stCondLst>
                               <p:cond delay="0"/>
                             </p:stCondLst>
                             <p:childTnLst>
                               <p:par>
-                                <p:cTn id="170" presetID="23" presetClass="entr" presetSubtype="32" fill="hold" grpId="0" nodeType="clickEffect">
+                                <p:cTn id="163" presetID="10" presetClass="entr" presetSubtype="0" fill="hold" nodeType="clickEffect">
                                   <p:stCondLst>
                                     <p:cond delay="0"/>
                                   </p:stCondLst>
                                   <p:childTnLst>
                                     <p:set>
                                       <p:cBhvr>
-                                        <p:cTn id="171" dur="1" fill="hold">
+                                        <p:cTn id="164" dur="1" fill="hold">
+                                          <p:stCondLst>
+                                            <p:cond delay="0"/>
+                                          </p:stCondLst>
+                                        </p:cTn>
+                                        <p:tgtEl>
+                                          <p:spTgt spid="69"/>
+                                        </p:tgtEl>
+                                        <p:attrNameLst>
+                                          <p:attrName>style.visibility</p:attrName>
+                                        </p:attrNameLst>
+                                      </p:cBhvr>
+                                      <p:to>
+                                        <p:strVal val="visible"/>
+                                      </p:to>
+                                    </p:set>
+                                    <p:animEffect transition="in" filter="fade">
+                                      <p:cBhvr>
+                                        <p:cTn id="165" dur="500"/>
+                                        <p:tgtEl>
+                                          <p:spTgt spid="69"/>
+                                        </p:tgtEl>
+                                      </p:cBhvr>
+                                    </p:animEffect>
+                                  </p:childTnLst>
+                                </p:cTn>
+                              </p:par>
+                            </p:childTnLst>
+                          </p:cTn>
+                        </p:par>
+                        <p:par>
+                          <p:cTn id="166" fill="hold">
+                            <p:stCondLst>
+                              <p:cond delay="500"/>
+                            </p:stCondLst>
+                            <p:childTnLst>
+                              <p:par>
+                                <p:cTn id="167" presetID="10" presetClass="entr" presetSubtype="0" fill="hold" nodeType="afterEffect">
+                                  <p:stCondLst>
+                                    <p:cond delay="0"/>
+                                  </p:stCondLst>
+                                  <p:childTnLst>
+                                    <p:set>
+                                      <p:cBhvr>
+                                        <p:cTn id="168" dur="1" fill="hold">
+                                          <p:stCondLst>
+                                            <p:cond delay="0"/>
+                                          </p:stCondLst>
+                                        </p:cTn>
+                                        <p:tgtEl>
+                                          <p:spTgt spid="78"/>
+                                        </p:tgtEl>
+                                        <p:attrNameLst>
+                                          <p:attrName>style.visibility</p:attrName>
+                                        </p:attrNameLst>
+                                      </p:cBhvr>
+                                      <p:to>
+                                        <p:strVal val="visible"/>
+                                      </p:to>
+                                    </p:set>
+                                    <p:animEffect transition="in" filter="fade">
+                                      <p:cBhvr>
+                                        <p:cTn id="169" dur="500"/>
+                                        <p:tgtEl>
+                                          <p:spTgt spid="78"/>
+                                        </p:tgtEl>
+                                      </p:cBhvr>
+                                    </p:animEffect>
+                                  </p:childTnLst>
+                                </p:cTn>
+                              </p:par>
+                            </p:childTnLst>
+                          </p:cTn>
+                        </p:par>
+                        <p:par>
+                          <p:cTn id="170" fill="hold">
+                            <p:stCondLst>
+                              <p:cond delay="1000"/>
+                            </p:stCondLst>
+                            <p:childTnLst>
+                              <p:par>
+                                <p:cTn id="171" presetID="3" presetClass="entr" presetSubtype="10" fill="hold" grpId="0" nodeType="afterEffect">
+                                  <p:stCondLst>
+                                    <p:cond delay="0"/>
+                                  </p:stCondLst>
+                                  <p:childTnLst>
+                                    <p:set>
+                                      <p:cBhvr>
+                                        <p:cTn id="172" dur="1" fill="hold">
+                                          <p:stCondLst>
+                                            <p:cond delay="0"/>
+                                          </p:stCondLst>
+                                        </p:cTn>
+                                        <p:tgtEl>
+                                          <p:spTgt spid="99"/>
+                                        </p:tgtEl>
+                                        <p:attrNameLst>
+                                          <p:attrName>style.visibility</p:attrName>
+                                        </p:attrNameLst>
+                                      </p:cBhvr>
+                                      <p:to>
+                                        <p:strVal val="visible"/>
+                                      </p:to>
+                                    </p:set>
+                                    <p:animEffect transition="in" filter="blinds(horizontal)">
+                                      <p:cBhvr>
+                                        <p:cTn id="173" dur="500"/>
+                                        <p:tgtEl>
+                                          <p:spTgt spid="99"/>
+                                        </p:tgtEl>
+                                      </p:cBhvr>
+                                    </p:animEffect>
+                                  </p:childTnLst>
+                                </p:cTn>
+                              </p:par>
+                            </p:childTnLst>
+                          </p:cTn>
+                        </p:par>
+                      </p:childTnLst>
+                    </p:cTn>
+                  </p:par>
+                  <p:par>
+                    <p:cTn id="174" fill="hold">
+                      <p:stCondLst>
+                        <p:cond delay="indefinite"/>
+                      </p:stCondLst>
+                      <p:childTnLst>
+                        <p:par>
+                          <p:cTn id="175" fill="hold">
+                            <p:stCondLst>
+                              <p:cond delay="0"/>
+                            </p:stCondLst>
+                            <p:childTnLst>
+                              <p:par>
+                                <p:cTn id="176" presetID="23" presetClass="entr" presetSubtype="32" fill="hold" grpId="0" nodeType="clickEffect">
+                                  <p:stCondLst>
+                                    <p:cond delay="0"/>
+                                  </p:stCondLst>
+                                  <p:childTnLst>
+                                    <p:set>
+                                      <p:cBhvr>
+                                        <p:cTn id="177" dur="1" fill="hold">
                                           <p:stCondLst>
                                             <p:cond delay="0"/>
                                           </p:stCondLst>
@@ -9271,7 +9462,7 @@
                                     </p:set>
                                     <p:anim calcmode="lin" valueType="num">
                                       <p:cBhvr>
-                                        <p:cTn id="172" dur="250" fill="hold"/>
+                                        <p:cTn id="178" dur="250" fill="hold"/>
                                         <p:tgtEl>
                                           <p:spTgt spid="18"/>
                                         </p:tgtEl>
@@ -9294,7 +9485,7 @@
                                     </p:anim>
                                     <p:anim calcmode="lin" valueType="num">
                                       <p:cBhvr>
-                                        <p:cTn id="173" dur="250" fill="hold"/>
+                                        <p:cTn id="179" dur="250" fill="hold"/>
                                         <p:tgtEl>
                                           <p:spTgt spid="18"/>
                                         </p:tgtEl>
@@ -9362,6 +9553,8 @@
       <p:bldP spid="18" grpId="0"/>
       <p:bldP spid="19" grpId="0" animBg="1"/>
       <p:bldP spid="101" grpId="0" animBg="1"/>
+      <p:bldP spid="5" grpId="0"/>
+      <p:bldP spid="5" grpId="1"/>
     </p:bldLst>
   </p:timing>
 </p:sld>
@@ -21573,7 +21766,7 @@
           <p:nvPr>
             <p:extLst>
               <p:ext uri="{D42A27DB-BD31-4B8C-83A1-F6EECF244321}">
-                <p14:modId xmlns:p14="http://schemas.microsoft.com/office/powerpoint/2010/main" val="3447286248"/>
+                <p14:modId xmlns:p14="http://schemas.microsoft.com/office/powerpoint/2010/main" val="2350791625"/>
               </p:ext>
             </p:extLst>
           </p:nvPr>
@@ -22003,7 +22196,7 @@
                       <a:pPr algn="ctr"/>
                       <a:r>
                         <a:rPr lang="en-US" altLang="zh-CN" dirty="0" smtClean="0"/>
-                        <a:t>20ms</a:t>
+                        <a:t>15ms</a:t>
                       </a:r>
                       <a:endParaRPr lang="zh-CN" altLang="en-US" dirty="0"/>
                     </a:p>
@@ -22951,14 +23144,14 @@
       </p:grpSpPr>
       <p:sp>
         <p:nvSpPr>
-          <p:cNvPr id="5" name="矩形 4"/>
+          <p:cNvPr id="5" name="one more thing"/>
           <p:cNvSpPr/>
           <p:nvPr/>
         </p:nvSpPr>
         <p:spPr>
           <a:xfrm>
-            <a:off x="2543243" y="2967335"/>
-            <a:ext cx="4057521" cy="646331"/>
+            <a:off x="2658659" y="2967335"/>
+            <a:ext cx="3826689" cy="646331"/>
           </a:xfrm>
           <a:prstGeom prst="rect">
             <a:avLst/>
@@ -22973,34 +23166,24 @@
           <a:p>
             <a:pPr algn="ctr"/>
             <a:r>
-              <a:rPr lang="en-US" altLang="zh-CN" sz="3600" b="1" dirty="0" smtClean="0">
-                <a:ln w="9525">
-                  <a:solidFill>
-                    <a:schemeClr val="bg1"/>
-                  </a:solidFill>
-                  <a:prstDash val="solid"/>
-                </a:ln>
+              <a:rPr lang="en-US" altLang="zh-CN" sz="3600" dirty="0" smtClean="0">
+                <a:ln w="0"/>
                 <a:effectLst>
-                  <a:outerShdw blurRad="12700" dist="38100" dir="2700000" algn="tl" rotWithShape="0">
-                    <a:schemeClr val="bg1">
-                      <a:lumMod val="50000"/>
+                  <a:outerShdw blurRad="38100" dist="19050" dir="2700000" algn="tl" rotWithShape="0">
+                    <a:schemeClr val="dk1">
+                      <a:alpha val="40000"/>
                     </a:schemeClr>
                   </a:outerShdw>
                 </a:effectLst>
               </a:rPr>
               <a:t>One more thing…</a:t>
             </a:r>
-            <a:endParaRPr lang="zh-CN" altLang="en-US" sz="3600" b="1" dirty="0">
-              <a:ln w="9525">
-                <a:solidFill>
-                  <a:schemeClr val="bg1"/>
-                </a:solidFill>
-                <a:prstDash val="solid"/>
-              </a:ln>
+            <a:endParaRPr lang="zh-CN" altLang="en-US" sz="3600" dirty="0">
+              <a:ln w="0"/>
               <a:effectLst>
-                <a:outerShdw blurRad="12700" dist="38100" dir="2700000" algn="tl" rotWithShape="0">
-                  <a:schemeClr val="bg1">
-                    <a:lumMod val="50000"/>
+                <a:outerShdw blurRad="38100" dist="19050" dir="2700000" algn="tl" rotWithShape="0">
+                  <a:schemeClr val="dk1">
+                    <a:alpha val="40000"/>
                   </a:schemeClr>
                 </a:outerShdw>
               </a:effectLst>
@@ -23010,328 +23193,13 @@
       </p:sp>
       <p:sp>
         <p:nvSpPr>
-          <p:cNvPr id="7" name="文本框 6"/>
-          <p:cNvSpPr txBox="1"/>
-          <p:nvPr/>
-        </p:nvSpPr>
-        <p:spPr>
-          <a:xfrm>
-            <a:off x="2269340" y="1854636"/>
-            <a:ext cx="5244873" cy="2723823"/>
-          </a:xfrm>
-          <a:prstGeom prst="rect">
-            <a:avLst/>
-          </a:prstGeom>
-          <a:noFill/>
-        </p:spPr>
-        <p:txBody>
-          <a:bodyPr wrap="square" rtlCol="0">
-            <a:spAutoFit/>
-          </a:bodyPr>
-          <a:lstStyle/>
-          <a:p>
-            <a:r>
-              <a:rPr lang="en-US" altLang="zh-CN" dirty="0" smtClean="0"/>
-              <a:t>Qsort (arr , low , high){</a:t>
-            </a:r>
-          </a:p>
-          <a:p>
-            <a:r>
-              <a:rPr lang="en-US" altLang="zh-CN" dirty="0"/>
-              <a:t> </a:t>
-            </a:r>
-            <a:r>
-              <a:rPr lang="en-US" altLang="zh-CN" dirty="0" smtClean="0"/>
-              <a:t>   if(low &lt; high)</a:t>
-            </a:r>
-          </a:p>
-          <a:p>
-            <a:r>
-              <a:rPr lang="en-US" altLang="zh-CN" dirty="0"/>
-              <a:t> </a:t>
-            </a:r>
-            <a:r>
-              <a:rPr lang="en-US" altLang="zh-CN" dirty="0" smtClean="0"/>
-              <a:t>   {</a:t>
-            </a:r>
-          </a:p>
-          <a:p>
-            <a:pPr>
-              <a:lnSpc>
-                <a:spcPct val="150000"/>
-              </a:lnSpc>
-            </a:pPr>
-            <a:r>
-              <a:rPr lang="en-US" altLang="zh-CN" dirty="0" smtClean="0"/>
-              <a:t>	</a:t>
-            </a:r>
-            <a:r>
-              <a:rPr lang="en-US" altLang="zh-CN" b="1" dirty="0" smtClean="0">
-                <a:solidFill>
-                  <a:srgbClr val="FF0000"/>
-                </a:solidFill>
-              </a:rPr>
-              <a:t>pivotPos = partition(arr , low , high)</a:t>
-            </a:r>
-          </a:p>
-          <a:p>
-            <a:pPr>
-              <a:lnSpc>
-                <a:spcPct val="150000"/>
-              </a:lnSpc>
-            </a:pPr>
-            <a:r>
-              <a:rPr lang="en-US" altLang="zh-CN" dirty="0"/>
-              <a:t>	Qsort (arr , low , </a:t>
-            </a:r>
-            <a:r>
-              <a:rPr lang="en-US" altLang="zh-CN" dirty="0" smtClean="0"/>
-              <a:t>pivotPos - 1);</a:t>
-            </a:r>
-          </a:p>
-          <a:p>
-            <a:pPr>
-              <a:lnSpc>
-                <a:spcPct val="150000"/>
-              </a:lnSpc>
-            </a:pPr>
-            <a:r>
-              <a:rPr lang="en-US" altLang="zh-CN" dirty="0"/>
-              <a:t>	Qsort (arr , </a:t>
-            </a:r>
-            <a:r>
-              <a:rPr lang="en-US" altLang="zh-CN" dirty="0" smtClean="0"/>
-              <a:t>pivotPos + 1 , high);</a:t>
-            </a:r>
-          </a:p>
-          <a:p>
-            <a:r>
-              <a:rPr lang="en-US" altLang="zh-CN" dirty="0" smtClean="0"/>
-              <a:t>     }</a:t>
-            </a:r>
-            <a:endParaRPr lang="en-US" altLang="zh-CN" dirty="0"/>
-          </a:p>
-          <a:p>
-            <a:r>
-              <a:rPr lang="en-US" altLang="zh-CN" dirty="0" smtClean="0"/>
-              <a:t>}</a:t>
-            </a:r>
-            <a:endParaRPr lang="zh-CN" altLang="en-US" dirty="0"/>
-          </a:p>
-        </p:txBody>
-      </p:sp>
-      <p:sp>
-        <p:nvSpPr>
-          <p:cNvPr id="4" name="文本框 3"/>
-          <p:cNvSpPr txBox="1"/>
-          <p:nvPr/>
-        </p:nvSpPr>
-        <p:spPr>
-          <a:xfrm>
-            <a:off x="2269340" y="177800"/>
-            <a:ext cx="5270500" cy="6463308"/>
-          </a:xfrm>
-          <a:prstGeom prst="rect">
-            <a:avLst/>
-          </a:prstGeom>
-          <a:noFill/>
-        </p:spPr>
-        <p:txBody>
-          <a:bodyPr wrap="square" rtlCol="0">
-            <a:spAutoFit/>
-          </a:bodyPr>
-          <a:lstStyle/>
-          <a:p>
-            <a:r>
-              <a:rPr lang="en-US" altLang="zh-CN" dirty="0"/>
-              <a:t>int </a:t>
-            </a:r>
-            <a:r>
-              <a:rPr lang="en-US" altLang="zh-CN" dirty="0" smtClean="0"/>
-              <a:t>Partition ( int </a:t>
-            </a:r>
-            <a:r>
-              <a:rPr lang="en-US" altLang="zh-CN" dirty="0"/>
-              <a:t>ve</a:t>
-            </a:r>
-            <a:r>
-              <a:rPr lang="en-US" altLang="zh-CN" dirty="0" smtClean="0"/>
-              <a:t>[] , int </a:t>
-            </a:r>
-            <a:r>
-              <a:rPr lang="en-US" altLang="zh-CN" dirty="0"/>
-              <a:t>low </a:t>
-            </a:r>
-            <a:r>
-              <a:rPr lang="en-US" altLang="zh-CN" dirty="0" smtClean="0"/>
-              <a:t>, int  high) {</a:t>
-            </a:r>
-            <a:endParaRPr lang="en-US" altLang="zh-CN" dirty="0"/>
-          </a:p>
-          <a:p>
-            <a:r>
-              <a:rPr lang="en-US" altLang="zh-CN" dirty="0"/>
-              <a:t>	int i=low;</a:t>
-            </a:r>
-          </a:p>
-          <a:p>
-            <a:r>
-              <a:rPr lang="en-US" altLang="zh-CN" dirty="0"/>
-              <a:t>	int j=high;</a:t>
-            </a:r>
-          </a:p>
-          <a:p>
-            <a:r>
-              <a:rPr lang="en-US" altLang="zh-CN" dirty="0"/>
-              <a:t>	int pivot=ve[low</a:t>
-            </a:r>
-            <a:r>
-              <a:rPr lang="en-US" altLang="zh-CN" dirty="0" smtClean="0"/>
-              <a:t>];</a:t>
-            </a:r>
-            <a:endParaRPr lang="en-US" altLang="zh-CN" dirty="0"/>
-          </a:p>
-          <a:p>
-            <a:r>
-              <a:rPr lang="en-US" altLang="zh-CN" dirty="0"/>
-              <a:t>	while (i!=j)</a:t>
-            </a:r>
-          </a:p>
-          <a:p>
-            <a:r>
-              <a:rPr lang="en-US" altLang="zh-CN" dirty="0"/>
-              <a:t>	{</a:t>
-            </a:r>
-          </a:p>
-          <a:p>
-            <a:r>
-              <a:rPr lang="en-US" altLang="zh-CN" dirty="0"/>
-              <a:t>		while(ve[j</a:t>
-            </a:r>
-            <a:r>
-              <a:rPr lang="en-US" altLang="zh-CN" dirty="0" smtClean="0"/>
-              <a:t>]&gt;=pivot</a:t>
-            </a:r>
-            <a:r>
-              <a:rPr lang="en-US" altLang="zh-CN" dirty="0"/>
-              <a:t>&amp;&amp;i&lt;j) </a:t>
-            </a:r>
-          </a:p>
-          <a:p>
-            <a:r>
-              <a:rPr lang="en-US" altLang="zh-CN" dirty="0"/>
-              <a:t>			j--;</a:t>
-            </a:r>
-          </a:p>
-          <a:p>
-            <a:r>
-              <a:rPr lang="en-US" altLang="zh-CN" dirty="0"/>
-              <a:t>		if (i&lt;j)</a:t>
-            </a:r>
-          </a:p>
-          <a:p>
-            <a:r>
-              <a:rPr lang="en-US" altLang="zh-CN" dirty="0"/>
-              <a:t>		{</a:t>
-            </a:r>
-          </a:p>
-          <a:p>
-            <a:r>
-              <a:rPr lang="en-US" altLang="zh-CN" dirty="0"/>
-              <a:t>			ve[i]=ve[j];</a:t>
-            </a:r>
-          </a:p>
-          <a:p>
-            <a:r>
-              <a:rPr lang="en-US" altLang="zh-CN" dirty="0"/>
-              <a:t>			i++;</a:t>
-            </a:r>
-          </a:p>
-          <a:p>
-            <a:r>
-              <a:rPr lang="en-US" altLang="zh-CN" dirty="0"/>
-              <a:t>		}</a:t>
-            </a:r>
-          </a:p>
-          <a:p>
-            <a:r>
-              <a:rPr lang="en-US" altLang="zh-CN" dirty="0"/>
-              <a:t>		while(ve[i</a:t>
-            </a:r>
-            <a:r>
-              <a:rPr lang="en-US" altLang="zh-CN" dirty="0" smtClean="0"/>
-              <a:t>]&lt;=pivot</a:t>
-            </a:r>
-            <a:r>
-              <a:rPr lang="en-US" altLang="zh-CN" dirty="0"/>
-              <a:t>&amp;&amp;i&lt;j)</a:t>
-            </a:r>
-          </a:p>
-          <a:p>
-            <a:r>
-              <a:rPr lang="en-US" altLang="zh-CN" dirty="0"/>
-              <a:t>			i++;</a:t>
-            </a:r>
-          </a:p>
-          <a:p>
-            <a:r>
-              <a:rPr lang="en-US" altLang="zh-CN" dirty="0"/>
-              <a:t>		if(i&lt;j){</a:t>
-            </a:r>
-          </a:p>
-          <a:p>
-            <a:r>
-              <a:rPr lang="en-US" altLang="zh-CN" dirty="0"/>
-              <a:t>			ve[j]=ve[i];</a:t>
-            </a:r>
-          </a:p>
-          <a:p>
-            <a:r>
-              <a:rPr lang="en-US" altLang="zh-CN" dirty="0"/>
-              <a:t>			j--;</a:t>
-            </a:r>
-          </a:p>
-          <a:p>
-            <a:r>
-              <a:rPr lang="en-US" altLang="zh-CN" dirty="0"/>
-              <a:t>		}</a:t>
-            </a:r>
-          </a:p>
-          <a:p>
-            <a:r>
-              <a:rPr lang="en-US" altLang="zh-CN" dirty="0"/>
-              <a:t>	}</a:t>
-            </a:r>
-          </a:p>
-          <a:p>
-            <a:r>
-              <a:rPr lang="en-US" altLang="zh-CN" dirty="0"/>
-              <a:t>	ve[i]=pivot;</a:t>
-            </a:r>
-          </a:p>
-          <a:p>
-            <a:r>
-              <a:rPr lang="en-US" altLang="zh-CN" dirty="0"/>
-              <a:t>	return i;</a:t>
-            </a:r>
-          </a:p>
-          <a:p>
-            <a:r>
-              <a:rPr lang="en-US" altLang="zh-CN" dirty="0"/>
-              <a:t>}</a:t>
-            </a:r>
-          </a:p>
-        </p:txBody>
-      </p:sp>
-      <p:sp>
-        <p:nvSpPr>
-          <p:cNvPr id="2" name="矩形 1"/>
+          <p:cNvPr id="2" name="具体代码部分"/>
           <p:cNvSpPr/>
           <p:nvPr/>
         </p:nvSpPr>
         <p:spPr>
           <a:xfrm>
-            <a:off x="1828800" y="912843"/>
+            <a:off x="236668" y="772994"/>
             <a:ext cx="6337300" cy="5016758"/>
           </a:xfrm>
           <a:prstGeom prst="rect">
@@ -23501,7 +23369,7 @@
         </p:nvSpPr>
         <p:spPr>
           <a:xfrm>
-            <a:off x="3505200" y="1473200"/>
+            <a:off x="2042160" y="1347648"/>
             <a:ext cx="3911600" cy="520700"/>
           </a:xfrm>
           <a:prstGeom prst="rect">
@@ -23547,7 +23415,7 @@
         </p:nvSpPr>
         <p:spPr>
           <a:xfrm>
-            <a:off x="3606800" y="3568700"/>
+            <a:off x="2042160" y="3482639"/>
             <a:ext cx="3911600" cy="520700"/>
           </a:xfrm>
           <a:prstGeom prst="rect">
@@ -23585,49 +23453,754 @@
           </a:p>
         </p:txBody>
       </p:sp>
+      <p:graphicFrame>
+        <p:nvGraphicFramePr>
+          <p:cNvPr id="10" name="表格 9"/>
+          <p:cNvGraphicFramePr>
+            <a:graphicFrameLocks noGrp="1"/>
+          </p:cNvGraphicFramePr>
+          <p:nvPr>
+            <p:extLst>
+              <p:ext uri="{D42A27DB-BD31-4B8C-83A1-F6EECF244321}">
+                <p14:modId xmlns:p14="http://schemas.microsoft.com/office/powerpoint/2010/main" val="1112018470"/>
+              </p:ext>
+            </p:extLst>
+          </p:nvPr>
+        </p:nvGraphicFramePr>
+        <p:xfrm>
+          <a:off x="1359786" y="851361"/>
+          <a:ext cx="6424428" cy="4872564"/>
+        </p:xfrm>
+        <a:graphic>
+          <a:graphicData uri="http://schemas.openxmlformats.org/drawingml/2006/table">
+            <a:tbl>
+              <a:tblPr firstRow="1" firstCol="1" bandRow="1">
+                <a:tableStyleId>{5940675A-B579-460E-94D1-54222C63F5DA}</a:tableStyleId>
+              </a:tblPr>
+              <a:tblGrid>
+                <a:gridCol w="1606107"/>
+                <a:gridCol w="1606107"/>
+                <a:gridCol w="1606107"/>
+                <a:gridCol w="1606107"/>
+              </a:tblGrid>
+              <a:tr h="543103">
+                <a:tc>
+                  <a:txBody>
+                    <a:bodyPr/>
+                    <a:lstStyle/>
+                    <a:p>
+                      <a:pPr algn="ctr"/>
+                      <a:r>
+                        <a:rPr lang="zh-CN" altLang="en-US" dirty="0" smtClean="0"/>
+                        <a:t>优化方法</a:t>
+                      </a:r>
+                      <a:endParaRPr lang="zh-CN" altLang="en-US" dirty="0"/>
+                    </a:p>
+                  </a:txBody>
+                  <a:tcPr anchor="ctr"/>
+                </a:tc>
+                <a:tc>
+                  <a:txBody>
+                    <a:bodyPr/>
+                    <a:lstStyle/>
+                    <a:p>
+                      <a:pPr algn="ctr"/>
+                      <a:r>
+                        <a:rPr lang="zh-CN" altLang="en-US" dirty="0" smtClean="0"/>
+                        <a:t>随机数组</a:t>
+                      </a:r>
+                      <a:endParaRPr lang="zh-CN" altLang="en-US" dirty="0"/>
+                    </a:p>
+                  </a:txBody>
+                  <a:tcPr anchor="ctr"/>
+                </a:tc>
+                <a:tc>
+                  <a:txBody>
+                    <a:bodyPr/>
+                    <a:lstStyle/>
+                    <a:p>
+                      <a:pPr algn="ctr"/>
+                      <a:r>
+                        <a:rPr lang="zh-CN" altLang="en-US" dirty="0" smtClean="0"/>
+                        <a:t>升序数组</a:t>
+                      </a:r>
+                      <a:endParaRPr lang="zh-CN" altLang="en-US" dirty="0"/>
+                    </a:p>
+                  </a:txBody>
+                  <a:tcPr anchor="ctr"/>
+                </a:tc>
+                <a:tc>
+                  <a:txBody>
+                    <a:bodyPr/>
+                    <a:lstStyle/>
+                    <a:p>
+                      <a:pPr algn="ctr"/>
+                      <a:r>
+                        <a:rPr lang="zh-CN" altLang="en-US" dirty="0" smtClean="0"/>
+                        <a:t>重复数组</a:t>
+                      </a:r>
+                      <a:endParaRPr lang="zh-CN" altLang="en-US" dirty="0"/>
+                    </a:p>
+                  </a:txBody>
+                  <a:tcPr anchor="ctr"/>
+                </a:tc>
+              </a:tr>
+              <a:tr h="643310">
+                <a:tc>
+                  <a:txBody>
+                    <a:bodyPr/>
+                    <a:lstStyle/>
+                    <a:p>
+                      <a:pPr algn="ctr"/>
+                      <a:r>
+                        <a:rPr lang="zh-CN" altLang="en-US" dirty="0" smtClean="0"/>
+                        <a:t>原始算法</a:t>
+                      </a:r>
+                      <a:endParaRPr lang="zh-CN" altLang="en-US" dirty="0"/>
+                    </a:p>
+                  </a:txBody>
+                  <a:tcPr anchor="ctr"/>
+                </a:tc>
+                <a:tc>
+                  <a:txBody>
+                    <a:bodyPr/>
+                    <a:lstStyle/>
+                    <a:p>
+                      <a:pPr algn="ctr"/>
+                      <a:r>
+                        <a:rPr lang="en-US" altLang="zh-CN" dirty="0" smtClean="0"/>
+                        <a:t>93ms</a:t>
+                      </a:r>
+                    </a:p>
+                    <a:p>
+                      <a:pPr algn="ctr"/>
+                      <a:r>
+                        <a:rPr lang="en-US" altLang="zh-CN" dirty="0" smtClean="0">
+                          <a:solidFill>
+                            <a:srgbClr val="FF0000"/>
+                          </a:solidFill>
+                        </a:rPr>
+                        <a:t>(74ms)</a:t>
+                      </a:r>
+                      <a:endParaRPr lang="zh-CN" altLang="en-US" dirty="0">
+                        <a:solidFill>
+                          <a:srgbClr val="FF0000"/>
+                        </a:solidFill>
+                      </a:endParaRPr>
+                    </a:p>
+                  </a:txBody>
+                  <a:tcPr anchor="ctr"/>
+                </a:tc>
+                <a:tc>
+                  <a:txBody>
+                    <a:bodyPr/>
+                    <a:lstStyle/>
+                    <a:p>
+                      <a:pPr algn="ctr"/>
+                      <a:r>
+                        <a:rPr lang="en-US" altLang="zh-CN" dirty="0" smtClean="0"/>
+                        <a:t>368478ms</a:t>
+                      </a:r>
+                    </a:p>
+                    <a:p>
+                      <a:pPr algn="ctr"/>
+                      <a:r>
+                        <a:rPr lang="en-US" altLang="zh-CN" dirty="0" smtClean="0">
+                          <a:solidFill>
+                            <a:srgbClr val="FF0000"/>
+                          </a:solidFill>
+                        </a:rPr>
+                        <a:t>(56929ms)</a:t>
+                      </a:r>
+                      <a:endParaRPr lang="zh-CN" altLang="en-US" dirty="0">
+                        <a:solidFill>
+                          <a:srgbClr val="FF0000"/>
+                        </a:solidFill>
+                      </a:endParaRPr>
+                    </a:p>
+                  </a:txBody>
+                  <a:tcPr anchor="ctr"/>
+                </a:tc>
+                <a:tc>
+                  <a:txBody>
+                    <a:bodyPr/>
+                    <a:lstStyle/>
+                    <a:p>
+                      <a:pPr algn="ctr"/>
+                      <a:r>
+                        <a:rPr lang="en-US" altLang="zh-CN" dirty="0" smtClean="0"/>
+                        <a:t>57434ms</a:t>
+                      </a:r>
+                    </a:p>
+                    <a:p>
+                      <a:pPr algn="ctr"/>
+                      <a:r>
+                        <a:rPr lang="en-US" altLang="zh-CN" dirty="0" smtClean="0">
+                          <a:solidFill>
+                            <a:srgbClr val="FF0000"/>
+                          </a:solidFill>
+                        </a:rPr>
+                        <a:t>(25ms)</a:t>
+                      </a:r>
+                      <a:endParaRPr lang="zh-CN" altLang="en-US" dirty="0">
+                        <a:solidFill>
+                          <a:srgbClr val="FF0000"/>
+                        </a:solidFill>
+                      </a:endParaRPr>
+                    </a:p>
+                  </a:txBody>
+                  <a:tcPr anchor="ctr"/>
+                </a:tc>
+              </a:tr>
+              <a:tr h="643310">
+                <a:tc>
+                  <a:txBody>
+                    <a:bodyPr/>
+                    <a:lstStyle/>
+                    <a:p>
+                      <a:pPr algn="ctr"/>
+                      <a:r>
+                        <a:rPr lang="zh-CN" altLang="en-US" dirty="0" smtClean="0"/>
+                        <a:t>随机枢轴</a:t>
+                      </a:r>
+                      <a:endParaRPr lang="zh-CN" altLang="en-US" dirty="0"/>
+                    </a:p>
+                  </a:txBody>
+                  <a:tcPr anchor="ctr"/>
+                </a:tc>
+                <a:tc>
+                  <a:txBody>
+                    <a:bodyPr/>
+                    <a:lstStyle/>
+                    <a:p>
+                      <a:pPr algn="ctr"/>
+                      <a:r>
+                        <a:rPr lang="en-US" altLang="zh-CN" dirty="0" smtClean="0"/>
+                        <a:t>140ms</a:t>
+                      </a:r>
+                    </a:p>
+                    <a:p>
+                      <a:pPr algn="ctr"/>
+                      <a:r>
+                        <a:rPr lang="en-US" altLang="zh-CN" dirty="0" smtClean="0">
+                          <a:solidFill>
+                            <a:srgbClr val="FF0000"/>
+                          </a:solidFill>
+                        </a:rPr>
+                        <a:t>(111ms)</a:t>
+                      </a:r>
+                      <a:endParaRPr lang="zh-CN" altLang="en-US" dirty="0">
+                        <a:solidFill>
+                          <a:srgbClr val="FF0000"/>
+                        </a:solidFill>
+                      </a:endParaRPr>
+                    </a:p>
+                  </a:txBody>
+                  <a:tcPr anchor="ctr"/>
+                </a:tc>
+                <a:tc>
+                  <a:txBody>
+                    <a:bodyPr/>
+                    <a:lstStyle/>
+                    <a:p>
+                      <a:pPr algn="ctr"/>
+                      <a:r>
+                        <a:rPr lang="en-US" altLang="zh-CN" dirty="0" smtClean="0"/>
+                        <a:t>125ms</a:t>
+                      </a:r>
+                    </a:p>
+                    <a:p>
+                      <a:pPr algn="ctr"/>
+                      <a:r>
+                        <a:rPr lang="en-US" altLang="zh-CN" dirty="0" smtClean="0">
+                          <a:solidFill>
+                            <a:srgbClr val="FF0000"/>
+                          </a:solidFill>
+                        </a:rPr>
+                        <a:t>(203ms)</a:t>
+                      </a:r>
+                      <a:endParaRPr lang="zh-CN" altLang="en-US" dirty="0">
+                        <a:solidFill>
+                          <a:srgbClr val="FF0000"/>
+                        </a:solidFill>
+                      </a:endParaRPr>
+                    </a:p>
+                  </a:txBody>
+                  <a:tcPr anchor="ctr"/>
+                </a:tc>
+                <a:tc>
+                  <a:txBody>
+                    <a:bodyPr/>
+                    <a:lstStyle/>
+                    <a:p>
+                      <a:pPr algn="ctr"/>
+                      <a:r>
+                        <a:rPr lang="en-US" altLang="zh-CN" dirty="0" smtClean="0"/>
+                        <a:t>52803ms</a:t>
+                      </a:r>
+                    </a:p>
+                    <a:p>
+                      <a:pPr algn="ctr"/>
+                      <a:r>
+                        <a:rPr lang="en-US" altLang="zh-CN" dirty="0" smtClean="0">
+                          <a:solidFill>
+                            <a:srgbClr val="FF0000"/>
+                          </a:solidFill>
+                        </a:rPr>
+                        <a:t>(61ms)</a:t>
+                      </a:r>
+                      <a:endParaRPr lang="zh-CN" altLang="en-US" dirty="0">
+                        <a:solidFill>
+                          <a:srgbClr val="FF0000"/>
+                        </a:solidFill>
+                      </a:endParaRPr>
+                    </a:p>
+                  </a:txBody>
+                  <a:tcPr anchor="ctr"/>
+                </a:tc>
+              </a:tr>
+              <a:tr h="643310">
+                <a:tc>
+                  <a:txBody>
+                    <a:bodyPr/>
+                    <a:lstStyle/>
+                    <a:p>
+                      <a:pPr algn="ctr"/>
+                      <a:r>
+                        <a:rPr lang="zh-CN" altLang="en-US" dirty="0" smtClean="0"/>
+                        <a:t>三数取中</a:t>
+                      </a:r>
+                      <a:endParaRPr lang="zh-CN" altLang="en-US" dirty="0"/>
+                    </a:p>
+                  </a:txBody>
+                  <a:tcPr anchor="ctr"/>
+                </a:tc>
+                <a:tc>
+                  <a:txBody>
+                    <a:bodyPr/>
+                    <a:lstStyle/>
+                    <a:p>
+                      <a:pPr algn="ctr"/>
+                      <a:r>
+                        <a:rPr lang="en-US" altLang="zh-CN" dirty="0" smtClean="0"/>
+                        <a:t>91ms</a:t>
+                      </a:r>
+                    </a:p>
+                    <a:p>
+                      <a:pPr algn="ctr"/>
+                      <a:r>
+                        <a:rPr lang="en-US" altLang="zh-CN" dirty="0" smtClean="0">
+                          <a:solidFill>
+                            <a:srgbClr val="FF0000"/>
+                          </a:solidFill>
+                        </a:rPr>
+                        <a:t>(82ms)</a:t>
+                      </a:r>
+                      <a:endParaRPr lang="zh-CN" altLang="en-US" dirty="0">
+                        <a:solidFill>
+                          <a:srgbClr val="FF0000"/>
+                        </a:solidFill>
+                      </a:endParaRPr>
+                    </a:p>
+                  </a:txBody>
+                  <a:tcPr anchor="ctr"/>
+                </a:tc>
+                <a:tc>
+                  <a:txBody>
+                    <a:bodyPr/>
+                    <a:lstStyle/>
+                    <a:p>
+                      <a:pPr algn="ctr"/>
+                      <a:r>
+                        <a:rPr lang="en-US" altLang="zh-CN" dirty="0" smtClean="0"/>
+                        <a:t>31ms</a:t>
+                      </a:r>
+                    </a:p>
+                    <a:p>
+                      <a:pPr algn="ctr"/>
+                      <a:r>
+                        <a:rPr lang="en-US" altLang="zh-CN" dirty="0" smtClean="0">
+                          <a:solidFill>
+                            <a:srgbClr val="FF0000"/>
+                          </a:solidFill>
+                        </a:rPr>
+                        <a:t>(37ms)</a:t>
+                      </a:r>
+                      <a:endParaRPr lang="zh-CN" altLang="en-US" dirty="0">
+                        <a:solidFill>
+                          <a:srgbClr val="FF0000"/>
+                        </a:solidFill>
+                      </a:endParaRPr>
+                    </a:p>
+                  </a:txBody>
+                  <a:tcPr anchor="ctr"/>
+                </a:tc>
+                <a:tc>
+                  <a:txBody>
+                    <a:bodyPr/>
+                    <a:lstStyle/>
+                    <a:p>
+                      <a:pPr algn="ctr"/>
+                      <a:r>
+                        <a:rPr lang="en-US" altLang="zh-CN" dirty="0" smtClean="0"/>
+                        <a:t>47598ms</a:t>
+                      </a:r>
+                    </a:p>
+                    <a:p>
+                      <a:pPr algn="ctr"/>
+                      <a:r>
+                        <a:rPr lang="en-US" altLang="zh-CN" dirty="0" smtClean="0">
+                          <a:solidFill>
+                            <a:srgbClr val="FF0000"/>
+                          </a:solidFill>
+                        </a:rPr>
+                        <a:t>(28ms)</a:t>
+                      </a:r>
+                      <a:endParaRPr lang="zh-CN" altLang="en-US" dirty="0">
+                        <a:solidFill>
+                          <a:srgbClr val="FF0000"/>
+                        </a:solidFill>
+                      </a:endParaRPr>
+                    </a:p>
+                  </a:txBody>
+                  <a:tcPr anchor="ctr"/>
+                </a:tc>
+              </a:tr>
+              <a:tr h="937413">
+                <a:tc>
+                  <a:txBody>
+                    <a:bodyPr/>
+                    <a:lstStyle/>
+                    <a:p>
+                      <a:pPr algn="ctr"/>
+                      <a:r>
+                        <a:rPr lang="zh-CN" altLang="en-US" dirty="0" smtClean="0"/>
+                        <a:t>三数取中</a:t>
+                      </a:r>
+                      <a:endParaRPr lang="en-US" altLang="zh-CN" dirty="0" smtClean="0"/>
+                    </a:p>
+                    <a:p>
+                      <a:pPr algn="ctr"/>
+                      <a:r>
+                        <a:rPr lang="en-US" altLang="zh-CN" b="1" dirty="0" smtClean="0">
+                          <a:solidFill>
+                            <a:srgbClr val="FF0000"/>
+                          </a:solidFill>
+                        </a:rPr>
+                        <a:t>+</a:t>
+                      </a:r>
+                      <a:r>
+                        <a:rPr lang="zh-CN" altLang="en-US" dirty="0" smtClean="0"/>
+                        <a:t>直排</a:t>
+                      </a:r>
+                      <a:endParaRPr lang="zh-CN" altLang="en-US" dirty="0"/>
+                    </a:p>
+                  </a:txBody>
+                  <a:tcPr anchor="ctr"/>
+                </a:tc>
+                <a:tc>
+                  <a:txBody>
+                    <a:bodyPr/>
+                    <a:lstStyle/>
+                    <a:p>
+                      <a:pPr algn="ctr"/>
+                      <a:r>
+                        <a:rPr lang="en-US" altLang="zh-CN" dirty="0" smtClean="0"/>
+                        <a:t>90ms</a:t>
+                      </a:r>
+                    </a:p>
+                    <a:p>
+                      <a:pPr algn="ctr"/>
+                      <a:r>
+                        <a:rPr lang="en-US" altLang="zh-CN" dirty="0" smtClean="0">
+                          <a:solidFill>
+                            <a:srgbClr val="FF0000"/>
+                          </a:solidFill>
+                        </a:rPr>
+                        <a:t>(97ms)</a:t>
+                      </a:r>
+                      <a:endParaRPr lang="zh-CN" altLang="en-US" dirty="0">
+                        <a:solidFill>
+                          <a:srgbClr val="FF0000"/>
+                        </a:solidFill>
+                      </a:endParaRPr>
+                    </a:p>
+                  </a:txBody>
+                  <a:tcPr anchor="ctr"/>
+                </a:tc>
+                <a:tc>
+                  <a:txBody>
+                    <a:bodyPr/>
+                    <a:lstStyle/>
+                    <a:p>
+                      <a:pPr algn="ctr"/>
+                      <a:r>
+                        <a:rPr lang="en-US" altLang="zh-CN" dirty="0" smtClean="0">
+                          <a:solidFill>
+                            <a:schemeClr val="tx1"/>
+                          </a:solidFill>
+                        </a:rPr>
+                        <a:t>26ms</a:t>
+                      </a:r>
+                    </a:p>
+                    <a:p>
+                      <a:pPr algn="ctr"/>
+                      <a:r>
+                        <a:rPr lang="en-US" altLang="zh-CN" dirty="0" smtClean="0">
+                          <a:solidFill>
+                            <a:srgbClr val="FF0000"/>
+                          </a:solidFill>
+                        </a:rPr>
+                        <a:t>(35ms)</a:t>
+                      </a:r>
+                      <a:endParaRPr lang="zh-CN" altLang="en-US" dirty="0">
+                        <a:solidFill>
+                          <a:srgbClr val="FF0000"/>
+                        </a:solidFill>
+                      </a:endParaRPr>
+                    </a:p>
+                  </a:txBody>
+                  <a:tcPr anchor="ctr"/>
+                </a:tc>
+                <a:tc>
+                  <a:txBody>
+                    <a:bodyPr/>
+                    <a:lstStyle/>
+                    <a:p>
+                      <a:pPr algn="ctr"/>
+                      <a:r>
+                        <a:rPr lang="en-US" altLang="zh-CN" dirty="0" smtClean="0"/>
+                        <a:t>48755ms</a:t>
+                      </a:r>
+                    </a:p>
+                    <a:p>
+                      <a:pPr algn="ctr"/>
+                      <a:r>
+                        <a:rPr lang="en-US" altLang="zh-CN" dirty="0" smtClean="0">
+                          <a:solidFill>
+                            <a:srgbClr val="FF0000"/>
+                          </a:solidFill>
+                        </a:rPr>
+                        <a:t>(28ms)</a:t>
+                      </a:r>
+                      <a:endParaRPr lang="zh-CN" altLang="en-US" dirty="0">
+                        <a:solidFill>
+                          <a:srgbClr val="FF0000"/>
+                        </a:solidFill>
+                      </a:endParaRPr>
+                    </a:p>
+                  </a:txBody>
+                  <a:tcPr anchor="ctr"/>
+                </a:tc>
+              </a:tr>
+              <a:tr h="919015">
+                <a:tc>
+                  <a:txBody>
+                    <a:bodyPr/>
+                    <a:lstStyle/>
+                    <a:p>
+                      <a:pPr algn="ctr"/>
+                      <a:r>
+                        <a:rPr lang="zh-CN" altLang="en-US" dirty="0" smtClean="0"/>
+                        <a:t>三数取中</a:t>
+                      </a:r>
+                      <a:endParaRPr lang="en-US" altLang="zh-CN" dirty="0" smtClean="0"/>
+                    </a:p>
+                    <a:p>
+                      <a:pPr algn="ctr"/>
+                      <a:r>
+                        <a:rPr lang="en-US" altLang="zh-CN" b="1" dirty="0" smtClean="0">
+                          <a:solidFill>
+                            <a:srgbClr val="FF0000"/>
+                          </a:solidFill>
+                        </a:rPr>
+                        <a:t>+</a:t>
+                      </a:r>
+                      <a:r>
+                        <a:rPr lang="zh-CN" altLang="en-US" dirty="0" smtClean="0"/>
+                        <a:t>直排</a:t>
+                      </a:r>
+                      <a:r>
+                        <a:rPr lang="en-US" altLang="zh-CN" b="1" dirty="0" smtClean="0">
+                          <a:solidFill>
+                            <a:srgbClr val="FF0000"/>
+                          </a:solidFill>
+                        </a:rPr>
+                        <a:t>+</a:t>
+                      </a:r>
+                      <a:endParaRPr lang="zh-CN" altLang="en-US" b="1" dirty="0" smtClean="0">
+                        <a:solidFill>
+                          <a:srgbClr val="FF0000"/>
+                        </a:solidFill>
+                      </a:endParaRPr>
+                    </a:p>
+                    <a:p>
+                      <a:pPr algn="ctr"/>
+                      <a:r>
+                        <a:rPr lang="zh-CN" altLang="en-US" dirty="0" smtClean="0"/>
+                        <a:t>“聚</a:t>
+                      </a:r>
+                      <a:r>
+                        <a:rPr lang="en-US" altLang="zh-CN" dirty="0" smtClean="0"/>
+                        <a:t>key</a:t>
+                      </a:r>
+                      <a:r>
+                        <a:rPr lang="zh-CN" altLang="en-US" dirty="0" smtClean="0"/>
+                        <a:t>”</a:t>
+                      </a:r>
+                      <a:endParaRPr lang="zh-CN" altLang="en-US" dirty="0"/>
+                    </a:p>
+                  </a:txBody>
+                  <a:tcPr anchor="ctr"/>
+                </a:tc>
+                <a:tc>
+                  <a:txBody>
+                    <a:bodyPr/>
+                    <a:lstStyle/>
+                    <a:p>
+                      <a:pPr algn="ctr"/>
+                      <a:r>
+                        <a:rPr lang="en-US" altLang="zh-CN" dirty="0" smtClean="0"/>
+                        <a:t>82ms</a:t>
+                      </a:r>
+                      <a:endParaRPr lang="zh-CN" altLang="en-US" dirty="0"/>
+                    </a:p>
+                  </a:txBody>
+                  <a:tcPr anchor="ctr"/>
+                </a:tc>
+                <a:tc>
+                  <a:txBody>
+                    <a:bodyPr/>
+                    <a:lstStyle/>
+                    <a:p>
+                      <a:pPr algn="ctr"/>
+                      <a:r>
+                        <a:rPr lang="en-US" altLang="zh-CN" dirty="0" smtClean="0"/>
+                        <a:t>15ms</a:t>
+                      </a:r>
+                      <a:endParaRPr lang="zh-CN" altLang="en-US" dirty="0"/>
+                    </a:p>
+                  </a:txBody>
+                  <a:tcPr anchor="ctr"/>
+                </a:tc>
+                <a:tc>
+                  <a:txBody>
+                    <a:bodyPr/>
+                    <a:lstStyle/>
+                    <a:p>
+                      <a:pPr algn="ctr"/>
+                      <a:r>
+                        <a:rPr lang="en-US" altLang="zh-CN" dirty="0" smtClean="0"/>
+                        <a:t>8ms</a:t>
+                      </a:r>
+                      <a:endParaRPr lang="zh-CN" altLang="en-US" dirty="0"/>
+                    </a:p>
+                  </a:txBody>
+                  <a:tcPr anchor="ctr"/>
+                </a:tc>
+              </a:tr>
+              <a:tr h="543103">
+                <a:tc>
+                  <a:txBody>
+                    <a:bodyPr/>
+                    <a:lstStyle/>
+                    <a:p>
+                      <a:pPr algn="ctr"/>
+                      <a:r>
+                        <a:rPr lang="en-US" altLang="zh-CN" dirty="0" smtClean="0"/>
+                        <a:t>STL-sort()</a:t>
+                      </a:r>
+                      <a:endParaRPr lang="zh-CN" altLang="en-US" dirty="0"/>
+                    </a:p>
+                  </a:txBody>
+                  <a:tcPr anchor="ctr"/>
+                </a:tc>
+                <a:tc>
+                  <a:txBody>
+                    <a:bodyPr/>
+                    <a:lstStyle/>
+                    <a:p>
+                      <a:pPr algn="ctr"/>
+                      <a:r>
+                        <a:rPr lang="en-US" altLang="zh-CN" dirty="0" smtClean="0"/>
+                        <a:t>82ms</a:t>
+                      </a:r>
+                      <a:endParaRPr lang="zh-CN" altLang="en-US" dirty="0"/>
+                    </a:p>
+                  </a:txBody>
+                  <a:tcPr anchor="ctr"/>
+                </a:tc>
+                <a:tc>
+                  <a:txBody>
+                    <a:bodyPr/>
+                    <a:lstStyle/>
+                    <a:p>
+                      <a:pPr algn="ctr"/>
+                      <a:r>
+                        <a:rPr lang="en-US" altLang="zh-CN" dirty="0" smtClean="0"/>
+                        <a:t>13ms</a:t>
+                      </a:r>
+                      <a:endParaRPr lang="zh-CN" altLang="en-US" dirty="0"/>
+                    </a:p>
+                  </a:txBody>
+                  <a:tcPr anchor="ctr"/>
+                </a:tc>
+                <a:tc>
+                  <a:txBody>
+                    <a:bodyPr/>
+                    <a:lstStyle/>
+                    <a:p>
+                      <a:pPr algn="ctr"/>
+                      <a:r>
+                        <a:rPr lang="en-US" altLang="zh-CN" dirty="0" smtClean="0"/>
+                        <a:t>13ms</a:t>
+                      </a:r>
+                      <a:endParaRPr lang="zh-CN" altLang="en-US" dirty="0"/>
+                    </a:p>
+                  </a:txBody>
+                  <a:tcPr anchor="ctr"/>
+                </a:tc>
+              </a:tr>
+            </a:tbl>
+          </a:graphicData>
+        </a:graphic>
+      </p:graphicFrame>
       <p:sp>
         <p:nvSpPr>
-          <p:cNvPr id="9" name="矩形 8"/>
-          <p:cNvSpPr/>
+          <p:cNvPr id="6" name="文本框 5"/>
+          <p:cNvSpPr txBox="1"/>
           <p:nvPr/>
         </p:nvSpPr>
         <p:spPr>
           <a:xfrm>
-            <a:off x="2948790" y="1352550"/>
-            <a:ext cx="3911600" cy="4400550"/>
+            <a:off x="6573968" y="2071170"/>
+            <a:ext cx="2269863" cy="646331"/>
           </a:xfrm>
           <a:prstGeom prst="rect">
             <a:avLst/>
           </a:prstGeom>
           <a:noFill/>
-          <a:ln w="38100">
-            <a:solidFill>
-              <a:srgbClr val="FF3300"/>
-            </a:solidFill>
-          </a:ln>
         </p:spPr>
-        <p:style>
-          <a:lnRef idx="2">
-            <a:schemeClr val="accent1">
-              <a:shade val="50000"/>
-            </a:schemeClr>
-          </a:lnRef>
-          <a:fillRef idx="1">
-            <a:schemeClr val="accent1"/>
-          </a:fillRef>
-          <a:effectRef idx="0">
-            <a:schemeClr val="accent1"/>
-          </a:effectRef>
-          <a:fontRef idx="minor">
-            <a:schemeClr val="lt1"/>
-          </a:fontRef>
-        </p:style>
         <p:txBody>
-          <a:bodyPr rtlCol="0" anchor="ctr"/>
+          <a:bodyPr wrap="square" rtlCol="0">
+            <a:spAutoFit/>
+          </a:bodyPr>
           <a:lstStyle/>
           <a:p>
             <a:pPr algn="ctr"/>
-            <a:endParaRPr lang="zh-CN" altLang="en-US"/>
+            <a:r>
+              <a:rPr lang="zh-CN" altLang="en-US" dirty="0" smtClean="0">
+                <a:solidFill>
+                  <a:srgbClr val="FF0000"/>
+                </a:solidFill>
+              </a:rPr>
+              <a:t>按枢轴值将序列分为两部分的代码段。</a:t>
+            </a:r>
+            <a:endParaRPr lang="zh-CN" altLang="en-US" dirty="0">
+              <a:solidFill>
+                <a:srgbClr val="FF0000"/>
+              </a:solidFill>
+            </a:endParaRPr>
           </a:p>
         </p:txBody>
       </p:sp>
@@ -23641,13 +24214,13 @@
   <p:clrMapOvr>
     <a:masterClrMapping/>
   </p:clrMapOvr>
-  <mc:AlternateContent xmlns:mc="http://schemas.openxmlformats.org/markup-compatibility/2006" xmlns:p15="http://schemas.microsoft.com/office/powerpoint/2012/main">
-    <mc:Choice Requires="p15">
+  <mc:AlternateContent xmlns:mc="http://schemas.openxmlformats.org/markup-compatibility/2006">
+    <mc:Choice xmlns:p15="http://schemas.microsoft.com/office/powerpoint/2012/main" Requires="p15">
       <p:transition xmlns:p14="http://schemas.microsoft.com/office/powerpoint/2010/main" spd="slow" p14:dur="2000">
-        <p15:prstTrans prst="fracture"/>
+        <p15:prstTrans prst="fallOver"/>
       </p:transition>
     </mc:Choice>
-    <mc:Fallback xmlns="">
+    <mc:Fallback>
       <p:transition spd="slow">
         <p:fade/>
       </p:transition>
@@ -23718,7 +24291,7 @@
                             </p:stCondLst>
                             <p:childTnLst>
                               <p:par>
-                                <p:cTn id="9" presetID="10" presetClass="entr" presetSubtype="0" fill="hold" grpId="0" nodeType="afterEffect">
+                                <p:cTn id="9" presetID="22" presetClass="entr" presetSubtype="1" fill="hold" nodeType="afterEffect">
                                   <p:stCondLst>
                                     <p:cond delay="0"/>
                                   </p:stCondLst>
@@ -23731,7 +24304,7 @@
                                           </p:stCondLst>
                                         </p:cTn>
                                         <p:tgtEl>
-                                          <p:spTgt spid="7"/>
+                                          <p:spTgt spid="10"/>
                                         </p:tgtEl>
                                         <p:attrNameLst>
                                           <p:attrName>style.visibility</p:attrName>
@@ -23741,11 +24314,11 @@
                                         <p:strVal val="visible"/>
                                       </p:to>
                                     </p:set>
-                                    <p:animEffect transition="in" filter="fade">
+                                    <p:animEffect transition="in" filter="wipe(up)">
                                       <p:cBhvr>
                                         <p:cTn id="11" dur="500"/>
                                         <p:tgtEl>
-                                          <p:spTgt spid="7"/>
+                                          <p:spTgt spid="10"/>
                                         </p:tgtEl>
                                       </p:cBhvr>
                                     </p:animEffect>
@@ -23771,7 +24344,7 @@
                             </p:stCondLst>
                             <p:childTnLst>
                               <p:par>
-                                <p:cTn id="14" presetID="10" presetClass="exit" presetSubtype="0" fill="hold" grpId="1" nodeType="clickEffect">
+                                <p:cTn id="14" presetID="10" presetClass="exit" presetSubtype="0" fill="hold" nodeType="clickEffect">
                                   <p:stCondLst>
                                     <p:cond delay="0"/>
                                   </p:stCondLst>
@@ -23780,7 +24353,7 @@
                                       <p:cBhvr>
                                         <p:cTn id="15" dur="500"/>
                                         <p:tgtEl>
-                                          <p:spTgt spid="7"/>
+                                          <p:spTgt spid="10"/>
                                         </p:tgtEl>
                                       </p:cBhvr>
                                     </p:animEffect>
@@ -23792,7 +24365,7 @@
                                           </p:stCondLst>
                                         </p:cTn>
                                         <p:tgtEl>
-                                          <p:spTgt spid="7"/>
+                                          <p:spTgt spid="10"/>
                                         </p:tgtEl>
                                         <p:attrNameLst>
                                           <p:attrName>style.visibility</p:attrName>
@@ -23815,7 +24388,7 @@
                             </p:stCondLst>
                             <p:childTnLst>
                               <p:par>
-                                <p:cTn id="18" presetID="16" presetClass="entr" presetSubtype="42" fill="hold" grpId="0" nodeType="afterEffect">
+                                <p:cTn id="18" presetID="10" presetClass="entr" presetSubtype="0" fill="hold" grpId="0" nodeType="afterEffect">
                                   <p:stCondLst>
                                     <p:cond delay="0"/>
                                   </p:stCondLst>
@@ -23828,7 +24401,7 @@
                                           </p:stCondLst>
                                         </p:cTn>
                                         <p:tgtEl>
-                                          <p:spTgt spid="4"/>
+                                          <p:spTgt spid="2"/>
                                         </p:tgtEl>
                                         <p:attrNameLst>
                                           <p:attrName>style.visibility</p:attrName>
@@ -23838,11 +24411,46 @@
                                         <p:strVal val="visible"/>
                                       </p:to>
                                     </p:set>
-                                    <p:animEffect transition="in" filter="barn(outHorizontal)">
+                                    <p:animEffect transition="in" filter="fade">
                                       <p:cBhvr>
                                         <p:cTn id="20" dur="500"/>
                                         <p:tgtEl>
-                                          <p:spTgt spid="4"/>
+                                          <p:spTgt spid="2"/>
+                                        </p:tgtEl>
+                                      </p:cBhvr>
+                                    </p:animEffect>
+                                  </p:childTnLst>
+                                </p:cTn>
+                              </p:par>
+                              <p:par>
+                                <p:cTn id="21" presetID="10" presetClass="entr" presetSubtype="0" fill="hold" grpId="0" nodeType="withEffect">
+                                  <p:stCondLst>
+                                    <p:cond delay="0"/>
+                                  </p:stCondLst>
+                                  <p:childTnLst>
+                                    <p:set>
+                                      <p:cBhvr>
+                                        <p:cTn id="22" dur="1" fill="hold">
+                                          <p:stCondLst>
+                                            <p:cond delay="0"/>
+                                          </p:stCondLst>
+                                        </p:cTn>
+                                        <p:tgtEl>
+                                          <p:spTgt spid="6"/>
+                                        </p:tgtEl>
+                                        <p:attrNameLst>
+                                          <p:attrName>style.visibility</p:attrName>
+                                        </p:attrNameLst>
+                                      </p:cBhvr>
+                                      <p:to>
+                                        <p:strVal val="visible"/>
+                                      </p:to>
+                                    </p:set>
+                                    <p:animEffect transition="in" filter="fade">
+                                      <p:cBhvr>
+                                        <p:cTn id="23" dur="500"/>
+                                        <p:tgtEl>
+                                          <p:spTgt spid="6"/>
                                         </p:tgtEl>
                                       </p:cBhvr>
                                     </p:animEffect>
@@ -23856,32 +24464,32 @@
                     </p:cTn>
                   </p:par>
                   <p:par>
-                    <p:cTn id="21" fill="hold">
+                    <p:cTn id="24" fill="hold">
                       <p:stCondLst>
                         <p:cond delay="indefinite"/>
                       </p:stCondLst>
                       <p:childTnLst>
                         <p:par>
-                          <p:cTn id="22" fill="hold">
+                          <p:cTn id="25" fill="hold">
                             <p:stCondLst>
                               <p:cond delay="0"/>
                             </p:stCondLst>
                             <p:childTnLst>
                               <p:par>
-                                <p:cTn id="23" presetID="22" presetClass="entr" presetSubtype="1" fill="hold" grpId="0" nodeType="clickEffect">
+                                <p:cTn id="26" presetID="22" presetClass="entr" presetSubtype="1" fill="hold" grpId="0" nodeType="clickEffect">
                                   <p:stCondLst>
                                     <p:cond delay="0"/>
                                   </p:stCondLst>
                                   <p:childTnLst>
                                     <p:set>
                                       <p:cBhvr>
-                                        <p:cTn id="24" dur="1" fill="hold">
+                                        <p:cTn id="27" dur="1" fill="hold">
                                           <p:stCondLst>
                                             <p:cond delay="0"/>
                                           </p:stCondLst>
                                         </p:cTn>
                                         <p:tgtEl>
-                                          <p:spTgt spid="9"/>
+                                          <p:spTgt spid="3"/>
                                         </p:tgtEl>
                                         <p:attrNameLst>
                                           <p:attrName>style.visibility</p:attrName>
@@ -23893,9 +24501,44 @@
                                     </p:set>
                                     <p:animEffect transition="in" filter="wipe(up)">
                                       <p:cBhvr>
-                                        <p:cTn id="25" dur="500"/>
-                                        <p:tgtEl>
-                                          <p:spTgt spid="9"/>
+                                        <p:cTn id="28" dur="500"/>
+                                        <p:tgtEl>
+                                          <p:spTgt spid="3"/>
+                                        </p:tgtEl>
+                                      </p:cBhvr>
+                                    </p:animEffect>
+                                  </p:childTnLst>
+                                </p:cTn>
+                              </p:par>
+                              <p:par>
+                                <p:cTn id="29" presetID="22" presetClass="entr" presetSubtype="1" fill="hold" grpId="0" nodeType="withEffect">
+                                  <p:stCondLst>
+                                    <p:cond delay="0"/>
+                                  </p:stCondLst>
+                                  <p:childTnLst>
+                                    <p:set>
+                                      <p:cBhvr>
+                                        <p:cTn id="30" dur="1" fill="hold">
+                                          <p:stCondLst>
+                                            <p:cond delay="0"/>
+                                          </p:stCondLst>
+                                        </p:cTn>
+                                        <p:tgtEl>
+                                          <p:spTgt spid="8"/>
+                                        </p:tgtEl>
+                                        <p:attrNameLst>
+                                          <p:attrName>style.visibility</p:attrName>
+                                        </p:attrNameLst>
+                                      </p:cBhvr>
+                                      <p:to>
+                                        <p:strVal val="visible"/>
+                                      </p:to>
+                                    </p:set>
+                                    <p:animEffect transition="in" filter="wipe(up)">
+                                      <p:cBhvr>
+                                        <p:cTn id="31" dur="500"/>
+                                        <p:tgtEl>
+                                          <p:spTgt spid="8"/>
                                         </p:tgtEl>
                                       </p:cBhvr>
                                     </p:animEffect>
@@ -23909,40 +24552,40 @@
                     </p:cTn>
                   </p:par>
                   <p:par>
-                    <p:cTn id="26" fill="hold">
+                    <p:cTn id="32" fill="hold">
                       <p:stCondLst>
                         <p:cond delay="indefinite"/>
                       </p:stCondLst>
                       <p:childTnLst>
                         <p:par>
-                          <p:cTn id="27" fill="hold">
+                          <p:cTn id="33" fill="hold">
                             <p:stCondLst>
                               <p:cond delay="0"/>
                             </p:stCondLst>
                             <p:childTnLst>
                               <p:par>
-                                <p:cTn id="28" presetID="10" presetClass="exit" presetSubtype="0" fill="hold" grpId="1" nodeType="clickEffect">
+                                <p:cTn id="34" presetID="10" presetClass="exit" presetSubtype="0" fill="hold" grpId="1" nodeType="clickEffect">
                                   <p:stCondLst>
                                     <p:cond delay="0"/>
                                   </p:stCondLst>
                                   <p:childTnLst>
                                     <p:animEffect transition="out" filter="fade">
                                       <p:cBhvr>
-                                        <p:cTn id="29" dur="500"/>
-                                        <p:tgtEl>
-                                          <p:spTgt spid="4"/>
+                                        <p:cTn id="35" dur="500"/>
+                                        <p:tgtEl>
+                                          <p:spTgt spid="2"/>
                                         </p:tgtEl>
                                       </p:cBhvr>
                                     </p:animEffect>
                                     <p:set>
                                       <p:cBhvr>
-                                        <p:cTn id="30" dur="1" fill="hold">
+                                        <p:cTn id="36" dur="1" fill="hold">
                                           <p:stCondLst>
                                             <p:cond delay="499"/>
                                           </p:stCondLst>
                                         </p:cTn>
                                         <p:tgtEl>
-                                          <p:spTgt spid="4"/>
+                                          <p:spTgt spid="2"/>
                                         </p:tgtEl>
                                         <p:attrNameLst>
                                           <p:attrName>style.visibility</p:attrName>
@@ -23956,28 +24599,98 @@
                                 </p:cTn>
                               </p:par>
                               <p:par>
-                                <p:cTn id="31" presetID="10" presetClass="exit" presetSubtype="0" fill="hold" grpId="1" nodeType="withEffect">
+                                <p:cTn id="37" presetID="10" presetClass="exit" presetSubtype="0" fill="hold" grpId="1" nodeType="withEffect">
                                   <p:stCondLst>
                                     <p:cond delay="0"/>
                                   </p:stCondLst>
                                   <p:childTnLst>
                                     <p:animEffect transition="out" filter="fade">
                                       <p:cBhvr>
-                                        <p:cTn id="32" dur="500"/>
-                                        <p:tgtEl>
-                                          <p:spTgt spid="9"/>
+                                        <p:cTn id="38" dur="500"/>
+                                        <p:tgtEl>
+                                          <p:spTgt spid="3"/>
                                         </p:tgtEl>
                                       </p:cBhvr>
                                     </p:animEffect>
                                     <p:set>
                                       <p:cBhvr>
-                                        <p:cTn id="33" dur="1" fill="hold">
+                                        <p:cTn id="39" dur="1" fill="hold">
                                           <p:stCondLst>
                                             <p:cond delay="499"/>
                                           </p:stCondLst>
                                         </p:cTn>
                                         <p:tgtEl>
-                                          <p:spTgt spid="9"/>
+                                          <p:spTgt spid="3"/>
+                                        </p:tgtEl>
+                                        <p:attrNameLst>
+                                          <p:attrName>style.visibility</p:attrName>
+                                        </p:attrNameLst>
+                                      </p:cBhvr>
+                                      <p:to>
+                                        <p:strVal val="hidden"/>
+                                      </p:to>
+                                    </p:set>
+                                  </p:childTnLst>
+                                </p:cTn>
+                              </p:par>
+                              <p:par>
+                                <p:cTn id="40" presetID="10" presetClass="exit" presetSubtype="0" fill="hold" grpId="1" nodeType="withEffect">
+                                  <p:stCondLst>
+                                    <p:cond delay="0"/>
+                                  </p:stCondLst>
+                                  <p:childTnLst>
+                                    <p:animEffect transition="out" filter="fade">
+                                      <p:cBhvr>
+                                        <p:cTn id="41" dur="500"/>
+                                        <p:tgtEl>
+                                          <p:spTgt spid="8"/>
+                                        </p:tgtEl>
+                                      </p:cBhvr>
+                                    </p:animEffect>
+                                    <p:set>
+                                      <p:cBhvr>
+                                        <p:cTn id="42" dur="1" fill="hold">
+                                          <p:stCondLst>
+                                            <p:cond delay="499"/>
+                                          </p:stCondLst>
+                                        </p:cTn>
+                                        <p:tgtEl>
+                                          <p:spTgt spid="8"/>
+                                        </p:tgtEl>
+                                        <p:attrNameLst>
+                                          <p:attrName>style.visibility</p:attrName>
+                                        </p:attrNameLst>
+                                      </p:cBhvr>
+                                      <p:to>
+                                        <p:strVal val="hidden"/>
+                                      </p:to>
+                                    </p:set>
+                                  </p:childTnLst>
+                                </p:cTn>
+                              </p:par>
+                              <p:par>
+                                <p:cTn id="43" presetID="10" presetClass="exit" presetSubtype="0" fill="hold" grpId="1" nodeType="withEffect">
+                                  <p:stCondLst>
+                                    <p:cond delay="0"/>
+                                  </p:stCondLst>
+                                  <p:childTnLst>
+                                    <p:animEffect transition="out" filter="fade">
+                                      <p:cBhvr>
+                                        <p:cTn id="44" dur="500"/>
+                                        <p:tgtEl>
+                                          <p:spTgt spid="6"/>
+                                        </p:tgtEl>
+                                      </p:cBhvr>
+                                    </p:animEffect>
+                                    <p:set>
+                                      <p:cBhvr>
+                                        <p:cTn id="45" dur="1" fill="hold">
+                                          <p:stCondLst>
+                                            <p:cond delay="499"/>
+                                          </p:stCondLst>
+                                        </p:cTn>
+                                        <p:tgtEl>
+                                          <p:spTgt spid="6"/>
                                         </p:tgtEl>
                                         <p:attrNameLst>
                                           <p:attrName>style.visibility</p:attrName>
@@ -23994,26 +24707,26 @@
                           </p:cTn>
                         </p:par>
                         <p:par>
-                          <p:cTn id="34" fill="hold">
+                          <p:cTn id="46" fill="hold">
                             <p:stCondLst>
                               <p:cond delay="500"/>
                             </p:stCondLst>
                             <p:childTnLst>
                               <p:par>
-                                <p:cTn id="35" presetID="10" presetClass="entr" presetSubtype="0" fill="hold" grpId="0" nodeType="afterEffect">
+                                <p:cTn id="47" presetID="10" presetClass="entr" presetSubtype="0" fill="hold" nodeType="afterEffect">
                                   <p:stCondLst>
                                     <p:cond delay="0"/>
                                   </p:stCondLst>
                                   <p:childTnLst>
                                     <p:set>
                                       <p:cBhvr>
-                                        <p:cTn id="36" dur="1" fill="hold">
+                                        <p:cTn id="48" dur="1" fill="hold">
                                           <p:stCondLst>
                                             <p:cond delay="0"/>
                                           </p:stCondLst>
                                         </p:cTn>
                                         <p:tgtEl>
-                                          <p:spTgt spid="2"/>
+                                          <p:spTgt spid="10"/>
                                         </p:tgtEl>
                                         <p:attrNameLst>
                                           <p:attrName>style.visibility</p:attrName>
@@ -24025,97 +24738,9 @@
                                     </p:set>
                                     <p:animEffect transition="in" filter="fade">
                                       <p:cBhvr>
-                                        <p:cTn id="37" dur="500"/>
-                                        <p:tgtEl>
-                                          <p:spTgt spid="2"/>
-                                        </p:tgtEl>
-                                      </p:cBhvr>
-                                    </p:animEffect>
-                                  </p:childTnLst>
-                                </p:cTn>
-                              </p:par>
-                            </p:childTnLst>
-                          </p:cTn>
-                        </p:par>
-                      </p:childTnLst>
-                    </p:cTn>
-                  </p:par>
-                  <p:par>
-                    <p:cTn id="38" fill="hold">
-                      <p:stCondLst>
-                        <p:cond delay="indefinite"/>
-                      </p:stCondLst>
-                      <p:childTnLst>
-                        <p:par>
-                          <p:cTn id="39" fill="hold">
-                            <p:stCondLst>
-                              <p:cond delay="0"/>
-                            </p:stCondLst>
-                            <p:childTnLst>
-                              <p:par>
-                                <p:cTn id="40" presetID="22" presetClass="entr" presetSubtype="1" fill="hold" grpId="0" nodeType="clickEffect">
-                                  <p:stCondLst>
-                                    <p:cond delay="0"/>
-                                  </p:stCondLst>
-                                  <p:childTnLst>
-                                    <p:set>
-                                      <p:cBhvr>
-                                        <p:cTn id="41" dur="1" fill="hold">
-                                          <p:stCondLst>
-                                            <p:cond delay="0"/>
-                                          </p:stCondLst>
-                                        </p:cTn>
-                                        <p:tgtEl>
-                                          <p:spTgt spid="3"/>
-                                        </p:tgtEl>
-                                        <p:attrNameLst>
-                                          <p:attrName>style.visibility</p:attrName>
-                                        </p:attrNameLst>
-                                      </p:cBhvr>
-                                      <p:to>
-                                        <p:strVal val="visible"/>
-                                      </p:to>
-                                    </p:set>
-                                    <p:animEffect transition="in" filter="wipe(up)">
-                                      <p:cBhvr>
-                                        <p:cTn id="42" dur="500"/>
-                                        <p:tgtEl>
-                                          <p:spTgt spid="3"/>
-                                        </p:tgtEl>
-                                      </p:cBhvr>
-                                    </p:animEffect>
-                                  </p:childTnLst>
-                                </p:cTn>
-                              </p:par>
-                              <p:par>
-                                <p:cTn id="43" presetID="22" presetClass="entr" presetSubtype="1" fill="hold" grpId="0" nodeType="withEffect">
-                                  <p:stCondLst>
-                                    <p:cond delay="0"/>
-                                  </p:stCondLst>
-                                  <p:childTnLst>
-                                    <p:set>
-                                      <p:cBhvr>
-                                        <p:cTn id="44" dur="1" fill="hold">
-                                          <p:stCondLst>
-                                            <p:cond delay="0"/>
-                                          </p:stCondLst>
-                                        </p:cTn>
-                                        <p:tgtEl>
-                                          <p:spTgt spid="8"/>
-                                        </p:tgtEl>
-                                        <p:attrNameLst>
-                                          <p:attrName>style.visibility</p:attrName>
-                                        </p:attrNameLst>
-                                      </p:cBhvr>
-                                      <p:to>
-                                        <p:strVal val="visible"/>
-                                      </p:to>
-                                    </p:set>
-                                    <p:animEffect transition="in" filter="wipe(up)">
-                                      <p:cBhvr>
-                                        <p:cTn id="45" dur="500"/>
-                                        <p:tgtEl>
-                                          <p:spTgt spid="8"/>
+                                        <p:cTn id="49" dur="500"/>
+                                        <p:tgtEl>
+                                          <p:spTgt spid="10"/>
                                         </p:tgtEl>
                                       </p:cBhvr>
                                     </p:animEffect>
@@ -24151,15 +24776,14 @@
     </p:tnLst>
     <p:bldLst>
       <p:bldP spid="5" grpId="0"/>
-      <p:bldP spid="7" grpId="0"/>
-      <p:bldP spid="7" grpId="1"/>
-      <p:bldP spid="4" grpId="0"/>
-      <p:bldP spid="4" grpId="1"/>
       <p:bldP spid="2" grpId="0"/>
+      <p:bldP spid="2" grpId="1"/>
       <p:bldP spid="3" grpId="0" animBg="1"/>
+      <p:bldP spid="3" grpId="1" animBg="1"/>
       <p:bldP spid="8" grpId="0" animBg="1"/>
-      <p:bldP spid="9" grpId="0" animBg="1"/>
-      <p:bldP spid="9" grpId="1" animBg="1"/>
+      <p:bldP spid="8" grpId="1" animBg="1"/>
+      <p:bldP spid="6" grpId="0"/>
+      <p:bldP spid="6" grpId="1"/>
     </p:bldLst>
   </p:timing>
 </p:sld>
